--- a/Presentation/presentation.pptx
+++ b/Presentation/presentation.pptx
@@ -5,7 +5,7 @@
     <p:sldMasterId id="2147483648" r:id="rId1"/>
   </p:sldMasterIdLst>
   <p:notesMasterIdLst>
-    <p:notesMasterId r:id="rId13"/>
+    <p:notesMasterId r:id="rId14"/>
   </p:notesMasterIdLst>
   <p:sldIdLst>
     <p:sldId id="256" r:id="rId2"/>
@@ -18,7 +18,8 @@
     <p:sldId id="263" r:id="rId9"/>
     <p:sldId id="266" r:id="rId10"/>
     <p:sldId id="271" r:id="rId11"/>
-    <p:sldId id="272" r:id="rId12"/>
+    <p:sldId id="273" r:id="rId12"/>
+    <p:sldId id="272" r:id="rId13"/>
   </p:sldIdLst>
   <p:sldSz cx="9144000" cy="5143500" type="screen16x9"/>
   <p:notesSz cx="6858000" cy="9144000"/>
@@ -576,7 +577,7 @@
                 </a:solidFill>
               </a:rPr>
               <a:pPr/>
-              <a:t>11</a:t>
+              <a:t>12</a:t>
             </a:fld>
             <a:endParaRPr lang="zh-CN" altLang="en-US">
               <a:solidFill>
@@ -5299,6 +5300,335 @@
       </p:grpSpPr>
       <p:sp>
         <p:nvSpPr>
+          <p:cNvPr id="4" name="矩形 3"/>
+          <p:cNvSpPr/>
+          <p:nvPr/>
+        </p:nvSpPr>
+        <p:spPr>
+          <a:xfrm>
+            <a:off x="0" y="-35630"/>
+            <a:ext cx="9144000" cy="5271676"/>
+          </a:xfrm>
+          <a:prstGeom prst="rect">
+            <a:avLst/>
+          </a:prstGeom>
+          <a:solidFill>
+            <a:schemeClr val="dk1">
+              <a:alpha val="12000"/>
+            </a:schemeClr>
+          </a:solidFill>
+          <a:ln>
+            <a:noFill/>
+          </a:ln>
+        </p:spPr>
+        <p:style>
+          <a:lnRef idx="2">
+            <a:schemeClr val="dk1">
+              <a:shade val="50000"/>
+            </a:schemeClr>
+          </a:lnRef>
+          <a:fillRef idx="1">
+            <a:schemeClr val="dk1"/>
+          </a:fillRef>
+          <a:effectRef idx="0">
+            <a:schemeClr val="dk1"/>
+          </a:effectRef>
+          <a:fontRef idx="minor">
+            <a:schemeClr val="lt1"/>
+          </a:fontRef>
+        </p:style>
+        <p:txBody>
+          <a:bodyPr rtlCol="0" anchor="ctr"/>
+          <a:lstStyle/>
+          <a:p>
+            <a:pPr algn="ctr"/>
+            <a:endParaRPr lang="zh-CN" altLang="en-US"/>
+          </a:p>
+        </p:txBody>
+      </p:sp>
+      <p:sp>
+        <p:nvSpPr>
+          <p:cNvPr id="2" name="矩形 1"/>
+          <p:cNvSpPr/>
+          <p:nvPr/>
+        </p:nvSpPr>
+        <p:spPr>
+          <a:xfrm>
+            <a:off x="0" y="5020022"/>
+            <a:ext cx="9144000" cy="216024"/>
+          </a:xfrm>
+          <a:prstGeom prst="rect">
+            <a:avLst/>
+          </a:prstGeom>
+          <a:solidFill>
+            <a:srgbClr val="92D050">
+              <a:alpha val="70000"/>
+            </a:srgbClr>
+          </a:solidFill>
+          <a:ln>
+            <a:noFill/>
+          </a:ln>
+        </p:spPr>
+        <p:style>
+          <a:lnRef idx="2">
+            <a:schemeClr val="accent1">
+              <a:shade val="50000"/>
+            </a:schemeClr>
+          </a:lnRef>
+          <a:fillRef idx="1">
+            <a:schemeClr val="accent1"/>
+          </a:fillRef>
+          <a:effectRef idx="0">
+            <a:schemeClr val="accent1"/>
+          </a:effectRef>
+          <a:fontRef idx="minor">
+            <a:schemeClr val="lt1"/>
+          </a:fontRef>
+        </p:style>
+        <p:txBody>
+          <a:bodyPr rtlCol="0" anchor="ctr"/>
+          <a:lstStyle/>
+          <a:p>
+            <a:pPr algn="ctr"/>
+            <a:endParaRPr lang="zh-CN" altLang="en-US"/>
+          </a:p>
+        </p:txBody>
+      </p:sp>
+      <p:sp>
+        <p:nvSpPr>
+          <p:cNvPr id="3" name="流程图: 合并 2"/>
+          <p:cNvSpPr/>
+          <p:nvPr/>
+        </p:nvSpPr>
+        <p:spPr>
+          <a:xfrm>
+            <a:off x="971600" y="0"/>
+            <a:ext cx="7200800" cy="1008112"/>
+          </a:xfrm>
+          <a:prstGeom prst="flowChartMerge">
+            <a:avLst/>
+          </a:prstGeom>
+          <a:solidFill>
+            <a:srgbClr val="92D050">
+              <a:alpha val="70000"/>
+            </a:srgbClr>
+          </a:solidFill>
+          <a:ln w="9525">
+            <a:noFill/>
+          </a:ln>
+        </p:spPr>
+        <p:style>
+          <a:lnRef idx="2">
+            <a:schemeClr val="accent1">
+              <a:shade val="50000"/>
+            </a:schemeClr>
+          </a:lnRef>
+          <a:fillRef idx="1">
+            <a:schemeClr val="accent1"/>
+          </a:fillRef>
+          <a:effectRef idx="0">
+            <a:schemeClr val="accent1"/>
+          </a:effectRef>
+          <a:fontRef idx="minor">
+            <a:schemeClr val="lt1"/>
+          </a:fontRef>
+        </p:style>
+        <p:txBody>
+          <a:bodyPr rtlCol="0" anchor="ctr"/>
+          <a:lstStyle/>
+          <a:p>
+            <a:pPr algn="ctr"/>
+            <a:endParaRPr lang="zh-CN" altLang="en-US"/>
+          </a:p>
+        </p:txBody>
+      </p:sp>
+      <p:sp>
+        <p:nvSpPr>
+          <p:cNvPr id="5" name="流程图: 合并 4"/>
+          <p:cNvSpPr/>
+          <p:nvPr/>
+        </p:nvSpPr>
+        <p:spPr>
+          <a:xfrm rot="10800000">
+            <a:off x="4355978" y="2715766"/>
+            <a:ext cx="432049" cy="288032"/>
+          </a:xfrm>
+          <a:prstGeom prst="flowChartMerge">
+            <a:avLst/>
+          </a:prstGeom>
+          <a:noFill/>
+          <a:ln w="6350">
+            <a:solidFill>
+              <a:schemeClr val="bg1">
+                <a:lumMod val="50000"/>
+              </a:schemeClr>
+            </a:solidFill>
+            <a:prstDash val="sysDash"/>
+          </a:ln>
+        </p:spPr>
+        <p:style>
+          <a:lnRef idx="2">
+            <a:schemeClr val="dk1"/>
+          </a:lnRef>
+          <a:fillRef idx="1">
+            <a:schemeClr val="lt1"/>
+          </a:fillRef>
+          <a:effectRef idx="0">
+            <a:schemeClr val="dk1"/>
+          </a:effectRef>
+          <a:fontRef idx="minor">
+            <a:schemeClr val="dk1"/>
+          </a:fontRef>
+        </p:style>
+        <p:txBody>
+          <a:bodyPr rtlCol="0" anchor="ctr"/>
+          <a:lstStyle/>
+          <a:p>
+            <a:pPr algn="ctr"/>
+            <a:endParaRPr lang="zh-CN" altLang="en-US"/>
+          </a:p>
+        </p:txBody>
+      </p:sp>
+      <p:sp>
+        <p:nvSpPr>
+          <p:cNvPr id="6" name="TextBox 48"/>
+          <p:cNvSpPr txBox="1"/>
+          <p:nvPr/>
+        </p:nvSpPr>
+        <p:spPr>
+          <a:xfrm>
+            <a:off x="1151620" y="2139702"/>
+            <a:ext cx="6840761" cy="446276"/>
+          </a:xfrm>
+          <a:prstGeom prst="rect">
+            <a:avLst/>
+          </a:prstGeom>
+          <a:noFill/>
+        </p:spPr>
+        <p:txBody>
+          <a:bodyPr wrap="square" rtlCol="0">
+            <a:spAutoFit/>
+          </a:bodyPr>
+          <a:lstStyle/>
+          <a:p>
+            <a:pPr lvl="0" algn="ctr"/>
+            <a:r>
+              <a:rPr lang="zh-CN" altLang="en-US" sz="2300" b="1" dirty="0" smtClean="0">
+                <a:latin typeface="微软雅黑" panose="020B0503020204020204" pitchFamily="34" charset="-122"/>
+                <a:ea typeface="微软雅黑" panose="020B0503020204020204" pitchFamily="34" charset="-122"/>
+              </a:rPr>
+              <a:t>产品展示</a:t>
+            </a:r>
+            <a:endParaRPr lang="zh-CN" altLang="zh-CN" sz="2800" b="1" dirty="0">
+              <a:effectLst>
+                <a:outerShdw blurRad="38100" dist="38100" dir="2700000" algn="tl">
+                  <a:srgbClr val="000000">
+                    <a:alpha val="43137"/>
+                  </a:srgbClr>
+                </a:outerShdw>
+              </a:effectLst>
+              <a:latin typeface="微软雅黑" panose="020B0503020204020204" pitchFamily="34" charset="-122"/>
+              <a:ea typeface="微软雅黑" panose="020B0503020204020204" pitchFamily="34" charset="-122"/>
+            </a:endParaRPr>
+          </a:p>
+        </p:txBody>
+      </p:sp>
+      <p:sp>
+        <p:nvSpPr>
+          <p:cNvPr id="7" name="TextBox 41"/>
+          <p:cNvSpPr txBox="1"/>
+          <p:nvPr/>
+        </p:nvSpPr>
+        <p:spPr>
+          <a:xfrm>
+            <a:off x="3275854" y="42245"/>
+            <a:ext cx="2592288" cy="1015663"/>
+          </a:xfrm>
+          <a:prstGeom prst="rect">
+            <a:avLst/>
+          </a:prstGeom>
+          <a:noFill/>
+          <a:effectLst>
+            <a:outerShdw blurRad="50800" dist="38100" algn="l" rotWithShape="0">
+              <a:prstClr val="black">
+                <a:alpha val="40000"/>
+              </a:prstClr>
+            </a:outerShdw>
+          </a:effectLst>
+        </p:spPr>
+        <p:txBody>
+          <a:bodyPr wrap="square" rtlCol="0">
+            <a:spAutoFit/>
+          </a:bodyPr>
+          <a:lstStyle/>
+          <a:p>
+            <a:pPr lvl="0" algn="ctr"/>
+            <a:r>
+              <a:rPr lang="en-US" altLang="zh-CN" sz="6000" b="1" dirty="0" smtClean="0">
+                <a:solidFill>
+                  <a:schemeClr val="bg1"/>
+                </a:solidFill>
+                <a:effectLst>
+                  <a:outerShdw blurRad="38100" dist="38100" dir="2700000" algn="tl">
+                    <a:srgbClr val="000000">
+                      <a:alpha val="43137"/>
+                    </a:srgbClr>
+                  </a:outerShdw>
+                </a:effectLst>
+                <a:latin typeface="BatangChe" panose="02030609000101010101" pitchFamily="49" charset="-127"/>
+                <a:ea typeface="BatangChe" panose="02030609000101010101" pitchFamily="49" charset="-127"/>
+              </a:rPr>
+              <a:t>04</a:t>
+            </a:r>
+            <a:endParaRPr lang="zh-CN" altLang="zh-CN" sz="6000" b="1" dirty="0">
+              <a:solidFill>
+                <a:schemeClr val="bg1"/>
+              </a:solidFill>
+              <a:effectLst>
+                <a:outerShdw blurRad="38100" dist="38100" dir="2700000" algn="tl">
+                  <a:srgbClr val="000000">
+                    <a:alpha val="43137"/>
+                  </a:srgbClr>
+                </a:outerShdw>
+              </a:effectLst>
+              <a:latin typeface="BatangChe" panose="02030609000101010101" pitchFamily="49" charset="-127"/>
+              <a:ea typeface="BatangChe" panose="02030609000101010101" pitchFamily="49" charset="-127"/>
+            </a:endParaRPr>
+          </a:p>
+        </p:txBody>
+      </p:sp>
+    </p:spTree>
+    <p:extLst>
+      <p:ext uri="{BB962C8B-B14F-4D97-AF65-F5344CB8AC3E}">
+        <p14:creationId xmlns:p14="http://schemas.microsoft.com/office/powerpoint/2010/main" val="5672231"/>
+      </p:ext>
+    </p:extLst>
+  </p:cSld>
+  <p:clrMapOvr>
+    <a:masterClrMapping/>
+  </p:clrMapOvr>
+</p:sld>
+</file>
+
+<file path=ppt/slides/slide12.xml><?xml version="1.0" encoding="utf-8"?>
+<p:sld xmlns:a="http://schemas.openxmlformats.org/drawingml/2006/main" xmlns:r="http://schemas.openxmlformats.org/officeDocument/2006/relationships" xmlns:p="http://schemas.openxmlformats.org/presentationml/2006/main">
+  <p:cSld>
+    <p:spTree>
+      <p:nvGrpSpPr>
+        <p:cNvPr id="1" name=""/>
+        <p:cNvGrpSpPr/>
+        <p:nvPr/>
+      </p:nvGrpSpPr>
+      <p:grpSpPr>
+        <a:xfrm>
+          <a:off x="0" y="0"/>
+          <a:ext cx="0" cy="0"/>
+          <a:chOff x="0" y="0"/>
+          <a:chExt cx="0" cy="0"/>
+        </a:xfrm>
+      </p:grpSpPr>
+      <p:sp>
+        <p:nvSpPr>
           <p:cNvPr id="5" name="矩形 4"/>
           <p:cNvSpPr/>
           <p:nvPr/>
@@ -6840,7 +7170,9 @@
       <p:sp>
         <p:nvSpPr>
           <p:cNvPr id="31" name="矩形 30"/>
-          <p:cNvSpPr/>
+          <p:cNvSpPr>
+            <a:spLocks noChangeAspect="1"/>
+          </p:cNvSpPr>
           <p:nvPr/>
         </p:nvSpPr>
         <p:spPr>
@@ -7116,172 +7448,13 @@
       </p:sp>
       <p:sp>
         <p:nvSpPr>
-          <p:cNvPr id="10" name="流程图: 联系 9"/>
-          <p:cNvSpPr/>
-          <p:nvPr/>
-        </p:nvSpPr>
-        <p:spPr>
-          <a:xfrm>
-            <a:off x="2447764" y="2067695"/>
-            <a:ext cx="1008112" cy="1008112"/>
-          </a:xfrm>
-          <a:prstGeom prst="flowChartConnector">
-            <a:avLst/>
-          </a:prstGeom>
-          <a:solidFill>
-            <a:srgbClr val="05AFC8"/>
-          </a:solidFill>
-          <a:ln>
-            <a:noFill/>
-          </a:ln>
-          <a:effectLst>
-            <a:outerShdw blurRad="50800" dist="38100" dir="2700000" algn="tl" rotWithShape="0">
-              <a:prstClr val="black">
-                <a:alpha val="40000"/>
-              </a:prstClr>
-            </a:outerShdw>
-          </a:effectLst>
-        </p:spPr>
-        <p:style>
-          <a:lnRef idx="2">
-            <a:schemeClr val="accent1">
-              <a:shade val="50000"/>
-            </a:schemeClr>
-          </a:lnRef>
-          <a:fillRef idx="1">
-            <a:schemeClr val="accent1"/>
-          </a:fillRef>
-          <a:effectRef idx="0">
-            <a:schemeClr val="accent1"/>
-          </a:effectRef>
-          <a:fontRef idx="minor">
-            <a:schemeClr val="lt1"/>
-          </a:fontRef>
-        </p:style>
-        <p:txBody>
-          <a:bodyPr rtlCol="0" anchor="ctr"/>
-          <a:lstStyle/>
-          <a:p>
-            <a:pPr algn="ctr"/>
-            <a:endParaRPr lang="zh-CN" altLang="en-US"/>
-          </a:p>
-        </p:txBody>
-      </p:sp>
-      <p:sp>
-        <p:nvSpPr>
-          <p:cNvPr id="14" name="流程图: 联系 13"/>
-          <p:cNvSpPr/>
-          <p:nvPr/>
-        </p:nvSpPr>
-        <p:spPr>
-          <a:xfrm>
-            <a:off x="4067944" y="2067695"/>
-            <a:ext cx="1008112" cy="1008112"/>
-          </a:xfrm>
-          <a:prstGeom prst="flowChartConnector">
-            <a:avLst/>
-          </a:prstGeom>
-          <a:solidFill>
-            <a:srgbClr val="FFC000"/>
-          </a:solidFill>
-          <a:ln>
-            <a:noFill/>
-          </a:ln>
-          <a:effectLst>
-            <a:outerShdw blurRad="50800" dist="38100" dir="2700000" algn="tl" rotWithShape="0">
-              <a:prstClr val="black">
-                <a:alpha val="40000"/>
-              </a:prstClr>
-            </a:outerShdw>
-          </a:effectLst>
-        </p:spPr>
-        <p:style>
-          <a:lnRef idx="2">
-            <a:schemeClr val="accent1">
-              <a:shade val="50000"/>
-            </a:schemeClr>
-          </a:lnRef>
-          <a:fillRef idx="1">
-            <a:schemeClr val="accent1"/>
-          </a:fillRef>
-          <a:effectRef idx="0">
-            <a:schemeClr val="accent1"/>
-          </a:effectRef>
-          <a:fontRef idx="minor">
-            <a:schemeClr val="lt1"/>
-          </a:fontRef>
-        </p:style>
-        <p:txBody>
-          <a:bodyPr rtlCol="0" anchor="ctr"/>
-          <a:lstStyle/>
-          <a:p>
-            <a:pPr algn="ctr"/>
-            <a:endParaRPr lang="zh-CN" altLang="en-US"/>
-          </a:p>
-        </p:txBody>
-      </p:sp>
-      <p:sp>
-        <p:nvSpPr>
-          <p:cNvPr id="15" name="流程图: 联系 14"/>
-          <p:cNvSpPr/>
-          <p:nvPr/>
-        </p:nvSpPr>
-        <p:spPr>
-          <a:xfrm>
-            <a:off x="5724128" y="2067695"/>
-            <a:ext cx="1008112" cy="1008112"/>
-          </a:xfrm>
-          <a:prstGeom prst="flowChartConnector">
-            <a:avLst/>
-          </a:prstGeom>
-          <a:solidFill>
-            <a:srgbClr val="FA4453"/>
-          </a:solidFill>
-          <a:ln>
-            <a:noFill/>
-          </a:ln>
-          <a:effectLst>
-            <a:outerShdw blurRad="50800" dist="38100" dir="2700000" algn="tl" rotWithShape="0">
-              <a:prstClr val="black">
-                <a:alpha val="40000"/>
-              </a:prstClr>
-            </a:outerShdw>
-          </a:effectLst>
-        </p:spPr>
-        <p:style>
-          <a:lnRef idx="2">
-            <a:schemeClr val="accent1">
-              <a:shade val="50000"/>
-            </a:schemeClr>
-          </a:lnRef>
-          <a:fillRef idx="1">
-            <a:schemeClr val="accent1"/>
-          </a:fillRef>
-          <a:effectRef idx="0">
-            <a:schemeClr val="accent1"/>
-          </a:effectRef>
-          <a:fontRef idx="minor">
-            <a:schemeClr val="lt1"/>
-          </a:fontRef>
-        </p:style>
-        <p:txBody>
-          <a:bodyPr rtlCol="0" anchor="ctr"/>
-          <a:lstStyle/>
-          <a:p>
-            <a:pPr algn="ctr"/>
-            <a:endParaRPr lang="zh-CN" altLang="en-US"/>
-          </a:p>
-        </p:txBody>
-      </p:sp>
-      <p:sp>
-        <p:nvSpPr>
           <p:cNvPr id="16" name="TextBox 15"/>
           <p:cNvSpPr txBox="1"/>
           <p:nvPr/>
         </p:nvSpPr>
         <p:spPr>
           <a:xfrm>
-            <a:off x="2123728" y="3134410"/>
+            <a:off x="1259632" y="3213990"/>
             <a:ext cx="1656184" cy="369332"/>
           </a:xfrm>
           <a:prstGeom prst="rect">
@@ -7295,9 +7468,9 @@
           </a:bodyPr>
           <a:lstStyle/>
           <a:p>
-            <a:pPr lvl="0" algn="ctr"/>
-            <a:r>
-              <a:rPr lang="zh-CN" altLang="en-US" b="1" dirty="0" smtClean="0">
+            <a:pPr algn="ctr"/>
+            <a:r>
+              <a:rPr lang="zh-CN" altLang="en-US" b="1" dirty="0">
                 <a:solidFill>
                   <a:schemeClr val="tx1">
                     <a:lumMod val="75000"/>
@@ -7307,10 +7480,10 @@
                 <a:latin typeface="微软雅黑" panose="020B0503020204020204" pitchFamily="34" charset="-122"/>
                 <a:ea typeface="微软雅黑" panose="020B0503020204020204" pitchFamily="34" charset="-122"/>
               </a:rPr>
-              <a:t>常规</a:t>
-            </a:r>
-            <a:r>
-              <a:rPr lang="zh-CN" altLang="en-US" b="1" dirty="0">
+              <a:t>功能与</a:t>
+            </a:r>
+            <a:r>
+              <a:rPr lang="zh-CN" altLang="en-US" b="1" dirty="0" smtClean="0">
                 <a:solidFill>
                   <a:schemeClr val="tx1">
                     <a:lumMod val="75000"/>
@@ -7320,7 +7493,7 @@
                 <a:latin typeface="微软雅黑" panose="020B0503020204020204" pitchFamily="34" charset="-122"/>
                 <a:ea typeface="微软雅黑" panose="020B0503020204020204" pitchFamily="34" charset="-122"/>
               </a:rPr>
-              <a:t>工作</a:t>
+              <a:t>特色</a:t>
             </a:r>
             <a:endParaRPr lang="zh-CN" altLang="zh-CN" b="1" dirty="0">
               <a:solidFill>
@@ -7343,7 +7516,7 @@
         </p:nvSpPr>
         <p:spPr>
           <a:xfrm>
-            <a:off x="3779912" y="3138522"/>
+            <a:off x="2920263" y="3218102"/>
             <a:ext cx="1656184" cy="369332"/>
           </a:xfrm>
           <a:prstGeom prst="rect">
@@ -7359,7 +7532,7 @@
           <a:p>
             <a:pPr lvl="0" algn="ctr"/>
             <a:r>
-              <a:rPr lang="zh-CN" altLang="en-US" b="1" dirty="0" smtClean="0">
+              <a:rPr lang="zh-CN" altLang="en-US" b="1" smtClean="0">
                 <a:solidFill>
                   <a:schemeClr val="tx1">
                     <a:lumMod val="75000"/>
@@ -7369,7 +7542,56 @@
                 <a:latin typeface="微软雅黑" panose="020B0503020204020204" pitchFamily="34" charset="-122"/>
                 <a:ea typeface="微软雅黑" panose="020B0503020204020204" pitchFamily="34" charset="-122"/>
               </a:rPr>
-              <a:t>特色工作</a:t>
+              <a:t>系统概要</a:t>
+            </a:r>
+            <a:endParaRPr lang="en-US" altLang="zh-CN" b="1" dirty="0">
+              <a:solidFill>
+                <a:schemeClr val="tx1">
+                  <a:lumMod val="75000"/>
+                  <a:lumOff val="25000"/>
+                </a:schemeClr>
+              </a:solidFill>
+              <a:latin typeface="微软雅黑" panose="020B0503020204020204" pitchFamily="34" charset="-122"/>
+              <a:ea typeface="微软雅黑" panose="020B0503020204020204" pitchFamily="34" charset="-122"/>
+            </a:endParaRPr>
+          </a:p>
+        </p:txBody>
+      </p:sp>
+      <p:sp>
+        <p:nvSpPr>
+          <p:cNvPr id="18" name="TextBox 17"/>
+          <p:cNvSpPr txBox="1"/>
+          <p:nvPr/>
+        </p:nvSpPr>
+        <p:spPr>
+          <a:xfrm>
+            <a:off x="4604928" y="3213990"/>
+            <a:ext cx="1656184" cy="369332"/>
+          </a:xfrm>
+          <a:prstGeom prst="rect">
+            <a:avLst/>
+          </a:prstGeom>
+          <a:noFill/>
+        </p:spPr>
+        <p:txBody>
+          <a:bodyPr wrap="square" rtlCol="0">
+            <a:spAutoFit/>
+          </a:bodyPr>
+          <a:lstStyle/>
+          <a:p>
+            <a:pPr lvl="0" algn="ctr"/>
+            <a:r>
+              <a:rPr lang="zh-CN" altLang="en-US" b="1" dirty="0">
+                <a:solidFill>
+                  <a:schemeClr val="tx1">
+                    <a:lumMod val="75000"/>
+                    <a:lumOff val="25000"/>
+                  </a:schemeClr>
+                </a:solidFill>
+                <a:latin typeface="微软雅黑" panose="020B0503020204020204" pitchFamily="34" charset="-122"/>
+                <a:ea typeface="微软雅黑" panose="020B0503020204020204" pitchFamily="34" charset="-122"/>
+              </a:rPr>
+              <a:t>分工细则</a:t>
             </a:r>
             <a:endParaRPr lang="zh-CN" altLang="zh-CN" b="1" dirty="0">
               <a:solidFill>
@@ -7384,15 +7606,1093 @@
           </a:p>
         </p:txBody>
       </p:sp>
-      <p:sp>
-        <p:nvSpPr>
-          <p:cNvPr id="18" name="TextBox 17"/>
+      <p:grpSp>
+        <p:nvGrpSpPr>
+          <p:cNvPr id="2" name="组合 1"/>
+          <p:cNvGrpSpPr/>
+          <p:nvPr/>
+        </p:nvGrpSpPr>
+        <p:grpSpPr>
+          <a:xfrm>
+            <a:off x="1578024" y="2024155"/>
+            <a:ext cx="1008112" cy="1008112"/>
+            <a:chOff x="1403648" y="1851670"/>
+            <a:chExt cx="1008112" cy="1008112"/>
+          </a:xfrm>
+        </p:grpSpPr>
+        <p:sp>
+          <p:nvSpPr>
+            <p:cNvPr id="19" name="流程图: 联系 18"/>
+            <p:cNvSpPr/>
+            <p:nvPr/>
+          </p:nvSpPr>
+          <p:spPr>
+            <a:xfrm>
+              <a:off x="1403648" y="1851670"/>
+              <a:ext cx="1008112" cy="1008112"/>
+            </a:xfrm>
+            <a:prstGeom prst="flowChartConnector">
+              <a:avLst/>
+            </a:prstGeom>
+            <a:solidFill>
+              <a:srgbClr val="05AFC8"/>
+            </a:solidFill>
+            <a:ln>
+              <a:noFill/>
+            </a:ln>
+            <a:effectLst>
+              <a:outerShdw blurRad="50800" dist="38100" dir="2700000" algn="tl" rotWithShape="0">
+                <a:prstClr val="black">
+                  <a:alpha val="40000"/>
+                </a:prstClr>
+              </a:outerShdw>
+            </a:effectLst>
+          </p:spPr>
+          <p:style>
+            <a:lnRef idx="2">
+              <a:schemeClr val="accent1">
+                <a:shade val="50000"/>
+              </a:schemeClr>
+            </a:lnRef>
+            <a:fillRef idx="1">
+              <a:schemeClr val="accent1"/>
+            </a:fillRef>
+            <a:effectRef idx="0">
+              <a:schemeClr val="accent1"/>
+            </a:effectRef>
+            <a:fontRef idx="minor">
+              <a:schemeClr val="lt1"/>
+            </a:fontRef>
+          </p:style>
+          <p:txBody>
+            <a:bodyPr rtlCol="0" anchor="ctr"/>
+            <a:lstStyle/>
+            <a:p>
+              <a:pPr algn="ctr"/>
+              <a:endParaRPr lang="zh-CN" altLang="en-US"/>
+            </a:p>
+          </p:txBody>
+        </p:sp>
+        <p:sp>
+          <p:nvSpPr>
+            <p:cNvPr id="13" name="laptop"/>
+            <p:cNvSpPr>
+              <a:spLocks noEditPoints="1" noChangeArrowheads="1"/>
+            </p:cNvSpPr>
+            <p:nvPr/>
+          </p:nvSpPr>
+          <p:spPr bwMode="auto">
+            <a:xfrm>
+              <a:off x="1545096" y="2139700"/>
+              <a:ext cx="725216" cy="429009"/>
+            </a:xfrm>
+            <a:custGeom>
+              <a:avLst/>
+              <a:gdLst>
+                <a:gd name="T0" fmla="*/ 3362 w 21600"/>
+                <a:gd name="T1" fmla="*/ 0 h 21600"/>
+                <a:gd name="T2" fmla="*/ 3362 w 21600"/>
+                <a:gd name="T3" fmla="*/ 7173 h 21600"/>
+                <a:gd name="T4" fmla="*/ 18327 w 21600"/>
+                <a:gd name="T5" fmla="*/ 0 h 21600"/>
+                <a:gd name="T6" fmla="*/ 18327 w 21600"/>
+                <a:gd name="T7" fmla="*/ 7173 h 21600"/>
+                <a:gd name="T8" fmla="*/ 10800 w 21600"/>
+                <a:gd name="T9" fmla="*/ 0 h 21600"/>
+                <a:gd name="T10" fmla="*/ 10800 w 21600"/>
+                <a:gd name="T11" fmla="*/ 21600 h 21600"/>
+                <a:gd name="T12" fmla="*/ 0 w 21600"/>
+                <a:gd name="T13" fmla="*/ 21600 h 21600"/>
+                <a:gd name="T14" fmla="*/ 21600 w 21600"/>
+                <a:gd name="T15" fmla="*/ 21600 h 21600"/>
+                <a:gd name="T16" fmla="*/ 4445 w 21600"/>
+                <a:gd name="T17" fmla="*/ 1858 h 21600"/>
+                <a:gd name="T18" fmla="*/ 17311 w 21600"/>
+                <a:gd name="T19" fmla="*/ 12323 h 21600"/>
+              </a:gdLst>
+              <a:ahLst/>
+              <a:cxnLst>
+                <a:cxn ang="0">
+                  <a:pos x="T0" y="T1"/>
+                </a:cxn>
+                <a:cxn ang="0">
+                  <a:pos x="T2" y="T3"/>
+                </a:cxn>
+                <a:cxn ang="0">
+                  <a:pos x="T4" y="T5"/>
+                </a:cxn>
+                <a:cxn ang="0">
+                  <a:pos x="T6" y="T7"/>
+                </a:cxn>
+                <a:cxn ang="0">
+                  <a:pos x="T8" y="T9"/>
+                </a:cxn>
+                <a:cxn ang="0">
+                  <a:pos x="T10" y="T11"/>
+                </a:cxn>
+                <a:cxn ang="0">
+                  <a:pos x="T12" y="T13"/>
+                </a:cxn>
+                <a:cxn ang="0">
+                  <a:pos x="T14" y="T15"/>
+                </a:cxn>
+              </a:cxnLst>
+              <a:rect l="T16" t="T17" r="T18" b="T19"/>
+              <a:pathLst>
+                <a:path w="21600" h="21600" extrusionOk="0">
+                  <a:moveTo>
+                    <a:pt x="3362" y="0"/>
+                  </a:moveTo>
+                  <a:lnTo>
+                    <a:pt x="18327" y="0"/>
+                  </a:lnTo>
+                  <a:lnTo>
+                    <a:pt x="18327" y="14347"/>
+                  </a:lnTo>
+                  <a:lnTo>
+                    <a:pt x="3362" y="14347"/>
+                  </a:lnTo>
+                  <a:lnTo>
+                    <a:pt x="3362" y="0"/>
+                  </a:lnTo>
+                  <a:close/>
+                </a:path>
+                <a:path w="21600" h="21600" extrusionOk="0">
+                  <a:moveTo>
+                    <a:pt x="3340" y="15068"/>
+                  </a:moveTo>
+                  <a:lnTo>
+                    <a:pt x="0" y="19877"/>
+                  </a:lnTo>
+                  <a:lnTo>
+                    <a:pt x="21600" y="19877"/>
+                  </a:lnTo>
+                  <a:lnTo>
+                    <a:pt x="18327" y="15068"/>
+                  </a:lnTo>
+                  <a:lnTo>
+                    <a:pt x="3340" y="15068"/>
+                  </a:lnTo>
+                  <a:close/>
+                </a:path>
+                <a:path w="21600" h="21600" extrusionOk="0">
+                  <a:moveTo>
+                    <a:pt x="0" y="19877"/>
+                  </a:moveTo>
+                  <a:lnTo>
+                    <a:pt x="0" y="21600"/>
+                  </a:lnTo>
+                  <a:lnTo>
+                    <a:pt x="21600" y="21600"/>
+                  </a:lnTo>
+                  <a:lnTo>
+                    <a:pt x="21600" y="19877"/>
+                  </a:lnTo>
+                  <a:lnTo>
+                    <a:pt x="0" y="19877"/>
+                  </a:lnTo>
+                  <a:close/>
+                </a:path>
+                <a:path w="21600" h="21600" extrusionOk="0">
+                  <a:moveTo>
+                    <a:pt x="4186" y="1523"/>
+                  </a:moveTo>
+                  <a:lnTo>
+                    <a:pt x="17547" y="1523"/>
+                  </a:lnTo>
+                  <a:lnTo>
+                    <a:pt x="17547" y="12744"/>
+                  </a:lnTo>
+                  <a:lnTo>
+                    <a:pt x="4186" y="12744"/>
+                  </a:lnTo>
+                  <a:lnTo>
+                    <a:pt x="4186" y="1523"/>
+                  </a:lnTo>
+                  <a:close/>
+                </a:path>
+                <a:path w="21600" h="21600" extrusionOk="0">
+                  <a:moveTo>
+                    <a:pt x="3318" y="15549"/>
+                  </a:moveTo>
+                  <a:lnTo>
+                    <a:pt x="2917" y="16110"/>
+                  </a:lnTo>
+                  <a:lnTo>
+                    <a:pt x="18727" y="16110"/>
+                  </a:lnTo>
+                  <a:lnTo>
+                    <a:pt x="18327" y="15549"/>
+                  </a:lnTo>
+                  <a:lnTo>
+                    <a:pt x="3318" y="15549"/>
+                  </a:lnTo>
+                  <a:close/>
+                </a:path>
+                <a:path w="21600" h="21600" extrusionOk="0">
+                  <a:moveTo>
+                    <a:pt x="6213" y="18314"/>
+                  </a:moveTo>
+                  <a:lnTo>
+                    <a:pt x="5946" y="18875"/>
+                  </a:lnTo>
+                  <a:lnTo>
+                    <a:pt x="15766" y="18875"/>
+                  </a:lnTo>
+                  <a:lnTo>
+                    <a:pt x="15499" y="18314"/>
+                  </a:lnTo>
+                  <a:lnTo>
+                    <a:pt x="6213" y="18314"/>
+                  </a:lnTo>
+                  <a:close/>
+                </a:path>
+                <a:path w="21600" h="21600" extrusionOk="0">
+                  <a:moveTo>
+                    <a:pt x="2828" y="16471"/>
+                  </a:moveTo>
+                  <a:lnTo>
+                    <a:pt x="2405" y="17072"/>
+                  </a:lnTo>
+                  <a:lnTo>
+                    <a:pt x="19284" y="17072"/>
+                  </a:lnTo>
+                  <a:lnTo>
+                    <a:pt x="18839" y="16471"/>
+                  </a:lnTo>
+                  <a:lnTo>
+                    <a:pt x="2828" y="16471"/>
+                  </a:lnTo>
+                  <a:close/>
+                </a:path>
+                <a:path w="21600" h="21600" extrusionOk="0">
+                  <a:moveTo>
+                    <a:pt x="2316" y="17352"/>
+                  </a:moveTo>
+                  <a:lnTo>
+                    <a:pt x="1871" y="17953"/>
+                  </a:lnTo>
+                  <a:lnTo>
+                    <a:pt x="19863" y="17953"/>
+                  </a:lnTo>
+                  <a:lnTo>
+                    <a:pt x="19395" y="17352"/>
+                  </a:lnTo>
+                  <a:lnTo>
+                    <a:pt x="2316" y="17352"/>
+                  </a:lnTo>
+                  <a:close/>
+                </a:path>
+              </a:pathLst>
+            </a:custGeom>
+            <a:solidFill>
+              <a:schemeClr val="bg1"/>
+            </a:solidFill>
+            <a:ln w="9525">
+              <a:solidFill>
+                <a:schemeClr val="bg1">
+                  <a:lumMod val="75000"/>
+                </a:schemeClr>
+              </a:solidFill>
+              <a:miter lim="800000"/>
+              <a:headEnd/>
+              <a:tailEnd/>
+            </a:ln>
+            <a:effectLst>
+              <a:outerShdw blurRad="50800" dist="38100" dir="5400000" algn="t" rotWithShape="0">
+                <a:prstClr val="black">
+                  <a:alpha val="40000"/>
+                </a:prstClr>
+              </a:outerShdw>
+            </a:effectLst>
+          </p:spPr>
+          <p:txBody>
+            <a:bodyPr vert="horz" wrap="square" lIns="91440" tIns="45720" rIns="91440" bIns="45720" numCol="1" anchor="t" anchorCtr="0" compatLnSpc="1">
+              <a:prstTxWarp prst="textNoShape">
+                <a:avLst/>
+              </a:prstTxWarp>
+            </a:bodyPr>
+            <a:lstStyle/>
+            <a:p>
+              <a:endParaRPr lang="zh-CN" altLang="en-US"/>
+            </a:p>
+          </p:txBody>
+        </p:sp>
+      </p:grpSp>
+      <p:grpSp>
+        <p:nvGrpSpPr>
+          <p:cNvPr id="4" name="组合 3"/>
+          <p:cNvGrpSpPr/>
+          <p:nvPr/>
+        </p:nvGrpSpPr>
+        <p:grpSpPr>
+          <a:xfrm>
+            <a:off x="4928964" y="2029337"/>
+            <a:ext cx="1008112" cy="1008112"/>
+            <a:chOff x="4631612" y="1944575"/>
+            <a:chExt cx="1008112" cy="1008112"/>
+          </a:xfrm>
+        </p:grpSpPr>
+        <p:sp>
+          <p:nvSpPr>
+            <p:cNvPr id="21" name="流程图: 联系 20"/>
+            <p:cNvSpPr/>
+            <p:nvPr/>
+          </p:nvSpPr>
+          <p:spPr>
+            <a:xfrm>
+              <a:off x="4631612" y="1944575"/>
+              <a:ext cx="1008112" cy="1008112"/>
+            </a:xfrm>
+            <a:prstGeom prst="flowChartConnector">
+              <a:avLst/>
+            </a:prstGeom>
+            <a:solidFill>
+              <a:srgbClr val="FA4453"/>
+            </a:solidFill>
+            <a:ln>
+              <a:noFill/>
+            </a:ln>
+            <a:effectLst>
+              <a:outerShdw blurRad="50800" dist="38100" dir="2700000" algn="tl" rotWithShape="0">
+                <a:prstClr val="black">
+                  <a:alpha val="40000"/>
+                </a:prstClr>
+              </a:outerShdw>
+            </a:effectLst>
+          </p:spPr>
+          <p:style>
+            <a:lnRef idx="2">
+              <a:schemeClr val="accent1">
+                <a:shade val="50000"/>
+              </a:schemeClr>
+            </a:lnRef>
+            <a:fillRef idx="1">
+              <a:schemeClr val="accent1"/>
+            </a:fillRef>
+            <a:effectRef idx="0">
+              <a:schemeClr val="accent1"/>
+            </a:effectRef>
+            <a:fontRef idx="minor">
+              <a:schemeClr val="lt1"/>
+            </a:fontRef>
+          </p:style>
+          <p:txBody>
+            <a:bodyPr rtlCol="0" anchor="ctr"/>
+            <a:lstStyle/>
+            <a:p>
+              <a:pPr algn="ctr"/>
+              <a:endParaRPr lang="zh-CN" altLang="en-US"/>
+            </a:p>
+          </p:txBody>
+        </p:sp>
+        <p:sp>
+          <p:nvSpPr>
+            <p:cNvPr id="23" name="Litebulb"/>
+            <p:cNvSpPr>
+              <a:spLocks noEditPoints="1" noChangeArrowheads="1"/>
+            </p:cNvSpPr>
+            <p:nvPr/>
+          </p:nvSpPr>
+          <p:spPr bwMode="auto">
+            <a:xfrm>
+              <a:off x="4978592" y="2193824"/>
+              <a:ext cx="314152" cy="509613"/>
+            </a:xfrm>
+            <a:custGeom>
+              <a:avLst/>
+              <a:gdLst>
+                <a:gd name="T0" fmla="*/ 10800 w 21600"/>
+                <a:gd name="T1" fmla="*/ 0 h 21600"/>
+                <a:gd name="T2" fmla="*/ 21600 w 21600"/>
+                <a:gd name="T3" fmla="*/ 7782 h 21600"/>
+                <a:gd name="T4" fmla="*/ 0 w 21600"/>
+                <a:gd name="T5" fmla="*/ 7782 h 21600"/>
+                <a:gd name="T6" fmla="*/ 10800 w 21600"/>
+                <a:gd name="T7" fmla="*/ 21600 h 21600"/>
+                <a:gd name="T8" fmla="*/ 3556 w 21600"/>
+                <a:gd name="T9" fmla="*/ 2188 h 21600"/>
+                <a:gd name="T10" fmla="*/ 18277 w 21600"/>
+                <a:gd name="T11" fmla="*/ 9282 h 21600"/>
+              </a:gdLst>
+              <a:ahLst/>
+              <a:cxnLst>
+                <a:cxn ang="0">
+                  <a:pos x="T0" y="T1"/>
+                </a:cxn>
+                <a:cxn ang="0">
+                  <a:pos x="T2" y="T3"/>
+                </a:cxn>
+                <a:cxn ang="0">
+                  <a:pos x="T4" y="T5"/>
+                </a:cxn>
+                <a:cxn ang="0">
+                  <a:pos x="T6" y="T7"/>
+                </a:cxn>
+              </a:cxnLst>
+              <a:rect l="T8" t="T9" r="T10" b="T11"/>
+              <a:pathLst>
+                <a:path w="21600" h="21600" extrusionOk="0">
+                  <a:moveTo>
+                    <a:pt x="10825" y="21723"/>
+                  </a:moveTo>
+                  <a:lnTo>
+                    <a:pt x="11215" y="21723"/>
+                  </a:lnTo>
+                  <a:lnTo>
+                    <a:pt x="11552" y="21688"/>
+                  </a:lnTo>
+                  <a:lnTo>
+                    <a:pt x="11916" y="21617"/>
+                  </a:lnTo>
+                  <a:lnTo>
+                    <a:pt x="12253" y="21547"/>
+                  </a:lnTo>
+                  <a:lnTo>
+                    <a:pt x="12617" y="21441"/>
+                  </a:lnTo>
+                  <a:lnTo>
+                    <a:pt x="12902" y="21317"/>
+                  </a:lnTo>
+                  <a:lnTo>
+                    <a:pt x="13162" y="21176"/>
+                  </a:lnTo>
+                  <a:lnTo>
+                    <a:pt x="13396" y="21000"/>
+                  </a:lnTo>
+                  <a:lnTo>
+                    <a:pt x="13655" y="20841"/>
+                  </a:lnTo>
+                  <a:lnTo>
+                    <a:pt x="13863" y="20629"/>
+                  </a:lnTo>
+                  <a:lnTo>
+                    <a:pt x="14045" y="20435"/>
+                  </a:lnTo>
+                  <a:lnTo>
+                    <a:pt x="14200" y="20223"/>
+                  </a:lnTo>
+                  <a:lnTo>
+                    <a:pt x="14356" y="19994"/>
+                  </a:lnTo>
+                  <a:lnTo>
+                    <a:pt x="14460" y="19747"/>
+                  </a:lnTo>
+                  <a:lnTo>
+                    <a:pt x="14512" y="19482"/>
+                  </a:lnTo>
+                  <a:lnTo>
+                    <a:pt x="14512" y="19235"/>
+                  </a:lnTo>
+                  <a:lnTo>
+                    <a:pt x="14512" y="19147"/>
+                  </a:lnTo>
+                  <a:lnTo>
+                    <a:pt x="14512" y="18900"/>
+                  </a:lnTo>
+                  <a:lnTo>
+                    <a:pt x="14512" y="18529"/>
+                  </a:lnTo>
+                  <a:lnTo>
+                    <a:pt x="14512" y="18052"/>
+                  </a:lnTo>
+                  <a:lnTo>
+                    <a:pt x="14512" y="17505"/>
+                  </a:lnTo>
+                  <a:lnTo>
+                    <a:pt x="14512" y="16976"/>
+                  </a:lnTo>
+                  <a:lnTo>
+                    <a:pt x="14512" y="16464"/>
+                  </a:lnTo>
+                  <a:lnTo>
+                    <a:pt x="14512" y="15952"/>
+                  </a:lnTo>
+                  <a:lnTo>
+                    <a:pt x="14512" y="15758"/>
+                  </a:lnTo>
+                  <a:lnTo>
+                    <a:pt x="14616" y="15547"/>
+                  </a:lnTo>
+                  <a:lnTo>
+                    <a:pt x="14694" y="15352"/>
+                  </a:lnTo>
+                  <a:lnTo>
+                    <a:pt x="14798" y="15141"/>
+                  </a:lnTo>
+                  <a:lnTo>
+                    <a:pt x="15161" y="14735"/>
+                  </a:lnTo>
+                  <a:lnTo>
+                    <a:pt x="15602" y="14329"/>
+                  </a:lnTo>
+                  <a:lnTo>
+                    <a:pt x="16745" y="13552"/>
+                  </a:lnTo>
+                  <a:lnTo>
+                    <a:pt x="18043" y="12670"/>
+                  </a:lnTo>
+                  <a:lnTo>
+                    <a:pt x="18744" y="12194"/>
+                  </a:lnTo>
+                  <a:lnTo>
+                    <a:pt x="19341" y="11647"/>
+                  </a:lnTo>
+                  <a:lnTo>
+                    <a:pt x="19938" y="11099"/>
+                  </a:lnTo>
+                  <a:lnTo>
+                    <a:pt x="20483" y="10464"/>
+                  </a:lnTo>
+                  <a:lnTo>
+                    <a:pt x="20743" y="10164"/>
+                  </a:lnTo>
+                  <a:lnTo>
+                    <a:pt x="20950" y="9794"/>
+                  </a:lnTo>
+                  <a:lnTo>
+                    <a:pt x="21132" y="9441"/>
+                  </a:lnTo>
+                  <a:lnTo>
+                    <a:pt x="21288" y="9035"/>
+                  </a:lnTo>
+                  <a:lnTo>
+                    <a:pt x="21444" y="8664"/>
+                  </a:lnTo>
+                  <a:lnTo>
+                    <a:pt x="21548" y="8223"/>
+                  </a:lnTo>
+                  <a:lnTo>
+                    <a:pt x="21600" y="7782"/>
+                  </a:lnTo>
+                  <a:lnTo>
+                    <a:pt x="21600" y="7341"/>
+                  </a:lnTo>
+                  <a:lnTo>
+                    <a:pt x="21600" y="6935"/>
+                  </a:lnTo>
+                  <a:lnTo>
+                    <a:pt x="21548" y="6564"/>
+                  </a:lnTo>
+                  <a:lnTo>
+                    <a:pt x="21496" y="6229"/>
+                  </a:lnTo>
+                  <a:lnTo>
+                    <a:pt x="21392" y="5858"/>
+                  </a:lnTo>
+                  <a:lnTo>
+                    <a:pt x="21288" y="5523"/>
+                  </a:lnTo>
+                  <a:lnTo>
+                    <a:pt x="21132" y="5135"/>
+                  </a:lnTo>
+                  <a:lnTo>
+                    <a:pt x="20950" y="4800"/>
+                  </a:lnTo>
+                  <a:lnTo>
+                    <a:pt x="20743" y="4464"/>
+                  </a:lnTo>
+                  <a:lnTo>
+                    <a:pt x="20535" y="4164"/>
+                  </a:lnTo>
+                  <a:lnTo>
+                    <a:pt x="20301" y="3847"/>
+                  </a:lnTo>
+                  <a:lnTo>
+                    <a:pt x="20042" y="3547"/>
+                  </a:lnTo>
+                  <a:lnTo>
+                    <a:pt x="19782" y="3247"/>
+                  </a:lnTo>
+                  <a:lnTo>
+                    <a:pt x="19133" y="2664"/>
+                  </a:lnTo>
+                  <a:lnTo>
+                    <a:pt x="18458" y="2152"/>
+                  </a:lnTo>
+                  <a:lnTo>
+                    <a:pt x="17705" y="1694"/>
+                  </a:lnTo>
+                  <a:lnTo>
+                    <a:pt x="16849" y="1252"/>
+                  </a:lnTo>
+                  <a:lnTo>
+                    <a:pt x="16407" y="1076"/>
+                  </a:lnTo>
+                  <a:lnTo>
+                    <a:pt x="15940" y="900"/>
+                  </a:lnTo>
+                  <a:lnTo>
+                    <a:pt x="15499" y="741"/>
+                  </a:lnTo>
+                  <a:lnTo>
+                    <a:pt x="15057" y="600"/>
+                  </a:lnTo>
+                  <a:lnTo>
+                    <a:pt x="14564" y="458"/>
+                  </a:lnTo>
+                  <a:lnTo>
+                    <a:pt x="14045" y="335"/>
+                  </a:lnTo>
+                  <a:lnTo>
+                    <a:pt x="13500" y="229"/>
+                  </a:lnTo>
+                  <a:lnTo>
+                    <a:pt x="13006" y="158"/>
+                  </a:lnTo>
+                  <a:lnTo>
+                    <a:pt x="12461" y="88"/>
+                  </a:lnTo>
+                  <a:lnTo>
+                    <a:pt x="11968" y="52"/>
+                  </a:lnTo>
+                  <a:lnTo>
+                    <a:pt x="11423" y="17"/>
+                  </a:lnTo>
+                  <a:lnTo>
+                    <a:pt x="10825" y="17"/>
+                  </a:lnTo>
+                  <a:lnTo>
+                    <a:pt x="10254" y="17"/>
+                  </a:lnTo>
+                  <a:lnTo>
+                    <a:pt x="9709" y="52"/>
+                  </a:lnTo>
+                  <a:lnTo>
+                    <a:pt x="9216" y="88"/>
+                  </a:lnTo>
+                  <a:lnTo>
+                    <a:pt x="8671" y="158"/>
+                  </a:lnTo>
+                  <a:lnTo>
+                    <a:pt x="8177" y="229"/>
+                  </a:lnTo>
+                  <a:lnTo>
+                    <a:pt x="7632" y="335"/>
+                  </a:lnTo>
+                  <a:lnTo>
+                    <a:pt x="7113" y="458"/>
+                  </a:lnTo>
+                  <a:lnTo>
+                    <a:pt x="6620" y="600"/>
+                  </a:lnTo>
+                  <a:lnTo>
+                    <a:pt x="6178" y="741"/>
+                  </a:lnTo>
+                  <a:lnTo>
+                    <a:pt x="5737" y="900"/>
+                  </a:lnTo>
+                  <a:lnTo>
+                    <a:pt x="5270" y="1076"/>
+                  </a:lnTo>
+                  <a:lnTo>
+                    <a:pt x="4828" y="1252"/>
+                  </a:lnTo>
+                  <a:lnTo>
+                    <a:pt x="3972" y="1694"/>
+                  </a:lnTo>
+                  <a:lnTo>
+                    <a:pt x="3219" y="2152"/>
+                  </a:lnTo>
+                  <a:lnTo>
+                    <a:pt x="2544" y="2664"/>
+                  </a:lnTo>
+                  <a:lnTo>
+                    <a:pt x="1895" y="3247"/>
+                  </a:lnTo>
+                  <a:lnTo>
+                    <a:pt x="1635" y="3547"/>
+                  </a:lnTo>
+                  <a:lnTo>
+                    <a:pt x="1375" y="3847"/>
+                  </a:lnTo>
+                  <a:lnTo>
+                    <a:pt x="1142" y="4164"/>
+                  </a:lnTo>
+                  <a:lnTo>
+                    <a:pt x="934" y="4464"/>
+                  </a:lnTo>
+                  <a:lnTo>
+                    <a:pt x="726" y="4800"/>
+                  </a:lnTo>
+                  <a:lnTo>
+                    <a:pt x="545" y="5135"/>
+                  </a:lnTo>
+                  <a:lnTo>
+                    <a:pt x="389" y="5523"/>
+                  </a:lnTo>
+                  <a:lnTo>
+                    <a:pt x="285" y="5858"/>
+                  </a:lnTo>
+                  <a:lnTo>
+                    <a:pt x="181" y="6229"/>
+                  </a:lnTo>
+                  <a:lnTo>
+                    <a:pt x="129" y="6564"/>
+                  </a:lnTo>
+                  <a:lnTo>
+                    <a:pt x="77" y="6935"/>
+                  </a:lnTo>
+                  <a:lnTo>
+                    <a:pt x="77" y="7341"/>
+                  </a:lnTo>
+                  <a:lnTo>
+                    <a:pt x="77" y="7782"/>
+                  </a:lnTo>
+                  <a:lnTo>
+                    <a:pt x="129" y="8223"/>
+                  </a:lnTo>
+                  <a:lnTo>
+                    <a:pt x="233" y="8664"/>
+                  </a:lnTo>
+                  <a:lnTo>
+                    <a:pt x="389" y="9035"/>
+                  </a:lnTo>
+                  <a:lnTo>
+                    <a:pt x="545" y="9441"/>
+                  </a:lnTo>
+                  <a:lnTo>
+                    <a:pt x="726" y="9794"/>
+                  </a:lnTo>
+                  <a:lnTo>
+                    <a:pt x="934" y="10164"/>
+                  </a:lnTo>
+                  <a:lnTo>
+                    <a:pt x="1194" y="10464"/>
+                  </a:lnTo>
+                  <a:lnTo>
+                    <a:pt x="1739" y="11099"/>
+                  </a:lnTo>
+                  <a:lnTo>
+                    <a:pt x="2336" y="11647"/>
+                  </a:lnTo>
+                  <a:lnTo>
+                    <a:pt x="2933" y="12194"/>
+                  </a:lnTo>
+                  <a:lnTo>
+                    <a:pt x="3634" y="12670"/>
+                  </a:lnTo>
+                  <a:lnTo>
+                    <a:pt x="4932" y="13552"/>
+                  </a:lnTo>
+                  <a:lnTo>
+                    <a:pt x="6075" y="14329"/>
+                  </a:lnTo>
+                  <a:lnTo>
+                    <a:pt x="6516" y="14735"/>
+                  </a:lnTo>
+                  <a:lnTo>
+                    <a:pt x="6879" y="15141"/>
+                  </a:lnTo>
+                  <a:lnTo>
+                    <a:pt x="6983" y="15352"/>
+                  </a:lnTo>
+                  <a:lnTo>
+                    <a:pt x="7061" y="15547"/>
+                  </a:lnTo>
+                  <a:lnTo>
+                    <a:pt x="7165" y="15758"/>
+                  </a:lnTo>
+                  <a:lnTo>
+                    <a:pt x="7165" y="15952"/>
+                  </a:lnTo>
+                  <a:lnTo>
+                    <a:pt x="7165" y="16464"/>
+                  </a:lnTo>
+                  <a:lnTo>
+                    <a:pt x="7165" y="16976"/>
+                  </a:lnTo>
+                  <a:lnTo>
+                    <a:pt x="7165" y="17505"/>
+                  </a:lnTo>
+                  <a:lnTo>
+                    <a:pt x="7165" y="18052"/>
+                  </a:lnTo>
+                  <a:lnTo>
+                    <a:pt x="7165" y="18529"/>
+                  </a:lnTo>
+                  <a:lnTo>
+                    <a:pt x="7165" y="18900"/>
+                  </a:lnTo>
+                  <a:lnTo>
+                    <a:pt x="7165" y="19147"/>
+                  </a:lnTo>
+                  <a:lnTo>
+                    <a:pt x="7165" y="19235"/>
+                  </a:lnTo>
+                  <a:lnTo>
+                    <a:pt x="7165" y="19482"/>
+                  </a:lnTo>
+                  <a:lnTo>
+                    <a:pt x="7217" y="19747"/>
+                  </a:lnTo>
+                  <a:lnTo>
+                    <a:pt x="7321" y="19994"/>
+                  </a:lnTo>
+                  <a:lnTo>
+                    <a:pt x="7476" y="20223"/>
+                  </a:lnTo>
+                  <a:lnTo>
+                    <a:pt x="7632" y="20435"/>
+                  </a:lnTo>
+                  <a:lnTo>
+                    <a:pt x="7814" y="20629"/>
+                  </a:lnTo>
+                  <a:lnTo>
+                    <a:pt x="8022" y="20841"/>
+                  </a:lnTo>
+                  <a:lnTo>
+                    <a:pt x="8281" y="21000"/>
+                  </a:lnTo>
+                  <a:lnTo>
+                    <a:pt x="8515" y="21176"/>
+                  </a:lnTo>
+                  <a:lnTo>
+                    <a:pt x="8775" y="21317"/>
+                  </a:lnTo>
+                  <a:lnTo>
+                    <a:pt x="9060" y="21441"/>
+                  </a:lnTo>
+                  <a:lnTo>
+                    <a:pt x="9424" y="21547"/>
+                  </a:lnTo>
+                  <a:lnTo>
+                    <a:pt x="9761" y="21617"/>
+                  </a:lnTo>
+                  <a:lnTo>
+                    <a:pt x="10125" y="21688"/>
+                  </a:lnTo>
+                  <a:lnTo>
+                    <a:pt x="10462" y="21723"/>
+                  </a:lnTo>
+                  <a:lnTo>
+                    <a:pt x="10825" y="21723"/>
+                  </a:lnTo>
+                  <a:close/>
+                </a:path>
+                <a:path w="21600" h="21600" extrusionOk="0">
+                  <a:moveTo>
+                    <a:pt x="9242" y="14417"/>
+                  </a:moveTo>
+                  <a:lnTo>
+                    <a:pt x="8541" y="12035"/>
+                  </a:lnTo>
+                  <a:lnTo>
+                    <a:pt x="7295" y="10129"/>
+                  </a:lnTo>
+                  <a:lnTo>
+                    <a:pt x="6905" y="9652"/>
+                  </a:lnTo>
+                  <a:lnTo>
+                    <a:pt x="8541" y="10182"/>
+                  </a:lnTo>
+                  <a:lnTo>
+                    <a:pt x="9787" y="9547"/>
+                  </a:lnTo>
+                  <a:lnTo>
+                    <a:pt x="11189" y="10129"/>
+                  </a:lnTo>
+                  <a:lnTo>
+                    <a:pt x="12279" y="9547"/>
+                  </a:lnTo>
+                  <a:lnTo>
+                    <a:pt x="13370" y="10076"/>
+                  </a:lnTo>
+                  <a:lnTo>
+                    <a:pt x="14850" y="9652"/>
+                  </a:lnTo>
+                  <a:lnTo>
+                    <a:pt x="12902" y="12247"/>
+                  </a:lnTo>
+                  <a:lnTo>
+                    <a:pt x="12357" y="14417"/>
+                  </a:lnTo>
+                  <a:moveTo>
+                    <a:pt x="7191" y="15952"/>
+                  </a:moveTo>
+                  <a:lnTo>
+                    <a:pt x="14512" y="15952"/>
+                  </a:lnTo>
+                  <a:lnTo>
+                    <a:pt x="14512" y="17064"/>
+                  </a:lnTo>
+                  <a:lnTo>
+                    <a:pt x="7191" y="17047"/>
+                  </a:lnTo>
+                  <a:lnTo>
+                    <a:pt x="7191" y="18123"/>
+                  </a:lnTo>
+                  <a:lnTo>
+                    <a:pt x="14512" y="18158"/>
+                  </a:lnTo>
+                  <a:lnTo>
+                    <a:pt x="14538" y="19182"/>
+                  </a:lnTo>
+                  <a:lnTo>
+                    <a:pt x="7217" y="19182"/>
+                  </a:lnTo>
+                </a:path>
+              </a:pathLst>
+            </a:custGeom>
+            <a:solidFill>
+              <a:schemeClr val="bg1"/>
+            </a:solidFill>
+            <a:ln w="6350">
+              <a:solidFill>
+                <a:schemeClr val="bg1">
+                  <a:lumMod val="85000"/>
+                </a:schemeClr>
+              </a:solidFill>
+              <a:miter lim="800000"/>
+              <a:headEnd/>
+              <a:tailEnd/>
+            </a:ln>
+            <a:effectLst>
+              <a:outerShdw blurRad="50800" dist="38100" dir="5400000" algn="t" rotWithShape="0">
+                <a:prstClr val="black">
+                  <a:alpha val="40000"/>
+                </a:prstClr>
+              </a:outerShdw>
+            </a:effectLst>
+          </p:spPr>
+          <p:txBody>
+            <a:bodyPr vert="horz" wrap="square" lIns="91440" tIns="45720" rIns="91440" bIns="45720" numCol="1" anchor="t" anchorCtr="0" compatLnSpc="1">
+              <a:prstTxWarp prst="textNoShape">
+                <a:avLst/>
+              </a:prstTxWarp>
+            </a:bodyPr>
+            <a:lstStyle/>
+            <a:p>
+              <a:endParaRPr lang="zh-CN" altLang="en-US"/>
+            </a:p>
+          </p:txBody>
+        </p:sp>
+      </p:grpSp>
+      <p:grpSp>
+        <p:nvGrpSpPr>
+          <p:cNvPr id="3" name="组合 2"/>
+          <p:cNvGrpSpPr/>
+          <p:nvPr/>
+        </p:nvGrpSpPr>
+        <p:grpSpPr>
+          <a:xfrm>
+            <a:off x="3246113" y="2024155"/>
+            <a:ext cx="1008112" cy="1008112"/>
+            <a:chOff x="2951820" y="2952687"/>
+            <a:chExt cx="1008112" cy="1008112"/>
+          </a:xfrm>
+        </p:grpSpPr>
+        <p:sp>
+          <p:nvSpPr>
+            <p:cNvPr id="20" name="流程图: 联系 19"/>
+            <p:cNvSpPr/>
+            <p:nvPr/>
+          </p:nvSpPr>
+          <p:spPr>
+            <a:xfrm>
+              <a:off x="2951820" y="2952687"/>
+              <a:ext cx="1008112" cy="1008112"/>
+            </a:xfrm>
+            <a:prstGeom prst="flowChartConnector">
+              <a:avLst/>
+            </a:prstGeom>
+            <a:solidFill>
+              <a:srgbClr val="FFC000"/>
+            </a:solidFill>
+            <a:ln>
+              <a:noFill/>
+            </a:ln>
+            <a:effectLst>
+              <a:outerShdw blurRad="50800" dist="38100" dir="2700000" algn="tl" rotWithShape="0">
+                <a:prstClr val="black">
+                  <a:alpha val="40000"/>
+                </a:prstClr>
+              </a:outerShdw>
+            </a:effectLst>
+          </p:spPr>
+          <p:style>
+            <a:lnRef idx="2">
+              <a:schemeClr val="accent1">
+                <a:shade val="50000"/>
+              </a:schemeClr>
+            </a:lnRef>
+            <a:fillRef idx="1">
+              <a:schemeClr val="accent1"/>
+            </a:fillRef>
+            <a:effectRef idx="0">
+              <a:schemeClr val="accent1"/>
+            </a:effectRef>
+            <a:fontRef idx="minor">
+              <a:schemeClr val="lt1"/>
+            </a:fontRef>
+          </p:style>
+          <p:txBody>
+            <a:bodyPr rtlCol="0" anchor="ctr"/>
+            <a:lstStyle/>
+            <a:p>
+              <a:pPr algn="ctr"/>
+              <a:endParaRPr lang="zh-CN" altLang="en-US"/>
+            </a:p>
+          </p:txBody>
+        </p:sp>
+        <p:pic>
+          <p:nvPicPr>
+            <p:cNvPr id="5125" name="Picture 5" descr="C:\Users\ybi9\AppData\Local\Microsoft\Windows\Temporary Internet Files\Content.IE5\OM1J1Y24\MC900298153[1].wmf"/>
+            <p:cNvPicPr>
+              <a:picLocks noChangeAspect="1" noChangeArrowheads="1"/>
+            </p:cNvPicPr>
+            <p:nvPr/>
+          </p:nvPicPr>
+          <p:blipFill>
+            <a:blip r:embed="rId2" cstate="print">
+              <a:extLst>
+                <a:ext uri="{28A0092B-C50C-407E-A947-70E740481C1C}">
+                  <a14:useLocalDpi xmlns:a14="http://schemas.microsoft.com/office/drawing/2010/main" val="0"/>
+                </a:ext>
+              </a:extLst>
+            </a:blip>
+            <a:srcRect/>
+            <a:stretch>
+              <a:fillRect/>
+            </a:stretch>
+          </p:blipFill>
+          <p:spPr bwMode="auto">
+            <a:xfrm>
+              <a:off x="3251772" y="3176798"/>
+              <a:ext cx="408211" cy="660881"/>
+            </a:xfrm>
+            <a:prstGeom prst="rect">
+              <a:avLst/>
+            </a:prstGeom>
+            <a:noFill/>
+            <a:effectLst>
+              <a:outerShdw blurRad="50800" dist="38100" dir="5400000" algn="t" rotWithShape="0">
+                <a:prstClr val="black">
+                  <a:alpha val="40000"/>
+                </a:prstClr>
+              </a:outerShdw>
+            </a:effectLst>
+            <a:extLst>
+              <a:ext uri="{909E8E84-426E-40DD-AFC4-6F175D3DCCD1}">
+                <a14:hiddenFill xmlns:a14="http://schemas.microsoft.com/office/drawing/2010/main">
+                  <a:solidFill>
+                    <a:srgbClr val="FFFFFF"/>
+                  </a:solidFill>
+                </a14:hiddenFill>
+              </a:ext>
+            </a:extLst>
+          </p:spPr>
+        </p:pic>
+      </p:grpSp>
+      <p:sp>
+        <p:nvSpPr>
+          <p:cNvPr id="28" name="TextBox 17"/>
           <p:cNvSpPr txBox="1"/>
           <p:nvPr/>
         </p:nvSpPr>
         <p:spPr>
           <a:xfrm>
-            <a:off x="5400092" y="3138522"/>
+            <a:off x="6287357" y="3203581"/>
             <a:ext cx="1656184" cy="369332"/>
           </a:xfrm>
           <a:prstGeom prst="rect">
@@ -7408,7 +8708,7 @@
           <a:p>
             <a:pPr lvl="0" algn="ctr"/>
             <a:r>
-              <a:rPr lang="en-US" altLang="zh-CN" sz="1200" b="1" dirty="0" smtClean="0">
+              <a:rPr lang="zh-CN" altLang="en-US" b="1" dirty="0" smtClean="0">
                 <a:solidFill>
                   <a:schemeClr val="tx1">
                     <a:lumMod val="75000"/>
@@ -7418,20 +8718,7 @@
                 <a:latin typeface="微软雅黑" panose="020B0503020204020204" pitchFamily="34" charset="-122"/>
                 <a:ea typeface="微软雅黑" panose="020B0503020204020204" pitchFamily="34" charset="-122"/>
               </a:rPr>
-              <a:t>2014</a:t>
-            </a:r>
-            <a:r>
-              <a:rPr lang="zh-CN" altLang="en-US" b="1" dirty="0" smtClean="0">
-                <a:solidFill>
-                  <a:schemeClr val="tx1">
-                    <a:lumMod val="75000"/>
-                    <a:lumOff val="25000"/>
-                  </a:schemeClr>
-                </a:solidFill>
-                <a:latin typeface="微软雅黑" panose="020B0503020204020204" pitchFamily="34" charset="-122"/>
-                <a:ea typeface="微软雅黑" panose="020B0503020204020204" pitchFamily="34" charset="-122"/>
-              </a:rPr>
-              <a:t>工作思路</a:t>
+              <a:t>产品展示</a:t>
             </a:r>
             <a:endParaRPr lang="zh-CN" altLang="zh-CN" b="1" dirty="0">
               <a:solidFill>
@@ -7446,1039 +8733,125 @@
           </a:p>
         </p:txBody>
       </p:sp>
-      <p:sp>
-        <p:nvSpPr>
-          <p:cNvPr id="19" name="流程图: 联系 18"/>
-          <p:cNvSpPr/>
+      <p:grpSp>
+        <p:nvGrpSpPr>
+          <p:cNvPr id="7" name="组合 6"/>
+          <p:cNvGrpSpPr/>
           <p:nvPr/>
-        </p:nvSpPr>
-        <p:spPr>
+        </p:nvGrpSpPr>
+        <p:grpSpPr>
           <a:xfrm>
-            <a:off x="2447764" y="2067695"/>
+            <a:off x="6611815" y="2024155"/>
             <a:ext cx="1008112" cy="1008112"/>
-          </a:xfrm>
-          <a:prstGeom prst="flowChartConnector">
-            <a:avLst/>
-          </a:prstGeom>
-          <a:solidFill>
-            <a:srgbClr val="05AFC8"/>
-          </a:solidFill>
-          <a:ln>
-            <a:noFill/>
-          </a:ln>
-          <a:effectLst>
-            <a:outerShdw blurRad="50800" dist="38100" dir="2700000" algn="tl" rotWithShape="0">
-              <a:prstClr val="black">
-                <a:alpha val="40000"/>
-              </a:prstClr>
-            </a:outerShdw>
-          </a:effectLst>
-        </p:spPr>
-        <p:style>
-          <a:lnRef idx="2">
-            <a:schemeClr val="accent1">
-              <a:shade val="50000"/>
-            </a:schemeClr>
-          </a:lnRef>
-          <a:fillRef idx="1">
-            <a:schemeClr val="accent1"/>
-          </a:fillRef>
-          <a:effectRef idx="0">
-            <a:schemeClr val="accent1"/>
-          </a:effectRef>
-          <a:fontRef idx="minor">
-            <a:schemeClr val="lt1"/>
-          </a:fontRef>
-        </p:style>
-        <p:txBody>
-          <a:bodyPr rtlCol="0" anchor="ctr"/>
-          <a:lstStyle/>
-          <a:p>
-            <a:pPr algn="ctr"/>
-            <a:endParaRPr lang="zh-CN" altLang="en-US"/>
-          </a:p>
-        </p:txBody>
-      </p:sp>
-      <p:sp>
-        <p:nvSpPr>
-          <p:cNvPr id="20" name="流程图: 联系 19"/>
-          <p:cNvSpPr/>
-          <p:nvPr/>
-        </p:nvSpPr>
-        <p:spPr>
-          <a:xfrm>
-            <a:off x="4067944" y="2067695"/>
-            <a:ext cx="1008112" cy="1008112"/>
-          </a:xfrm>
-          <a:prstGeom prst="flowChartConnector">
-            <a:avLst/>
-          </a:prstGeom>
-          <a:solidFill>
-            <a:srgbClr val="FFC000"/>
-          </a:solidFill>
-          <a:ln>
-            <a:noFill/>
-          </a:ln>
-          <a:effectLst>
-            <a:outerShdw blurRad="50800" dist="38100" dir="2700000" algn="tl" rotWithShape="0">
-              <a:prstClr val="black">
-                <a:alpha val="40000"/>
-              </a:prstClr>
-            </a:outerShdw>
-          </a:effectLst>
-        </p:spPr>
-        <p:style>
-          <a:lnRef idx="2">
-            <a:schemeClr val="accent1">
-              <a:shade val="50000"/>
-            </a:schemeClr>
-          </a:lnRef>
-          <a:fillRef idx="1">
-            <a:schemeClr val="accent1"/>
-          </a:fillRef>
-          <a:effectRef idx="0">
-            <a:schemeClr val="accent1"/>
-          </a:effectRef>
-          <a:fontRef idx="minor">
-            <a:schemeClr val="lt1"/>
-          </a:fontRef>
-        </p:style>
-        <p:txBody>
-          <a:bodyPr rtlCol="0" anchor="ctr"/>
-          <a:lstStyle/>
-          <a:p>
-            <a:pPr algn="ctr"/>
-            <a:endParaRPr lang="zh-CN" altLang="en-US"/>
-          </a:p>
-        </p:txBody>
-      </p:sp>
-      <p:sp>
-        <p:nvSpPr>
-          <p:cNvPr id="21" name="流程图: 联系 20"/>
-          <p:cNvSpPr/>
-          <p:nvPr/>
-        </p:nvSpPr>
-        <p:spPr>
-          <a:xfrm>
-            <a:off x="5724128" y="2067695"/>
-            <a:ext cx="1008112" cy="1008112"/>
-          </a:xfrm>
-          <a:prstGeom prst="flowChartConnector">
-            <a:avLst/>
-          </a:prstGeom>
-          <a:solidFill>
-            <a:srgbClr val="FA4453"/>
-          </a:solidFill>
-          <a:ln>
-            <a:noFill/>
-          </a:ln>
-          <a:effectLst>
-            <a:outerShdw blurRad="50800" dist="38100" dir="2700000" algn="tl" rotWithShape="0">
-              <a:prstClr val="black">
-                <a:alpha val="40000"/>
-              </a:prstClr>
-            </a:outerShdw>
-          </a:effectLst>
-        </p:spPr>
-        <p:style>
-          <a:lnRef idx="2">
-            <a:schemeClr val="accent1">
-              <a:shade val="50000"/>
-            </a:schemeClr>
-          </a:lnRef>
-          <a:fillRef idx="1">
-            <a:schemeClr val="accent1"/>
-          </a:fillRef>
-          <a:effectRef idx="0">
-            <a:schemeClr val="accent1"/>
-          </a:effectRef>
-          <a:fontRef idx="minor">
-            <a:schemeClr val="lt1"/>
-          </a:fontRef>
-        </p:style>
-        <p:txBody>
-          <a:bodyPr rtlCol="0" anchor="ctr"/>
-          <a:lstStyle/>
-          <a:p>
-            <a:pPr algn="ctr"/>
-            <a:endParaRPr lang="zh-CN" altLang="en-US"/>
-          </a:p>
-        </p:txBody>
-      </p:sp>
-      <p:sp>
-        <p:nvSpPr>
-          <p:cNvPr id="13" name="laptop"/>
-          <p:cNvSpPr>
-            <a:spLocks noEditPoints="1" noChangeArrowheads="1"/>
-          </p:cNvSpPr>
-          <p:nvPr/>
-        </p:nvSpPr>
-        <p:spPr bwMode="auto">
-          <a:xfrm>
-            <a:off x="2589212" y="2355725"/>
-            <a:ext cx="725216" cy="429009"/>
-          </a:xfrm>
-          <a:custGeom>
-            <a:avLst/>
-            <a:gdLst>
-              <a:gd name="T0" fmla="*/ 3362 w 21600"/>
-              <a:gd name="T1" fmla="*/ 0 h 21600"/>
-              <a:gd name="T2" fmla="*/ 3362 w 21600"/>
-              <a:gd name="T3" fmla="*/ 7173 h 21600"/>
-              <a:gd name="T4" fmla="*/ 18327 w 21600"/>
-              <a:gd name="T5" fmla="*/ 0 h 21600"/>
-              <a:gd name="T6" fmla="*/ 18327 w 21600"/>
-              <a:gd name="T7" fmla="*/ 7173 h 21600"/>
-              <a:gd name="T8" fmla="*/ 10800 w 21600"/>
-              <a:gd name="T9" fmla="*/ 0 h 21600"/>
-              <a:gd name="T10" fmla="*/ 10800 w 21600"/>
-              <a:gd name="T11" fmla="*/ 21600 h 21600"/>
-              <a:gd name="T12" fmla="*/ 0 w 21600"/>
-              <a:gd name="T13" fmla="*/ 21600 h 21600"/>
-              <a:gd name="T14" fmla="*/ 21600 w 21600"/>
-              <a:gd name="T15" fmla="*/ 21600 h 21600"/>
-              <a:gd name="T16" fmla="*/ 4445 w 21600"/>
-              <a:gd name="T17" fmla="*/ 1858 h 21600"/>
-              <a:gd name="T18" fmla="*/ 17311 w 21600"/>
-              <a:gd name="T19" fmla="*/ 12323 h 21600"/>
-            </a:gdLst>
-            <a:ahLst/>
-            <a:cxnLst>
-              <a:cxn ang="0">
-                <a:pos x="T0" y="T1"/>
-              </a:cxn>
-              <a:cxn ang="0">
-                <a:pos x="T2" y="T3"/>
-              </a:cxn>
-              <a:cxn ang="0">
-                <a:pos x="T4" y="T5"/>
-              </a:cxn>
-              <a:cxn ang="0">
-                <a:pos x="T6" y="T7"/>
-              </a:cxn>
-              <a:cxn ang="0">
-                <a:pos x="T8" y="T9"/>
-              </a:cxn>
-              <a:cxn ang="0">
-                <a:pos x="T10" y="T11"/>
-              </a:cxn>
-              <a:cxn ang="0">
-                <a:pos x="T12" y="T13"/>
-              </a:cxn>
-              <a:cxn ang="0">
-                <a:pos x="T14" y="T15"/>
-              </a:cxn>
-            </a:cxnLst>
-            <a:rect l="T16" t="T17" r="T18" b="T19"/>
-            <a:pathLst>
-              <a:path w="21600" h="21600" extrusionOk="0">
-                <a:moveTo>
-                  <a:pt x="3362" y="0"/>
-                </a:moveTo>
-                <a:lnTo>
-                  <a:pt x="18327" y="0"/>
-                </a:lnTo>
-                <a:lnTo>
-                  <a:pt x="18327" y="14347"/>
-                </a:lnTo>
-                <a:lnTo>
-                  <a:pt x="3362" y="14347"/>
-                </a:lnTo>
-                <a:lnTo>
-                  <a:pt x="3362" y="0"/>
-                </a:lnTo>
-                <a:close/>
-              </a:path>
-              <a:path w="21600" h="21600" extrusionOk="0">
-                <a:moveTo>
-                  <a:pt x="3340" y="15068"/>
-                </a:moveTo>
-                <a:lnTo>
-                  <a:pt x="0" y="19877"/>
-                </a:lnTo>
-                <a:lnTo>
-                  <a:pt x="21600" y="19877"/>
-                </a:lnTo>
-                <a:lnTo>
-                  <a:pt x="18327" y="15068"/>
-                </a:lnTo>
-                <a:lnTo>
-                  <a:pt x="3340" y="15068"/>
-                </a:lnTo>
-                <a:close/>
-              </a:path>
-              <a:path w="21600" h="21600" extrusionOk="0">
-                <a:moveTo>
-                  <a:pt x="0" y="19877"/>
-                </a:moveTo>
-                <a:lnTo>
-                  <a:pt x="0" y="21600"/>
-                </a:lnTo>
-                <a:lnTo>
-                  <a:pt x="21600" y="21600"/>
-                </a:lnTo>
-                <a:lnTo>
-                  <a:pt x="21600" y="19877"/>
-                </a:lnTo>
-                <a:lnTo>
-                  <a:pt x="0" y="19877"/>
-                </a:lnTo>
-                <a:close/>
-              </a:path>
-              <a:path w="21600" h="21600" extrusionOk="0">
-                <a:moveTo>
-                  <a:pt x="4186" y="1523"/>
-                </a:moveTo>
-                <a:lnTo>
-                  <a:pt x="17547" y="1523"/>
-                </a:lnTo>
-                <a:lnTo>
-                  <a:pt x="17547" y="12744"/>
-                </a:lnTo>
-                <a:lnTo>
-                  <a:pt x="4186" y="12744"/>
-                </a:lnTo>
-                <a:lnTo>
-                  <a:pt x="4186" y="1523"/>
-                </a:lnTo>
-                <a:close/>
-              </a:path>
-              <a:path w="21600" h="21600" extrusionOk="0">
-                <a:moveTo>
-                  <a:pt x="3318" y="15549"/>
-                </a:moveTo>
-                <a:lnTo>
-                  <a:pt x="2917" y="16110"/>
-                </a:lnTo>
-                <a:lnTo>
-                  <a:pt x="18727" y="16110"/>
-                </a:lnTo>
-                <a:lnTo>
-                  <a:pt x="18327" y="15549"/>
-                </a:lnTo>
-                <a:lnTo>
-                  <a:pt x="3318" y="15549"/>
-                </a:lnTo>
-                <a:close/>
-              </a:path>
-              <a:path w="21600" h="21600" extrusionOk="0">
-                <a:moveTo>
-                  <a:pt x="6213" y="18314"/>
-                </a:moveTo>
-                <a:lnTo>
-                  <a:pt x="5946" y="18875"/>
-                </a:lnTo>
-                <a:lnTo>
-                  <a:pt x="15766" y="18875"/>
-                </a:lnTo>
-                <a:lnTo>
-                  <a:pt x="15499" y="18314"/>
-                </a:lnTo>
-                <a:lnTo>
-                  <a:pt x="6213" y="18314"/>
-                </a:lnTo>
-                <a:close/>
-              </a:path>
-              <a:path w="21600" h="21600" extrusionOk="0">
-                <a:moveTo>
-                  <a:pt x="2828" y="16471"/>
-                </a:moveTo>
-                <a:lnTo>
-                  <a:pt x="2405" y="17072"/>
-                </a:lnTo>
-                <a:lnTo>
-                  <a:pt x="19284" y="17072"/>
-                </a:lnTo>
-                <a:lnTo>
-                  <a:pt x="18839" y="16471"/>
-                </a:lnTo>
-                <a:lnTo>
-                  <a:pt x="2828" y="16471"/>
-                </a:lnTo>
-                <a:close/>
-              </a:path>
-              <a:path w="21600" h="21600" extrusionOk="0">
-                <a:moveTo>
-                  <a:pt x="2316" y="17352"/>
-                </a:moveTo>
-                <a:lnTo>
-                  <a:pt x="1871" y="17953"/>
-                </a:lnTo>
-                <a:lnTo>
-                  <a:pt x="19863" y="17953"/>
-                </a:lnTo>
-                <a:lnTo>
-                  <a:pt x="19395" y="17352"/>
-                </a:lnTo>
-                <a:lnTo>
-                  <a:pt x="2316" y="17352"/>
-                </a:lnTo>
-                <a:close/>
-              </a:path>
-            </a:pathLst>
-          </a:custGeom>
-          <a:solidFill>
-            <a:schemeClr val="bg1"/>
-          </a:solidFill>
-          <a:ln w="9525">
+            <a:chOff x="6611815" y="2024155"/>
+            <a:chExt cx="1008112" cy="1008112"/>
+          </a:xfrm>
+        </p:grpSpPr>
+        <p:sp>
+          <p:nvSpPr>
+            <p:cNvPr id="26" name="流程图: 联系 25"/>
+            <p:cNvSpPr/>
+            <p:nvPr/>
+          </p:nvSpPr>
+          <p:spPr>
+            <a:xfrm>
+              <a:off x="6611815" y="2024155"/>
+              <a:ext cx="1008112" cy="1008112"/>
+            </a:xfrm>
+            <a:prstGeom prst="flowChartConnector">
+              <a:avLst/>
+            </a:prstGeom>
             <a:solidFill>
-              <a:schemeClr val="bg1">
-                <a:lumMod val="75000"/>
+              <a:srgbClr val="92D050"/>
+            </a:solidFill>
+            <a:ln>
+              <a:noFill/>
+            </a:ln>
+            <a:effectLst>
+              <a:outerShdw blurRad="50800" dist="38100" dir="2700000" algn="tl" rotWithShape="0">
+                <a:prstClr val="black">
+                  <a:alpha val="40000"/>
+                </a:prstClr>
+              </a:outerShdw>
+            </a:effectLst>
+          </p:spPr>
+          <p:style>
+            <a:lnRef idx="2">
+              <a:schemeClr val="accent1">
+                <a:shade val="50000"/>
               </a:schemeClr>
-            </a:solidFill>
-            <a:miter lim="800000"/>
-            <a:headEnd/>
-            <a:tailEnd/>
-          </a:ln>
-          <a:effectLst>
-            <a:outerShdw blurRad="50800" dist="38100" dir="5400000" algn="t" rotWithShape="0">
-              <a:prstClr val="black">
-                <a:alpha val="40000"/>
-              </a:prstClr>
-            </a:outerShdw>
-          </a:effectLst>
-        </p:spPr>
-        <p:txBody>
-          <a:bodyPr vert="horz" wrap="square" lIns="91440" tIns="45720" rIns="91440" bIns="45720" numCol="1" anchor="t" anchorCtr="0" compatLnSpc="1">
-            <a:prstTxWarp prst="textNoShape">
+            </a:lnRef>
+            <a:fillRef idx="1">
+              <a:schemeClr val="accent1"/>
+            </a:fillRef>
+            <a:effectRef idx="0">
+              <a:schemeClr val="accent1"/>
+            </a:effectRef>
+            <a:fontRef idx="minor">
+              <a:schemeClr val="lt1"/>
+            </a:fontRef>
+          </p:style>
+          <p:txBody>
+            <a:bodyPr rtlCol="0" anchor="ctr"/>
+            <a:lstStyle/>
+            <a:p>
+              <a:pPr algn="ctr"/>
+              <a:endParaRPr lang="zh-CN" altLang="en-US"/>
+            </a:p>
+          </p:txBody>
+        </p:sp>
+        <p:pic>
+          <p:nvPicPr>
+            <p:cNvPr id="5" name="图片 4"/>
+            <p:cNvPicPr>
+              <a:picLocks noChangeAspect="1"/>
+            </p:cNvPicPr>
+            <p:nvPr/>
+          </p:nvPicPr>
+          <p:blipFill rotWithShape="1">
+            <a:blip r:embed="rId3" cstate="print">
+              <a:extLst>
+                <a:ext uri="{BEBA8EAE-BF5A-486C-A8C5-ECC9F3942E4B}">
+                  <a14:imgProps xmlns:a14="http://schemas.microsoft.com/office/drawing/2010/main">
+                    <a14:imgLayer r:embed="rId4">
+                      <a14:imgEffect>
+                        <a14:backgroundRemoval t="33636" b="87273" l="8182" r="90000">
+                          <a14:foregroundMark x1="18636" y1="84848" x2="28636" y2="87273"/>
+                          <a14:foregroundMark x1="8636" y1="53030" x2="10000" y2="53939"/>
+                          <a14:foregroundMark x1="57727" y1="38182" x2="52273" y2="40606"/>
+                          <a14:foregroundMark x1="70909" y1="33636" x2="70000" y2="38182"/>
+                          <a14:foregroundMark x1="85455" y1="68182" x2="89091" y2="72121"/>
+                          <a14:backgroundMark x1="71818" y1="48182" x2="71818" y2="48182"/>
+                          <a14:backgroundMark x1="73636" y1="52121" x2="73636" y2="52121"/>
+                          <a14:backgroundMark x1="78636" y1="73333" x2="78636" y2="73333"/>
+                          <a14:backgroundMark x1="81364" y1="66667" x2="81364" y2="66667"/>
+                          <a14:backgroundMark x1="25909" y1="70606" x2="25909" y2="70606"/>
+                          <a14:backgroundMark x1="21364" y1="68485" x2="21364" y2="68485"/>
+                          <a14:backgroundMark x1="41364" y1="73333" x2="41364" y2="73333"/>
+                        </a14:backgroundRemoval>
+                      </a14:imgEffect>
+                    </a14:imgLayer>
+                  </a14:imgProps>
+                </a:ext>
+                <a:ext uri="{28A0092B-C50C-407E-A947-70E740481C1C}">
+                  <a14:useLocalDpi xmlns:a14="http://schemas.microsoft.com/office/drawing/2010/main" val="0"/>
+                </a:ext>
+              </a:extLst>
+            </a:blip>
+            <a:srcRect t="31100" b="10482"/>
+            <a:stretch/>
+          </p:blipFill>
+          <p:spPr>
+            <a:xfrm>
+              <a:off x="6745163" y="2202689"/>
+              <a:ext cx="740572" cy="648000"/>
+            </a:xfrm>
+            <a:prstGeom prst="rect">
               <a:avLst/>
-            </a:prstTxWarp>
-          </a:bodyPr>
-          <a:lstStyle/>
-          <a:p>
-            <a:endParaRPr lang="zh-CN" altLang="en-US"/>
-          </a:p>
-        </p:txBody>
-      </p:sp>
-      <p:sp>
-        <p:nvSpPr>
-          <p:cNvPr id="23" name="Litebulb"/>
-          <p:cNvSpPr>
-            <a:spLocks noEditPoints="1" noChangeArrowheads="1"/>
-          </p:cNvSpPr>
-          <p:nvPr/>
-        </p:nvSpPr>
-        <p:spPr bwMode="auto">
-          <a:xfrm>
-            <a:off x="6071108" y="2316944"/>
-            <a:ext cx="314152" cy="509613"/>
-          </a:xfrm>
-          <a:custGeom>
-            <a:avLst/>
-            <a:gdLst>
-              <a:gd name="T0" fmla="*/ 10800 w 21600"/>
-              <a:gd name="T1" fmla="*/ 0 h 21600"/>
-              <a:gd name="T2" fmla="*/ 21600 w 21600"/>
-              <a:gd name="T3" fmla="*/ 7782 h 21600"/>
-              <a:gd name="T4" fmla="*/ 0 w 21600"/>
-              <a:gd name="T5" fmla="*/ 7782 h 21600"/>
-              <a:gd name="T6" fmla="*/ 10800 w 21600"/>
-              <a:gd name="T7" fmla="*/ 21600 h 21600"/>
-              <a:gd name="T8" fmla="*/ 3556 w 21600"/>
-              <a:gd name="T9" fmla="*/ 2188 h 21600"/>
-              <a:gd name="T10" fmla="*/ 18277 w 21600"/>
-              <a:gd name="T11" fmla="*/ 9282 h 21600"/>
-            </a:gdLst>
-            <a:ahLst/>
-            <a:cxnLst>
-              <a:cxn ang="0">
-                <a:pos x="T0" y="T1"/>
-              </a:cxn>
-              <a:cxn ang="0">
-                <a:pos x="T2" y="T3"/>
-              </a:cxn>
-              <a:cxn ang="0">
-                <a:pos x="T4" y="T5"/>
-              </a:cxn>
-              <a:cxn ang="0">
-                <a:pos x="T6" y="T7"/>
-              </a:cxn>
-            </a:cxnLst>
-            <a:rect l="T8" t="T9" r="T10" b="T11"/>
-            <a:pathLst>
-              <a:path w="21600" h="21600" extrusionOk="0">
-                <a:moveTo>
-                  <a:pt x="10825" y="21723"/>
-                </a:moveTo>
-                <a:lnTo>
-                  <a:pt x="11215" y="21723"/>
-                </a:lnTo>
-                <a:lnTo>
-                  <a:pt x="11552" y="21688"/>
-                </a:lnTo>
-                <a:lnTo>
-                  <a:pt x="11916" y="21617"/>
-                </a:lnTo>
-                <a:lnTo>
-                  <a:pt x="12253" y="21547"/>
-                </a:lnTo>
-                <a:lnTo>
-                  <a:pt x="12617" y="21441"/>
-                </a:lnTo>
-                <a:lnTo>
-                  <a:pt x="12902" y="21317"/>
-                </a:lnTo>
-                <a:lnTo>
-                  <a:pt x="13162" y="21176"/>
-                </a:lnTo>
-                <a:lnTo>
-                  <a:pt x="13396" y="21000"/>
-                </a:lnTo>
-                <a:lnTo>
-                  <a:pt x="13655" y="20841"/>
-                </a:lnTo>
-                <a:lnTo>
-                  <a:pt x="13863" y="20629"/>
-                </a:lnTo>
-                <a:lnTo>
-                  <a:pt x="14045" y="20435"/>
-                </a:lnTo>
-                <a:lnTo>
-                  <a:pt x="14200" y="20223"/>
-                </a:lnTo>
-                <a:lnTo>
-                  <a:pt x="14356" y="19994"/>
-                </a:lnTo>
-                <a:lnTo>
-                  <a:pt x="14460" y="19747"/>
-                </a:lnTo>
-                <a:lnTo>
-                  <a:pt x="14512" y="19482"/>
-                </a:lnTo>
-                <a:lnTo>
-                  <a:pt x="14512" y="19235"/>
-                </a:lnTo>
-                <a:lnTo>
-                  <a:pt x="14512" y="19147"/>
-                </a:lnTo>
-                <a:lnTo>
-                  <a:pt x="14512" y="18900"/>
-                </a:lnTo>
-                <a:lnTo>
-                  <a:pt x="14512" y="18529"/>
-                </a:lnTo>
-                <a:lnTo>
-                  <a:pt x="14512" y="18052"/>
-                </a:lnTo>
-                <a:lnTo>
-                  <a:pt x="14512" y="17505"/>
-                </a:lnTo>
-                <a:lnTo>
-                  <a:pt x="14512" y="16976"/>
-                </a:lnTo>
-                <a:lnTo>
-                  <a:pt x="14512" y="16464"/>
-                </a:lnTo>
-                <a:lnTo>
-                  <a:pt x="14512" y="15952"/>
-                </a:lnTo>
-                <a:lnTo>
-                  <a:pt x="14512" y="15758"/>
-                </a:lnTo>
-                <a:lnTo>
-                  <a:pt x="14616" y="15547"/>
-                </a:lnTo>
-                <a:lnTo>
-                  <a:pt x="14694" y="15352"/>
-                </a:lnTo>
-                <a:lnTo>
-                  <a:pt x="14798" y="15141"/>
-                </a:lnTo>
-                <a:lnTo>
-                  <a:pt x="15161" y="14735"/>
-                </a:lnTo>
-                <a:lnTo>
-                  <a:pt x="15602" y="14329"/>
-                </a:lnTo>
-                <a:lnTo>
-                  <a:pt x="16745" y="13552"/>
-                </a:lnTo>
-                <a:lnTo>
-                  <a:pt x="18043" y="12670"/>
-                </a:lnTo>
-                <a:lnTo>
-                  <a:pt x="18744" y="12194"/>
-                </a:lnTo>
-                <a:lnTo>
-                  <a:pt x="19341" y="11647"/>
-                </a:lnTo>
-                <a:lnTo>
-                  <a:pt x="19938" y="11099"/>
-                </a:lnTo>
-                <a:lnTo>
-                  <a:pt x="20483" y="10464"/>
-                </a:lnTo>
-                <a:lnTo>
-                  <a:pt x="20743" y="10164"/>
-                </a:lnTo>
-                <a:lnTo>
-                  <a:pt x="20950" y="9794"/>
-                </a:lnTo>
-                <a:lnTo>
-                  <a:pt x="21132" y="9441"/>
-                </a:lnTo>
-                <a:lnTo>
-                  <a:pt x="21288" y="9035"/>
-                </a:lnTo>
-                <a:lnTo>
-                  <a:pt x="21444" y="8664"/>
-                </a:lnTo>
-                <a:lnTo>
-                  <a:pt x="21548" y="8223"/>
-                </a:lnTo>
-                <a:lnTo>
-                  <a:pt x="21600" y="7782"/>
-                </a:lnTo>
-                <a:lnTo>
-                  <a:pt x="21600" y="7341"/>
-                </a:lnTo>
-                <a:lnTo>
-                  <a:pt x="21600" y="6935"/>
-                </a:lnTo>
-                <a:lnTo>
-                  <a:pt x="21548" y="6564"/>
-                </a:lnTo>
-                <a:lnTo>
-                  <a:pt x="21496" y="6229"/>
-                </a:lnTo>
-                <a:lnTo>
-                  <a:pt x="21392" y="5858"/>
-                </a:lnTo>
-                <a:lnTo>
-                  <a:pt x="21288" y="5523"/>
-                </a:lnTo>
-                <a:lnTo>
-                  <a:pt x="21132" y="5135"/>
-                </a:lnTo>
-                <a:lnTo>
-                  <a:pt x="20950" y="4800"/>
-                </a:lnTo>
-                <a:lnTo>
-                  <a:pt x="20743" y="4464"/>
-                </a:lnTo>
-                <a:lnTo>
-                  <a:pt x="20535" y="4164"/>
-                </a:lnTo>
-                <a:lnTo>
-                  <a:pt x="20301" y="3847"/>
-                </a:lnTo>
-                <a:lnTo>
-                  <a:pt x="20042" y="3547"/>
-                </a:lnTo>
-                <a:lnTo>
-                  <a:pt x="19782" y="3247"/>
-                </a:lnTo>
-                <a:lnTo>
-                  <a:pt x="19133" y="2664"/>
-                </a:lnTo>
-                <a:lnTo>
-                  <a:pt x="18458" y="2152"/>
-                </a:lnTo>
-                <a:lnTo>
-                  <a:pt x="17705" y="1694"/>
-                </a:lnTo>
-                <a:lnTo>
-                  <a:pt x="16849" y="1252"/>
-                </a:lnTo>
-                <a:lnTo>
-                  <a:pt x="16407" y="1076"/>
-                </a:lnTo>
-                <a:lnTo>
-                  <a:pt x="15940" y="900"/>
-                </a:lnTo>
-                <a:lnTo>
-                  <a:pt x="15499" y="741"/>
-                </a:lnTo>
-                <a:lnTo>
-                  <a:pt x="15057" y="600"/>
-                </a:lnTo>
-                <a:lnTo>
-                  <a:pt x="14564" y="458"/>
-                </a:lnTo>
-                <a:lnTo>
-                  <a:pt x="14045" y="335"/>
-                </a:lnTo>
-                <a:lnTo>
-                  <a:pt x="13500" y="229"/>
-                </a:lnTo>
-                <a:lnTo>
-                  <a:pt x="13006" y="158"/>
-                </a:lnTo>
-                <a:lnTo>
-                  <a:pt x="12461" y="88"/>
-                </a:lnTo>
-                <a:lnTo>
-                  <a:pt x="11968" y="52"/>
-                </a:lnTo>
-                <a:lnTo>
-                  <a:pt x="11423" y="17"/>
-                </a:lnTo>
-                <a:lnTo>
-                  <a:pt x="10825" y="17"/>
-                </a:lnTo>
-                <a:lnTo>
-                  <a:pt x="10254" y="17"/>
-                </a:lnTo>
-                <a:lnTo>
-                  <a:pt x="9709" y="52"/>
-                </a:lnTo>
-                <a:lnTo>
-                  <a:pt x="9216" y="88"/>
-                </a:lnTo>
-                <a:lnTo>
-                  <a:pt x="8671" y="158"/>
-                </a:lnTo>
-                <a:lnTo>
-                  <a:pt x="8177" y="229"/>
-                </a:lnTo>
-                <a:lnTo>
-                  <a:pt x="7632" y="335"/>
-                </a:lnTo>
-                <a:lnTo>
-                  <a:pt x="7113" y="458"/>
-                </a:lnTo>
-                <a:lnTo>
-                  <a:pt x="6620" y="600"/>
-                </a:lnTo>
-                <a:lnTo>
-                  <a:pt x="6178" y="741"/>
-                </a:lnTo>
-                <a:lnTo>
-                  <a:pt x="5737" y="900"/>
-                </a:lnTo>
-                <a:lnTo>
-                  <a:pt x="5270" y="1076"/>
-                </a:lnTo>
-                <a:lnTo>
-                  <a:pt x="4828" y="1252"/>
-                </a:lnTo>
-                <a:lnTo>
-                  <a:pt x="3972" y="1694"/>
-                </a:lnTo>
-                <a:lnTo>
-                  <a:pt x="3219" y="2152"/>
-                </a:lnTo>
-                <a:lnTo>
-                  <a:pt x="2544" y="2664"/>
-                </a:lnTo>
-                <a:lnTo>
-                  <a:pt x="1895" y="3247"/>
-                </a:lnTo>
-                <a:lnTo>
-                  <a:pt x="1635" y="3547"/>
-                </a:lnTo>
-                <a:lnTo>
-                  <a:pt x="1375" y="3847"/>
-                </a:lnTo>
-                <a:lnTo>
-                  <a:pt x="1142" y="4164"/>
-                </a:lnTo>
-                <a:lnTo>
-                  <a:pt x="934" y="4464"/>
-                </a:lnTo>
-                <a:lnTo>
-                  <a:pt x="726" y="4800"/>
-                </a:lnTo>
-                <a:lnTo>
-                  <a:pt x="545" y="5135"/>
-                </a:lnTo>
-                <a:lnTo>
-                  <a:pt x="389" y="5523"/>
-                </a:lnTo>
-                <a:lnTo>
-                  <a:pt x="285" y="5858"/>
-                </a:lnTo>
-                <a:lnTo>
-                  <a:pt x="181" y="6229"/>
-                </a:lnTo>
-                <a:lnTo>
-                  <a:pt x="129" y="6564"/>
-                </a:lnTo>
-                <a:lnTo>
-                  <a:pt x="77" y="6935"/>
-                </a:lnTo>
-                <a:lnTo>
-                  <a:pt x="77" y="7341"/>
-                </a:lnTo>
-                <a:lnTo>
-                  <a:pt x="77" y="7782"/>
-                </a:lnTo>
-                <a:lnTo>
-                  <a:pt x="129" y="8223"/>
-                </a:lnTo>
-                <a:lnTo>
-                  <a:pt x="233" y="8664"/>
-                </a:lnTo>
-                <a:lnTo>
-                  <a:pt x="389" y="9035"/>
-                </a:lnTo>
-                <a:lnTo>
-                  <a:pt x="545" y="9441"/>
-                </a:lnTo>
-                <a:lnTo>
-                  <a:pt x="726" y="9794"/>
-                </a:lnTo>
-                <a:lnTo>
-                  <a:pt x="934" y="10164"/>
-                </a:lnTo>
-                <a:lnTo>
-                  <a:pt x="1194" y="10464"/>
-                </a:lnTo>
-                <a:lnTo>
-                  <a:pt x="1739" y="11099"/>
-                </a:lnTo>
-                <a:lnTo>
-                  <a:pt x="2336" y="11647"/>
-                </a:lnTo>
-                <a:lnTo>
-                  <a:pt x="2933" y="12194"/>
-                </a:lnTo>
-                <a:lnTo>
-                  <a:pt x="3634" y="12670"/>
-                </a:lnTo>
-                <a:lnTo>
-                  <a:pt x="4932" y="13552"/>
-                </a:lnTo>
-                <a:lnTo>
-                  <a:pt x="6075" y="14329"/>
-                </a:lnTo>
-                <a:lnTo>
-                  <a:pt x="6516" y="14735"/>
-                </a:lnTo>
-                <a:lnTo>
-                  <a:pt x="6879" y="15141"/>
-                </a:lnTo>
-                <a:lnTo>
-                  <a:pt x="6983" y="15352"/>
-                </a:lnTo>
-                <a:lnTo>
-                  <a:pt x="7061" y="15547"/>
-                </a:lnTo>
-                <a:lnTo>
-                  <a:pt x="7165" y="15758"/>
-                </a:lnTo>
-                <a:lnTo>
-                  <a:pt x="7165" y="15952"/>
-                </a:lnTo>
-                <a:lnTo>
-                  <a:pt x="7165" y="16464"/>
-                </a:lnTo>
-                <a:lnTo>
-                  <a:pt x="7165" y="16976"/>
-                </a:lnTo>
-                <a:lnTo>
-                  <a:pt x="7165" y="17505"/>
-                </a:lnTo>
-                <a:lnTo>
-                  <a:pt x="7165" y="18052"/>
-                </a:lnTo>
-                <a:lnTo>
-                  <a:pt x="7165" y="18529"/>
-                </a:lnTo>
-                <a:lnTo>
-                  <a:pt x="7165" y="18900"/>
-                </a:lnTo>
-                <a:lnTo>
-                  <a:pt x="7165" y="19147"/>
-                </a:lnTo>
-                <a:lnTo>
-                  <a:pt x="7165" y="19235"/>
-                </a:lnTo>
-                <a:lnTo>
-                  <a:pt x="7165" y="19482"/>
-                </a:lnTo>
-                <a:lnTo>
-                  <a:pt x="7217" y="19747"/>
-                </a:lnTo>
-                <a:lnTo>
-                  <a:pt x="7321" y="19994"/>
-                </a:lnTo>
-                <a:lnTo>
-                  <a:pt x="7476" y="20223"/>
-                </a:lnTo>
-                <a:lnTo>
-                  <a:pt x="7632" y="20435"/>
-                </a:lnTo>
-                <a:lnTo>
-                  <a:pt x="7814" y="20629"/>
-                </a:lnTo>
-                <a:lnTo>
-                  <a:pt x="8022" y="20841"/>
-                </a:lnTo>
-                <a:lnTo>
-                  <a:pt x="8281" y="21000"/>
-                </a:lnTo>
-                <a:lnTo>
-                  <a:pt x="8515" y="21176"/>
-                </a:lnTo>
-                <a:lnTo>
-                  <a:pt x="8775" y="21317"/>
-                </a:lnTo>
-                <a:lnTo>
-                  <a:pt x="9060" y="21441"/>
-                </a:lnTo>
-                <a:lnTo>
-                  <a:pt x="9424" y="21547"/>
-                </a:lnTo>
-                <a:lnTo>
-                  <a:pt x="9761" y="21617"/>
-                </a:lnTo>
-                <a:lnTo>
-                  <a:pt x="10125" y="21688"/>
-                </a:lnTo>
-                <a:lnTo>
-                  <a:pt x="10462" y="21723"/>
-                </a:lnTo>
-                <a:lnTo>
-                  <a:pt x="10825" y="21723"/>
-                </a:lnTo>
-                <a:close/>
-              </a:path>
-              <a:path w="21600" h="21600" extrusionOk="0">
-                <a:moveTo>
-                  <a:pt x="9242" y="14417"/>
-                </a:moveTo>
-                <a:lnTo>
-                  <a:pt x="8541" y="12035"/>
-                </a:lnTo>
-                <a:lnTo>
-                  <a:pt x="7295" y="10129"/>
-                </a:lnTo>
-                <a:lnTo>
-                  <a:pt x="6905" y="9652"/>
-                </a:lnTo>
-                <a:lnTo>
-                  <a:pt x="8541" y="10182"/>
-                </a:lnTo>
-                <a:lnTo>
-                  <a:pt x="9787" y="9547"/>
-                </a:lnTo>
-                <a:lnTo>
-                  <a:pt x="11189" y="10129"/>
-                </a:lnTo>
-                <a:lnTo>
-                  <a:pt x="12279" y="9547"/>
-                </a:lnTo>
-                <a:lnTo>
-                  <a:pt x="13370" y="10076"/>
-                </a:lnTo>
-                <a:lnTo>
-                  <a:pt x="14850" y="9652"/>
-                </a:lnTo>
-                <a:lnTo>
-                  <a:pt x="12902" y="12247"/>
-                </a:lnTo>
-                <a:lnTo>
-                  <a:pt x="12357" y="14417"/>
-                </a:lnTo>
-                <a:moveTo>
-                  <a:pt x="7191" y="15952"/>
-                </a:moveTo>
-                <a:lnTo>
-                  <a:pt x="14512" y="15952"/>
-                </a:lnTo>
-                <a:lnTo>
-                  <a:pt x="14512" y="17064"/>
-                </a:lnTo>
-                <a:lnTo>
-                  <a:pt x="7191" y="17047"/>
-                </a:lnTo>
-                <a:lnTo>
-                  <a:pt x="7191" y="18123"/>
-                </a:lnTo>
-                <a:lnTo>
-                  <a:pt x="14512" y="18158"/>
-                </a:lnTo>
-                <a:lnTo>
-                  <a:pt x="14538" y="19182"/>
-                </a:lnTo>
-                <a:lnTo>
-                  <a:pt x="7217" y="19182"/>
-                </a:lnTo>
-              </a:path>
-            </a:pathLst>
-          </a:custGeom>
-          <a:solidFill>
-            <a:schemeClr val="bg1"/>
-          </a:solidFill>
-          <a:ln w="6350">
-            <a:solidFill>
-              <a:schemeClr val="bg1">
-                <a:lumMod val="85000"/>
-              </a:schemeClr>
-            </a:solidFill>
-            <a:miter lim="800000"/>
-            <a:headEnd/>
-            <a:tailEnd/>
-          </a:ln>
-          <a:effectLst>
-            <a:outerShdw blurRad="50800" dist="38100" dir="5400000" algn="t" rotWithShape="0">
-              <a:prstClr val="black">
-                <a:alpha val="40000"/>
-              </a:prstClr>
-            </a:outerShdw>
-          </a:effectLst>
-        </p:spPr>
-        <p:txBody>
-          <a:bodyPr vert="horz" wrap="square" lIns="91440" tIns="45720" rIns="91440" bIns="45720" numCol="1" anchor="t" anchorCtr="0" compatLnSpc="1">
-            <a:prstTxWarp prst="textNoShape">
-              <a:avLst/>
-            </a:prstTxWarp>
-          </a:bodyPr>
-          <a:lstStyle/>
-          <a:p>
-            <a:endParaRPr lang="zh-CN" altLang="en-US"/>
-          </a:p>
-        </p:txBody>
-      </p:sp>
-      <p:pic>
-        <p:nvPicPr>
-          <p:cNvPr id="5125" name="Picture 5" descr="C:\Users\ybi9\AppData\Local\Microsoft\Windows\Temporary Internet Files\Content.IE5\OM1J1Y24\MC900298153[1].wmf"/>
-          <p:cNvPicPr>
-            <a:picLocks noChangeAspect="1" noChangeArrowheads="1"/>
-          </p:cNvPicPr>
-          <p:nvPr/>
-        </p:nvPicPr>
-        <p:blipFill>
-          <a:blip r:embed="rId2" cstate="print">
-            <a:extLst>
-              <a:ext uri="{28A0092B-C50C-407E-A947-70E740481C1C}">
-                <a14:useLocalDpi xmlns:a14="http://schemas.microsoft.com/office/drawing/2010/main" val="0"/>
-              </a:ext>
-            </a:extLst>
-          </a:blip>
-          <a:srcRect/>
-          <a:stretch>
-            <a:fillRect/>
-          </a:stretch>
-        </p:blipFill>
-        <p:spPr bwMode="auto">
-          <a:xfrm>
-            <a:off x="4367896" y="2291806"/>
-            <a:ext cx="408211" cy="660881"/>
-          </a:xfrm>
-          <a:prstGeom prst="rect">
-            <a:avLst/>
-          </a:prstGeom>
-          <a:noFill/>
-          <a:effectLst>
-            <a:outerShdw blurRad="50800" dist="38100" dir="5400000" algn="t" rotWithShape="0">
-              <a:prstClr val="black">
-                <a:alpha val="40000"/>
-              </a:prstClr>
-            </a:outerShdw>
-          </a:effectLst>
-          <a:extLst>
-            <a:ext uri="{909E8E84-426E-40DD-AFC4-6F175D3DCCD1}">
-              <a14:hiddenFill xmlns:a14="http://schemas.microsoft.com/office/drawing/2010/main">
-                <a:solidFill>
-                  <a:srgbClr val="FFFFFF"/>
-                </a:solidFill>
-              </a14:hiddenFill>
-            </a:ext>
-          </a:extLst>
-        </p:spPr>
-      </p:pic>
+            </a:prstGeom>
+          </p:spPr>
+        </p:pic>
+      </p:grpSp>
     </p:spTree>
     <p:extLst>
       <p:ext uri="{BB962C8B-B14F-4D97-AF65-F5344CB8AC3E}">
@@ -8716,7 +9089,7 @@
                 <a:latin typeface="BatangChe" panose="02030609000101010101" pitchFamily="49" charset="-127"/>
                 <a:ea typeface="BatangChe" panose="02030609000101010101" pitchFamily="49" charset="-127"/>
               </a:rPr>
-              <a:t>1</a:t>
+              <a:t>01</a:t>
             </a:r>
             <a:endParaRPr lang="zh-CN" altLang="zh-CN" sz="6000" b="1" dirty="0">
               <a:solidFill>
@@ -8791,7 +9164,7 @@
         <p:spPr>
           <a:xfrm>
             <a:off x="1151620" y="2315656"/>
-            <a:ext cx="6840761" cy="523220"/>
+            <a:ext cx="6840761" cy="461665"/>
           </a:xfrm>
           <a:prstGeom prst="rect">
             <a:avLst/>
@@ -8806,34 +9179,13 @@
           <a:p>
             <a:pPr lvl="0" algn="ctr"/>
             <a:r>
-              <a:rPr lang="zh-CN" altLang="en-US" sz="2300" b="1" dirty="0" smtClean="0">
-                <a:latin typeface="微软雅黑" panose="020B0503020204020204" pitchFamily="34" charset="-122"/>
-                <a:ea typeface="微软雅黑" panose="020B0503020204020204" pitchFamily="34" charset="-122"/>
-              </a:rPr>
-              <a:t>标题</a:t>
-            </a:r>
-            <a:r>
-              <a:rPr lang="en-US" altLang="zh-CN" sz="2800" b="1" dirty="0" smtClean="0">
-                <a:effectLst>
-                  <a:outerShdw blurRad="38100" dist="38100" dir="2700000" algn="tl">
-                    <a:srgbClr val="000000">
-                      <a:alpha val="43137"/>
-                    </a:srgbClr>
-                  </a:outerShdw>
-                </a:effectLst>
-                <a:latin typeface="微软雅黑" panose="020B0503020204020204" pitchFamily="34" charset="-122"/>
-                <a:ea typeface="微软雅黑" panose="020B0503020204020204" pitchFamily="34" charset="-122"/>
-              </a:rPr>
-              <a:t>1</a:t>
-            </a:r>
-            <a:endParaRPr lang="zh-CN" altLang="zh-CN" sz="2800" b="1" dirty="0">
-              <a:effectLst>
-                <a:outerShdw blurRad="38100" dist="38100" dir="2700000" algn="tl">
-                  <a:srgbClr val="000000">
-                    <a:alpha val="43137"/>
-                  </a:srgbClr>
-                </a:outerShdw>
-              </a:effectLst>
+              <a:rPr lang="zh-CN" altLang="en-US" sz="2400" b="1" dirty="0">
+                <a:latin typeface="微软雅黑" panose="020B0503020204020204" pitchFamily="34" charset="-122"/>
+                <a:ea typeface="微软雅黑" panose="020B0503020204020204" pitchFamily="34" charset="-122"/>
+              </a:rPr>
+              <a:t>功能与特点</a:t>
+            </a:r>
+            <a:endParaRPr lang="en-US" altLang="zh-CN" sz="2400" b="1" dirty="0">
               <a:latin typeface="微软雅黑" panose="020B0503020204020204" pitchFamily="34" charset="-122"/>
               <a:ea typeface="微软雅黑" panose="020B0503020204020204" pitchFamily="34" charset="-122"/>
             </a:endParaRPr>
@@ -12299,7 +12651,7 @@
                 <a:latin typeface="BatangChe" panose="02030609000101010101" pitchFamily="49" charset="-127"/>
                 <a:ea typeface="BatangChe" panose="02030609000101010101" pitchFamily="49" charset="-127"/>
               </a:rPr>
-              <a:t>2</a:t>
+              <a:t>02</a:t>
             </a:r>
             <a:endParaRPr lang="zh-CN" altLang="zh-CN" sz="6000" b="1" dirty="0">
               <a:solidFill>
@@ -12387,22 +12739,28 @@
           </a:bodyPr>
           <a:lstStyle/>
           <a:p>
-            <a:pPr lvl="0"/>
+            <a:r>
+              <a:rPr lang="zh-CN" altLang="en-US" sz="2800" b="1" dirty="0">
+                <a:latin typeface="微软雅黑" panose="020B0503020204020204" pitchFamily="34" charset="-122"/>
+                <a:ea typeface="微软雅黑" panose="020B0503020204020204" pitchFamily="34" charset="-122"/>
+              </a:rPr>
+              <a:t>系统</a:t>
+            </a:r>
             <a:r>
               <a:rPr lang="zh-CN" altLang="en-US" sz="2800" b="1" dirty="0" smtClean="0">
                 <a:latin typeface="微软雅黑" panose="020B0503020204020204" pitchFamily="34" charset="-122"/>
                 <a:ea typeface="微软雅黑" panose="020B0503020204020204" pitchFamily="34" charset="-122"/>
               </a:rPr>
-              <a:t>标题</a:t>
-            </a:r>
-            <a:r>
-              <a:rPr lang="en-US" altLang="zh-CN" sz="2800" b="1" dirty="0" smtClean="0">
-                <a:latin typeface="微软雅黑" panose="020B0503020204020204" pitchFamily="34" charset="-122"/>
-                <a:ea typeface="微软雅黑" panose="020B0503020204020204" pitchFamily="34" charset="-122"/>
-              </a:rPr>
-              <a:t>2</a:t>
-            </a:r>
-            <a:endParaRPr lang="zh-CN" altLang="zh-CN" sz="2800" b="1" dirty="0">
+              <a:t>概要</a:t>
+            </a:r>
+            <a:endParaRPr lang="zh-CN" altLang="zh-CN" sz="3200" b="1" dirty="0">
+              <a:effectLst>
+                <a:outerShdw blurRad="38100" dist="38100" dir="2700000" algn="tl">
+                  <a:srgbClr val="000000">
+                    <a:alpha val="43137"/>
+                  </a:srgbClr>
+                </a:outerShdw>
+              </a:effectLst>
               <a:latin typeface="微软雅黑" panose="020B0503020204020204" pitchFamily="34" charset="-122"/>
               <a:ea typeface="微软雅黑" panose="020B0503020204020204" pitchFamily="34" charset="-122"/>
             </a:endParaRPr>

--- a/Presentation/presentation.pptx
+++ b/Presentation/presentation.pptx
@@ -508,6 +508,94 @@
 </file>
 
 <file path=ppt/notesSlides/notesSlide1.xml><?xml version="1.0" encoding="utf-8"?>
+<p:notes xmlns:a="http://schemas.openxmlformats.org/drawingml/2006/main" xmlns:r="http://schemas.openxmlformats.org/officeDocument/2006/relationships" xmlns:p="http://schemas.openxmlformats.org/presentationml/2006/main">
+  <p:cSld>
+    <p:spTree>
+      <p:nvGrpSpPr>
+        <p:cNvPr id="1" name=""/>
+        <p:cNvGrpSpPr/>
+        <p:nvPr/>
+      </p:nvGrpSpPr>
+      <p:grpSpPr>
+        <a:xfrm>
+          <a:off x="0" y="0"/>
+          <a:ext cx="0" cy="0"/>
+          <a:chOff x="0" y="0"/>
+          <a:chExt cx="0" cy="0"/>
+        </a:xfrm>
+      </p:grpSpPr>
+      <p:sp>
+        <p:nvSpPr>
+          <p:cNvPr id="2" name="幻灯片图像占位符 1"/>
+          <p:cNvSpPr>
+            <a:spLocks noGrp="1" noRot="1" noChangeAspect="1"/>
+          </p:cNvSpPr>
+          <p:nvPr>
+            <p:ph type="sldImg"/>
+          </p:nvPr>
+        </p:nvSpPr>
+        <p:spPr/>
+      </p:sp>
+      <p:sp>
+        <p:nvSpPr>
+          <p:cNvPr id="3" name="备注占位符 2"/>
+          <p:cNvSpPr>
+            <a:spLocks noGrp="1"/>
+          </p:cNvSpPr>
+          <p:nvPr>
+            <p:ph type="body" idx="1"/>
+          </p:nvPr>
+        </p:nvSpPr>
+        <p:spPr/>
+        <p:txBody>
+          <a:bodyPr/>
+          <a:lstStyle/>
+          <a:p>
+            <a:r>
+              <a:rPr lang="zh-CN" altLang="en-US" dirty="0" smtClean="0"/>
+              <a:t>左边一列为用户，右边一列是管理员</a:t>
+            </a:r>
+            <a:endParaRPr lang="zh-CN" altLang="en-US" dirty="0"/>
+          </a:p>
+        </p:txBody>
+      </p:sp>
+      <p:sp>
+        <p:nvSpPr>
+          <p:cNvPr id="4" name="灯片编号占位符 3"/>
+          <p:cNvSpPr>
+            <a:spLocks noGrp="1"/>
+          </p:cNvSpPr>
+          <p:nvPr>
+            <p:ph type="sldNum" sz="quarter" idx="10"/>
+          </p:nvPr>
+        </p:nvSpPr>
+        <p:spPr/>
+        <p:txBody>
+          <a:bodyPr/>
+          <a:lstStyle/>
+          <a:p>
+            <a:fld id="{211336F0-A849-4C36-B24A-3009716B13CE}" type="slidenum">
+              <a:rPr lang="zh-CN" altLang="en-US" smtClean="0"/>
+              <a:t>4</a:t>
+            </a:fld>
+            <a:endParaRPr lang="zh-CN" altLang="en-US"/>
+          </a:p>
+        </p:txBody>
+      </p:sp>
+    </p:spTree>
+    <p:extLst>
+      <p:ext uri="{BB962C8B-B14F-4D97-AF65-F5344CB8AC3E}">
+        <p14:creationId xmlns:p14="http://schemas.microsoft.com/office/powerpoint/2010/main" val="1307311327"/>
+      </p:ext>
+    </p:extLst>
+  </p:cSld>
+  <p:clrMapOvr>
+    <a:masterClrMapping/>
+  </p:clrMapOvr>
+</p:notes>
+</file>
+
+<file path=ppt/notesSlides/notesSlide2.xml><?xml version="1.0" encoding="utf-8"?>
 <p:notes xmlns:a="http://schemas.openxmlformats.org/drawingml/2006/main" xmlns:r="http://schemas.openxmlformats.org/officeDocument/2006/relationships" xmlns:p="http://schemas.openxmlformats.org/presentationml/2006/main">
   <p:cSld>
     <p:spTree>
@@ -10418,52 +10506,6 @@
       </p:sp>
       <p:sp>
         <p:nvSpPr>
-          <p:cNvPr id="44" name="流程图: 摘录 43"/>
-          <p:cNvSpPr/>
-          <p:nvPr/>
-        </p:nvSpPr>
-        <p:spPr>
-          <a:xfrm rot="5400000" flipH="1" flipV="1">
-            <a:off x="7053987" y="2598450"/>
-            <a:ext cx="440234" cy="360690"/>
-          </a:xfrm>
-          <a:prstGeom prst="flowChartExtract">
-            <a:avLst/>
-          </a:prstGeom>
-          <a:noFill/>
-          <a:ln w="12700">
-            <a:solidFill>
-              <a:schemeClr val="bg1"/>
-            </a:solidFill>
-          </a:ln>
-        </p:spPr>
-        <p:style>
-          <a:lnRef idx="2">
-            <a:schemeClr val="accent1">
-              <a:shade val="50000"/>
-            </a:schemeClr>
-          </a:lnRef>
-          <a:fillRef idx="1">
-            <a:schemeClr val="accent1"/>
-          </a:fillRef>
-          <a:effectRef idx="0">
-            <a:schemeClr val="accent1"/>
-          </a:effectRef>
-          <a:fontRef idx="minor">
-            <a:schemeClr val="lt1"/>
-          </a:fontRef>
-        </p:style>
-        <p:txBody>
-          <a:bodyPr rtlCol="0" anchor="ctr"/>
-          <a:lstStyle/>
-          <a:p>
-            <a:pPr algn="ctr"/>
-            <a:endParaRPr lang="zh-CN" altLang="en-US"/>
-          </a:p>
-        </p:txBody>
-      </p:sp>
-      <p:sp>
-        <p:nvSpPr>
           <p:cNvPr id="49" name="流程图: 联系 48"/>
           <p:cNvSpPr/>
           <p:nvPr/>
@@ -11543,8 +11585,8 @@
         </p:nvSpPr>
         <p:spPr>
           <a:xfrm>
-            <a:off x="3930187" y="2422660"/>
-            <a:ext cx="1250122" cy="769441"/>
+            <a:off x="3930187" y="2576548"/>
+            <a:ext cx="1250122" cy="461665"/>
           </a:xfrm>
           <a:prstGeom prst="rect">
             <a:avLst/>
@@ -11576,47 +11618,7 @@
                 <a:latin typeface="微软雅黑" panose="020B0503020204020204" pitchFamily="34" charset="-122"/>
                 <a:ea typeface="微软雅黑" panose="020B0503020204020204" pitchFamily="34" charset="-122"/>
               </a:rPr>
-              <a:t>标题</a:t>
-            </a:r>
-            <a:endParaRPr lang="en-US" altLang="zh-CN" sz="2400" b="1" dirty="0" smtClean="0">
-              <a:solidFill>
-                <a:schemeClr val="tx1">
-                  <a:lumMod val="75000"/>
-                  <a:lumOff val="25000"/>
-                </a:schemeClr>
-              </a:solidFill>
-              <a:effectLst>
-                <a:outerShdw blurRad="38100" dist="38100" dir="2700000" algn="tl">
-                  <a:srgbClr val="000000">
-                    <a:alpha val="43137"/>
-                  </a:srgbClr>
-                </a:outerShdw>
-              </a:effectLst>
-              <a:latin typeface="微软雅黑" panose="020B0503020204020204" pitchFamily="34" charset="-122"/>
-              <a:ea typeface="微软雅黑" panose="020B0503020204020204" pitchFamily="34" charset="-122"/>
-            </a:endParaRPr>
-          </a:p>
-          <a:p>
-            <a:pPr algn="ctr"/>
-            <a:r>
-              <a:rPr lang="en-US" altLang="zh-CN" sz="2000" b="1" dirty="0" smtClean="0">
-                <a:solidFill>
-                  <a:schemeClr val="tx1">
-                    <a:lumMod val="75000"/>
-                    <a:lumOff val="25000"/>
-                  </a:schemeClr>
-                </a:solidFill>
-                <a:effectLst>
-                  <a:outerShdw blurRad="38100" dist="38100" dir="2700000" algn="tl">
-                    <a:srgbClr val="000000">
-                      <a:alpha val="43137"/>
-                    </a:srgbClr>
-                  </a:outerShdw>
-                </a:effectLst>
-                <a:latin typeface="微软雅黑" panose="020B0503020204020204" pitchFamily="34" charset="-122"/>
-                <a:ea typeface="微软雅黑" panose="020B0503020204020204" pitchFamily="34" charset="-122"/>
-              </a:rPr>
-              <a:t>1</a:t>
+              <a:t>功能</a:t>
             </a:r>
             <a:endParaRPr lang="zh-CN" altLang="en-US" sz="2000" b="1" dirty="0">
               <a:solidFill>
@@ -12061,7 +12063,7 @@
           <a:p>
             <a:pPr algn="r"/>
             <a:r>
-              <a:rPr lang="zh-CN" altLang="en-US" sz="1600" b="1" dirty="0">
+              <a:rPr lang="zh-CN" altLang="en-US" sz="1600" b="1" dirty="0" smtClean="0">
                 <a:solidFill>
                   <a:schemeClr val="tx1">
                     <a:lumMod val="75000"/>
@@ -12071,7 +12073,7 @@
                 <a:latin typeface="微软雅黑" panose="020B0503020204020204" pitchFamily="34" charset="-122"/>
                 <a:ea typeface="微软雅黑" panose="020B0503020204020204" pitchFamily="34" charset="-122"/>
               </a:rPr>
-              <a:t>内容</a:t>
+              <a:t>用户注册登录</a:t>
             </a:r>
             <a:endParaRPr lang="en-US" altLang="zh-CN" sz="1600" b="1" dirty="0">
               <a:solidFill>
@@ -12110,7 +12112,7 @@
           <a:p>
             <a:pPr algn="r"/>
             <a:r>
-              <a:rPr lang="zh-CN" altLang="en-US" sz="1600" b="1" dirty="0">
+              <a:rPr lang="zh-CN" altLang="en-US" sz="1600" b="1" dirty="0" smtClean="0">
                 <a:solidFill>
                   <a:schemeClr val="tx1">
                     <a:lumMod val="75000"/>
@@ -12120,7 +12122,20 @@
                 <a:latin typeface="微软雅黑" panose="020B0503020204020204" pitchFamily="34" charset="-122"/>
                 <a:ea typeface="微软雅黑" panose="020B0503020204020204" pitchFamily="34" charset="-122"/>
               </a:rPr>
-              <a:t>内容</a:t>
+              <a:t>查购退</a:t>
+            </a:r>
+            <a:r>
+              <a:rPr lang="zh-CN" altLang="en-US" sz="1600" b="1" dirty="0" smtClean="0">
+                <a:solidFill>
+                  <a:schemeClr val="tx1">
+                    <a:lumMod val="75000"/>
+                    <a:lumOff val="25000"/>
+                  </a:schemeClr>
+                </a:solidFill>
+                <a:latin typeface="微软雅黑" panose="020B0503020204020204" pitchFamily="34" charset="-122"/>
+                <a:ea typeface="微软雅黑" panose="020B0503020204020204" pitchFamily="34" charset="-122"/>
+              </a:rPr>
+              <a:t>车票</a:t>
             </a:r>
             <a:endParaRPr lang="en-US" altLang="zh-CN" sz="1600" b="1" dirty="0">
               <a:solidFill>
@@ -12168,7 +12183,7 @@
                 <a:latin typeface="微软雅黑" panose="020B0503020204020204" pitchFamily="34" charset="-122"/>
                 <a:ea typeface="微软雅黑" panose="020B0503020204020204" pitchFamily="34" charset="-122"/>
               </a:rPr>
-              <a:t>内容</a:t>
+              <a:t>管理员登录</a:t>
             </a:r>
             <a:endParaRPr lang="en-US" altLang="zh-CN" sz="1600" b="1" dirty="0">
               <a:solidFill>
@@ -12216,7 +12231,20 @@
                 <a:latin typeface="微软雅黑" panose="020B0503020204020204" pitchFamily="34" charset="-122"/>
                 <a:ea typeface="微软雅黑" panose="020B0503020204020204" pitchFamily="34" charset="-122"/>
               </a:rPr>
-              <a:t>内容</a:t>
+              <a:t>查询</a:t>
+            </a:r>
+            <a:r>
+              <a:rPr lang="zh-CN" altLang="en-US" sz="1600" b="1" dirty="0" smtClean="0">
+                <a:solidFill>
+                  <a:schemeClr val="tx1">
+                    <a:lumMod val="75000"/>
+                    <a:lumOff val="25000"/>
+                  </a:schemeClr>
+                </a:solidFill>
+                <a:latin typeface="微软雅黑" panose="020B0503020204020204" pitchFamily="34" charset="-122"/>
+                <a:ea typeface="微软雅黑" panose="020B0503020204020204" pitchFamily="34" charset="-122"/>
+              </a:rPr>
+              <a:t>修改用户</a:t>
             </a:r>
             <a:endParaRPr lang="en-US" altLang="zh-CN" sz="1600" b="1" dirty="0">
               <a:solidFill>
@@ -12254,7 +12282,7 @@
           <a:lstStyle/>
           <a:p>
             <a:r>
-              <a:rPr lang="zh-CN" altLang="en-US" sz="1600" b="1" dirty="0">
+              <a:rPr lang="zh-CN" altLang="en-US" sz="1600" b="1" dirty="0" smtClean="0">
                 <a:solidFill>
                   <a:schemeClr val="tx1">
                     <a:lumMod val="75000"/>
@@ -12264,7 +12292,7 @@
                 <a:latin typeface="微软雅黑" panose="020B0503020204020204" pitchFamily="34" charset="-122"/>
                 <a:ea typeface="微软雅黑" panose="020B0503020204020204" pitchFamily="34" charset="-122"/>
               </a:rPr>
-              <a:t>内容</a:t>
+              <a:t>增删改运行计划</a:t>
             </a:r>
             <a:endParaRPr lang="en-US" altLang="zh-CN" sz="1600" b="1" dirty="0">
               <a:solidFill>
@@ -12303,7 +12331,7 @@
           <a:p>
             <a:pPr algn="r"/>
             <a:r>
-              <a:rPr lang="zh-CN" altLang="en-US" sz="1600" b="1" dirty="0">
+              <a:rPr lang="zh-CN" altLang="en-US" sz="1600" b="1" dirty="0" smtClean="0">
                 <a:solidFill>
                   <a:schemeClr val="tx1">
                     <a:lumMod val="75000"/>
@@ -12313,7 +12341,7 @@
                 <a:latin typeface="微软雅黑" panose="020B0503020204020204" pitchFamily="34" charset="-122"/>
                 <a:ea typeface="微软雅黑" panose="020B0503020204020204" pitchFamily="34" charset="-122"/>
               </a:rPr>
-              <a:t>内容</a:t>
+              <a:t>信息修改</a:t>
             </a:r>
             <a:endParaRPr lang="en-US" altLang="zh-CN" sz="1600" b="1" dirty="0">
               <a:solidFill>
@@ -12336,8 +12364,8 @@
         </p:nvSpPr>
         <p:spPr>
           <a:xfrm>
-            <a:off x="3940819" y="905173"/>
-            <a:ext cx="1250122" cy="338554"/>
+            <a:off x="3940819" y="782063"/>
+            <a:ext cx="1250122" cy="584775"/>
           </a:xfrm>
           <a:prstGeom prst="rect">
             <a:avLst/>
@@ -12362,7 +12390,33 @@
                 <a:latin typeface="微软雅黑" panose="020B0503020204020204" pitchFamily="34" charset="-122"/>
                 <a:ea typeface="微软雅黑" panose="020B0503020204020204" pitchFamily="34" charset="-122"/>
               </a:rPr>
-              <a:t>内容</a:t>
+              <a:t>车票查询（</a:t>
+            </a:r>
+            <a:r>
+              <a:rPr lang="en-US" altLang="zh-CN" sz="1600" b="1" dirty="0" smtClean="0">
+                <a:solidFill>
+                  <a:schemeClr val="tx1">
+                    <a:lumMod val="75000"/>
+                    <a:lumOff val="25000"/>
+                  </a:schemeClr>
+                </a:solidFill>
+                <a:latin typeface="微软雅黑" panose="020B0503020204020204" pitchFamily="34" charset="-122"/>
+                <a:ea typeface="微软雅黑" panose="020B0503020204020204" pitchFamily="34" charset="-122"/>
+              </a:rPr>
+              <a:t>3</a:t>
+            </a:r>
+            <a:r>
+              <a:rPr lang="zh-CN" altLang="en-US" sz="1600" b="1" dirty="0" smtClean="0">
+                <a:solidFill>
+                  <a:schemeClr val="tx1">
+                    <a:lumMod val="75000"/>
+                    <a:lumOff val="25000"/>
+                  </a:schemeClr>
+                </a:solidFill>
+                <a:latin typeface="微软雅黑" panose="020B0503020204020204" pitchFamily="34" charset="-122"/>
+                <a:ea typeface="微软雅黑" panose="020B0503020204020204" pitchFamily="34" charset="-122"/>
+              </a:rPr>
+              <a:t>种方式）</a:t>
             </a:r>
             <a:endParaRPr lang="en-US" altLang="zh-CN" sz="1600" b="1" dirty="0" smtClean="0">
               <a:solidFill>

--- a/Presentation/presentation.pptx
+++ b/Presentation/presentation.pptx
@@ -5,7 +5,7 @@
     <p:sldMasterId id="2147483648" r:id="rId1"/>
   </p:sldMasterIdLst>
   <p:notesMasterIdLst>
-    <p:notesMasterId r:id="rId19"/>
+    <p:notesMasterId r:id="rId20"/>
   </p:notesMasterIdLst>
   <p:sldIdLst>
     <p:sldId id="256" r:id="rId2"/>
@@ -19,12 +19,13 @@
     <p:sldId id="277" r:id="rId10"/>
     <p:sldId id="262" r:id="rId11"/>
     <p:sldId id="269" r:id="rId12"/>
-    <p:sldId id="268" r:id="rId13"/>
-    <p:sldId id="263" r:id="rId14"/>
-    <p:sldId id="266" r:id="rId15"/>
-    <p:sldId id="271" r:id="rId16"/>
-    <p:sldId id="273" r:id="rId17"/>
-    <p:sldId id="272" r:id="rId18"/>
+    <p:sldId id="279" r:id="rId13"/>
+    <p:sldId id="268" r:id="rId14"/>
+    <p:sldId id="263" r:id="rId15"/>
+    <p:sldId id="266" r:id="rId16"/>
+    <p:sldId id="271" r:id="rId17"/>
+    <p:sldId id="273" r:id="rId18"/>
+    <p:sldId id="272" r:id="rId19"/>
   </p:sldIdLst>
   <p:sldSz cx="9144000" cy="5143500" type="screen16x9"/>
   <p:notesSz cx="6858000" cy="9144000"/>
@@ -670,7 +671,7 @@
                 </a:solidFill>
               </a:rPr>
               <a:pPr/>
-              <a:t>17</a:t>
+              <a:t>18</a:t>
             </a:fld>
             <a:endParaRPr lang="zh-CN" altLang="en-US">
               <a:solidFill>
@@ -5225,127 +5226,19 @@
       </p:sp>
       <p:sp>
         <p:nvSpPr>
-          <p:cNvPr id="7" name="矩形 6"/>
-          <p:cNvSpPr/>
+          <p:cNvPr id="13" name="TextBox 12"/>
+          <p:cNvSpPr txBox="1"/>
           <p:nvPr/>
         </p:nvSpPr>
         <p:spPr>
           <a:xfrm>
-            <a:off x="516736" y="1021263"/>
-            <a:ext cx="2715110" cy="315898"/>
+            <a:off x="5315521" y="2375138"/>
+            <a:ext cx="3672408" cy="1754326"/>
           </a:xfrm>
           <a:prstGeom prst="rect">
             <a:avLst/>
           </a:prstGeom>
-          <a:solidFill>
-            <a:srgbClr val="FFC000"/>
-          </a:solidFill>
-          <a:ln>
-            <a:noFill/>
-          </a:ln>
-          <a:effectLst>
-            <a:outerShdw blurRad="50800" dist="38100" dir="5400000" algn="t" rotWithShape="0">
-              <a:prstClr val="black">
-                <a:alpha val="40000"/>
-              </a:prstClr>
-            </a:outerShdw>
-            <a:reflection blurRad="6350" stA="50000" endA="300" endPos="55000" dir="5400000" sy="-100000" algn="bl" rotWithShape="0"/>
-          </a:effectLst>
-        </p:spPr>
-        <p:style>
-          <a:lnRef idx="2">
-            <a:schemeClr val="accent1">
-              <a:shade val="50000"/>
-            </a:schemeClr>
-          </a:lnRef>
-          <a:fillRef idx="1">
-            <a:schemeClr val="accent1"/>
-          </a:fillRef>
-          <a:effectRef idx="0">
-            <a:schemeClr val="accent1"/>
-          </a:effectRef>
-          <a:fontRef idx="minor">
-            <a:schemeClr val="lt1"/>
-          </a:fontRef>
-        </p:style>
-        <p:txBody>
-          <a:bodyPr rtlCol="0" anchor="ctr"/>
-          <a:lstStyle/>
-          <a:p>
-            <a:pPr algn="ctr"/>
-            <a:endParaRPr lang="zh-CN" altLang="en-US"/>
-          </a:p>
-        </p:txBody>
-      </p:sp>
-      <p:sp>
-        <p:nvSpPr>
-          <p:cNvPr id="8" name="矩形 7"/>
-          <p:cNvSpPr/>
-          <p:nvPr/>
-        </p:nvSpPr>
-        <p:spPr>
-          <a:xfrm>
-            <a:off x="274382" y="1021263"/>
-            <a:ext cx="242354" cy="315898"/>
-          </a:xfrm>
-          <a:prstGeom prst="rect">
-            <a:avLst/>
-          </a:prstGeom>
-          <a:solidFill>
-            <a:srgbClr val="3C3C37"/>
-          </a:solidFill>
-          <a:ln>
-            <a:noFill/>
-          </a:ln>
-          <a:effectLst>
-            <a:outerShdw blurRad="50800" dist="38100" dir="5400000" algn="t" rotWithShape="0">
-              <a:prstClr val="black">
-                <a:alpha val="40000"/>
-              </a:prstClr>
-            </a:outerShdw>
-          </a:effectLst>
-        </p:spPr>
-        <p:style>
-          <a:lnRef idx="2">
-            <a:schemeClr val="accent1">
-              <a:shade val="50000"/>
-            </a:schemeClr>
-          </a:lnRef>
-          <a:fillRef idx="1">
-            <a:schemeClr val="accent1"/>
-          </a:fillRef>
-          <a:effectRef idx="0">
-            <a:schemeClr val="accent1"/>
-          </a:effectRef>
-          <a:fontRef idx="minor">
-            <a:schemeClr val="lt1"/>
-          </a:fontRef>
-        </p:style>
-        <p:txBody>
-          <a:bodyPr rtlCol="0" anchor="ctr"/>
-          <a:lstStyle/>
-          <a:p>
-            <a:pPr algn="ctr"/>
-            <a:endParaRPr lang="zh-CN" altLang="en-US"/>
-          </a:p>
-        </p:txBody>
-      </p:sp>
-      <p:sp>
-        <p:nvSpPr>
-          <p:cNvPr id="9" name="TextBox 8"/>
-          <p:cNvSpPr txBox="1"/>
-          <p:nvPr/>
-        </p:nvSpPr>
-        <p:spPr>
-          <a:xfrm>
-            <a:off x="539551" y="986852"/>
-            <a:ext cx="2701112" cy="384721"/>
-          </a:xfrm>
-          <a:prstGeom prst="rect">
-            <a:avLst/>
-          </a:prstGeom>
           <a:noFill/>
-          <a:effectLst/>
         </p:spPr>
         <p:txBody>
           <a:bodyPr wrap="square" rtlCol="0">
@@ -5353,35 +5246,209 @@
           </a:bodyPr>
           <a:lstStyle/>
           <a:p>
-            <a:pPr lvl="0"/>
-            <a:r>
-              <a:rPr lang="zh-CN" altLang="en-US" sz="1900" b="1" dirty="0" smtClean="0">
-                <a:solidFill>
-                  <a:schemeClr val="bg1"/>
-                </a:solidFill>
-                <a:effectLst>
-                  <a:outerShdw blurRad="38100" dist="38100" dir="2700000" algn="tl">
-                    <a:srgbClr val="000000">
-                      <a:alpha val="43137"/>
-                    </a:srgbClr>
-                  </a:outerShdw>
-                </a:effectLst>
-                <a:latin typeface="微软雅黑" panose="020B0503020204020204" pitchFamily="34" charset="-122"/>
-                <a:ea typeface="微软雅黑" panose="020B0503020204020204" pitchFamily="34" charset="-122"/>
-              </a:rPr>
-              <a:t>后端数据库</a:t>
-            </a:r>
-            <a:endParaRPr lang="zh-CN" altLang="zh-CN" sz="1900" b="1" dirty="0">
+            <a:pPr marL="285750" lvl="0" indent="-285750">
+              <a:lnSpc>
+                <a:spcPct val="150000"/>
+              </a:lnSpc>
+              <a:buFont typeface="Arial" panose="020B0604020202020204" pitchFamily="34" charset="0"/>
+              <a:buChar char="•"/>
+            </a:pPr>
+            <a:r>
+              <a:rPr lang="zh-CN" altLang="en-US" sz="1200" b="1" dirty="0" smtClean="0">
+                <a:solidFill>
+                  <a:schemeClr val="tx1">
+                    <a:lumMod val="75000"/>
+                    <a:lumOff val="25000"/>
+                  </a:schemeClr>
+                </a:solidFill>
+                <a:latin typeface="微软雅黑" panose="020B0503020204020204" pitchFamily="34" charset="-122"/>
+                <a:ea typeface="微软雅黑" panose="020B0503020204020204" pitchFamily="34" charset="-122"/>
+              </a:rPr>
+              <a:t>数据导入</a:t>
+            </a:r>
+            <a:endParaRPr lang="en-US" altLang="zh-CN" sz="1200" b="1" dirty="0" smtClean="0">
               <a:solidFill>
-                <a:schemeClr val="bg1"/>
+                <a:schemeClr val="tx1">
+                  <a:lumMod val="75000"/>
+                  <a:lumOff val="25000"/>
+                </a:schemeClr>
               </a:solidFill>
-              <a:effectLst>
-                <a:outerShdw blurRad="38100" dist="38100" dir="2700000" algn="tl">
-                  <a:srgbClr val="000000">
-                    <a:alpha val="43137"/>
-                  </a:srgbClr>
-                </a:outerShdw>
-              </a:effectLst>
+              <a:latin typeface="微软雅黑" panose="020B0503020204020204" pitchFamily="34" charset="-122"/>
+              <a:ea typeface="微软雅黑" panose="020B0503020204020204" pitchFamily="34" charset="-122"/>
+            </a:endParaRPr>
+          </a:p>
+          <a:p>
+            <a:pPr marL="285750" indent="-285750">
+              <a:lnSpc>
+                <a:spcPct val="150000"/>
+              </a:lnSpc>
+              <a:buFont typeface="Arial" panose="020B0604020202020204" pitchFamily="34" charset="0"/>
+              <a:buChar char="•"/>
+            </a:pPr>
+            <a:r>
+              <a:rPr lang="en-US" altLang="zh-CN" sz="1200" b="1" dirty="0">
+                <a:solidFill>
+                  <a:schemeClr val="tx1">
+                    <a:lumMod val="75000"/>
+                    <a:lumOff val="25000"/>
+                  </a:schemeClr>
+                </a:solidFill>
+                <a:latin typeface="微软雅黑" panose="020B0503020204020204" pitchFamily="34" charset="-122"/>
+                <a:ea typeface="微软雅黑" panose="020B0503020204020204" pitchFamily="34" charset="-122"/>
+              </a:rPr>
+              <a:t>Map</a:t>
+            </a:r>
+            <a:r>
+              <a:rPr lang="zh-CN" altLang="en-US" sz="1200" b="1" dirty="0">
+                <a:solidFill>
+                  <a:schemeClr val="tx1">
+                    <a:lumMod val="75000"/>
+                    <a:lumOff val="25000"/>
+                  </a:schemeClr>
+                </a:solidFill>
+                <a:latin typeface="微软雅黑" panose="020B0503020204020204" pitchFamily="34" charset="-122"/>
+                <a:ea typeface="微软雅黑" panose="020B0503020204020204" pitchFamily="34" charset="-122"/>
+              </a:rPr>
+              <a:t>等类的输出运算重载</a:t>
+            </a:r>
+          </a:p>
+          <a:p>
+            <a:pPr marL="285750" indent="-285750">
+              <a:lnSpc>
+                <a:spcPct val="150000"/>
+              </a:lnSpc>
+              <a:buFont typeface="Arial" panose="020B0604020202020204" pitchFamily="34" charset="0"/>
+              <a:buChar char="•"/>
+            </a:pPr>
+            <a:r>
+              <a:rPr lang="zh-CN" altLang="en-US" sz="1200" b="1" dirty="0">
+                <a:solidFill>
+                  <a:schemeClr val="tx1">
+                    <a:lumMod val="75000"/>
+                    <a:lumOff val="25000"/>
+                  </a:schemeClr>
+                </a:solidFill>
+                <a:latin typeface="微软雅黑" panose="020B0503020204020204" pitchFamily="34" charset="-122"/>
+                <a:ea typeface="微软雅黑" panose="020B0503020204020204" pitchFamily="34" charset="-122"/>
+              </a:rPr>
+              <a:t>二进制文件</a:t>
+            </a:r>
+            <a:r>
+              <a:rPr lang="zh-CN" altLang="en-US" sz="1200" b="1" dirty="0" smtClean="0">
+                <a:solidFill>
+                  <a:schemeClr val="tx1">
+                    <a:lumMod val="75000"/>
+                    <a:lumOff val="25000"/>
+                  </a:schemeClr>
+                </a:solidFill>
+                <a:latin typeface="微软雅黑" panose="020B0503020204020204" pitchFamily="34" charset="-122"/>
+                <a:ea typeface="微软雅黑" panose="020B0503020204020204" pitchFamily="34" charset="-122"/>
+              </a:rPr>
+              <a:t>读写</a:t>
+            </a:r>
+            <a:endParaRPr lang="en-US" altLang="zh-CN" sz="1200" b="1" dirty="0" smtClean="0">
+              <a:solidFill>
+                <a:schemeClr val="tx1">
+                  <a:lumMod val="75000"/>
+                  <a:lumOff val="25000"/>
+                </a:schemeClr>
+              </a:solidFill>
+              <a:latin typeface="微软雅黑" panose="020B0503020204020204" pitchFamily="34" charset="-122"/>
+              <a:ea typeface="微软雅黑" panose="020B0503020204020204" pitchFamily="34" charset="-122"/>
+            </a:endParaRPr>
+          </a:p>
+          <a:p>
+            <a:pPr marL="285750" lvl="0" indent="-285750">
+              <a:lnSpc>
+                <a:spcPct val="150000"/>
+              </a:lnSpc>
+              <a:buFont typeface="Arial" panose="020B0604020202020204" pitchFamily="34" charset="0"/>
+              <a:buChar char="•"/>
+            </a:pPr>
+            <a:r>
+              <a:rPr lang="zh-CN" altLang="en-US" sz="1200" b="1" dirty="0" smtClean="0">
+                <a:solidFill>
+                  <a:schemeClr val="tx1">
+                    <a:lumMod val="75000"/>
+                    <a:lumOff val="25000"/>
+                  </a:schemeClr>
+                </a:solidFill>
+                <a:latin typeface="微软雅黑" panose="020B0503020204020204" pitchFamily="34" charset="-122"/>
+                <a:ea typeface="微软雅黑" panose="020B0503020204020204" pitchFamily="34" charset="-122"/>
+              </a:rPr>
+              <a:t>类设计</a:t>
+            </a:r>
+            <a:endParaRPr lang="en-US" altLang="zh-CN" sz="1200" b="1" dirty="0" smtClean="0">
+              <a:solidFill>
+                <a:schemeClr val="tx1">
+                  <a:lumMod val="75000"/>
+                  <a:lumOff val="25000"/>
+                </a:schemeClr>
+              </a:solidFill>
+              <a:latin typeface="微软雅黑" panose="020B0503020204020204" pitchFamily="34" charset="-122"/>
+              <a:ea typeface="微软雅黑" panose="020B0503020204020204" pitchFamily="34" charset="-122"/>
+            </a:endParaRPr>
+          </a:p>
+          <a:p>
+            <a:pPr marL="285750" lvl="0" indent="-285750">
+              <a:lnSpc>
+                <a:spcPct val="150000"/>
+              </a:lnSpc>
+              <a:buFont typeface="Arial" panose="020B0604020202020204" pitchFamily="34" charset="0"/>
+              <a:buChar char="•"/>
+            </a:pPr>
+            <a:r>
+              <a:rPr lang="zh-CN" altLang="en-US" sz="1200" b="1" dirty="0" smtClean="0">
+                <a:solidFill>
+                  <a:schemeClr val="tx1">
+                    <a:lumMod val="75000"/>
+                    <a:lumOff val="25000"/>
+                  </a:schemeClr>
+                </a:solidFill>
+                <a:latin typeface="微软雅黑" panose="020B0503020204020204" pitchFamily="34" charset="-122"/>
+                <a:ea typeface="微软雅黑" panose="020B0503020204020204" pitchFamily="34" charset="-122"/>
+              </a:rPr>
+              <a:t>映射关系设计</a:t>
+            </a:r>
+            <a:endParaRPr lang="en-US" altLang="zh-CN" sz="1200" b="1" dirty="0" smtClean="0">
+              <a:solidFill>
+                <a:schemeClr val="tx1">
+                  <a:lumMod val="75000"/>
+                  <a:lumOff val="25000"/>
+                </a:schemeClr>
+              </a:solidFill>
+              <a:latin typeface="微软雅黑" panose="020B0503020204020204" pitchFamily="34" charset="-122"/>
+              <a:ea typeface="微软雅黑" panose="020B0503020204020204" pitchFamily="34" charset="-122"/>
+            </a:endParaRPr>
+          </a:p>
+          <a:p>
+            <a:pPr marL="285750" lvl="0" indent="-285750">
+              <a:lnSpc>
+                <a:spcPct val="150000"/>
+              </a:lnSpc>
+              <a:buFont typeface="Arial" panose="020B0604020202020204" pitchFamily="34" charset="0"/>
+              <a:buChar char="•"/>
+            </a:pPr>
+            <a:r>
+              <a:rPr lang="zh-CN" altLang="en-US" sz="1200" b="1" dirty="0" smtClean="0">
+                <a:solidFill>
+                  <a:schemeClr val="tx1">
+                    <a:lumMod val="75000"/>
+                    <a:lumOff val="25000"/>
+                  </a:schemeClr>
+                </a:solidFill>
+                <a:latin typeface="微软雅黑" panose="020B0503020204020204" pitchFamily="34" charset="-122"/>
+                <a:ea typeface="微软雅黑" panose="020B0503020204020204" pitchFamily="34" charset="-122"/>
+              </a:rPr>
+              <a:t>接口实现</a:t>
+            </a:r>
+            <a:endParaRPr lang="en-US" altLang="zh-CN" sz="1200" b="1" dirty="0" smtClean="0">
+              <a:solidFill>
+                <a:schemeClr val="tx1">
+                  <a:lumMod val="75000"/>
+                  <a:lumOff val="25000"/>
+                </a:schemeClr>
+              </a:solidFill>
               <a:latin typeface="微软雅黑" panose="020B0503020204020204" pitchFamily="34" charset="-122"/>
               <a:ea typeface="微软雅黑" panose="020B0503020204020204" pitchFamily="34" charset="-122"/>
             </a:endParaRPr>
@@ -5396,7 +5463,7 @@
         </p:nvGrpSpPr>
         <p:grpSpPr>
           <a:xfrm>
-            <a:off x="274384" y="2141444"/>
+            <a:off x="822410" y="3007132"/>
             <a:ext cx="2966281" cy="400110"/>
             <a:chOff x="274382" y="2645794"/>
             <a:chExt cx="2966281" cy="400110"/>
@@ -5576,109 +5643,6 @@
       </p:grpSp>
       <p:sp>
         <p:nvSpPr>
-          <p:cNvPr id="13" name="TextBox 12"/>
-          <p:cNvSpPr txBox="1"/>
-          <p:nvPr/>
-        </p:nvSpPr>
-        <p:spPr>
-          <a:xfrm>
-            <a:off x="251520" y="1463175"/>
-            <a:ext cx="3672408" cy="646331"/>
-          </a:xfrm>
-          <a:prstGeom prst="rect">
-            <a:avLst/>
-          </a:prstGeom>
-          <a:noFill/>
-        </p:spPr>
-        <p:txBody>
-          <a:bodyPr wrap="square" rtlCol="0">
-            <a:spAutoFit/>
-          </a:bodyPr>
-          <a:lstStyle/>
-          <a:p>
-            <a:pPr marL="285750" lvl="0" indent="-285750">
-              <a:lnSpc>
-                <a:spcPct val="150000"/>
-              </a:lnSpc>
-              <a:buFont typeface="Arial" panose="020B0604020202020204" pitchFamily="34" charset="0"/>
-              <a:buChar char="•"/>
-            </a:pPr>
-            <a:r>
-              <a:rPr lang="zh-CN" altLang="en-US" sz="1200" b="1" dirty="0" smtClean="0">
-                <a:solidFill>
-                  <a:schemeClr val="tx1">
-                    <a:lumMod val="75000"/>
-                    <a:lumOff val="25000"/>
-                  </a:schemeClr>
-                </a:solidFill>
-                <a:latin typeface="微软雅黑" panose="020B0503020204020204" pitchFamily="34" charset="-122"/>
-                <a:ea typeface="微软雅黑" panose="020B0503020204020204" pitchFamily="34" charset="-122"/>
-              </a:rPr>
-              <a:t>内容</a:t>
-            </a:r>
-            <a:r>
-              <a:rPr lang="en-US" altLang="zh-CN" sz="1200" b="1" dirty="0" smtClean="0">
-                <a:solidFill>
-                  <a:schemeClr val="tx1">
-                    <a:lumMod val="75000"/>
-                    <a:lumOff val="25000"/>
-                  </a:schemeClr>
-                </a:solidFill>
-                <a:latin typeface="微软雅黑" panose="020B0503020204020204" pitchFamily="34" charset="-122"/>
-                <a:ea typeface="微软雅黑" panose="020B0503020204020204" pitchFamily="34" charset="-122"/>
-              </a:rPr>
-              <a:t>1</a:t>
-            </a:r>
-          </a:p>
-          <a:p>
-            <a:pPr marL="285750" lvl="0" indent="-285750">
-              <a:lnSpc>
-                <a:spcPct val="150000"/>
-              </a:lnSpc>
-              <a:buFont typeface="Arial" panose="020B0604020202020204" pitchFamily="34" charset="0"/>
-              <a:buChar char="•"/>
-            </a:pPr>
-            <a:r>
-              <a:rPr lang="zh-CN" altLang="en-US" sz="1200" b="1" dirty="0" smtClean="0">
-                <a:solidFill>
-                  <a:schemeClr val="tx1">
-                    <a:lumMod val="75000"/>
-                    <a:lumOff val="25000"/>
-                  </a:schemeClr>
-                </a:solidFill>
-                <a:latin typeface="微软雅黑" panose="020B0503020204020204" pitchFamily="34" charset="-122"/>
-                <a:ea typeface="微软雅黑" panose="020B0503020204020204" pitchFamily="34" charset="-122"/>
-              </a:rPr>
-              <a:t>内容</a:t>
-            </a:r>
-            <a:r>
-              <a:rPr lang="en-US" altLang="zh-CN" sz="1200" b="1" dirty="0" smtClean="0">
-                <a:solidFill>
-                  <a:schemeClr val="tx1">
-                    <a:lumMod val="75000"/>
-                    <a:lumOff val="25000"/>
-                  </a:schemeClr>
-                </a:solidFill>
-                <a:latin typeface="微软雅黑" panose="020B0503020204020204" pitchFamily="34" charset="-122"/>
-                <a:ea typeface="微软雅黑" panose="020B0503020204020204" pitchFamily="34" charset="-122"/>
-              </a:rPr>
-              <a:t>2</a:t>
-            </a:r>
-            <a:endParaRPr lang="zh-CN" altLang="en-US" sz="1200" b="1" dirty="0">
-              <a:solidFill>
-                <a:schemeClr val="tx1">
-                  <a:lumMod val="75000"/>
-                  <a:lumOff val="25000"/>
-                </a:schemeClr>
-              </a:solidFill>
-              <a:latin typeface="微软雅黑" panose="020B0503020204020204" pitchFamily="34" charset="-122"/>
-              <a:ea typeface="微软雅黑" panose="020B0503020204020204" pitchFamily="34" charset="-122"/>
-            </a:endParaRPr>
-          </a:p>
-        </p:txBody>
-      </p:sp>
-      <p:sp>
-        <p:nvSpPr>
           <p:cNvPr id="18" name="矩形 17"/>
           <p:cNvSpPr/>
           <p:nvPr/>
@@ -5785,8 +5749,8 @@
         </p:nvSpPr>
         <p:spPr>
           <a:xfrm>
-            <a:off x="287522" y="2717507"/>
-            <a:ext cx="3672408" cy="646331"/>
+            <a:off x="822410" y="1787659"/>
+            <a:ext cx="3672408" cy="923330"/>
           </a:xfrm>
           <a:prstGeom prst="rect">
             <a:avLst/>
@@ -5817,21 +5781,18 @@
                 <a:latin typeface="微软雅黑" panose="020B0503020204020204" pitchFamily="34" charset="-122"/>
                 <a:ea typeface="微软雅黑" panose="020B0503020204020204" pitchFamily="34" charset="-122"/>
               </a:rPr>
-              <a:t>内容</a:t>
-            </a:r>
-            <a:r>
-              <a:rPr lang="en-US" altLang="zh-CN" sz="1200" b="1" dirty="0" smtClean="0">
-                <a:solidFill>
-                  <a:schemeClr val="tx1">
-                    <a:lumMod val="75000"/>
-                    <a:lumOff val="25000"/>
-                  </a:schemeClr>
-                </a:solidFill>
-                <a:latin typeface="微软雅黑" panose="020B0503020204020204" pitchFamily="34" charset="-122"/>
-                <a:ea typeface="微软雅黑" panose="020B0503020204020204" pitchFamily="34" charset="-122"/>
-              </a:rPr>
-              <a:t>1</a:t>
-            </a:r>
+              <a:t>窗口设计</a:t>
+            </a:r>
+            <a:endParaRPr lang="en-US" altLang="zh-CN" sz="1200" b="1" dirty="0" smtClean="0">
+              <a:solidFill>
+                <a:schemeClr val="tx1">
+                  <a:lumMod val="75000"/>
+                  <a:lumOff val="25000"/>
+                </a:schemeClr>
+              </a:solidFill>
+              <a:latin typeface="微软雅黑" panose="020B0503020204020204" pitchFamily="34" charset="-122"/>
+              <a:ea typeface="微软雅黑" panose="020B0503020204020204" pitchFamily="34" charset="-122"/>
+            </a:endParaRPr>
           </a:p>
           <a:p>
             <a:pPr marL="285750" lvl="0" indent="-285750">
@@ -5852,10 +5813,29 @@
                 <a:latin typeface="微软雅黑" panose="020B0503020204020204" pitchFamily="34" charset="-122"/>
                 <a:ea typeface="微软雅黑" panose="020B0503020204020204" pitchFamily="34" charset="-122"/>
               </a:rPr>
-              <a:t>内容</a:t>
-            </a:r>
-            <a:r>
-              <a:rPr lang="en-US" altLang="zh-CN" sz="1200" b="1" dirty="0" smtClean="0">
+              <a:t>窗口间关系设计</a:t>
+            </a:r>
+            <a:endParaRPr lang="en-US" altLang="zh-CN" sz="1200" b="1" dirty="0" smtClean="0">
+              <a:solidFill>
+                <a:schemeClr val="tx1">
+                  <a:lumMod val="75000"/>
+                  <a:lumOff val="25000"/>
+                </a:schemeClr>
+              </a:solidFill>
+              <a:latin typeface="微软雅黑" panose="020B0503020204020204" pitchFamily="34" charset="-122"/>
+              <a:ea typeface="微软雅黑" panose="020B0503020204020204" pitchFamily="34" charset="-122"/>
+            </a:endParaRPr>
+          </a:p>
+          <a:p>
+            <a:pPr marL="285750" lvl="0" indent="-285750">
+              <a:lnSpc>
+                <a:spcPct val="150000"/>
+              </a:lnSpc>
+              <a:buFont typeface="Arial" panose="020B0604020202020204" pitchFamily="34" charset="0"/>
+              <a:buChar char="•"/>
+            </a:pPr>
+            <a:r>
+              <a:rPr lang="zh-CN" altLang="en-US" sz="1200" b="1" dirty="0" smtClean="0">
                 <a:solidFill>
                   <a:schemeClr val="tx1">
                     <a:lumMod val="75000"/>
@@ -5865,7 +5845,7 @@
                 <a:latin typeface="微软雅黑" panose="020B0503020204020204" pitchFamily="34" charset="-122"/>
                 <a:ea typeface="微软雅黑" panose="020B0503020204020204" pitchFamily="34" charset="-122"/>
               </a:rPr>
-              <a:t>2</a:t>
+              <a:t>非法输入控制</a:t>
             </a:r>
             <a:endParaRPr lang="zh-CN" altLang="en-US" sz="1200" b="1" dirty="0">
               <a:solidFill>
@@ -5880,254 +5860,6 @@
           </a:p>
         </p:txBody>
       </p:sp>
-      <p:sp>
-        <p:nvSpPr>
-          <p:cNvPr id="32" name="矩形 31"/>
-          <p:cNvSpPr/>
-          <p:nvPr/>
-        </p:nvSpPr>
-        <p:spPr>
-          <a:xfrm>
-            <a:off x="4273675" y="986852"/>
-            <a:ext cx="2862091" cy="1573948"/>
-          </a:xfrm>
-          <a:prstGeom prst="rect">
-            <a:avLst/>
-          </a:prstGeom>
-          <a:solidFill>
-            <a:schemeClr val="bg1"/>
-          </a:solidFill>
-          <a:ln>
-            <a:noFill/>
-          </a:ln>
-        </p:spPr>
-        <p:style>
-          <a:lnRef idx="2">
-            <a:schemeClr val="accent1">
-              <a:shade val="50000"/>
-            </a:schemeClr>
-          </a:lnRef>
-          <a:fillRef idx="1">
-            <a:schemeClr val="accent1"/>
-          </a:fillRef>
-          <a:effectRef idx="0">
-            <a:schemeClr val="accent1"/>
-          </a:effectRef>
-          <a:fontRef idx="minor">
-            <a:schemeClr val="lt1"/>
-          </a:fontRef>
-        </p:style>
-        <p:txBody>
-          <a:bodyPr rtlCol="0" anchor="ctr"/>
-          <a:lstStyle/>
-          <a:p>
-            <a:pPr algn="ctr"/>
-            <a:r>
-              <a:rPr lang="zh-CN" altLang="en-US" b="1" dirty="0" smtClean="0">
-                <a:solidFill>
-                  <a:schemeClr val="tx1"/>
-                </a:solidFill>
-                <a:latin typeface="微软雅黑" panose="020B0503020204020204" pitchFamily="34" charset="-122"/>
-                <a:ea typeface="微软雅黑" panose="020B0503020204020204" pitchFamily="34" charset="-122"/>
-              </a:rPr>
-              <a:t>图片</a:t>
-            </a:r>
-            <a:endParaRPr lang="zh-CN" altLang="en-US" b="1" dirty="0">
-              <a:solidFill>
-                <a:schemeClr val="tx1"/>
-              </a:solidFill>
-              <a:latin typeface="微软雅黑" panose="020B0503020204020204" pitchFamily="34" charset="-122"/>
-              <a:ea typeface="微软雅黑" panose="020B0503020204020204" pitchFamily="34" charset="-122"/>
-            </a:endParaRPr>
-          </a:p>
-        </p:txBody>
-      </p:sp>
-      <p:sp>
-        <p:nvSpPr>
-          <p:cNvPr id="33" name="矩形 32"/>
-          <p:cNvSpPr/>
-          <p:nvPr/>
-        </p:nvSpPr>
-        <p:spPr>
-          <a:xfrm>
-            <a:off x="7351687" y="986852"/>
-            <a:ext cx="1512168" cy="1573948"/>
-          </a:xfrm>
-          <a:prstGeom prst="rect">
-            <a:avLst/>
-          </a:prstGeom>
-          <a:solidFill>
-            <a:schemeClr val="bg1"/>
-          </a:solidFill>
-          <a:ln>
-            <a:noFill/>
-          </a:ln>
-        </p:spPr>
-        <p:style>
-          <a:lnRef idx="2">
-            <a:schemeClr val="accent1">
-              <a:shade val="50000"/>
-            </a:schemeClr>
-          </a:lnRef>
-          <a:fillRef idx="1">
-            <a:schemeClr val="accent1"/>
-          </a:fillRef>
-          <a:effectRef idx="0">
-            <a:schemeClr val="accent1"/>
-          </a:effectRef>
-          <a:fontRef idx="minor">
-            <a:schemeClr val="lt1"/>
-          </a:fontRef>
-        </p:style>
-        <p:txBody>
-          <a:bodyPr rtlCol="0" anchor="ctr"/>
-          <a:lstStyle/>
-          <a:p>
-            <a:pPr algn="ctr"/>
-            <a:r>
-              <a:rPr lang="zh-CN" altLang="en-US" b="1" dirty="0" smtClean="0">
-                <a:solidFill>
-                  <a:schemeClr val="tx1"/>
-                </a:solidFill>
-                <a:latin typeface="微软雅黑" panose="020B0503020204020204" pitchFamily="34" charset="-122"/>
-                <a:ea typeface="微软雅黑" panose="020B0503020204020204" pitchFamily="34" charset="-122"/>
-              </a:rPr>
-              <a:t>图片</a:t>
-            </a:r>
-            <a:endParaRPr lang="zh-CN" altLang="en-US" b="1" dirty="0">
-              <a:solidFill>
-                <a:schemeClr val="tx1"/>
-              </a:solidFill>
-              <a:latin typeface="微软雅黑" panose="020B0503020204020204" pitchFamily="34" charset="-122"/>
-              <a:ea typeface="微软雅黑" panose="020B0503020204020204" pitchFamily="34" charset="-122"/>
-            </a:endParaRPr>
-          </a:p>
-        </p:txBody>
-      </p:sp>
-      <p:sp>
-        <p:nvSpPr>
-          <p:cNvPr id="34" name="矩形 33"/>
-          <p:cNvSpPr/>
-          <p:nvPr/>
-        </p:nvSpPr>
-        <p:spPr>
-          <a:xfrm>
-            <a:off x="4273675" y="2800329"/>
-            <a:ext cx="2862091" cy="1573948"/>
-          </a:xfrm>
-          <a:prstGeom prst="rect">
-            <a:avLst/>
-          </a:prstGeom>
-          <a:solidFill>
-            <a:schemeClr val="bg1"/>
-          </a:solidFill>
-          <a:ln>
-            <a:noFill/>
-          </a:ln>
-        </p:spPr>
-        <p:style>
-          <a:lnRef idx="2">
-            <a:schemeClr val="accent1">
-              <a:shade val="50000"/>
-            </a:schemeClr>
-          </a:lnRef>
-          <a:fillRef idx="1">
-            <a:schemeClr val="accent1"/>
-          </a:fillRef>
-          <a:effectRef idx="0">
-            <a:schemeClr val="accent1"/>
-          </a:effectRef>
-          <a:fontRef idx="minor">
-            <a:schemeClr val="lt1"/>
-          </a:fontRef>
-        </p:style>
-        <p:txBody>
-          <a:bodyPr rtlCol="0" anchor="ctr"/>
-          <a:lstStyle/>
-          <a:p>
-            <a:pPr algn="ctr"/>
-            <a:r>
-              <a:rPr lang="zh-CN" altLang="en-US" b="1" dirty="0" smtClean="0">
-                <a:solidFill>
-                  <a:schemeClr val="tx1"/>
-                </a:solidFill>
-                <a:latin typeface="微软雅黑" panose="020B0503020204020204" pitchFamily="34" charset="-122"/>
-                <a:ea typeface="微软雅黑" panose="020B0503020204020204" pitchFamily="34" charset="-122"/>
-              </a:rPr>
-              <a:t>图片</a:t>
-            </a:r>
-            <a:endParaRPr lang="zh-CN" altLang="en-US" b="1" dirty="0">
-              <a:solidFill>
-                <a:schemeClr val="tx1"/>
-              </a:solidFill>
-              <a:latin typeface="微软雅黑" panose="020B0503020204020204" pitchFamily="34" charset="-122"/>
-              <a:ea typeface="微软雅黑" panose="020B0503020204020204" pitchFamily="34" charset="-122"/>
-            </a:endParaRPr>
-          </a:p>
-        </p:txBody>
-      </p:sp>
-      <p:sp>
-        <p:nvSpPr>
-          <p:cNvPr id="35" name="矩形 34"/>
-          <p:cNvSpPr/>
-          <p:nvPr/>
-        </p:nvSpPr>
-        <p:spPr>
-          <a:xfrm>
-            <a:off x="7351687" y="2800329"/>
-            <a:ext cx="1512168" cy="1573948"/>
-          </a:xfrm>
-          <a:prstGeom prst="rect">
-            <a:avLst/>
-          </a:prstGeom>
-          <a:solidFill>
-            <a:schemeClr val="bg1"/>
-          </a:solidFill>
-          <a:ln>
-            <a:noFill/>
-          </a:ln>
-        </p:spPr>
-        <p:style>
-          <a:lnRef idx="2">
-            <a:schemeClr val="accent1">
-              <a:shade val="50000"/>
-            </a:schemeClr>
-          </a:lnRef>
-          <a:fillRef idx="1">
-            <a:schemeClr val="accent1"/>
-          </a:fillRef>
-          <a:effectRef idx="0">
-            <a:schemeClr val="accent1"/>
-          </a:effectRef>
-          <a:fontRef idx="minor">
-            <a:schemeClr val="lt1"/>
-          </a:fontRef>
-        </p:style>
-        <p:txBody>
-          <a:bodyPr rtlCol="0" anchor="ctr"/>
-          <a:lstStyle/>
-          <a:p>
-            <a:pPr algn="ctr"/>
-            <a:r>
-              <a:rPr lang="zh-CN" altLang="en-US" b="1" dirty="0" smtClean="0">
-                <a:solidFill>
-                  <a:schemeClr val="tx1"/>
-                </a:solidFill>
-                <a:latin typeface="微软雅黑" panose="020B0503020204020204" pitchFamily="34" charset="-122"/>
-                <a:ea typeface="微软雅黑" panose="020B0503020204020204" pitchFamily="34" charset="-122"/>
-              </a:rPr>
-              <a:t>图片</a:t>
-            </a:r>
-            <a:endParaRPr lang="zh-CN" altLang="en-US" b="1" dirty="0">
-              <a:solidFill>
-                <a:schemeClr val="tx1"/>
-              </a:solidFill>
-              <a:latin typeface="微软雅黑" panose="020B0503020204020204" pitchFamily="34" charset="-122"/>
-              <a:ea typeface="微软雅黑" panose="020B0503020204020204" pitchFamily="34" charset="-122"/>
-            </a:endParaRPr>
-          </a:p>
-        </p:txBody>
-      </p:sp>
       <p:grpSp>
         <p:nvGrpSpPr>
           <p:cNvPr id="23" name="组合 22"/>
@@ -6136,7 +5868,7 @@
         </p:nvGrpSpPr>
         <p:grpSpPr>
           <a:xfrm>
-            <a:off x="277756" y="3416682"/>
+            <a:off x="822410" y="1215682"/>
             <a:ext cx="2966281" cy="400110"/>
             <a:chOff x="274382" y="2645794"/>
             <a:chExt cx="2966281" cy="400110"/>
@@ -6280,6 +6012,23 @@
             <a:p>
               <a:pPr lvl="0"/>
               <a:r>
+                <a:rPr lang="en-US" altLang="zh-CN" sz="2000" b="1" dirty="0" smtClean="0">
+                  <a:solidFill>
+                    <a:schemeClr val="bg1"/>
+                  </a:solidFill>
+                  <a:effectLst>
+                    <a:outerShdw blurRad="38100" dist="38100" dir="2700000" algn="tl">
+                      <a:srgbClr val="000000">
+                        <a:alpha val="43137"/>
+                      </a:srgbClr>
+                    </a:outerShdw>
+                  </a:effectLst>
+                  <a:latin typeface="微软雅黑" panose="020B0503020204020204" pitchFamily="34" charset="-122"/>
+                  <a:ea typeface="微软雅黑" panose="020B0503020204020204" pitchFamily="34" charset="-122"/>
+                </a:rPr>
+                <a:t>UI</a:t>
+              </a:r>
+              <a:r>
                 <a:rPr lang="zh-CN" altLang="en-US" sz="2000" b="1" dirty="0" smtClean="0">
                   <a:solidFill>
                     <a:schemeClr val="bg1"/>
@@ -6294,7 +6043,7 @@
                   <a:latin typeface="微软雅黑" panose="020B0503020204020204" pitchFamily="34" charset="-122"/>
                   <a:ea typeface="微软雅黑" panose="020B0503020204020204" pitchFamily="34" charset="-122"/>
                 </a:rPr>
-                <a:t>服务器通信</a:t>
+                <a:t>设计</a:t>
               </a:r>
               <a:endParaRPr lang="zh-CN" altLang="zh-CN" sz="2000" b="1" dirty="0">
                 <a:solidFill>
@@ -6322,8 +6071,8 @@
         </p:nvSpPr>
         <p:spPr>
           <a:xfrm>
-            <a:off x="290894" y="3992745"/>
-            <a:ext cx="3672408" cy="646331"/>
+            <a:off x="824609" y="3615693"/>
+            <a:ext cx="3672408" cy="923330"/>
           </a:xfrm>
           <a:prstGeom prst="rect">
             <a:avLst/>
@@ -6354,21 +6103,18 @@
                 <a:latin typeface="微软雅黑" panose="020B0503020204020204" pitchFamily="34" charset="-122"/>
                 <a:ea typeface="微软雅黑" panose="020B0503020204020204" pitchFamily="34" charset="-122"/>
               </a:rPr>
-              <a:t>内容</a:t>
-            </a:r>
-            <a:r>
-              <a:rPr lang="en-US" altLang="zh-CN" sz="1200" b="1" dirty="0" smtClean="0">
-                <a:solidFill>
-                  <a:schemeClr val="tx1">
-                    <a:lumMod val="75000"/>
-                    <a:lumOff val="25000"/>
-                  </a:schemeClr>
-                </a:solidFill>
-                <a:latin typeface="微软雅黑" panose="020B0503020204020204" pitchFamily="34" charset="-122"/>
-                <a:ea typeface="微软雅黑" panose="020B0503020204020204" pitchFamily="34" charset="-122"/>
-              </a:rPr>
-              <a:t>1</a:t>
-            </a:r>
+              <a:t>通讯建立</a:t>
+            </a:r>
+            <a:endParaRPr lang="en-US" altLang="zh-CN" sz="1200" b="1" dirty="0" smtClean="0">
+              <a:solidFill>
+                <a:schemeClr val="tx1">
+                  <a:lumMod val="75000"/>
+                  <a:lumOff val="25000"/>
+                </a:schemeClr>
+              </a:solidFill>
+              <a:latin typeface="微软雅黑" panose="020B0503020204020204" pitchFamily="34" charset="-122"/>
+              <a:ea typeface="微软雅黑" panose="020B0503020204020204" pitchFamily="34" charset="-122"/>
+            </a:endParaRPr>
           </a:p>
           <a:p>
             <a:pPr marL="285750" lvl="0" indent="-285750">
@@ -6389,8 +6135,27 @@
                 <a:latin typeface="微软雅黑" panose="020B0503020204020204" pitchFamily="34" charset="-122"/>
                 <a:ea typeface="微软雅黑" panose="020B0503020204020204" pitchFamily="34" charset="-122"/>
               </a:rPr>
-              <a:t>内容</a:t>
-            </a:r>
+              <a:t>身份确认</a:t>
+            </a:r>
+            <a:endParaRPr lang="en-US" altLang="zh-CN" sz="1200" b="1" dirty="0" smtClean="0">
+              <a:solidFill>
+                <a:schemeClr val="tx1">
+                  <a:lumMod val="75000"/>
+                  <a:lumOff val="25000"/>
+                </a:schemeClr>
+              </a:solidFill>
+              <a:latin typeface="微软雅黑" panose="020B0503020204020204" pitchFamily="34" charset="-122"/>
+              <a:ea typeface="微软雅黑" panose="020B0503020204020204" pitchFamily="34" charset="-122"/>
+            </a:endParaRPr>
+          </a:p>
+          <a:p>
+            <a:pPr marL="285750" lvl="0" indent="-285750">
+              <a:lnSpc>
+                <a:spcPct val="150000"/>
+              </a:lnSpc>
+              <a:buFont typeface="Arial" panose="020B0604020202020204" pitchFamily="34" charset="0"/>
+              <a:buChar char="•"/>
+            </a:pPr>
             <a:r>
               <a:rPr lang="en-US" altLang="zh-CN" sz="1200" b="1" dirty="0" smtClean="0">
                 <a:solidFill>
@@ -6402,7 +6167,20 @@
                 <a:latin typeface="微软雅黑" panose="020B0503020204020204" pitchFamily="34" charset="-122"/>
                 <a:ea typeface="微软雅黑" panose="020B0503020204020204" pitchFamily="34" charset="-122"/>
               </a:rPr>
-              <a:t>2</a:t>
+              <a:t>UI</a:t>
+            </a:r>
+            <a:r>
+              <a:rPr lang="zh-CN" altLang="en-US" sz="1200" b="1" dirty="0" smtClean="0">
+                <a:solidFill>
+                  <a:schemeClr val="tx1">
+                    <a:lumMod val="75000"/>
+                    <a:lumOff val="25000"/>
+                  </a:schemeClr>
+                </a:solidFill>
+                <a:latin typeface="微软雅黑" panose="020B0503020204020204" pitchFamily="34" charset="-122"/>
+                <a:ea typeface="微软雅黑" panose="020B0503020204020204" pitchFamily="34" charset="-122"/>
+              </a:rPr>
+              <a:t>与数据库联动</a:t>
             </a:r>
             <a:endParaRPr lang="zh-CN" altLang="en-US" sz="1200" b="1" dirty="0">
               <a:solidFill>
@@ -6417,6 +6195,192 @@
           </a:p>
         </p:txBody>
       </p:sp>
+      <p:grpSp>
+        <p:nvGrpSpPr>
+          <p:cNvPr id="29" name="组合 28"/>
+          <p:cNvGrpSpPr/>
+          <p:nvPr/>
+        </p:nvGrpSpPr>
+        <p:grpSpPr>
+          <a:xfrm>
+            <a:off x="5339483" y="1819141"/>
+            <a:ext cx="2966281" cy="400110"/>
+            <a:chOff x="274382" y="2645794"/>
+            <a:chExt cx="2966281" cy="400110"/>
+          </a:xfrm>
+        </p:grpSpPr>
+        <p:sp>
+          <p:nvSpPr>
+            <p:cNvPr id="30" name="矩形 29"/>
+            <p:cNvSpPr/>
+            <p:nvPr/>
+          </p:nvSpPr>
+          <p:spPr>
+            <a:xfrm>
+              <a:off x="525553" y="2687900"/>
+              <a:ext cx="2715110" cy="315898"/>
+            </a:xfrm>
+            <a:prstGeom prst="rect">
+              <a:avLst/>
+            </a:prstGeom>
+            <a:solidFill>
+              <a:srgbClr val="FFC000"/>
+            </a:solidFill>
+            <a:ln>
+              <a:noFill/>
+            </a:ln>
+            <a:effectLst>
+              <a:outerShdw blurRad="50800" dist="38100" dir="5400000" algn="t" rotWithShape="0">
+                <a:prstClr val="black">
+                  <a:alpha val="40000"/>
+                </a:prstClr>
+              </a:outerShdw>
+              <a:reflection blurRad="6350" stA="50000" endA="300" endPos="55000" dir="5400000" sy="-100000" algn="bl" rotWithShape="0"/>
+            </a:effectLst>
+          </p:spPr>
+          <p:style>
+            <a:lnRef idx="2">
+              <a:schemeClr val="accent1">
+                <a:shade val="50000"/>
+              </a:schemeClr>
+            </a:lnRef>
+            <a:fillRef idx="1">
+              <a:schemeClr val="accent1"/>
+            </a:fillRef>
+            <a:effectRef idx="0">
+              <a:schemeClr val="accent1"/>
+            </a:effectRef>
+            <a:fontRef idx="minor">
+              <a:schemeClr val="lt1"/>
+            </a:fontRef>
+          </p:style>
+          <p:txBody>
+            <a:bodyPr rtlCol="0" anchor="ctr"/>
+            <a:lstStyle/>
+            <a:p>
+              <a:pPr algn="ctr"/>
+              <a:endParaRPr lang="zh-CN" altLang="en-US"/>
+            </a:p>
+          </p:txBody>
+        </p:sp>
+        <p:sp>
+          <p:nvSpPr>
+            <p:cNvPr id="36" name="矩形 35"/>
+            <p:cNvSpPr/>
+            <p:nvPr/>
+          </p:nvSpPr>
+          <p:spPr>
+            <a:xfrm>
+              <a:off x="274382" y="2687900"/>
+              <a:ext cx="242354" cy="315898"/>
+            </a:xfrm>
+            <a:prstGeom prst="rect">
+              <a:avLst/>
+            </a:prstGeom>
+            <a:solidFill>
+              <a:srgbClr val="3C3C37"/>
+            </a:solidFill>
+            <a:ln>
+              <a:noFill/>
+            </a:ln>
+            <a:effectLst>
+              <a:outerShdw blurRad="50800" dist="38100" dir="5400000" algn="t" rotWithShape="0">
+                <a:prstClr val="black">
+                  <a:alpha val="40000"/>
+                </a:prstClr>
+              </a:outerShdw>
+            </a:effectLst>
+          </p:spPr>
+          <p:style>
+            <a:lnRef idx="2">
+              <a:schemeClr val="accent1">
+                <a:shade val="50000"/>
+              </a:schemeClr>
+            </a:lnRef>
+            <a:fillRef idx="1">
+              <a:schemeClr val="accent1"/>
+            </a:fillRef>
+            <a:effectRef idx="0">
+              <a:schemeClr val="accent1"/>
+            </a:effectRef>
+            <a:fontRef idx="minor">
+              <a:schemeClr val="lt1"/>
+            </a:fontRef>
+          </p:style>
+          <p:txBody>
+            <a:bodyPr rtlCol="0" anchor="ctr"/>
+            <a:lstStyle/>
+            <a:p>
+              <a:pPr algn="ctr"/>
+              <a:endParaRPr lang="zh-CN" altLang="en-US"/>
+            </a:p>
+          </p:txBody>
+        </p:sp>
+        <p:sp>
+          <p:nvSpPr>
+            <p:cNvPr id="37" name="TextBox 11"/>
+            <p:cNvSpPr txBox="1"/>
+            <p:nvPr/>
+          </p:nvSpPr>
+          <p:spPr>
+            <a:xfrm>
+              <a:off x="516735" y="2645794"/>
+              <a:ext cx="2715111" cy="400110"/>
+            </a:xfrm>
+            <a:prstGeom prst="rect">
+              <a:avLst/>
+            </a:prstGeom>
+            <a:noFill/>
+            <a:effectLst>
+              <a:outerShdw blurRad="50800" dist="38100" dir="5400000" algn="t" rotWithShape="0">
+                <a:prstClr val="black">
+                  <a:alpha val="40000"/>
+                </a:prstClr>
+              </a:outerShdw>
+            </a:effectLst>
+          </p:spPr>
+          <p:txBody>
+            <a:bodyPr wrap="square" rtlCol="0">
+              <a:spAutoFit/>
+            </a:bodyPr>
+            <a:lstStyle/>
+            <a:p>
+              <a:pPr lvl="0"/>
+              <a:r>
+                <a:rPr lang="zh-CN" altLang="en-US" sz="2000" b="1" dirty="0" smtClean="0">
+                  <a:solidFill>
+                    <a:schemeClr val="bg1"/>
+                  </a:solidFill>
+                  <a:effectLst>
+                    <a:outerShdw blurRad="38100" dist="38100" dir="2700000" algn="tl">
+                      <a:srgbClr val="000000">
+                        <a:alpha val="43137"/>
+                      </a:srgbClr>
+                    </a:outerShdw>
+                  </a:effectLst>
+                  <a:latin typeface="微软雅黑" panose="020B0503020204020204" pitchFamily="34" charset="-122"/>
+                  <a:ea typeface="微软雅黑" panose="020B0503020204020204" pitchFamily="34" charset="-122"/>
+                </a:rPr>
+                <a:t>后端数据库</a:t>
+              </a:r>
+              <a:endParaRPr lang="en-US" altLang="zh-CN" sz="2000" b="1" dirty="0" smtClean="0">
+                <a:solidFill>
+                  <a:schemeClr val="bg1"/>
+                </a:solidFill>
+                <a:effectLst>
+                  <a:outerShdw blurRad="38100" dist="38100" dir="2700000" algn="tl">
+                    <a:srgbClr val="000000">
+                      <a:alpha val="43137"/>
+                    </a:srgbClr>
+                  </a:outerShdw>
+                </a:effectLst>
+                <a:latin typeface="微软雅黑" panose="020B0503020204020204" pitchFamily="34" charset="-122"/>
+                <a:ea typeface="微软雅黑" panose="020B0503020204020204" pitchFamily="34" charset="-122"/>
+              </a:endParaRPr>
+            </a:p>
+          </p:txBody>
+        </p:sp>
+      </p:grpSp>
     </p:spTree>
     <p:extLst>
       <p:ext uri="{BB962C8B-B14F-4D97-AF65-F5344CB8AC3E}">
@@ -6441,6 +6405,1188 @@
 </file>
 
 <file path=ppt/slides/slide12.xml><?xml version="1.0" encoding="utf-8"?>
+<p:sld xmlns:a="http://schemas.openxmlformats.org/drawingml/2006/main" xmlns:r="http://schemas.openxmlformats.org/officeDocument/2006/relationships" xmlns:p="http://schemas.openxmlformats.org/presentationml/2006/main">
+  <p:cSld>
+    <p:spTree>
+      <p:nvGrpSpPr>
+        <p:cNvPr id="1" name=""/>
+        <p:cNvGrpSpPr/>
+        <p:nvPr/>
+      </p:nvGrpSpPr>
+      <p:grpSpPr>
+        <a:xfrm>
+          <a:off x="0" y="0"/>
+          <a:ext cx="0" cy="0"/>
+          <a:chOff x="0" y="0"/>
+          <a:chExt cx="0" cy="0"/>
+        </a:xfrm>
+      </p:grpSpPr>
+      <p:sp>
+        <p:nvSpPr>
+          <p:cNvPr id="2" name="矩形 1"/>
+          <p:cNvSpPr/>
+          <p:nvPr/>
+        </p:nvSpPr>
+        <p:spPr>
+          <a:xfrm>
+            <a:off x="0" y="-35630"/>
+            <a:ext cx="9144000" cy="5271676"/>
+          </a:xfrm>
+          <a:prstGeom prst="rect">
+            <a:avLst/>
+          </a:prstGeom>
+          <a:solidFill>
+            <a:schemeClr val="dk1">
+              <a:alpha val="12000"/>
+            </a:schemeClr>
+          </a:solidFill>
+          <a:ln>
+            <a:noFill/>
+          </a:ln>
+        </p:spPr>
+        <p:style>
+          <a:lnRef idx="2">
+            <a:schemeClr val="dk1">
+              <a:shade val="50000"/>
+            </a:schemeClr>
+          </a:lnRef>
+          <a:fillRef idx="1">
+            <a:schemeClr val="dk1"/>
+          </a:fillRef>
+          <a:effectRef idx="0">
+            <a:schemeClr val="dk1"/>
+          </a:effectRef>
+          <a:fontRef idx="minor">
+            <a:schemeClr val="lt1"/>
+          </a:fontRef>
+        </p:style>
+        <p:txBody>
+          <a:bodyPr rtlCol="0" anchor="ctr"/>
+          <a:lstStyle/>
+          <a:p>
+            <a:pPr algn="ctr"/>
+            <a:endParaRPr lang="zh-CN" altLang="en-US"/>
+          </a:p>
+        </p:txBody>
+      </p:sp>
+      <p:cxnSp>
+        <p:nvCxnSpPr>
+          <p:cNvPr id="3" name="直接连接符 2"/>
+          <p:cNvCxnSpPr/>
+          <p:nvPr/>
+        </p:nvCxnSpPr>
+        <p:spPr bwMode="auto">
+          <a:xfrm>
+            <a:off x="179512" y="714067"/>
+            <a:ext cx="8712968" cy="0"/>
+          </a:xfrm>
+          <a:prstGeom prst="line">
+            <a:avLst/>
+          </a:prstGeom>
+          <a:ln>
+            <a:solidFill>
+              <a:schemeClr val="bg1">
+                <a:lumMod val="65000"/>
+              </a:schemeClr>
+            </a:solidFill>
+          </a:ln>
+          <a:effectLst>
+            <a:outerShdw blurRad="12700" dist="12700" dir="5400000" algn="t" rotWithShape="0">
+              <a:schemeClr val="bg1"/>
+            </a:outerShdw>
+          </a:effectLst>
+        </p:spPr>
+        <p:style>
+          <a:lnRef idx="1">
+            <a:schemeClr val="accent1"/>
+          </a:lnRef>
+          <a:fillRef idx="0">
+            <a:schemeClr val="accent1"/>
+          </a:fillRef>
+          <a:effectRef idx="0">
+            <a:schemeClr val="accent1"/>
+          </a:effectRef>
+          <a:fontRef idx="minor">
+            <a:schemeClr val="tx1"/>
+          </a:fontRef>
+        </p:style>
+      </p:cxnSp>
+      <p:sp>
+        <p:nvSpPr>
+          <p:cNvPr id="4" name="TextBox 3"/>
+          <p:cNvSpPr txBox="1"/>
+          <p:nvPr/>
+        </p:nvSpPr>
+        <p:spPr>
+          <a:xfrm>
+            <a:off x="287522" y="225980"/>
+            <a:ext cx="782416" cy="400110"/>
+          </a:xfrm>
+          <a:prstGeom prst="rect">
+            <a:avLst/>
+          </a:prstGeom>
+          <a:noFill/>
+        </p:spPr>
+        <p:txBody>
+          <a:bodyPr wrap="square" rtlCol="0">
+            <a:spAutoFit/>
+          </a:bodyPr>
+          <a:lstStyle/>
+          <a:p>
+            <a:pPr lvl="0" algn="r"/>
+            <a:r>
+              <a:rPr lang="en-US" altLang="zh-CN" sz="2000" b="1" dirty="0" smtClean="0">
+                <a:solidFill>
+                  <a:schemeClr val="tx1">
+                    <a:lumMod val="75000"/>
+                    <a:lumOff val="25000"/>
+                  </a:schemeClr>
+                </a:solidFill>
+                <a:latin typeface="微软雅黑" panose="020B0503020204020204" pitchFamily="34" charset="-122"/>
+                <a:ea typeface="微软雅黑" panose="020B0503020204020204" pitchFamily="34" charset="-122"/>
+              </a:rPr>
+              <a:t>02</a:t>
+            </a:r>
+            <a:endParaRPr lang="zh-CN" altLang="zh-CN" sz="2000" b="1" dirty="0">
+              <a:solidFill>
+                <a:schemeClr val="tx1">
+                  <a:lumMod val="75000"/>
+                  <a:lumOff val="25000"/>
+                </a:schemeClr>
+              </a:solidFill>
+              <a:latin typeface="微软雅黑" panose="020B0503020204020204" pitchFamily="34" charset="-122"/>
+              <a:ea typeface="微软雅黑" panose="020B0503020204020204" pitchFamily="34" charset="-122"/>
+            </a:endParaRPr>
+          </a:p>
+        </p:txBody>
+      </p:sp>
+      <p:cxnSp>
+        <p:nvCxnSpPr>
+          <p:cNvPr id="5" name="直接连接符 4"/>
+          <p:cNvCxnSpPr/>
+          <p:nvPr/>
+        </p:nvCxnSpPr>
+        <p:spPr bwMode="auto">
+          <a:xfrm flipV="1">
+            <a:off x="1069938" y="282019"/>
+            <a:ext cx="0" cy="288032"/>
+          </a:xfrm>
+          <a:prstGeom prst="line">
+            <a:avLst/>
+          </a:prstGeom>
+          <a:ln w="19050">
+            <a:solidFill>
+              <a:schemeClr val="tx1">
+                <a:lumMod val="65000"/>
+                <a:lumOff val="35000"/>
+              </a:schemeClr>
+            </a:solidFill>
+          </a:ln>
+          <a:effectLst>
+            <a:outerShdw blurRad="12700" dist="12700" dir="5400000" algn="t" rotWithShape="0">
+              <a:schemeClr val="bg1"/>
+            </a:outerShdw>
+          </a:effectLst>
+        </p:spPr>
+        <p:style>
+          <a:lnRef idx="1">
+            <a:schemeClr val="accent1"/>
+          </a:lnRef>
+          <a:fillRef idx="0">
+            <a:schemeClr val="accent1"/>
+          </a:fillRef>
+          <a:effectRef idx="0">
+            <a:schemeClr val="accent1"/>
+          </a:effectRef>
+          <a:fontRef idx="minor">
+            <a:schemeClr val="tx1"/>
+          </a:fontRef>
+        </p:style>
+      </p:cxnSp>
+      <p:sp>
+        <p:nvSpPr>
+          <p:cNvPr id="6" name="TextBox 4"/>
+          <p:cNvSpPr txBox="1"/>
+          <p:nvPr/>
+        </p:nvSpPr>
+        <p:spPr>
+          <a:xfrm>
+            <a:off x="1083644" y="241369"/>
+            <a:ext cx="2304256" cy="369332"/>
+          </a:xfrm>
+          <a:prstGeom prst="rect">
+            <a:avLst/>
+          </a:prstGeom>
+          <a:noFill/>
+        </p:spPr>
+        <p:txBody>
+          <a:bodyPr wrap="square" rtlCol="0">
+            <a:spAutoFit/>
+          </a:bodyPr>
+          <a:lstStyle/>
+          <a:p>
+            <a:pPr lvl="0"/>
+            <a:r>
+              <a:rPr lang="zh-CN" altLang="en-US" b="1" dirty="0" smtClean="0">
+                <a:solidFill>
+                  <a:schemeClr val="tx1">
+                    <a:lumMod val="75000"/>
+                    <a:lumOff val="25000"/>
+                  </a:schemeClr>
+                </a:solidFill>
+                <a:latin typeface="微软雅黑" panose="020B0503020204020204" pitchFamily="34" charset="-122"/>
+                <a:ea typeface="微软雅黑" panose="020B0503020204020204" pitchFamily="34" charset="-122"/>
+              </a:rPr>
+              <a:t>制作中的问题</a:t>
+            </a:r>
+            <a:endParaRPr lang="zh-CN" altLang="en-US" b="1" dirty="0">
+              <a:solidFill>
+                <a:schemeClr val="tx1">
+                  <a:lumMod val="75000"/>
+                  <a:lumOff val="25000"/>
+                </a:schemeClr>
+              </a:solidFill>
+              <a:latin typeface="微软雅黑" panose="020B0503020204020204" pitchFamily="34" charset="-122"/>
+              <a:ea typeface="微软雅黑" panose="020B0503020204020204" pitchFamily="34" charset="-122"/>
+            </a:endParaRPr>
+          </a:p>
+        </p:txBody>
+      </p:sp>
+      <p:sp>
+        <p:nvSpPr>
+          <p:cNvPr id="7" name="TextBox 5"/>
+          <p:cNvSpPr txBox="1"/>
+          <p:nvPr/>
+        </p:nvSpPr>
+        <p:spPr>
+          <a:xfrm>
+            <a:off x="7370018" y="-35631"/>
+            <a:ext cx="1512168" cy="923330"/>
+          </a:xfrm>
+          <a:prstGeom prst="rect">
+            <a:avLst/>
+          </a:prstGeom>
+          <a:noFill/>
+          <a:effectLst>
+            <a:outerShdw blurRad="50800" dist="38100" dir="5400000" algn="t" rotWithShape="0">
+              <a:prstClr val="black">
+                <a:alpha val="40000"/>
+              </a:prstClr>
+            </a:outerShdw>
+          </a:effectLst>
+        </p:spPr>
+        <p:txBody>
+          <a:bodyPr wrap="square" rtlCol="0">
+            <a:spAutoFit/>
+          </a:bodyPr>
+          <a:lstStyle/>
+          <a:p>
+            <a:pPr lvl="0" algn="dist"/>
+            <a:r>
+              <a:rPr lang="en-US" altLang="zh-CN" sz="5400" b="1" dirty="0" smtClean="0">
+                <a:solidFill>
+                  <a:srgbClr val="05AFC8"/>
+                </a:solidFill>
+                <a:latin typeface="微软雅黑" panose="020B0503020204020204" pitchFamily="34" charset="-122"/>
+                <a:ea typeface="微软雅黑" panose="020B0503020204020204" pitchFamily="34" charset="-122"/>
+              </a:rPr>
+              <a:t>·</a:t>
+            </a:r>
+            <a:r>
+              <a:rPr lang="en-US" altLang="zh-CN" sz="5400" b="1" dirty="0" smtClean="0">
+                <a:solidFill>
+                  <a:schemeClr val="tx1">
+                    <a:lumMod val="75000"/>
+                    <a:lumOff val="25000"/>
+                  </a:schemeClr>
+                </a:solidFill>
+                <a:latin typeface="微软雅黑" panose="020B0503020204020204" pitchFamily="34" charset="-122"/>
+                <a:ea typeface="微软雅黑" panose="020B0503020204020204" pitchFamily="34" charset="-122"/>
+              </a:rPr>
+              <a:t> </a:t>
+            </a:r>
+            <a:r>
+              <a:rPr lang="en-US" altLang="zh-CN" sz="5400" b="1" dirty="0" smtClean="0">
+                <a:solidFill>
+                  <a:srgbClr val="FFC000"/>
+                </a:solidFill>
+                <a:latin typeface="微软雅黑" panose="020B0503020204020204" pitchFamily="34" charset="-122"/>
+                <a:ea typeface="微软雅黑" panose="020B0503020204020204" pitchFamily="34" charset="-122"/>
+              </a:rPr>
+              <a:t>·</a:t>
+            </a:r>
+            <a:r>
+              <a:rPr lang="en-US" altLang="zh-CN" sz="5400" b="1" dirty="0" smtClean="0">
+                <a:solidFill>
+                  <a:schemeClr val="tx1">
+                    <a:lumMod val="75000"/>
+                    <a:lumOff val="25000"/>
+                  </a:schemeClr>
+                </a:solidFill>
+                <a:latin typeface="微软雅黑" panose="020B0503020204020204" pitchFamily="34" charset="-122"/>
+                <a:ea typeface="微软雅黑" panose="020B0503020204020204" pitchFamily="34" charset="-122"/>
+              </a:rPr>
+              <a:t> </a:t>
+            </a:r>
+            <a:r>
+              <a:rPr lang="en-US" altLang="zh-CN" sz="5400" b="1" dirty="0" smtClean="0">
+                <a:solidFill>
+                  <a:srgbClr val="FA4453"/>
+                </a:solidFill>
+                <a:latin typeface="微软雅黑" panose="020B0503020204020204" pitchFamily="34" charset="-122"/>
+                <a:ea typeface="微软雅黑" panose="020B0503020204020204" pitchFamily="34" charset="-122"/>
+              </a:rPr>
+              <a:t>·</a:t>
+            </a:r>
+            <a:endParaRPr lang="zh-CN" altLang="zh-CN" sz="5400" b="1" dirty="0">
+              <a:solidFill>
+                <a:srgbClr val="FA4453"/>
+              </a:solidFill>
+              <a:latin typeface="微软雅黑" panose="020B0503020204020204" pitchFamily="34" charset="-122"/>
+              <a:ea typeface="微软雅黑" panose="020B0503020204020204" pitchFamily="34" charset="-122"/>
+            </a:endParaRPr>
+          </a:p>
+        </p:txBody>
+      </p:sp>
+      <p:sp>
+        <p:nvSpPr>
+          <p:cNvPr id="8" name="矩形 7"/>
+          <p:cNvSpPr/>
+          <p:nvPr/>
+        </p:nvSpPr>
+        <p:spPr>
+          <a:xfrm>
+            <a:off x="0" y="5092031"/>
+            <a:ext cx="9144000" cy="144016"/>
+          </a:xfrm>
+          <a:prstGeom prst="rect">
+            <a:avLst/>
+          </a:prstGeom>
+          <a:solidFill>
+            <a:srgbClr val="FFC000"/>
+          </a:solidFill>
+          <a:ln>
+            <a:noFill/>
+          </a:ln>
+          <a:effectLst>
+            <a:outerShdw blurRad="50800" dist="38100" dir="5400000" algn="t" rotWithShape="0">
+              <a:prstClr val="black">
+                <a:alpha val="40000"/>
+              </a:prstClr>
+            </a:outerShdw>
+          </a:effectLst>
+        </p:spPr>
+        <p:style>
+          <a:lnRef idx="2">
+            <a:schemeClr val="accent1">
+              <a:shade val="50000"/>
+            </a:schemeClr>
+          </a:lnRef>
+          <a:fillRef idx="1">
+            <a:schemeClr val="accent1"/>
+          </a:fillRef>
+          <a:effectRef idx="0">
+            <a:schemeClr val="accent1"/>
+          </a:effectRef>
+          <a:fontRef idx="minor">
+            <a:schemeClr val="lt1"/>
+          </a:fontRef>
+        </p:style>
+        <p:txBody>
+          <a:bodyPr rtlCol="0" anchor="ctr"/>
+          <a:lstStyle/>
+          <a:p>
+            <a:pPr algn="ctr"/>
+            <a:endParaRPr lang="zh-CN" altLang="en-US"/>
+          </a:p>
+        </p:txBody>
+      </p:sp>
+      <p:sp>
+        <p:nvSpPr>
+          <p:cNvPr id="9" name="流程图: 合并 8"/>
+          <p:cNvSpPr/>
+          <p:nvPr/>
+        </p:nvSpPr>
+        <p:spPr>
+          <a:xfrm rot="16200000">
+            <a:off x="147158" y="281205"/>
+            <a:ext cx="360039" cy="240025"/>
+          </a:xfrm>
+          <a:prstGeom prst="flowChartMerge">
+            <a:avLst/>
+          </a:prstGeom>
+          <a:noFill/>
+          <a:ln w="6350">
+            <a:solidFill>
+              <a:schemeClr val="bg1">
+                <a:lumMod val="50000"/>
+              </a:schemeClr>
+            </a:solidFill>
+            <a:prstDash val="sysDash"/>
+          </a:ln>
+        </p:spPr>
+        <p:style>
+          <a:lnRef idx="2">
+            <a:schemeClr val="dk1"/>
+          </a:lnRef>
+          <a:fillRef idx="1">
+            <a:schemeClr val="lt1"/>
+          </a:fillRef>
+          <a:effectRef idx="0">
+            <a:schemeClr val="dk1"/>
+          </a:effectRef>
+          <a:fontRef idx="minor">
+            <a:schemeClr val="dk1"/>
+          </a:fontRef>
+        </p:style>
+        <p:txBody>
+          <a:bodyPr rtlCol="0" anchor="ctr"/>
+          <a:lstStyle/>
+          <a:p>
+            <a:pPr algn="ctr"/>
+            <a:endParaRPr lang="zh-CN" altLang="en-US"/>
+          </a:p>
+        </p:txBody>
+      </p:sp>
+      <p:sp>
+        <p:nvSpPr>
+          <p:cNvPr id="10" name="流程图: 联系 9"/>
+          <p:cNvSpPr/>
+          <p:nvPr/>
+        </p:nvSpPr>
+        <p:spPr>
+          <a:xfrm>
+            <a:off x="541063" y="1419622"/>
+            <a:ext cx="1296144" cy="1296144"/>
+          </a:xfrm>
+          <a:prstGeom prst="flowChartConnector">
+            <a:avLst/>
+          </a:prstGeom>
+          <a:solidFill>
+            <a:srgbClr val="FFC000"/>
+          </a:solidFill>
+          <a:ln>
+            <a:solidFill>
+              <a:srgbClr val="FFC000"/>
+            </a:solidFill>
+          </a:ln>
+        </p:spPr>
+        <p:style>
+          <a:lnRef idx="2">
+            <a:schemeClr val="accent1">
+              <a:shade val="50000"/>
+            </a:schemeClr>
+          </a:lnRef>
+          <a:fillRef idx="1">
+            <a:schemeClr val="accent1"/>
+          </a:fillRef>
+          <a:effectRef idx="0">
+            <a:schemeClr val="accent1"/>
+          </a:effectRef>
+          <a:fontRef idx="minor">
+            <a:schemeClr val="lt1"/>
+          </a:fontRef>
+        </p:style>
+        <p:txBody>
+          <a:bodyPr rtlCol="0" anchor="ctr"/>
+          <a:lstStyle/>
+          <a:p>
+            <a:pPr algn="ctr"/>
+            <a:r>
+              <a:rPr lang="zh-CN" altLang="en-US" b="1" dirty="0">
+                <a:latin typeface="微软雅黑" panose="020B0503020204020204" pitchFamily="34" charset="-122"/>
+                <a:ea typeface="微软雅黑" panose="020B0503020204020204" pitchFamily="34" charset="-122"/>
+              </a:rPr>
+              <a:t>观光</a:t>
+            </a:r>
+            <a:r>
+              <a:rPr lang="zh-CN" altLang="en-US" b="1" dirty="0" smtClean="0">
+                <a:latin typeface="微软雅黑" panose="020B0503020204020204" pitchFamily="34" charset="-122"/>
+                <a:ea typeface="微软雅黑" panose="020B0503020204020204" pitchFamily="34" charset="-122"/>
+              </a:rPr>
+              <a:t>车难题</a:t>
+            </a:r>
+            <a:endParaRPr lang="zh-CN" altLang="en-US" b="1" dirty="0">
+              <a:latin typeface="微软雅黑" panose="020B0503020204020204" pitchFamily="34" charset="-122"/>
+              <a:ea typeface="微软雅黑" panose="020B0503020204020204" pitchFamily="34" charset="-122"/>
+            </a:endParaRPr>
+          </a:p>
+        </p:txBody>
+      </p:sp>
+      <p:sp>
+        <p:nvSpPr>
+          <p:cNvPr id="11" name="流程图: 联系 10"/>
+          <p:cNvSpPr/>
+          <p:nvPr/>
+        </p:nvSpPr>
+        <p:spPr>
+          <a:xfrm>
+            <a:off x="2627784" y="3255786"/>
+            <a:ext cx="1296144" cy="1296144"/>
+          </a:xfrm>
+          <a:prstGeom prst="flowChartConnector">
+            <a:avLst/>
+          </a:prstGeom>
+          <a:solidFill>
+            <a:srgbClr val="FFC000"/>
+          </a:solidFill>
+          <a:ln>
+            <a:solidFill>
+              <a:srgbClr val="FFC000"/>
+            </a:solidFill>
+          </a:ln>
+        </p:spPr>
+        <p:style>
+          <a:lnRef idx="2">
+            <a:schemeClr val="accent1">
+              <a:shade val="50000"/>
+            </a:schemeClr>
+          </a:lnRef>
+          <a:fillRef idx="1">
+            <a:schemeClr val="accent1"/>
+          </a:fillRef>
+          <a:effectRef idx="0">
+            <a:schemeClr val="accent1"/>
+          </a:effectRef>
+          <a:fontRef idx="minor">
+            <a:schemeClr val="lt1"/>
+          </a:fontRef>
+        </p:style>
+        <p:txBody>
+          <a:bodyPr rtlCol="0" anchor="ctr"/>
+          <a:lstStyle/>
+          <a:p>
+            <a:pPr algn="ctr"/>
+            <a:r>
+              <a:rPr lang="zh-CN" altLang="en-US" b="1" dirty="0">
+                <a:latin typeface="微软雅黑" panose="020B0503020204020204" pitchFamily="34" charset="-122"/>
+                <a:ea typeface="微软雅黑" panose="020B0503020204020204" pitchFamily="34" charset="-122"/>
+              </a:rPr>
+              <a:t>锟斤</a:t>
+            </a:r>
+            <a:r>
+              <a:rPr lang="zh-CN" altLang="en-US" b="1" dirty="0" smtClean="0">
+                <a:latin typeface="微软雅黑" panose="020B0503020204020204" pitchFamily="34" charset="-122"/>
+                <a:ea typeface="微软雅黑" panose="020B0503020204020204" pitchFamily="34" charset="-122"/>
+              </a:rPr>
+              <a:t>拷</a:t>
+            </a:r>
+            <a:endParaRPr lang="en-US" altLang="zh-CN" b="1" dirty="0" smtClean="0">
+              <a:latin typeface="微软雅黑" panose="020B0503020204020204" pitchFamily="34" charset="-122"/>
+              <a:ea typeface="微软雅黑" panose="020B0503020204020204" pitchFamily="34" charset="-122"/>
+            </a:endParaRPr>
+          </a:p>
+          <a:p>
+            <a:pPr algn="ctr"/>
+            <a:r>
+              <a:rPr lang="zh-CN" altLang="en-US" b="1" dirty="0">
+                <a:latin typeface="微软雅黑" panose="020B0503020204020204" pitchFamily="34" charset="-122"/>
+                <a:ea typeface="微软雅黑" panose="020B0503020204020204" pitchFamily="34" charset="-122"/>
+              </a:rPr>
+              <a:t>困境</a:t>
+            </a:r>
+            <a:endParaRPr lang="zh-CN" altLang="en-US" b="1" dirty="0">
+              <a:latin typeface="微软雅黑" panose="020B0503020204020204" pitchFamily="34" charset="-122"/>
+              <a:ea typeface="微软雅黑" panose="020B0503020204020204" pitchFamily="34" charset="-122"/>
+            </a:endParaRPr>
+          </a:p>
+        </p:txBody>
+      </p:sp>
+      <p:sp>
+        <p:nvSpPr>
+          <p:cNvPr id="12" name="流程图: 联系 11"/>
+          <p:cNvSpPr/>
+          <p:nvPr/>
+        </p:nvSpPr>
+        <p:spPr>
+          <a:xfrm>
+            <a:off x="4827652" y="1419622"/>
+            <a:ext cx="1296144" cy="1296144"/>
+          </a:xfrm>
+          <a:prstGeom prst="flowChartConnector">
+            <a:avLst/>
+          </a:prstGeom>
+          <a:solidFill>
+            <a:srgbClr val="FFC000"/>
+          </a:solidFill>
+          <a:ln>
+            <a:solidFill>
+              <a:srgbClr val="FFC000"/>
+            </a:solidFill>
+          </a:ln>
+        </p:spPr>
+        <p:style>
+          <a:lnRef idx="2">
+            <a:schemeClr val="accent1">
+              <a:shade val="50000"/>
+            </a:schemeClr>
+          </a:lnRef>
+          <a:fillRef idx="1">
+            <a:schemeClr val="accent1"/>
+          </a:fillRef>
+          <a:effectRef idx="0">
+            <a:schemeClr val="accent1"/>
+          </a:effectRef>
+          <a:fontRef idx="minor">
+            <a:schemeClr val="lt1"/>
+          </a:fontRef>
+        </p:style>
+        <p:txBody>
+          <a:bodyPr rtlCol="0" anchor="ctr"/>
+          <a:lstStyle/>
+          <a:p>
+            <a:pPr algn="ctr"/>
+            <a:r>
+              <a:rPr lang="zh-CN" altLang="en-US" b="1" dirty="0" smtClean="0">
+                <a:latin typeface="微软雅黑" panose="020B0503020204020204" pitchFamily="34" charset="-122"/>
+                <a:ea typeface="微软雅黑" panose="020B0503020204020204" pitchFamily="34" charset="-122"/>
+              </a:rPr>
+              <a:t>前后端连线</a:t>
+            </a:r>
+            <a:endParaRPr lang="zh-CN" altLang="en-US" b="1" dirty="0">
+              <a:latin typeface="微软雅黑" panose="020B0503020204020204" pitchFamily="34" charset="-122"/>
+              <a:ea typeface="微软雅黑" panose="020B0503020204020204" pitchFamily="34" charset="-122"/>
+            </a:endParaRPr>
+          </a:p>
+        </p:txBody>
+      </p:sp>
+      <p:sp>
+        <p:nvSpPr>
+          <p:cNvPr id="13" name="流程图: 联系 12"/>
+          <p:cNvSpPr/>
+          <p:nvPr/>
+        </p:nvSpPr>
+        <p:spPr>
+          <a:xfrm>
+            <a:off x="7020272" y="3255786"/>
+            <a:ext cx="1296144" cy="1296144"/>
+          </a:xfrm>
+          <a:prstGeom prst="flowChartConnector">
+            <a:avLst/>
+          </a:prstGeom>
+          <a:solidFill>
+            <a:srgbClr val="FFC000"/>
+          </a:solidFill>
+          <a:ln>
+            <a:solidFill>
+              <a:srgbClr val="FFC000"/>
+            </a:solidFill>
+          </a:ln>
+        </p:spPr>
+        <p:style>
+          <a:lnRef idx="2">
+            <a:schemeClr val="accent1">
+              <a:shade val="50000"/>
+            </a:schemeClr>
+          </a:lnRef>
+          <a:fillRef idx="1">
+            <a:schemeClr val="accent1"/>
+          </a:fillRef>
+          <a:effectRef idx="0">
+            <a:schemeClr val="accent1"/>
+          </a:effectRef>
+          <a:fontRef idx="minor">
+            <a:schemeClr val="lt1"/>
+          </a:fontRef>
+        </p:style>
+        <p:txBody>
+          <a:bodyPr rtlCol="0" anchor="ctr"/>
+          <a:lstStyle/>
+          <a:p>
+            <a:pPr algn="ctr"/>
+            <a:r>
+              <a:rPr lang="en-US" altLang="zh-CN" b="1" dirty="0" smtClean="0">
+                <a:latin typeface="微软雅黑" panose="020B0503020204020204" pitchFamily="34" charset="-122"/>
+                <a:ea typeface="微软雅黑" panose="020B0503020204020204" pitchFamily="34" charset="-122"/>
+              </a:rPr>
+              <a:t>STL</a:t>
+            </a:r>
+          </a:p>
+          <a:p>
+            <a:pPr algn="ctr"/>
+            <a:r>
+              <a:rPr lang="zh-CN" altLang="en-US" b="1" dirty="0" smtClean="0">
+                <a:latin typeface="微软雅黑" panose="020B0503020204020204" pitchFamily="34" charset="-122"/>
+                <a:ea typeface="微软雅黑" panose="020B0503020204020204" pitchFamily="34" charset="-122"/>
+              </a:rPr>
+              <a:t>悖论</a:t>
+            </a:r>
+            <a:endParaRPr lang="zh-CN" altLang="en-US" b="1" dirty="0">
+              <a:latin typeface="微软雅黑" panose="020B0503020204020204" pitchFamily="34" charset="-122"/>
+              <a:ea typeface="微软雅黑" panose="020B0503020204020204" pitchFamily="34" charset="-122"/>
+            </a:endParaRPr>
+          </a:p>
+        </p:txBody>
+      </p:sp>
+      <p:sp>
+        <p:nvSpPr>
+          <p:cNvPr id="14" name="TextBox 27"/>
+          <p:cNvSpPr txBox="1"/>
+          <p:nvPr/>
+        </p:nvSpPr>
+        <p:spPr>
+          <a:xfrm>
+            <a:off x="1907704" y="1442458"/>
+            <a:ext cx="2232496" cy="1061829"/>
+          </a:xfrm>
+          <a:prstGeom prst="rect">
+            <a:avLst/>
+          </a:prstGeom>
+          <a:noFill/>
+        </p:spPr>
+        <p:txBody>
+          <a:bodyPr wrap="square" rtlCol="0">
+            <a:spAutoFit/>
+          </a:bodyPr>
+          <a:lstStyle/>
+          <a:p>
+            <a:pPr lvl="0"/>
+            <a:r>
+              <a:rPr lang="zh-CN" altLang="en-US" sz="1500" b="1" dirty="0" smtClean="0">
+                <a:solidFill>
+                  <a:schemeClr val="tx1">
+                    <a:lumMod val="75000"/>
+                    <a:lumOff val="25000"/>
+                  </a:schemeClr>
+                </a:solidFill>
+                <a:latin typeface="微软雅黑" panose="020B0503020204020204" pitchFamily="34" charset="-122"/>
+                <a:ea typeface="微软雅黑" panose="020B0503020204020204" pitchFamily="34" charset="-122"/>
+              </a:rPr>
+              <a:t>数据集中出现观光车</a:t>
+            </a:r>
+            <a:endParaRPr lang="en-US" altLang="zh-CN" sz="1500" b="1" dirty="0" smtClean="0">
+              <a:solidFill>
+                <a:schemeClr val="tx1">
+                  <a:lumMod val="75000"/>
+                  <a:lumOff val="25000"/>
+                </a:schemeClr>
+              </a:solidFill>
+              <a:latin typeface="微软雅黑" panose="020B0503020204020204" pitchFamily="34" charset="-122"/>
+              <a:ea typeface="微软雅黑" panose="020B0503020204020204" pitchFamily="34" charset="-122"/>
+            </a:endParaRPr>
+          </a:p>
+          <a:p>
+            <a:pPr lvl="0"/>
+            <a:r>
+              <a:rPr lang="en-US" altLang="zh-CN" sz="1200" dirty="0" smtClean="0">
+                <a:solidFill>
+                  <a:schemeClr val="tx1">
+                    <a:lumMod val="75000"/>
+                    <a:lumOff val="25000"/>
+                  </a:schemeClr>
+                </a:solidFill>
+                <a:latin typeface="微软雅黑" panose="020B0503020204020204" pitchFamily="34" charset="-122"/>
+                <a:ea typeface="微软雅黑" panose="020B0503020204020204" pitchFamily="34" charset="-122"/>
+              </a:rPr>
+              <a:t>· </a:t>
+            </a:r>
+            <a:r>
+              <a:rPr lang="zh-CN" altLang="en-US" sz="1200" dirty="0" smtClean="0">
+                <a:solidFill>
+                  <a:schemeClr val="tx1">
+                    <a:lumMod val="75000"/>
+                    <a:lumOff val="25000"/>
+                  </a:schemeClr>
+                </a:solidFill>
+                <a:latin typeface="微软雅黑" panose="020B0503020204020204" pitchFamily="34" charset="-122"/>
+                <a:ea typeface="微软雅黑" panose="020B0503020204020204" pitchFamily="34" charset="-122"/>
+              </a:rPr>
+              <a:t>少量车运行中有相同站</a:t>
+            </a:r>
+            <a:endParaRPr lang="en-US" altLang="zh-CN" sz="1200" dirty="0">
+              <a:solidFill>
+                <a:schemeClr val="tx1">
+                  <a:lumMod val="75000"/>
+                  <a:lumOff val="25000"/>
+                </a:schemeClr>
+              </a:solidFill>
+              <a:latin typeface="微软雅黑" panose="020B0503020204020204" pitchFamily="34" charset="-122"/>
+              <a:ea typeface="微软雅黑" panose="020B0503020204020204" pitchFamily="34" charset="-122"/>
+            </a:endParaRPr>
+          </a:p>
+          <a:p>
+            <a:r>
+              <a:rPr lang="en-US" altLang="zh-CN" sz="1200" dirty="0">
+                <a:solidFill>
+                  <a:schemeClr val="tx1">
+                    <a:lumMod val="75000"/>
+                    <a:lumOff val="25000"/>
+                  </a:schemeClr>
+                </a:solidFill>
+                <a:latin typeface="微软雅黑" panose="020B0503020204020204" pitchFamily="34" charset="-122"/>
+                <a:ea typeface="微软雅黑" panose="020B0503020204020204" pitchFamily="34" charset="-122"/>
+              </a:rPr>
+              <a:t>· </a:t>
+            </a:r>
+            <a:r>
+              <a:rPr lang="zh-CN" altLang="en-US" sz="1200" dirty="0">
+                <a:solidFill>
+                  <a:schemeClr val="tx1">
+                    <a:lumMod val="75000"/>
+                    <a:lumOff val="25000"/>
+                  </a:schemeClr>
+                </a:solidFill>
+                <a:latin typeface="微软雅黑" panose="020B0503020204020204" pitchFamily="34" charset="-122"/>
+                <a:ea typeface="微软雅黑" panose="020B0503020204020204" pitchFamily="34" charset="-122"/>
+              </a:rPr>
+              <a:t>极少量车次运行中只有起点和终点、且起点和终点相同</a:t>
+            </a:r>
+            <a:endParaRPr lang="en-US" altLang="zh-CN" sz="1200" dirty="0">
+              <a:solidFill>
+                <a:schemeClr val="tx1">
+                  <a:lumMod val="75000"/>
+                  <a:lumOff val="25000"/>
+                </a:schemeClr>
+              </a:solidFill>
+              <a:latin typeface="微软雅黑" panose="020B0503020204020204" pitchFamily="34" charset="-122"/>
+              <a:ea typeface="微软雅黑" panose="020B0503020204020204" pitchFamily="34" charset="-122"/>
+            </a:endParaRPr>
+          </a:p>
+          <a:p>
+            <a:pPr lvl="0"/>
+            <a:endParaRPr lang="zh-CN" altLang="en-US" sz="1200" b="1" dirty="0">
+              <a:solidFill>
+                <a:schemeClr val="tx1">
+                  <a:lumMod val="75000"/>
+                  <a:lumOff val="25000"/>
+                </a:schemeClr>
+              </a:solidFill>
+              <a:latin typeface="微软雅黑" panose="020B0503020204020204" pitchFamily="34" charset="-122"/>
+              <a:ea typeface="微软雅黑" panose="020B0503020204020204" pitchFamily="34" charset="-122"/>
+            </a:endParaRPr>
+          </a:p>
+        </p:txBody>
+      </p:sp>
+      <p:sp>
+        <p:nvSpPr>
+          <p:cNvPr id="15" name="TextBox 12"/>
+          <p:cNvSpPr txBox="1"/>
+          <p:nvPr/>
+        </p:nvSpPr>
+        <p:spPr>
+          <a:xfrm>
+            <a:off x="336309" y="3352249"/>
+            <a:ext cx="2232496" cy="692497"/>
+          </a:xfrm>
+          <a:prstGeom prst="rect">
+            <a:avLst/>
+          </a:prstGeom>
+          <a:noFill/>
+        </p:spPr>
+        <p:txBody>
+          <a:bodyPr wrap="square" rtlCol="0">
+            <a:spAutoFit/>
+          </a:bodyPr>
+          <a:lstStyle/>
+          <a:p>
+            <a:pPr lvl="0" algn="r"/>
+            <a:r>
+              <a:rPr lang="zh-CN" altLang="en-US" sz="1500" b="1" dirty="0" smtClean="0">
+                <a:solidFill>
+                  <a:schemeClr val="tx1">
+                    <a:lumMod val="75000"/>
+                    <a:lumOff val="25000"/>
+                  </a:schemeClr>
+                </a:solidFill>
+                <a:latin typeface="微软雅黑" panose="020B0503020204020204" pitchFamily="34" charset="-122"/>
+                <a:ea typeface="微软雅黑" panose="020B0503020204020204" pitchFamily="34" charset="-122"/>
+              </a:rPr>
+              <a:t>文件读入时字符编码</a:t>
+            </a:r>
+            <a:endParaRPr lang="en-US" altLang="zh-CN" sz="1500" b="1" dirty="0" smtClean="0">
+              <a:solidFill>
+                <a:schemeClr val="tx1">
+                  <a:lumMod val="75000"/>
+                  <a:lumOff val="25000"/>
+                </a:schemeClr>
+              </a:solidFill>
+              <a:latin typeface="微软雅黑" panose="020B0503020204020204" pitchFamily="34" charset="-122"/>
+              <a:ea typeface="微软雅黑" panose="020B0503020204020204" pitchFamily="34" charset="-122"/>
+            </a:endParaRPr>
+          </a:p>
+          <a:p>
+            <a:pPr lvl="0" algn="r"/>
+            <a:r>
+              <a:rPr lang="en-US" altLang="zh-CN" sz="1200" dirty="0" smtClean="0">
+                <a:solidFill>
+                  <a:schemeClr val="tx1">
+                    <a:lumMod val="75000"/>
+                    <a:lumOff val="25000"/>
+                  </a:schemeClr>
+                </a:solidFill>
+                <a:latin typeface="微软雅黑" panose="020B0503020204020204" pitchFamily="34" charset="-122"/>
+                <a:ea typeface="微软雅黑" panose="020B0503020204020204" pitchFamily="34" charset="-122"/>
+              </a:rPr>
+              <a:t>· </a:t>
+            </a:r>
+            <a:r>
+              <a:rPr lang="zh-CN" altLang="en-US" sz="1200" dirty="0" smtClean="0">
+                <a:solidFill>
+                  <a:schemeClr val="tx1">
+                    <a:lumMod val="75000"/>
+                    <a:lumOff val="25000"/>
+                  </a:schemeClr>
+                </a:solidFill>
+                <a:latin typeface="微软雅黑" panose="020B0503020204020204" pitchFamily="34" charset="-122"/>
+                <a:ea typeface="微软雅黑" panose="020B0503020204020204" pitchFamily="34" charset="-122"/>
+              </a:rPr>
+              <a:t>由于不同系统的中文编码问题出现乱码情况</a:t>
+            </a:r>
+            <a:endParaRPr lang="zh-CN" altLang="en-US" sz="1200" dirty="0">
+              <a:solidFill>
+                <a:schemeClr val="tx1">
+                  <a:lumMod val="75000"/>
+                  <a:lumOff val="25000"/>
+                </a:schemeClr>
+              </a:solidFill>
+              <a:latin typeface="微软雅黑" panose="020B0503020204020204" pitchFamily="34" charset="-122"/>
+              <a:ea typeface="微软雅黑" panose="020B0503020204020204" pitchFamily="34" charset="-122"/>
+            </a:endParaRPr>
+          </a:p>
+        </p:txBody>
+      </p:sp>
+      <p:sp>
+        <p:nvSpPr>
+          <p:cNvPr id="16" name="TextBox 29"/>
+          <p:cNvSpPr txBox="1"/>
+          <p:nvPr/>
+        </p:nvSpPr>
+        <p:spPr>
+          <a:xfrm>
+            <a:off x="6372200" y="1427800"/>
+            <a:ext cx="2232496" cy="877163"/>
+          </a:xfrm>
+          <a:prstGeom prst="rect">
+            <a:avLst/>
+          </a:prstGeom>
+          <a:noFill/>
+        </p:spPr>
+        <p:txBody>
+          <a:bodyPr wrap="square" rtlCol="0">
+            <a:spAutoFit/>
+          </a:bodyPr>
+          <a:lstStyle/>
+          <a:p>
+            <a:pPr lvl="0"/>
+            <a:r>
+              <a:rPr lang="zh-CN" altLang="en-US" sz="1500" b="1" dirty="0" smtClean="0">
+                <a:solidFill>
+                  <a:schemeClr val="tx1">
+                    <a:lumMod val="75000"/>
+                    <a:lumOff val="25000"/>
+                  </a:schemeClr>
+                </a:solidFill>
+                <a:latin typeface="微软雅黑" panose="020B0503020204020204" pitchFamily="34" charset="-122"/>
+                <a:ea typeface="微软雅黑" panose="020B0503020204020204" pitchFamily="34" charset="-122"/>
+              </a:rPr>
+              <a:t>网络连线零基础</a:t>
+            </a:r>
+            <a:endParaRPr lang="en-US" altLang="zh-CN" sz="1500" b="1" dirty="0" smtClean="0">
+              <a:solidFill>
+                <a:schemeClr val="tx1">
+                  <a:lumMod val="75000"/>
+                  <a:lumOff val="25000"/>
+                </a:schemeClr>
+              </a:solidFill>
+              <a:latin typeface="微软雅黑" panose="020B0503020204020204" pitchFamily="34" charset="-122"/>
+              <a:ea typeface="微软雅黑" panose="020B0503020204020204" pitchFamily="34" charset="-122"/>
+            </a:endParaRPr>
+          </a:p>
+          <a:p>
+            <a:pPr lvl="0"/>
+            <a:r>
+              <a:rPr lang="en-US" altLang="zh-CN" sz="1200" dirty="0" smtClean="0">
+                <a:solidFill>
+                  <a:schemeClr val="tx1">
+                    <a:lumMod val="75000"/>
+                    <a:lumOff val="25000"/>
+                  </a:schemeClr>
+                </a:solidFill>
+                <a:latin typeface="微软雅黑" panose="020B0503020204020204" pitchFamily="34" charset="-122"/>
+                <a:ea typeface="微软雅黑" panose="020B0503020204020204" pitchFamily="34" charset="-122"/>
+              </a:rPr>
+              <a:t>· </a:t>
+            </a:r>
+            <a:r>
+              <a:rPr lang="zh-CN" altLang="en-US" sz="1200" dirty="0" smtClean="0">
+                <a:solidFill>
+                  <a:schemeClr val="tx1">
+                    <a:lumMod val="75000"/>
+                    <a:lumOff val="25000"/>
+                  </a:schemeClr>
+                </a:solidFill>
+                <a:latin typeface="微软雅黑" panose="020B0503020204020204" pitchFamily="34" charset="-122"/>
+                <a:ea typeface="微软雅黑" panose="020B0503020204020204" pitchFamily="34" charset="-122"/>
+              </a:rPr>
+              <a:t>由于对网络的连线缺乏经验，这一部分的操作都需要从零开始</a:t>
+            </a:r>
+            <a:endParaRPr lang="en-US" altLang="zh-CN" sz="1200" dirty="0" smtClean="0">
+              <a:solidFill>
+                <a:schemeClr val="tx1">
+                  <a:lumMod val="75000"/>
+                  <a:lumOff val="25000"/>
+                </a:schemeClr>
+              </a:solidFill>
+              <a:latin typeface="微软雅黑" panose="020B0503020204020204" pitchFamily="34" charset="-122"/>
+              <a:ea typeface="微软雅黑" panose="020B0503020204020204" pitchFamily="34" charset="-122"/>
+            </a:endParaRPr>
+          </a:p>
+        </p:txBody>
+      </p:sp>
+      <p:sp>
+        <p:nvSpPr>
+          <p:cNvPr id="17" name="TextBox 30"/>
+          <p:cNvSpPr txBox="1"/>
+          <p:nvPr/>
+        </p:nvSpPr>
+        <p:spPr>
+          <a:xfrm>
+            <a:off x="4669818" y="3356525"/>
+            <a:ext cx="2232496" cy="692497"/>
+          </a:xfrm>
+          <a:prstGeom prst="rect">
+            <a:avLst/>
+          </a:prstGeom>
+          <a:noFill/>
+        </p:spPr>
+        <p:txBody>
+          <a:bodyPr wrap="square" rtlCol="0">
+            <a:spAutoFit/>
+          </a:bodyPr>
+          <a:lstStyle/>
+          <a:p>
+            <a:pPr lvl="0" algn="r"/>
+            <a:r>
+              <a:rPr lang="en-US" altLang="zh-CN" sz="1500" b="1" dirty="0" smtClean="0">
+                <a:solidFill>
+                  <a:schemeClr val="tx1">
+                    <a:lumMod val="75000"/>
+                    <a:lumOff val="25000"/>
+                  </a:schemeClr>
+                </a:solidFill>
+                <a:latin typeface="微软雅黑" panose="020B0503020204020204" pitchFamily="34" charset="-122"/>
+                <a:ea typeface="微软雅黑" panose="020B0503020204020204" pitchFamily="34" charset="-122"/>
+              </a:rPr>
+              <a:t>STL</a:t>
+            </a:r>
+            <a:r>
+              <a:rPr lang="zh-CN" altLang="en-US" sz="1500" b="1" dirty="0">
+                <a:solidFill>
+                  <a:schemeClr val="tx1">
+                    <a:lumMod val="75000"/>
+                    <a:lumOff val="25000"/>
+                  </a:schemeClr>
+                </a:solidFill>
+                <a:latin typeface="微软雅黑" panose="020B0503020204020204" pitchFamily="34" charset="-122"/>
+                <a:ea typeface="微软雅黑" panose="020B0503020204020204" pitchFamily="34" charset="-122"/>
+              </a:rPr>
+              <a:t>、</a:t>
+            </a:r>
+            <a:r>
+              <a:rPr lang="zh-CN" altLang="en-US" sz="1500" b="1" dirty="0" smtClean="0">
+                <a:solidFill>
+                  <a:schemeClr val="tx1">
+                    <a:lumMod val="75000"/>
+                    <a:lumOff val="25000"/>
+                  </a:schemeClr>
+                </a:solidFill>
+                <a:latin typeface="微软雅黑" panose="020B0503020204020204" pitchFamily="34" charset="-122"/>
+                <a:ea typeface="微软雅黑" panose="020B0503020204020204" pitchFamily="34" charset="-122"/>
+              </a:rPr>
+              <a:t>火车票</a:t>
+            </a:r>
+            <a:r>
+              <a:rPr lang="en-US" altLang="zh-CN" sz="1500" b="1" dirty="0" smtClean="0">
+                <a:solidFill>
+                  <a:schemeClr val="tx1">
+                    <a:lumMod val="75000"/>
+                    <a:lumOff val="25000"/>
+                  </a:schemeClr>
+                </a:solidFill>
+                <a:latin typeface="微软雅黑" panose="020B0503020204020204" pitchFamily="34" charset="-122"/>
+                <a:ea typeface="微软雅黑" panose="020B0503020204020204" pitchFamily="34" charset="-122"/>
+              </a:rPr>
+              <a:t>or</a:t>
+            </a:r>
+            <a:r>
+              <a:rPr lang="zh-CN" altLang="en-US" sz="1500" b="1" dirty="0" smtClean="0">
+                <a:solidFill>
+                  <a:schemeClr val="tx1">
+                    <a:lumMod val="75000"/>
+                    <a:lumOff val="25000"/>
+                  </a:schemeClr>
+                </a:solidFill>
+                <a:latin typeface="微软雅黑" panose="020B0503020204020204" pitchFamily="34" charset="-122"/>
+                <a:ea typeface="微软雅黑" panose="020B0503020204020204" pitchFamily="34" charset="-122"/>
+              </a:rPr>
+              <a:t>期中考</a:t>
+            </a:r>
+            <a:endParaRPr lang="en-US" altLang="zh-CN" sz="1500" b="1" dirty="0" smtClean="0">
+              <a:solidFill>
+                <a:schemeClr val="tx1">
+                  <a:lumMod val="75000"/>
+                  <a:lumOff val="25000"/>
+                </a:schemeClr>
+              </a:solidFill>
+              <a:latin typeface="微软雅黑" panose="020B0503020204020204" pitchFamily="34" charset="-122"/>
+              <a:ea typeface="微软雅黑" panose="020B0503020204020204" pitchFamily="34" charset="-122"/>
+            </a:endParaRPr>
+          </a:p>
+          <a:p>
+            <a:pPr lvl="0" algn="r"/>
+            <a:r>
+              <a:rPr lang="en-US" altLang="zh-CN" sz="1200" dirty="0" smtClean="0">
+                <a:solidFill>
+                  <a:schemeClr val="tx1">
+                    <a:lumMod val="75000"/>
+                    <a:lumOff val="25000"/>
+                  </a:schemeClr>
+                </a:solidFill>
+                <a:latin typeface="微软雅黑" panose="020B0503020204020204" pitchFamily="34" charset="-122"/>
+                <a:ea typeface="微软雅黑" panose="020B0503020204020204" pitchFamily="34" charset="-122"/>
+              </a:rPr>
+              <a:t>· </a:t>
+            </a:r>
+            <a:r>
+              <a:rPr lang="zh-CN" altLang="en-US" sz="1200" dirty="0" smtClean="0">
+                <a:solidFill>
+                  <a:schemeClr val="tx1">
+                    <a:lumMod val="75000"/>
+                    <a:lumOff val="25000"/>
+                  </a:schemeClr>
+                </a:solidFill>
+                <a:latin typeface="微软雅黑" panose="020B0503020204020204" pitchFamily="34" charset="-122"/>
+                <a:ea typeface="微软雅黑" panose="020B0503020204020204" pitchFamily="34" charset="-122"/>
+              </a:rPr>
+              <a:t>三者交错进行，引发工期延误，造成火车难产</a:t>
+            </a:r>
+            <a:endParaRPr lang="zh-CN" altLang="en-US" sz="1200" dirty="0">
+              <a:solidFill>
+                <a:schemeClr val="tx1">
+                  <a:lumMod val="75000"/>
+                  <a:lumOff val="25000"/>
+                </a:schemeClr>
+              </a:solidFill>
+              <a:latin typeface="微软雅黑" panose="020B0503020204020204" pitchFamily="34" charset="-122"/>
+              <a:ea typeface="微软雅黑" panose="020B0503020204020204" pitchFamily="34" charset="-122"/>
+            </a:endParaRPr>
+          </a:p>
+        </p:txBody>
+      </p:sp>
+    </p:spTree>
+    <p:extLst>
+      <p:ext uri="{BB962C8B-B14F-4D97-AF65-F5344CB8AC3E}">
+        <p14:creationId xmlns:p14="http://schemas.microsoft.com/office/powerpoint/2010/main" val="2499359008"/>
+      </p:ext>
+    </p:extLst>
+  </p:cSld>
+  <p:clrMapOvr>
+    <a:masterClrMapping/>
+  </p:clrMapOvr>
+</p:sld>
+</file>
+
+<file path=ppt/slides/slide13.xml><?xml version="1.0" encoding="utf-8"?>
 <p:sld xmlns:a="http://schemas.openxmlformats.org/drawingml/2006/main" xmlns:r="http://schemas.openxmlformats.org/officeDocument/2006/relationships" xmlns:p="http://schemas.openxmlformats.org/presentationml/2006/main">
   <p:cSld>
     <p:spTree>
@@ -7458,7 +8604,7 @@
 </p:sld>
 </file>
 
-<file path=ppt/slides/slide13.xml><?xml version="1.0" encoding="utf-8"?>
+<file path=ppt/slides/slide14.xml><?xml version="1.0" encoding="utf-8"?>
 <p:sld xmlns:a="http://schemas.openxmlformats.org/drawingml/2006/main" xmlns:r="http://schemas.openxmlformats.org/officeDocument/2006/relationships" xmlns:p="http://schemas.openxmlformats.org/presentationml/2006/main">
   <p:cSld>
     <p:spTree>
@@ -7846,7 +8992,7 @@
 </p:sld>
 </file>
 
-<file path=ppt/slides/slide14.xml><?xml version="1.0" encoding="utf-8"?>
+<file path=ppt/slides/slide15.xml><?xml version="1.0" encoding="utf-8"?>
 <p:sld xmlns:a="http://schemas.openxmlformats.org/drawingml/2006/main" xmlns:r="http://schemas.openxmlformats.org/officeDocument/2006/relationships" xmlns:p="http://schemas.openxmlformats.org/presentationml/2006/main">
   <p:cSld>
     <p:spTree>
@@ -8940,7 +10086,7 @@
 </p:sld>
 </file>
 
-<file path=ppt/slides/slide15.xml><?xml version="1.0" encoding="utf-8"?>
+<file path=ppt/slides/slide16.xml><?xml version="1.0" encoding="utf-8"?>
 <p:sld xmlns:a="http://schemas.openxmlformats.org/drawingml/2006/main" xmlns:r="http://schemas.openxmlformats.org/officeDocument/2006/relationships" xmlns:p="http://schemas.openxmlformats.org/presentationml/2006/main">
   <p:cSld>
     <p:spTree>
@@ -9834,7 +10980,7 @@
 </p:sld>
 </file>
 
-<file path=ppt/slides/slide16.xml><?xml version="1.0" encoding="utf-8"?>
+<file path=ppt/slides/slide17.xml><?xml version="1.0" encoding="utf-8"?>
 <p:sld xmlns:a="http://schemas.openxmlformats.org/drawingml/2006/main" xmlns:r="http://schemas.openxmlformats.org/officeDocument/2006/relationships" xmlns:p="http://schemas.openxmlformats.org/presentationml/2006/main">
   <p:cSld>
     <p:spTree>
@@ -10163,7 +11309,7 @@
 </p:sld>
 </file>
 
-<file path=ppt/slides/slide17.xml><?xml version="1.0" encoding="utf-8"?>
+<file path=ppt/slides/slide18.xml><?xml version="1.0" encoding="utf-8"?>
 <p:sld xmlns:a="http://schemas.openxmlformats.org/drawingml/2006/main" xmlns:r="http://schemas.openxmlformats.org/officeDocument/2006/relationships" xmlns:p="http://schemas.openxmlformats.org/presentationml/2006/main">
   <p:cSld>
     <p:spTree>
@@ -16648,20 +17794,7 @@
                 <a:latin typeface="微软雅黑" panose="020B0503020204020204" pitchFamily="34" charset="-122"/>
                 <a:ea typeface="微软雅黑" panose="020B0503020204020204" pitchFamily="34" charset="-122"/>
               </a:rPr>
-              <a:t>管理员</a:t>
-            </a:r>
-            <a:r>
-              <a:rPr lang="zh-CN" altLang="en-US" sz="1600" b="1" dirty="0" smtClean="0">
-                <a:solidFill>
-                  <a:schemeClr val="tx1">
-                    <a:lumMod val="75000"/>
-                    <a:lumOff val="25000"/>
-                  </a:schemeClr>
-                </a:solidFill>
-                <a:latin typeface="微软雅黑" panose="020B0503020204020204" pitchFamily="34" charset="-122"/>
-                <a:ea typeface="微软雅黑" panose="020B0503020204020204" pitchFamily="34" charset="-122"/>
-              </a:rPr>
-              <a:t>登录</a:t>
+              <a:t>管理员登录</a:t>
             </a:r>
             <a:endParaRPr lang="en-US" altLang="zh-CN" sz="1600" b="1" dirty="0">
               <a:solidFill>
@@ -16722,20 +17855,7 @@
                 <a:latin typeface="微软雅黑" panose="020B0503020204020204" pitchFamily="34" charset="-122"/>
                 <a:ea typeface="微软雅黑" panose="020B0503020204020204" pitchFamily="34" charset="-122"/>
               </a:rPr>
-              <a:t>查询</a:t>
-            </a:r>
-            <a:r>
-              <a:rPr lang="zh-CN" altLang="en-US" sz="1600" b="1" dirty="0" smtClean="0">
-                <a:solidFill>
-                  <a:schemeClr val="tx1">
-                    <a:lumMod val="75000"/>
-                    <a:lumOff val="25000"/>
-                  </a:schemeClr>
-                </a:solidFill>
-                <a:latin typeface="微软雅黑" panose="020B0503020204020204" pitchFamily="34" charset="-122"/>
-                <a:ea typeface="微软雅黑" panose="020B0503020204020204" pitchFamily="34" charset="-122"/>
-              </a:rPr>
-              <a:t>修改用户</a:t>
+              <a:t>查询修改用户</a:t>
             </a:r>
             <a:endParaRPr lang="en-US" altLang="zh-CN" sz="1600" b="1" dirty="0">
               <a:solidFill>
@@ -16796,20 +17916,7 @@
                 <a:latin typeface="微软雅黑" panose="020B0503020204020204" pitchFamily="34" charset="-122"/>
                 <a:ea typeface="微软雅黑" panose="020B0503020204020204" pitchFamily="34" charset="-122"/>
               </a:rPr>
-              <a:t>增删</a:t>
-            </a:r>
-            <a:r>
-              <a:rPr lang="zh-CN" altLang="en-US" sz="1600" b="1" dirty="0" smtClean="0">
-                <a:solidFill>
-                  <a:schemeClr val="tx1">
-                    <a:lumMod val="75000"/>
-                    <a:lumOff val="25000"/>
-                  </a:schemeClr>
-                </a:solidFill>
-                <a:latin typeface="微软雅黑" panose="020B0503020204020204" pitchFamily="34" charset="-122"/>
-                <a:ea typeface="微软雅黑" panose="020B0503020204020204" pitchFamily="34" charset="-122"/>
-              </a:rPr>
-              <a:t>改运行计划</a:t>
+              <a:t>增删改运行计划</a:t>
             </a:r>
             <a:endParaRPr lang="en-US" altLang="zh-CN" sz="1600" b="1" dirty="0">
               <a:solidFill>
@@ -17282,16 +18389,6 @@
               </a:rPr>
               <a:t>主菜单</a:t>
             </a:r>
-            <a:endParaRPr lang="zh-CN" altLang="en-US" b="1" dirty="0">
-              <a:solidFill>
-                <a:schemeClr val="tx1">
-                  <a:lumMod val="75000"/>
-                  <a:lumOff val="25000"/>
-                </a:schemeClr>
-              </a:solidFill>
-              <a:latin typeface="微软雅黑" panose="020B0503020204020204" pitchFamily="34" charset="-122"/>
-              <a:ea typeface="微软雅黑" panose="020B0503020204020204" pitchFamily="34" charset="-122"/>
-            </a:endParaRPr>
           </a:p>
         </p:txBody>
       </p:sp>
@@ -18542,36 +19639,6 @@
           <a:xfrm>
             <a:off x="359262" y="858084"/>
             <a:ext cx="4724589" cy="2812489"/>
-          </a:xfrm>
-          <a:prstGeom prst="rect">
-            <a:avLst/>
-          </a:prstGeom>
-        </p:spPr>
-      </p:pic>
-      <p:pic>
-        <p:nvPicPr>
-          <p:cNvPr id="11" name="图片 10"/>
-          <p:cNvPicPr>
-            <a:picLocks noChangeAspect="1"/>
-          </p:cNvPicPr>
-          <p:nvPr/>
-        </p:nvPicPr>
-        <p:blipFill>
-          <a:blip r:embed="rId3" cstate="print">
-            <a:extLst>
-              <a:ext uri="{28A0092B-C50C-407E-A947-70E740481C1C}">
-                <a14:useLocalDpi xmlns:a14="http://schemas.microsoft.com/office/drawing/2010/main" val="0"/>
-              </a:ext>
-            </a:extLst>
-          </a:blip>
-          <a:stretch>
-            <a:fillRect/>
-          </a:stretch>
-        </p:blipFill>
-        <p:spPr>
-          <a:xfrm>
-            <a:off x="4344390" y="2139702"/>
-            <a:ext cx="4523637" cy="2697207"/>
           </a:xfrm>
           <a:prstGeom prst="rect">
             <a:avLst/>

--- a/Presentation/presentation.pptx
+++ b/Presentation/presentation.pptx
@@ -5350,16 +5350,6 @@
                 </a:rPr>
                 <a:t>在不同系统中均能正常运行</a:t>
               </a:r>
-              <a:endParaRPr lang="zh-CN" altLang="en-US" sz="1200" b="1" dirty="0">
-                <a:solidFill>
-                  <a:schemeClr val="tx1">
-                    <a:lumMod val="75000"/>
-                    <a:lumOff val="25000"/>
-                  </a:schemeClr>
-                </a:solidFill>
-                <a:latin typeface="微软雅黑" panose="020B0503020204020204" pitchFamily="34" charset="-122"/>
-                <a:ea typeface="微软雅黑" panose="020B0503020204020204" pitchFamily="34" charset="-122"/>
-              </a:endParaRPr>
             </a:p>
           </p:txBody>
         </p:sp>
@@ -9878,20 +9868,6 @@
               </a:rPr>
               <a:t>前后端</a:t>
             </a:r>
-            <a:endParaRPr lang="zh-CN" altLang="en-US" sz="2800" b="1" dirty="0">
-              <a:solidFill>
-                <a:schemeClr val="bg1"/>
-              </a:solidFill>
-              <a:effectLst>
-                <a:outerShdw blurRad="38100" dist="38100" dir="2700000" algn="tl">
-                  <a:srgbClr val="000000">
-                    <a:alpha val="43137"/>
-                  </a:srgbClr>
-                </a:outerShdw>
-              </a:effectLst>
-              <a:latin typeface="微软雅黑" panose="020B0503020204020204" pitchFamily="34" charset="-122"/>
-              <a:ea typeface="微软雅黑" panose="020B0503020204020204" pitchFamily="34" charset="-122"/>
-            </a:endParaRPr>
           </a:p>
         </p:txBody>
       </p:sp>
@@ -12477,20 +12453,7 @@
                 <a:latin typeface="微软雅黑" panose="020B0503020204020204" pitchFamily="34" charset="-122"/>
                 <a:ea typeface="微软雅黑" panose="020B0503020204020204" pitchFamily="34" charset="-122"/>
               </a:rPr>
-              <a:t>后端类的实现</a:t>
-            </a:r>
-            <a:r>
-              <a:rPr lang="zh-CN" altLang="en-US" sz="1600" b="1" dirty="0" smtClean="0">
-                <a:solidFill>
-                  <a:schemeClr val="tx1">
-                    <a:lumMod val="75000"/>
-                    <a:lumOff val="25000"/>
-                  </a:schemeClr>
-                </a:solidFill>
-                <a:latin typeface="微软雅黑" panose="020B0503020204020204" pitchFamily="34" charset="-122"/>
-                <a:ea typeface="微软雅黑" panose="020B0503020204020204" pitchFamily="34" charset="-122"/>
-              </a:rPr>
-              <a:t>（包括</a:t>
+              <a:t>后端类的实现（包括</a:t>
             </a:r>
             <a:r>
               <a:rPr lang="en-US" altLang="zh-CN" sz="1600" b="1" dirty="0" err="1" smtClean="0">
@@ -14650,24 +14613,7 @@
                 <a:latin typeface="微软雅黑" panose="020B0503020204020204" pitchFamily="34" charset="-122"/>
                 <a:ea typeface="微软雅黑" panose="020B0503020204020204" pitchFamily="34" charset="-122"/>
               </a:rPr>
-              <a:t>Time</a:t>
-            </a:r>
-            <a:r>
-              <a:rPr lang="en-US" altLang="zh-CN" sz="2000" b="1" dirty="0" err="1" smtClean="0">
-                <a:solidFill>
-                  <a:schemeClr val="bg1"/>
-                </a:solidFill>
-                <a:effectLst>
-                  <a:outerShdw blurRad="38100" dist="38100" dir="2700000" algn="tl">
-                    <a:srgbClr val="000000">
-                      <a:alpha val="43137"/>
-                    </a:srgbClr>
-                  </a:outerShdw>
-                </a:effectLst>
-                <a:latin typeface="微软雅黑" panose="020B0503020204020204" pitchFamily="34" charset="-122"/>
-                <a:ea typeface="微软雅黑" panose="020B0503020204020204" pitchFamily="34" charset="-122"/>
-              </a:rPr>
-              <a:t>.h</a:t>
+              <a:t>Time.h</a:t>
             </a:r>
             <a:endParaRPr lang="zh-CN" altLang="en-US" sz="2000" b="1" dirty="0">
               <a:solidFill>
@@ -21607,7 +21553,7 @@
       </p:sp>
       <p:pic>
         <p:nvPicPr>
-          <p:cNvPr id="10" name="图片 9"/>
+          <p:cNvPr id="11" name="图片 10"/>
           <p:cNvPicPr>
             <a:picLocks noChangeAspect="1"/>
           </p:cNvPicPr>
@@ -21627,8 +21573,8 @@
         </p:blipFill>
         <p:spPr>
           <a:xfrm>
-            <a:off x="557263" y="1863925"/>
-            <a:ext cx="3352825" cy="1762138"/>
+            <a:off x="4542514" y="893384"/>
+            <a:ext cx="3357587" cy="1700225"/>
           </a:xfrm>
           <a:prstGeom prst="rect">
             <a:avLst/>
@@ -21637,7 +21583,7 @@
       </p:pic>
       <p:pic>
         <p:nvPicPr>
-          <p:cNvPr id="11" name="图片 10"/>
+          <p:cNvPr id="12" name="图片 11"/>
           <p:cNvPicPr>
             <a:picLocks noChangeAspect="1"/>
           </p:cNvPicPr>
@@ -21657,8 +21603,8 @@
         </p:blipFill>
         <p:spPr>
           <a:xfrm>
-            <a:off x="4542514" y="893384"/>
-            <a:ext cx="3357587" cy="1700225"/>
+            <a:off x="4949710" y="2906427"/>
+            <a:ext cx="2543194" cy="1862151"/>
           </a:xfrm>
           <a:prstGeom prst="rect">
             <a:avLst/>
@@ -21667,7 +21613,7 @@
       </p:pic>
       <p:pic>
         <p:nvPicPr>
-          <p:cNvPr id="12" name="图片 11"/>
+          <p:cNvPr id="13" name="图片 12"/>
           <p:cNvPicPr>
             <a:picLocks noChangeAspect="1"/>
           </p:cNvPicPr>
@@ -21687,8 +21633,8 @@
         </p:blipFill>
         <p:spPr>
           <a:xfrm>
-            <a:off x="4949710" y="2906427"/>
-            <a:ext cx="2543194" cy="1862151"/>
+            <a:off x="678730" y="1851670"/>
+            <a:ext cx="3324249" cy="1704987"/>
           </a:xfrm>
           <a:prstGeom prst="rect">
             <a:avLst/>

--- a/Presentation/presentation.pptx
+++ b/Presentation/presentation.pptx
@@ -5,7 +5,7 @@
     <p:sldMasterId id="2147483648" r:id="rId1"/>
   </p:sldMasterIdLst>
   <p:notesMasterIdLst>
-    <p:notesMasterId r:id="rId22"/>
+    <p:notesMasterId r:id="rId23"/>
   </p:notesMasterIdLst>
   <p:sldIdLst>
     <p:sldId id="256" r:id="rId2"/>
@@ -20,14 +20,15 @@
     <p:sldId id="284" r:id="rId11"/>
     <p:sldId id="262" r:id="rId12"/>
     <p:sldId id="269" r:id="rId13"/>
-    <p:sldId id="279" r:id="rId14"/>
-    <p:sldId id="263" r:id="rId15"/>
-    <p:sldId id="266" r:id="rId16"/>
-    <p:sldId id="280" r:id="rId17"/>
-    <p:sldId id="281" r:id="rId18"/>
-    <p:sldId id="282" r:id="rId19"/>
-    <p:sldId id="283" r:id="rId20"/>
-    <p:sldId id="273" r:id="rId21"/>
+    <p:sldId id="285" r:id="rId14"/>
+    <p:sldId id="279" r:id="rId15"/>
+    <p:sldId id="263" r:id="rId16"/>
+    <p:sldId id="266" r:id="rId17"/>
+    <p:sldId id="280" r:id="rId18"/>
+    <p:sldId id="281" r:id="rId19"/>
+    <p:sldId id="282" r:id="rId20"/>
+    <p:sldId id="283" r:id="rId21"/>
+    <p:sldId id="273" r:id="rId22"/>
   </p:sldIdLst>
   <p:sldSz cx="9144000" cy="5143500" type="screen16x9"/>
   <p:notesSz cx="6858000" cy="9144000"/>
@@ -561,7 +562,27 @@
           <a:p>
             <a:r>
               <a:rPr lang="zh-CN" altLang="en-US" dirty="0" smtClean="0"/>
-              <a:t>左边一列为用户，右边一列是管理员</a:t>
+              <a:t>左边一列为用户，右边一列是</a:t>
+            </a:r>
+            <a:r>
+              <a:rPr lang="zh-CN" altLang="en-US" dirty="0" smtClean="0"/>
+              <a:t>管理员，右侧的一列是管理员的功能，由于工期的限制，我们在</a:t>
+            </a:r>
+            <a:r>
+              <a:rPr lang="en-US" altLang="zh-CN" dirty="0" err="1" smtClean="0"/>
+              <a:t>ui</a:t>
+            </a:r>
+            <a:r>
+              <a:rPr lang="zh-CN" altLang="en-US" dirty="0" smtClean="0"/>
+              <a:t>和数据库上都做好了端口，但未用服务器连接完成，在演讲的最后我们会展示其</a:t>
+            </a:r>
+            <a:r>
+              <a:rPr lang="en-US" altLang="zh-CN" dirty="0" err="1" smtClean="0"/>
+              <a:t>ui</a:t>
+            </a:r>
+            <a:r>
+              <a:rPr lang="zh-CN" altLang="en-US" dirty="0" smtClean="0"/>
+              <a:t>部分的内容。</a:t>
             </a:r>
             <a:endParaRPr lang="zh-CN" altLang="en-US" dirty="0"/>
           </a:p>
@@ -594,6 +615,325 @@
     <p:extLst>
       <p:ext uri="{BB962C8B-B14F-4D97-AF65-F5344CB8AC3E}">
         <p14:creationId xmlns:p14="http://schemas.microsoft.com/office/powerpoint/2010/main" val="1307311327"/>
+      </p:ext>
+    </p:extLst>
+  </p:cSld>
+  <p:clrMapOvr>
+    <a:masterClrMapping/>
+  </p:clrMapOvr>
+</p:notes>
+</file>
+
+<file path=ppt/notesSlides/notesSlide2.xml><?xml version="1.0" encoding="utf-8"?>
+<p:notes xmlns:a="http://schemas.openxmlformats.org/drawingml/2006/main" xmlns:r="http://schemas.openxmlformats.org/officeDocument/2006/relationships" xmlns:p="http://schemas.openxmlformats.org/presentationml/2006/main">
+  <p:cSld>
+    <p:spTree>
+      <p:nvGrpSpPr>
+        <p:cNvPr id="1" name=""/>
+        <p:cNvGrpSpPr/>
+        <p:nvPr/>
+      </p:nvGrpSpPr>
+      <p:grpSpPr>
+        <a:xfrm>
+          <a:off x="0" y="0"/>
+          <a:ext cx="0" cy="0"/>
+          <a:chOff x="0" y="0"/>
+          <a:chExt cx="0" cy="0"/>
+        </a:xfrm>
+      </p:grpSpPr>
+      <p:sp>
+        <p:nvSpPr>
+          <p:cNvPr id="2" name="幻灯片图像占位符 1"/>
+          <p:cNvSpPr>
+            <a:spLocks noGrp="1" noRot="1" noChangeAspect="1"/>
+          </p:cNvSpPr>
+          <p:nvPr>
+            <p:ph type="sldImg"/>
+          </p:nvPr>
+        </p:nvSpPr>
+        <p:spPr/>
+      </p:sp>
+      <p:sp>
+        <p:nvSpPr>
+          <p:cNvPr id="3" name="备注占位符 2"/>
+          <p:cNvSpPr>
+            <a:spLocks noGrp="1"/>
+          </p:cNvSpPr>
+          <p:nvPr>
+            <p:ph type="body" idx="1"/>
+          </p:nvPr>
+        </p:nvSpPr>
+        <p:spPr/>
+        <p:txBody>
+          <a:bodyPr/>
+          <a:lstStyle/>
+          <a:p>
+            <a:endParaRPr lang="zh-CN" altLang="en-US" dirty="0"/>
+          </a:p>
+        </p:txBody>
+      </p:sp>
+      <p:sp>
+        <p:nvSpPr>
+          <p:cNvPr id="4" name="灯片编号占位符 3"/>
+          <p:cNvSpPr>
+            <a:spLocks noGrp="1"/>
+          </p:cNvSpPr>
+          <p:nvPr>
+            <p:ph type="sldNum" sz="quarter" idx="10"/>
+          </p:nvPr>
+        </p:nvSpPr>
+        <p:spPr/>
+        <p:txBody>
+          <a:bodyPr/>
+          <a:lstStyle/>
+          <a:p>
+            <a:fld id="{211336F0-A849-4C36-B24A-3009716B13CE}" type="slidenum">
+              <a:rPr lang="zh-CN" altLang="en-US" smtClean="0"/>
+              <a:t>12</a:t>
+            </a:fld>
+            <a:endParaRPr lang="zh-CN" altLang="en-US"/>
+          </a:p>
+        </p:txBody>
+      </p:sp>
+    </p:spTree>
+    <p:extLst>
+      <p:ext uri="{BB962C8B-B14F-4D97-AF65-F5344CB8AC3E}">
+        <p14:creationId xmlns:p14="http://schemas.microsoft.com/office/powerpoint/2010/main" val="1503537344"/>
+      </p:ext>
+    </p:extLst>
+  </p:cSld>
+  <p:clrMapOvr>
+    <a:masterClrMapping/>
+  </p:clrMapOvr>
+</p:notes>
+</file>
+
+<file path=ppt/notesSlides/notesSlide3.xml><?xml version="1.0" encoding="utf-8"?>
+<p:notes xmlns:a="http://schemas.openxmlformats.org/drawingml/2006/main" xmlns:r="http://schemas.openxmlformats.org/officeDocument/2006/relationships" xmlns:p="http://schemas.openxmlformats.org/presentationml/2006/main">
+  <p:cSld>
+    <p:spTree>
+      <p:nvGrpSpPr>
+        <p:cNvPr id="1" name=""/>
+        <p:cNvGrpSpPr/>
+        <p:nvPr/>
+      </p:nvGrpSpPr>
+      <p:grpSpPr>
+        <a:xfrm>
+          <a:off x="0" y="0"/>
+          <a:ext cx="0" cy="0"/>
+          <a:chOff x="0" y="0"/>
+          <a:chExt cx="0" cy="0"/>
+        </a:xfrm>
+      </p:grpSpPr>
+      <p:sp>
+        <p:nvSpPr>
+          <p:cNvPr id="2" name="幻灯片图像占位符 1"/>
+          <p:cNvSpPr>
+            <a:spLocks noGrp="1" noRot="1" noChangeAspect="1"/>
+          </p:cNvSpPr>
+          <p:nvPr>
+            <p:ph type="sldImg"/>
+          </p:nvPr>
+        </p:nvSpPr>
+        <p:spPr/>
+      </p:sp>
+      <p:sp>
+        <p:nvSpPr>
+          <p:cNvPr id="3" name="备注占位符 2"/>
+          <p:cNvSpPr>
+            <a:spLocks noGrp="1"/>
+          </p:cNvSpPr>
+          <p:nvPr>
+            <p:ph type="body" idx="1"/>
+          </p:nvPr>
+        </p:nvSpPr>
+        <p:spPr/>
+        <p:txBody>
+          <a:bodyPr/>
+          <a:lstStyle/>
+          <a:p>
+            <a:r>
+              <a:rPr lang="zh-CN" altLang="en-US" dirty="0" smtClean="0"/>
+              <a:t>类设计：后端共五个类，</a:t>
+            </a:r>
+            <a:r>
+              <a:rPr lang="en-US" altLang="zh-CN" dirty="0" smtClean="0"/>
+              <a:t>User</a:t>
+            </a:r>
+            <a:r>
+              <a:rPr lang="zh-CN" altLang="en-US" dirty="0" smtClean="0"/>
+              <a:t>，</a:t>
+            </a:r>
+            <a:r>
+              <a:rPr lang="en-US" altLang="zh-CN" dirty="0" smtClean="0"/>
+              <a:t>Account</a:t>
+            </a:r>
+            <a:r>
+              <a:rPr lang="zh-CN" altLang="en-US" dirty="0" smtClean="0"/>
+              <a:t>，</a:t>
+            </a:r>
+            <a:r>
+              <a:rPr lang="en-US" altLang="zh-CN" dirty="0" smtClean="0"/>
+              <a:t>Station</a:t>
+            </a:r>
+            <a:r>
+              <a:rPr lang="zh-CN" altLang="en-US" dirty="0" smtClean="0"/>
+              <a:t>，</a:t>
+            </a:r>
+            <a:r>
+              <a:rPr lang="en-US" altLang="zh-CN" dirty="0" smtClean="0"/>
+              <a:t>Train</a:t>
+            </a:r>
+            <a:r>
+              <a:rPr lang="zh-CN" altLang="en-US" dirty="0" smtClean="0"/>
+              <a:t>和</a:t>
+            </a:r>
+            <a:r>
+              <a:rPr lang="en-US" altLang="zh-CN" dirty="0" smtClean="0"/>
+              <a:t>Log</a:t>
+            </a:r>
+          </a:p>
+          <a:p>
+            <a:r>
+              <a:rPr lang="zh-CN" altLang="en-US" dirty="0" smtClean="0"/>
+              <a:t>其中</a:t>
+            </a:r>
+            <a:r>
+              <a:rPr lang="en-US" altLang="zh-CN" dirty="0" smtClean="0"/>
+              <a:t>Log</a:t>
+            </a:r>
+            <a:r>
+              <a:rPr lang="zh-CN" altLang="en-US" dirty="0" smtClean="0"/>
+              <a:t>用于管理日志信息；</a:t>
+            </a:r>
+            <a:endParaRPr lang="en-US" altLang="zh-CN" dirty="0" smtClean="0"/>
+          </a:p>
+          <a:p>
+            <a:r>
+              <a:rPr lang="en-US" altLang="zh-CN" dirty="0" smtClean="0"/>
+              <a:t>Train</a:t>
+            </a:r>
+            <a:r>
+              <a:rPr lang="zh-CN" altLang="en-US" dirty="0" smtClean="0"/>
+              <a:t>类：包含车次信息</a:t>
+            </a:r>
+          </a:p>
+          <a:p>
+            <a:endParaRPr lang="zh-CN" altLang="en-US" dirty="0"/>
+          </a:p>
+        </p:txBody>
+      </p:sp>
+      <p:sp>
+        <p:nvSpPr>
+          <p:cNvPr id="4" name="灯片编号占位符 3"/>
+          <p:cNvSpPr>
+            <a:spLocks noGrp="1"/>
+          </p:cNvSpPr>
+          <p:nvPr>
+            <p:ph type="sldNum" sz="quarter" idx="10"/>
+          </p:nvPr>
+        </p:nvSpPr>
+        <p:spPr/>
+        <p:txBody>
+          <a:bodyPr/>
+          <a:lstStyle/>
+          <a:p>
+            <a:fld id="{211336F0-A849-4C36-B24A-3009716B13CE}" type="slidenum">
+              <a:rPr lang="zh-CN" altLang="en-US" smtClean="0"/>
+              <a:t>13</a:t>
+            </a:fld>
+            <a:endParaRPr lang="zh-CN" altLang="en-US"/>
+          </a:p>
+        </p:txBody>
+      </p:sp>
+    </p:spTree>
+    <p:extLst>
+      <p:ext uri="{BB962C8B-B14F-4D97-AF65-F5344CB8AC3E}">
+        <p14:creationId xmlns:p14="http://schemas.microsoft.com/office/powerpoint/2010/main" val="3705086181"/>
+      </p:ext>
+    </p:extLst>
+  </p:cSld>
+  <p:clrMapOvr>
+    <a:masterClrMapping/>
+  </p:clrMapOvr>
+</p:notes>
+</file>
+
+<file path=ppt/notesSlides/notesSlide4.xml><?xml version="1.0" encoding="utf-8"?>
+<p:notes xmlns:a="http://schemas.openxmlformats.org/drawingml/2006/main" xmlns:r="http://schemas.openxmlformats.org/officeDocument/2006/relationships" xmlns:p="http://schemas.openxmlformats.org/presentationml/2006/main">
+  <p:cSld>
+    <p:spTree>
+      <p:nvGrpSpPr>
+        <p:cNvPr id="1" name=""/>
+        <p:cNvGrpSpPr/>
+        <p:nvPr/>
+      </p:nvGrpSpPr>
+      <p:grpSpPr>
+        <a:xfrm>
+          <a:off x="0" y="0"/>
+          <a:ext cx="0" cy="0"/>
+          <a:chOff x="0" y="0"/>
+          <a:chExt cx="0" cy="0"/>
+        </a:xfrm>
+      </p:grpSpPr>
+      <p:sp>
+        <p:nvSpPr>
+          <p:cNvPr id="2" name="幻灯片图像占位符 1"/>
+          <p:cNvSpPr>
+            <a:spLocks noGrp="1" noRot="1" noChangeAspect="1"/>
+          </p:cNvSpPr>
+          <p:nvPr>
+            <p:ph type="sldImg"/>
+          </p:nvPr>
+        </p:nvSpPr>
+        <p:spPr/>
+      </p:sp>
+      <p:sp>
+        <p:nvSpPr>
+          <p:cNvPr id="3" name="备注占位符 2"/>
+          <p:cNvSpPr>
+            <a:spLocks noGrp="1"/>
+          </p:cNvSpPr>
+          <p:nvPr>
+            <p:ph type="body" idx="1"/>
+          </p:nvPr>
+        </p:nvSpPr>
+        <p:spPr/>
+        <p:txBody>
+          <a:bodyPr/>
+          <a:lstStyle/>
+          <a:p>
+            <a:endParaRPr lang="zh-CN" altLang="en-US" dirty="0"/>
+          </a:p>
+        </p:txBody>
+      </p:sp>
+      <p:sp>
+        <p:nvSpPr>
+          <p:cNvPr id="4" name="灯片编号占位符 3"/>
+          <p:cNvSpPr>
+            <a:spLocks noGrp="1"/>
+          </p:cNvSpPr>
+          <p:nvPr>
+            <p:ph type="sldNum" sz="quarter" idx="10"/>
+          </p:nvPr>
+        </p:nvSpPr>
+        <p:spPr/>
+        <p:txBody>
+          <a:bodyPr/>
+          <a:lstStyle/>
+          <a:p>
+            <a:fld id="{211336F0-A849-4C36-B24A-3009716B13CE}" type="slidenum">
+              <a:rPr lang="zh-CN" altLang="en-US" smtClean="0"/>
+              <a:t>14</a:t>
+            </a:fld>
+            <a:endParaRPr lang="zh-CN" altLang="en-US"/>
+          </a:p>
+        </p:txBody>
+      </p:sp>
+    </p:spTree>
+    <p:extLst>
+      <p:ext uri="{BB962C8B-B14F-4D97-AF65-F5344CB8AC3E}">
+        <p14:creationId xmlns:p14="http://schemas.microsoft.com/office/powerpoint/2010/main" val="1426457076"/>
       </p:ext>
     </p:extLst>
   </p:cSld>
@@ -4836,7 +5176,7 @@
         <p:spPr>
           <a:xfrm>
             <a:off x="822410" y="1787659"/>
-            <a:ext cx="3672408" cy="336695"/>
+            <a:ext cx="3672408" cy="646331"/>
           </a:xfrm>
           <a:prstGeom prst="rect">
             <a:avLst/>
@@ -4867,7 +5207,52 @@
                 <a:latin typeface="微软雅黑" panose="020B0503020204020204" pitchFamily="34" charset="-122"/>
                 <a:ea typeface="微软雅黑" panose="020B0503020204020204" pitchFamily="34" charset="-122"/>
               </a:rPr>
-              <a:t>窗口拖拽大小不影响组件相对位置</a:t>
+              <a:t>不同分辨率屏幕的测试</a:t>
+            </a:r>
+            <a:endParaRPr lang="en-US" altLang="zh-CN" sz="1200" b="1" dirty="0" smtClean="0">
+              <a:solidFill>
+                <a:schemeClr val="tx1">
+                  <a:lumMod val="75000"/>
+                  <a:lumOff val="25000"/>
+                </a:schemeClr>
+              </a:solidFill>
+              <a:latin typeface="微软雅黑" panose="020B0503020204020204" pitchFamily="34" charset="-122"/>
+              <a:ea typeface="微软雅黑" panose="020B0503020204020204" pitchFamily="34" charset="-122"/>
+            </a:endParaRPr>
+          </a:p>
+          <a:p>
+            <a:pPr marL="285750" lvl="0" indent="-285750">
+              <a:lnSpc>
+                <a:spcPct val="150000"/>
+              </a:lnSpc>
+              <a:buFont typeface="Arial" panose="020B0604020202020204" pitchFamily="34" charset="0"/>
+              <a:buChar char="•"/>
+            </a:pPr>
+            <a:r>
+              <a:rPr lang="zh-CN" altLang="en-US" sz="1200" b="1" dirty="0" smtClean="0">
+                <a:solidFill>
+                  <a:schemeClr val="tx1">
+                    <a:lumMod val="75000"/>
+                    <a:lumOff val="25000"/>
+                  </a:schemeClr>
+                </a:solidFill>
+                <a:latin typeface="微软雅黑" panose="020B0503020204020204" pitchFamily="34" charset="-122"/>
+                <a:ea typeface="微软雅黑" panose="020B0503020204020204" pitchFamily="34" charset="-122"/>
+              </a:rPr>
+              <a:t>窗口</a:t>
+            </a:r>
+            <a:r>
+              <a:rPr lang="zh-CN" altLang="en-US" sz="1200" b="1" dirty="0" smtClean="0">
+                <a:solidFill>
+                  <a:schemeClr val="tx1">
+                    <a:lumMod val="75000"/>
+                    <a:lumOff val="25000"/>
+                  </a:schemeClr>
+                </a:solidFill>
+                <a:latin typeface="微软雅黑" panose="020B0503020204020204" pitchFamily="34" charset="-122"/>
+                <a:ea typeface="微软雅黑" panose="020B0503020204020204" pitchFamily="34" charset="-122"/>
+              </a:rPr>
+              <a:t>拖拽大小不影响组件相对位置</a:t>
             </a:r>
             <a:endParaRPr lang="en-US" altLang="zh-CN" sz="1200" b="1" dirty="0" smtClean="0">
               <a:solidFill>
@@ -5302,10 +5687,10 @@
         </p:nvGrpSpPr>
         <p:grpSpPr>
           <a:xfrm>
-            <a:off x="827584" y="3291830"/>
-            <a:ext cx="3672408" cy="908672"/>
+            <a:off x="827584" y="3153642"/>
+            <a:ext cx="3672408" cy="1218308"/>
             <a:chOff x="974810" y="3225650"/>
-            <a:chExt cx="3672408" cy="908672"/>
+            <a:chExt cx="3672408" cy="1218308"/>
           </a:xfrm>
         </p:grpSpPr>
         <p:sp>
@@ -5317,7 +5702,7 @@
           <p:spPr>
             <a:xfrm>
               <a:off x="974810" y="3797627"/>
-              <a:ext cx="3672408" cy="336695"/>
+              <a:ext cx="3672408" cy="646331"/>
             </a:xfrm>
             <a:prstGeom prst="rect">
               <a:avLst/>
@@ -5338,6 +5723,51 @@
                 <a:buChar char="•"/>
               </a:pPr>
               <a:r>
+                <a:rPr lang="zh-CN" altLang="en-US" sz="1200" b="1" dirty="0" smtClean="0">
+                  <a:solidFill>
+                    <a:schemeClr val="tx1">
+                      <a:lumMod val="75000"/>
+                      <a:lumOff val="25000"/>
+                    </a:schemeClr>
+                  </a:solidFill>
+                  <a:latin typeface="微软雅黑" panose="020B0503020204020204" pitchFamily="34" charset="-122"/>
+                  <a:ea typeface="微软雅黑" panose="020B0503020204020204" pitchFamily="34" charset="-122"/>
+                </a:rPr>
+                <a:t>跨平台的开发过程</a:t>
+              </a:r>
+              <a:endParaRPr lang="en-US" altLang="zh-CN" sz="1200" b="1" dirty="0" smtClean="0">
+                <a:solidFill>
+                  <a:schemeClr val="tx1">
+                    <a:lumMod val="75000"/>
+                    <a:lumOff val="25000"/>
+                  </a:schemeClr>
+                </a:solidFill>
+                <a:latin typeface="微软雅黑" panose="020B0503020204020204" pitchFamily="34" charset="-122"/>
+                <a:ea typeface="微软雅黑" panose="020B0503020204020204" pitchFamily="34" charset="-122"/>
+              </a:endParaRPr>
+            </a:p>
+            <a:p>
+              <a:pPr marL="285750" lvl="0" indent="-285750">
+                <a:lnSpc>
+                  <a:spcPct val="150000"/>
+                </a:lnSpc>
+                <a:buFont typeface="Arial" panose="020B0604020202020204" pitchFamily="34" charset="0"/>
+                <a:buChar char="•"/>
+              </a:pPr>
+              <a:r>
+                <a:rPr lang="zh-CN" altLang="en-US" sz="1200" b="1" dirty="0" smtClean="0">
+                  <a:solidFill>
+                    <a:schemeClr val="tx1">
+                      <a:lumMod val="75000"/>
+                      <a:lumOff val="25000"/>
+                    </a:schemeClr>
+                  </a:solidFill>
+                  <a:latin typeface="微软雅黑" panose="020B0503020204020204" pitchFamily="34" charset="-122"/>
+                  <a:ea typeface="微软雅黑" panose="020B0503020204020204" pitchFamily="34" charset="-122"/>
+                </a:rPr>
+                <a:t>在</a:t>
+              </a:r>
+              <a:r>
                 <a:rPr lang="zh-CN" altLang="en-US" sz="1200" b="1" dirty="0">
                   <a:solidFill>
                     <a:schemeClr val="tx1">
@@ -5348,7 +5778,7 @@
                   <a:latin typeface="微软雅黑" panose="020B0503020204020204" pitchFamily="34" charset="-122"/>
                   <a:ea typeface="微软雅黑" panose="020B0503020204020204" pitchFamily="34" charset="-122"/>
                 </a:rPr>
-                <a:t>在不同系统中均能正常运行</a:t>
+                <a:t>不同系统中均能正常运行</a:t>
               </a:r>
             </a:p>
           </p:txBody>
@@ -7536,6 +7966,57 @@
           </a:p>
         </p:txBody>
       </p:sp>
+      <p:sp>
+        <p:nvSpPr>
+          <p:cNvPr id="89" name="圆角矩形 88"/>
+          <p:cNvSpPr/>
+          <p:nvPr/>
+        </p:nvSpPr>
+        <p:spPr>
+          <a:xfrm>
+            <a:off x="287522" y="890272"/>
+            <a:ext cx="8594664" cy="3913726"/>
+          </a:xfrm>
+          <a:prstGeom prst="roundRect">
+            <a:avLst/>
+          </a:prstGeom>
+          <a:solidFill>
+            <a:schemeClr val="bg2"/>
+          </a:solidFill>
+          <a:ln>
+            <a:solidFill>
+              <a:schemeClr val="bg2"/>
+            </a:solidFill>
+          </a:ln>
+        </p:spPr>
+        <p:style>
+          <a:lnRef idx="2">
+            <a:schemeClr val="accent1">
+              <a:shade val="50000"/>
+            </a:schemeClr>
+          </a:lnRef>
+          <a:fillRef idx="1">
+            <a:schemeClr val="accent1"/>
+          </a:fillRef>
+          <a:effectRef idx="0">
+            <a:schemeClr val="accent1"/>
+          </a:effectRef>
+          <a:fontRef idx="minor">
+            <a:schemeClr val="lt1"/>
+          </a:fontRef>
+        </p:style>
+        <p:txBody>
+          <a:bodyPr rtlCol="0" anchor="ctr"/>
+          <a:lstStyle/>
+          <a:p>
+            <a:pPr algn="ctr"/>
+            <a:endParaRPr lang="zh-CN" altLang="en-US" b="1" dirty="0" smtClean="0">
+              <a:latin typeface="微软雅黑" panose="020B0503020204020204" pitchFamily="34" charset="-122"/>
+              <a:ea typeface="微软雅黑" panose="020B0503020204020204" pitchFamily="34" charset="-122"/>
+            </a:endParaRPr>
+          </a:p>
+        </p:txBody>
+      </p:sp>
       <p:cxnSp>
         <p:nvCxnSpPr>
           <p:cNvPr id="3" name="直接连接符 2"/>
@@ -7613,6 +8094,1347 @@
                 <a:ea typeface="微软雅黑" panose="020B0503020204020204" pitchFamily="34" charset="-122"/>
               </a:rPr>
               <a:t>02</a:t>
+            </a:r>
+            <a:endParaRPr lang="zh-CN" altLang="zh-CN" sz="2000" b="1" dirty="0">
+              <a:solidFill>
+                <a:schemeClr val="tx1">
+                  <a:lumMod val="75000"/>
+                  <a:lumOff val="25000"/>
+                </a:schemeClr>
+              </a:solidFill>
+              <a:latin typeface="微软雅黑" panose="020B0503020204020204" pitchFamily="34" charset="-122"/>
+              <a:ea typeface="微软雅黑" panose="020B0503020204020204" pitchFamily="34" charset="-122"/>
+            </a:endParaRPr>
+          </a:p>
+        </p:txBody>
+      </p:sp>
+      <p:cxnSp>
+        <p:nvCxnSpPr>
+          <p:cNvPr id="5" name="直接连接符 4"/>
+          <p:cNvCxnSpPr/>
+          <p:nvPr/>
+        </p:nvCxnSpPr>
+        <p:spPr bwMode="auto">
+          <a:xfrm flipV="1">
+            <a:off x="1069938" y="282019"/>
+            <a:ext cx="0" cy="288032"/>
+          </a:xfrm>
+          <a:prstGeom prst="line">
+            <a:avLst/>
+          </a:prstGeom>
+          <a:ln w="19050">
+            <a:solidFill>
+              <a:schemeClr val="tx1">
+                <a:lumMod val="65000"/>
+                <a:lumOff val="35000"/>
+              </a:schemeClr>
+            </a:solidFill>
+          </a:ln>
+          <a:effectLst>
+            <a:outerShdw blurRad="12700" dist="12700" dir="5400000" algn="t" rotWithShape="0">
+              <a:schemeClr val="bg1"/>
+            </a:outerShdw>
+          </a:effectLst>
+        </p:spPr>
+        <p:style>
+          <a:lnRef idx="1">
+            <a:schemeClr val="accent1"/>
+          </a:lnRef>
+          <a:fillRef idx="0">
+            <a:schemeClr val="accent1"/>
+          </a:fillRef>
+          <a:effectRef idx="0">
+            <a:schemeClr val="accent1"/>
+          </a:effectRef>
+          <a:fontRef idx="minor">
+            <a:schemeClr val="tx1"/>
+          </a:fontRef>
+        </p:style>
+      </p:cxnSp>
+      <p:sp>
+        <p:nvSpPr>
+          <p:cNvPr id="6" name="TextBox 4"/>
+          <p:cNvSpPr txBox="1"/>
+          <p:nvPr/>
+        </p:nvSpPr>
+        <p:spPr>
+          <a:xfrm>
+            <a:off x="1083644" y="241369"/>
+            <a:ext cx="2304256" cy="369332"/>
+          </a:xfrm>
+          <a:prstGeom prst="rect">
+            <a:avLst/>
+          </a:prstGeom>
+          <a:noFill/>
+        </p:spPr>
+        <p:txBody>
+          <a:bodyPr wrap="square" rtlCol="0">
+            <a:spAutoFit/>
+          </a:bodyPr>
+          <a:lstStyle/>
+          <a:p>
+            <a:r>
+              <a:rPr lang="zh-CN" altLang="en-US" b="1" dirty="0">
+                <a:solidFill>
+                  <a:schemeClr val="tx1">
+                    <a:lumMod val="75000"/>
+                    <a:lumOff val="25000"/>
+                  </a:schemeClr>
+                </a:solidFill>
+                <a:latin typeface="微软雅黑" panose="020B0503020204020204" pitchFamily="34" charset="-122"/>
+                <a:ea typeface="微软雅黑" panose="020B0503020204020204" pitchFamily="34" charset="-122"/>
+              </a:rPr>
+              <a:t>利用</a:t>
+            </a:r>
+            <a:r>
+              <a:rPr lang="en-US" altLang="zh-CN" b="1" dirty="0">
+                <a:solidFill>
+                  <a:schemeClr val="tx1">
+                    <a:lumMod val="75000"/>
+                    <a:lumOff val="25000"/>
+                  </a:schemeClr>
+                </a:solidFill>
+                <a:latin typeface="微软雅黑" panose="020B0503020204020204" pitchFamily="34" charset="-122"/>
+                <a:ea typeface="微软雅黑" panose="020B0503020204020204" pitchFamily="34" charset="-122"/>
+              </a:rPr>
+              <a:t>map</a:t>
+            </a:r>
+            <a:r>
+              <a:rPr lang="zh-CN" altLang="en-US" b="1" dirty="0">
+                <a:solidFill>
+                  <a:schemeClr val="tx1">
+                    <a:lumMod val="75000"/>
+                    <a:lumOff val="25000"/>
+                  </a:schemeClr>
+                </a:solidFill>
+                <a:latin typeface="微软雅黑" panose="020B0503020204020204" pitchFamily="34" charset="-122"/>
+                <a:ea typeface="微软雅黑" panose="020B0503020204020204" pitchFamily="34" charset="-122"/>
+              </a:rPr>
+              <a:t>实现映射</a:t>
+            </a:r>
+            <a:endParaRPr lang="zh-CN" altLang="en-US" b="1" dirty="0">
+              <a:solidFill>
+                <a:schemeClr val="tx1">
+                  <a:lumMod val="75000"/>
+                  <a:lumOff val="25000"/>
+                </a:schemeClr>
+              </a:solidFill>
+              <a:latin typeface="微软雅黑" panose="020B0503020204020204" pitchFamily="34" charset="-122"/>
+              <a:ea typeface="微软雅黑" panose="020B0503020204020204" pitchFamily="34" charset="-122"/>
+            </a:endParaRPr>
+          </a:p>
+        </p:txBody>
+      </p:sp>
+      <p:sp>
+        <p:nvSpPr>
+          <p:cNvPr id="7" name="TextBox 5"/>
+          <p:cNvSpPr txBox="1"/>
+          <p:nvPr/>
+        </p:nvSpPr>
+        <p:spPr>
+          <a:xfrm>
+            <a:off x="7370018" y="-35631"/>
+            <a:ext cx="1512168" cy="923330"/>
+          </a:xfrm>
+          <a:prstGeom prst="rect">
+            <a:avLst/>
+          </a:prstGeom>
+          <a:noFill/>
+          <a:effectLst>
+            <a:outerShdw blurRad="50800" dist="38100" dir="5400000" algn="t" rotWithShape="0">
+              <a:prstClr val="black">
+                <a:alpha val="40000"/>
+              </a:prstClr>
+            </a:outerShdw>
+          </a:effectLst>
+        </p:spPr>
+        <p:txBody>
+          <a:bodyPr wrap="square" rtlCol="0">
+            <a:spAutoFit/>
+          </a:bodyPr>
+          <a:lstStyle/>
+          <a:p>
+            <a:pPr lvl="0" algn="dist"/>
+            <a:r>
+              <a:rPr lang="en-US" altLang="zh-CN" sz="5400" b="1" dirty="0" smtClean="0">
+                <a:solidFill>
+                  <a:srgbClr val="05AFC8"/>
+                </a:solidFill>
+                <a:latin typeface="微软雅黑" panose="020B0503020204020204" pitchFamily="34" charset="-122"/>
+                <a:ea typeface="微软雅黑" panose="020B0503020204020204" pitchFamily="34" charset="-122"/>
+              </a:rPr>
+              <a:t>·</a:t>
+            </a:r>
+            <a:r>
+              <a:rPr lang="en-US" altLang="zh-CN" sz="5400" b="1" dirty="0" smtClean="0">
+                <a:solidFill>
+                  <a:schemeClr val="tx1">
+                    <a:lumMod val="75000"/>
+                    <a:lumOff val="25000"/>
+                  </a:schemeClr>
+                </a:solidFill>
+                <a:latin typeface="微软雅黑" panose="020B0503020204020204" pitchFamily="34" charset="-122"/>
+                <a:ea typeface="微软雅黑" panose="020B0503020204020204" pitchFamily="34" charset="-122"/>
+              </a:rPr>
+              <a:t> </a:t>
+            </a:r>
+            <a:r>
+              <a:rPr lang="en-US" altLang="zh-CN" sz="5400" b="1" dirty="0" smtClean="0">
+                <a:solidFill>
+                  <a:srgbClr val="FFC000"/>
+                </a:solidFill>
+                <a:latin typeface="微软雅黑" panose="020B0503020204020204" pitchFamily="34" charset="-122"/>
+                <a:ea typeface="微软雅黑" panose="020B0503020204020204" pitchFamily="34" charset="-122"/>
+              </a:rPr>
+              <a:t>·</a:t>
+            </a:r>
+            <a:r>
+              <a:rPr lang="en-US" altLang="zh-CN" sz="5400" b="1" dirty="0" smtClean="0">
+                <a:solidFill>
+                  <a:schemeClr val="tx1">
+                    <a:lumMod val="75000"/>
+                    <a:lumOff val="25000"/>
+                  </a:schemeClr>
+                </a:solidFill>
+                <a:latin typeface="微软雅黑" panose="020B0503020204020204" pitchFamily="34" charset="-122"/>
+                <a:ea typeface="微软雅黑" panose="020B0503020204020204" pitchFamily="34" charset="-122"/>
+              </a:rPr>
+              <a:t> </a:t>
+            </a:r>
+            <a:r>
+              <a:rPr lang="en-US" altLang="zh-CN" sz="5400" b="1" dirty="0" smtClean="0">
+                <a:solidFill>
+                  <a:srgbClr val="FA4453"/>
+                </a:solidFill>
+                <a:latin typeface="微软雅黑" panose="020B0503020204020204" pitchFamily="34" charset="-122"/>
+                <a:ea typeface="微软雅黑" panose="020B0503020204020204" pitchFamily="34" charset="-122"/>
+              </a:rPr>
+              <a:t>·</a:t>
+            </a:r>
+            <a:endParaRPr lang="zh-CN" altLang="zh-CN" sz="5400" b="1" dirty="0">
+              <a:solidFill>
+                <a:srgbClr val="FA4453"/>
+              </a:solidFill>
+              <a:latin typeface="微软雅黑" panose="020B0503020204020204" pitchFamily="34" charset="-122"/>
+              <a:ea typeface="微软雅黑" panose="020B0503020204020204" pitchFamily="34" charset="-122"/>
+            </a:endParaRPr>
+          </a:p>
+        </p:txBody>
+      </p:sp>
+      <p:sp>
+        <p:nvSpPr>
+          <p:cNvPr id="13" name="矩形 12"/>
+          <p:cNvSpPr/>
+          <p:nvPr/>
+        </p:nvSpPr>
+        <p:spPr>
+          <a:xfrm>
+            <a:off x="0" y="5092031"/>
+            <a:ext cx="9144000" cy="144016"/>
+          </a:xfrm>
+          <a:prstGeom prst="rect">
+            <a:avLst/>
+          </a:prstGeom>
+          <a:solidFill>
+            <a:srgbClr val="FFC000"/>
+          </a:solidFill>
+          <a:ln>
+            <a:noFill/>
+          </a:ln>
+          <a:effectLst>
+            <a:outerShdw blurRad="50800" dist="38100" dir="5400000" algn="t" rotWithShape="0">
+              <a:prstClr val="black">
+                <a:alpha val="40000"/>
+              </a:prstClr>
+            </a:outerShdw>
+          </a:effectLst>
+        </p:spPr>
+        <p:style>
+          <a:lnRef idx="2">
+            <a:schemeClr val="accent1">
+              <a:shade val="50000"/>
+            </a:schemeClr>
+          </a:lnRef>
+          <a:fillRef idx="1">
+            <a:schemeClr val="accent1"/>
+          </a:fillRef>
+          <a:effectRef idx="0">
+            <a:schemeClr val="accent1"/>
+          </a:effectRef>
+          <a:fontRef idx="minor">
+            <a:schemeClr val="lt1"/>
+          </a:fontRef>
+        </p:style>
+        <p:txBody>
+          <a:bodyPr rtlCol="0" anchor="ctr"/>
+          <a:lstStyle/>
+          <a:p>
+            <a:pPr algn="ctr"/>
+            <a:endParaRPr lang="zh-CN" altLang="en-US"/>
+          </a:p>
+        </p:txBody>
+      </p:sp>
+      <p:sp>
+        <p:nvSpPr>
+          <p:cNvPr id="14" name="流程图: 合并 13"/>
+          <p:cNvSpPr/>
+          <p:nvPr/>
+        </p:nvSpPr>
+        <p:spPr>
+          <a:xfrm rot="16200000">
+            <a:off x="147158" y="281205"/>
+            <a:ext cx="360039" cy="240025"/>
+          </a:xfrm>
+          <a:prstGeom prst="flowChartMerge">
+            <a:avLst/>
+          </a:prstGeom>
+          <a:noFill/>
+          <a:ln w="6350">
+            <a:solidFill>
+              <a:schemeClr val="bg1">
+                <a:lumMod val="50000"/>
+              </a:schemeClr>
+            </a:solidFill>
+            <a:prstDash val="sysDash"/>
+          </a:ln>
+        </p:spPr>
+        <p:style>
+          <a:lnRef idx="2">
+            <a:schemeClr val="dk1"/>
+          </a:lnRef>
+          <a:fillRef idx="1">
+            <a:schemeClr val="lt1"/>
+          </a:fillRef>
+          <a:effectRef idx="0">
+            <a:schemeClr val="dk1"/>
+          </a:effectRef>
+          <a:fontRef idx="minor">
+            <a:schemeClr val="dk1"/>
+          </a:fontRef>
+        </p:style>
+        <p:txBody>
+          <a:bodyPr rtlCol="0" anchor="ctr"/>
+          <a:lstStyle/>
+          <a:p>
+            <a:pPr algn="ctr"/>
+            <a:endParaRPr lang="zh-CN" altLang="en-US"/>
+          </a:p>
+        </p:txBody>
+      </p:sp>
+      <p:sp>
+        <p:nvSpPr>
+          <p:cNvPr id="48" name="流程图: 联系 47"/>
+          <p:cNvSpPr>
+            <a:spLocks/>
+          </p:cNvSpPr>
+          <p:nvPr/>
+        </p:nvSpPr>
+        <p:spPr>
+          <a:xfrm>
+            <a:off x="435772" y="1072366"/>
+            <a:ext cx="1800000" cy="720000"/>
+          </a:xfrm>
+          <a:prstGeom prst="flowChartConnector">
+            <a:avLst/>
+          </a:prstGeom>
+          <a:solidFill>
+            <a:srgbClr val="FFC000"/>
+          </a:solidFill>
+          <a:ln>
+            <a:solidFill>
+              <a:srgbClr val="FFC000"/>
+            </a:solidFill>
+          </a:ln>
+        </p:spPr>
+        <p:style>
+          <a:lnRef idx="2">
+            <a:schemeClr val="accent1">
+              <a:shade val="50000"/>
+            </a:schemeClr>
+          </a:lnRef>
+          <a:fillRef idx="1">
+            <a:schemeClr val="accent1"/>
+          </a:fillRef>
+          <a:effectRef idx="0">
+            <a:schemeClr val="accent1"/>
+          </a:effectRef>
+          <a:fontRef idx="minor">
+            <a:schemeClr val="lt1"/>
+          </a:fontRef>
+        </p:style>
+        <p:txBody>
+          <a:bodyPr rtlCol="0" anchor="ctr"/>
+          <a:lstStyle/>
+          <a:p>
+            <a:pPr algn="ctr"/>
+            <a:r>
+              <a:rPr lang="en-US" altLang="zh-CN" b="1" dirty="0" smtClean="0">
+                <a:latin typeface="微软雅黑" panose="020B0503020204020204" pitchFamily="34" charset="-122"/>
+                <a:ea typeface="微软雅黑" panose="020B0503020204020204" pitchFamily="34" charset="-122"/>
+              </a:rPr>
+              <a:t>Train</a:t>
+            </a:r>
+            <a:endParaRPr lang="zh-CN" altLang="en-US" b="1" dirty="0">
+              <a:latin typeface="微软雅黑" panose="020B0503020204020204" pitchFamily="34" charset="-122"/>
+              <a:ea typeface="微软雅黑" panose="020B0503020204020204" pitchFamily="34" charset="-122"/>
+            </a:endParaRPr>
+          </a:p>
+        </p:txBody>
+      </p:sp>
+      <p:sp>
+        <p:nvSpPr>
+          <p:cNvPr id="49" name="流程图: 联系 48"/>
+          <p:cNvSpPr>
+            <a:spLocks/>
+          </p:cNvSpPr>
+          <p:nvPr/>
+        </p:nvSpPr>
+        <p:spPr>
+          <a:xfrm>
+            <a:off x="3685972" y="2384666"/>
+            <a:ext cx="1800000" cy="720000"/>
+          </a:xfrm>
+          <a:prstGeom prst="flowChartConnector">
+            <a:avLst/>
+          </a:prstGeom>
+          <a:solidFill>
+            <a:schemeClr val="bg2"/>
+          </a:solidFill>
+          <a:ln>
+            <a:solidFill>
+              <a:schemeClr val="bg2"/>
+            </a:solidFill>
+          </a:ln>
+        </p:spPr>
+        <p:style>
+          <a:lnRef idx="2">
+            <a:schemeClr val="accent1">
+              <a:shade val="50000"/>
+            </a:schemeClr>
+          </a:lnRef>
+          <a:fillRef idx="1">
+            <a:schemeClr val="accent1"/>
+          </a:fillRef>
+          <a:effectRef idx="0">
+            <a:schemeClr val="accent1"/>
+          </a:effectRef>
+          <a:fontRef idx="minor">
+            <a:schemeClr val="lt1"/>
+          </a:fontRef>
+        </p:style>
+        <p:txBody>
+          <a:bodyPr rtlCol="0" anchor="ctr"/>
+          <a:lstStyle/>
+          <a:p>
+            <a:pPr algn="ctr"/>
+            <a:r>
+              <a:rPr lang="en-US" altLang="zh-CN" b="1" dirty="0" smtClean="0">
+                <a:solidFill>
+                  <a:schemeClr val="accent1">
+                    <a:lumMod val="75000"/>
+                  </a:schemeClr>
+                </a:solidFill>
+                <a:latin typeface="微软雅黑" panose="020B0503020204020204" pitchFamily="34" charset="-122"/>
+                <a:ea typeface="微软雅黑" panose="020B0503020204020204" pitchFamily="34" charset="-122"/>
+              </a:rPr>
+              <a:t>Station</a:t>
+            </a:r>
+            <a:endParaRPr lang="zh-CN" altLang="en-US" b="1" dirty="0">
+              <a:solidFill>
+                <a:schemeClr val="accent1">
+                  <a:lumMod val="75000"/>
+                </a:schemeClr>
+              </a:solidFill>
+              <a:latin typeface="微软雅黑" panose="020B0503020204020204" pitchFamily="34" charset="-122"/>
+              <a:ea typeface="微软雅黑" panose="020B0503020204020204" pitchFamily="34" charset="-122"/>
+            </a:endParaRPr>
+          </a:p>
+        </p:txBody>
+      </p:sp>
+      <p:sp>
+        <p:nvSpPr>
+          <p:cNvPr id="51" name="流程图: 联系 50"/>
+          <p:cNvSpPr>
+            <a:spLocks/>
+          </p:cNvSpPr>
+          <p:nvPr/>
+        </p:nvSpPr>
+        <p:spPr>
+          <a:xfrm>
+            <a:off x="6538360" y="3696799"/>
+            <a:ext cx="1800000" cy="720000"/>
+          </a:xfrm>
+          <a:prstGeom prst="flowChartConnector">
+            <a:avLst/>
+          </a:prstGeom>
+          <a:solidFill>
+            <a:srgbClr val="FFC000"/>
+          </a:solidFill>
+          <a:ln>
+            <a:solidFill>
+              <a:srgbClr val="FFC000"/>
+            </a:solidFill>
+          </a:ln>
+        </p:spPr>
+        <p:style>
+          <a:lnRef idx="2">
+            <a:schemeClr val="accent1">
+              <a:shade val="50000"/>
+            </a:schemeClr>
+          </a:lnRef>
+          <a:fillRef idx="1">
+            <a:schemeClr val="accent1"/>
+          </a:fillRef>
+          <a:effectRef idx="0">
+            <a:schemeClr val="accent1"/>
+          </a:effectRef>
+          <a:fontRef idx="minor">
+            <a:schemeClr val="lt1"/>
+          </a:fontRef>
+        </p:style>
+        <p:txBody>
+          <a:bodyPr rtlCol="0" anchor="ctr"/>
+          <a:lstStyle/>
+          <a:p>
+            <a:pPr algn="ctr"/>
+            <a:r>
+              <a:rPr lang="en-US" altLang="zh-CN" b="1" dirty="0" smtClean="0">
+                <a:latin typeface="微软雅黑" panose="020B0503020204020204" pitchFamily="34" charset="-122"/>
+                <a:ea typeface="微软雅黑" panose="020B0503020204020204" pitchFamily="34" charset="-122"/>
+              </a:rPr>
+              <a:t>User</a:t>
+            </a:r>
+            <a:endParaRPr lang="zh-CN" altLang="en-US" b="1" dirty="0">
+              <a:latin typeface="微软雅黑" panose="020B0503020204020204" pitchFamily="34" charset="-122"/>
+              <a:ea typeface="微软雅黑" panose="020B0503020204020204" pitchFamily="34" charset="-122"/>
+            </a:endParaRPr>
+          </a:p>
+        </p:txBody>
+      </p:sp>
+      <p:sp>
+        <p:nvSpPr>
+          <p:cNvPr id="53" name="流程图: 联系 52"/>
+          <p:cNvSpPr>
+            <a:spLocks/>
+          </p:cNvSpPr>
+          <p:nvPr/>
+        </p:nvSpPr>
+        <p:spPr>
+          <a:xfrm>
+            <a:off x="435772" y="3670588"/>
+            <a:ext cx="1800000" cy="720000"/>
+          </a:xfrm>
+          <a:prstGeom prst="flowChartConnector">
+            <a:avLst/>
+          </a:prstGeom>
+          <a:solidFill>
+            <a:srgbClr val="FFC000"/>
+          </a:solidFill>
+          <a:ln>
+            <a:solidFill>
+              <a:srgbClr val="FFC000"/>
+            </a:solidFill>
+          </a:ln>
+        </p:spPr>
+        <p:style>
+          <a:lnRef idx="2">
+            <a:schemeClr val="accent1">
+              <a:shade val="50000"/>
+            </a:schemeClr>
+          </a:lnRef>
+          <a:fillRef idx="1">
+            <a:schemeClr val="accent1"/>
+          </a:fillRef>
+          <a:effectRef idx="0">
+            <a:schemeClr val="accent1"/>
+          </a:effectRef>
+          <a:fontRef idx="minor">
+            <a:schemeClr val="lt1"/>
+          </a:fontRef>
+        </p:style>
+        <p:txBody>
+          <a:bodyPr rtlCol="0" anchor="ctr"/>
+          <a:lstStyle/>
+          <a:p>
+            <a:pPr algn="ctr"/>
+            <a:r>
+              <a:rPr lang="en-US" altLang="zh-CN" b="1" dirty="0" smtClean="0">
+                <a:latin typeface="微软雅黑" panose="020B0503020204020204" pitchFamily="34" charset="-122"/>
+                <a:ea typeface="微软雅黑" panose="020B0503020204020204" pitchFamily="34" charset="-122"/>
+              </a:rPr>
+              <a:t>Log</a:t>
+            </a:r>
+            <a:endParaRPr lang="zh-CN" altLang="en-US" b="1" dirty="0">
+              <a:latin typeface="微软雅黑" panose="020B0503020204020204" pitchFamily="34" charset="-122"/>
+              <a:ea typeface="微软雅黑" panose="020B0503020204020204" pitchFamily="34" charset="-122"/>
+            </a:endParaRPr>
+          </a:p>
+        </p:txBody>
+      </p:sp>
+      <p:grpSp>
+        <p:nvGrpSpPr>
+          <p:cNvPr id="96" name="组合 95"/>
+          <p:cNvGrpSpPr/>
+          <p:nvPr/>
+        </p:nvGrpSpPr>
+        <p:grpSpPr>
+          <a:xfrm>
+            <a:off x="2204904" y="1662762"/>
+            <a:ext cx="2190125" cy="886554"/>
+            <a:chOff x="2204904" y="1662762"/>
+            <a:chExt cx="2190125" cy="886554"/>
+          </a:xfrm>
+        </p:grpSpPr>
+        <p:sp>
+          <p:nvSpPr>
+            <p:cNvPr id="59" name="文本框 58"/>
+            <p:cNvSpPr txBox="1"/>
+            <p:nvPr/>
+          </p:nvSpPr>
+          <p:spPr>
+            <a:xfrm rot="2056346">
+              <a:off x="2204904" y="1865140"/>
+              <a:ext cx="2190125" cy="276999"/>
+            </a:xfrm>
+            <a:prstGeom prst="rect">
+              <a:avLst/>
+            </a:prstGeom>
+            <a:noFill/>
+          </p:spPr>
+          <p:txBody>
+            <a:bodyPr wrap="square" rtlCol="0">
+              <a:spAutoFit/>
+            </a:bodyPr>
+            <a:lstStyle/>
+            <a:p>
+              <a:pPr algn="ctr"/>
+              <a:r>
+                <a:rPr lang="en-US" altLang="zh-CN" sz="1200" b="1" dirty="0">
+                  <a:latin typeface="微软雅黑" panose="020B0503020204020204" pitchFamily="34" charset="-122"/>
+                  <a:ea typeface="微软雅黑" panose="020B0503020204020204" pitchFamily="34" charset="-122"/>
+                </a:rPr>
+                <a:t>vector&lt;</a:t>
+              </a:r>
+              <a:r>
+                <a:rPr lang="en-US" altLang="zh-CN" sz="1200" b="1" dirty="0" err="1">
+                  <a:latin typeface="微软雅黑" panose="020B0503020204020204" pitchFamily="34" charset="-122"/>
+                  <a:ea typeface="微软雅黑" panose="020B0503020204020204" pitchFamily="34" charset="-122"/>
+                </a:rPr>
+                <a:t>stationName</a:t>
+              </a:r>
+              <a:r>
+                <a:rPr lang="en-US" altLang="zh-CN" sz="1200" b="1" dirty="0">
+                  <a:latin typeface="微软雅黑" panose="020B0503020204020204" pitchFamily="34" charset="-122"/>
+                  <a:ea typeface="微软雅黑" panose="020B0503020204020204" pitchFamily="34" charset="-122"/>
+                </a:rPr>
+                <a:t>&gt;</a:t>
+              </a:r>
+              <a:endParaRPr lang="zh-CN" altLang="en-US" sz="1200" b="1" dirty="0">
+                <a:latin typeface="微软雅黑" panose="020B0503020204020204" pitchFamily="34" charset="-122"/>
+                <a:ea typeface="微软雅黑" panose="020B0503020204020204" pitchFamily="34" charset="-122"/>
+              </a:endParaRPr>
+            </a:p>
+          </p:txBody>
+        </p:sp>
+        <p:cxnSp>
+          <p:nvCxnSpPr>
+            <p:cNvPr id="64" name="直接箭头连接符 63"/>
+            <p:cNvCxnSpPr/>
+            <p:nvPr/>
+          </p:nvCxnSpPr>
+          <p:spPr>
+            <a:xfrm>
+              <a:off x="2513735" y="1662762"/>
+              <a:ext cx="1310316" cy="886554"/>
+            </a:xfrm>
+            <a:prstGeom prst="straightConnector1">
+              <a:avLst/>
+            </a:prstGeom>
+            <a:ln>
+              <a:tailEnd type="triangle"/>
+            </a:ln>
+          </p:spPr>
+          <p:style>
+            <a:lnRef idx="1">
+              <a:schemeClr val="accent1"/>
+            </a:lnRef>
+            <a:fillRef idx="0">
+              <a:schemeClr val="accent1"/>
+            </a:fillRef>
+            <a:effectRef idx="0">
+              <a:schemeClr val="accent1"/>
+            </a:effectRef>
+            <a:fontRef idx="minor">
+              <a:schemeClr val="tx1"/>
+            </a:fontRef>
+          </p:style>
+        </p:cxnSp>
+      </p:grpSp>
+      <p:sp>
+        <p:nvSpPr>
+          <p:cNvPr id="70" name="流程图: 联系 69"/>
+          <p:cNvSpPr>
+            <a:spLocks/>
+          </p:cNvSpPr>
+          <p:nvPr/>
+        </p:nvSpPr>
+        <p:spPr>
+          <a:xfrm>
+            <a:off x="6785964" y="1741198"/>
+            <a:ext cx="1296000" cy="461660"/>
+          </a:xfrm>
+          <a:prstGeom prst="flowChartConnector">
+            <a:avLst/>
+          </a:prstGeom>
+          <a:solidFill>
+            <a:srgbClr val="FFD54F"/>
+          </a:solidFill>
+          <a:ln>
+            <a:solidFill>
+              <a:srgbClr val="FFD54F"/>
+            </a:solidFill>
+          </a:ln>
+        </p:spPr>
+        <p:style>
+          <a:lnRef idx="2">
+            <a:schemeClr val="accent1">
+              <a:shade val="50000"/>
+            </a:schemeClr>
+          </a:lnRef>
+          <a:fillRef idx="1">
+            <a:schemeClr val="accent1"/>
+          </a:fillRef>
+          <a:effectRef idx="0">
+            <a:schemeClr val="accent1"/>
+          </a:effectRef>
+          <a:fontRef idx="minor">
+            <a:schemeClr val="lt1"/>
+          </a:fontRef>
+        </p:style>
+        <p:txBody>
+          <a:bodyPr rtlCol="0" anchor="ctr"/>
+          <a:lstStyle/>
+          <a:p>
+            <a:pPr algn="ctr"/>
+            <a:r>
+              <a:rPr lang="en-US" altLang="zh-CN" b="1" dirty="0" smtClean="0">
+                <a:latin typeface="微软雅黑" panose="020B0503020204020204" pitchFamily="34" charset="-122"/>
+                <a:ea typeface="微软雅黑" panose="020B0503020204020204" pitchFamily="34" charset="-122"/>
+              </a:rPr>
+              <a:t>Ticket</a:t>
+            </a:r>
+          </a:p>
+        </p:txBody>
+      </p:sp>
+      <p:grpSp>
+        <p:nvGrpSpPr>
+          <p:cNvPr id="99" name="组合 98"/>
+          <p:cNvGrpSpPr/>
+          <p:nvPr/>
+        </p:nvGrpSpPr>
+        <p:grpSpPr>
+          <a:xfrm>
+            <a:off x="1779960" y="1818854"/>
+            <a:ext cx="2190125" cy="860448"/>
+            <a:chOff x="1779960" y="1818854"/>
+            <a:chExt cx="2190125" cy="860448"/>
+          </a:xfrm>
+        </p:grpSpPr>
+        <p:cxnSp>
+          <p:nvCxnSpPr>
+            <p:cNvPr id="61" name="直接箭头连接符 60"/>
+            <p:cNvCxnSpPr/>
+            <p:nvPr/>
+          </p:nvCxnSpPr>
+          <p:spPr>
+            <a:xfrm flipH="1" flipV="1">
+              <a:off x="2330113" y="1818854"/>
+              <a:ext cx="1293215" cy="860448"/>
+            </a:xfrm>
+            <a:prstGeom prst="straightConnector1">
+              <a:avLst/>
+            </a:prstGeom>
+            <a:ln>
+              <a:tailEnd type="triangle"/>
+            </a:ln>
+          </p:spPr>
+          <p:style>
+            <a:lnRef idx="1">
+              <a:schemeClr val="accent1"/>
+            </a:lnRef>
+            <a:fillRef idx="0">
+              <a:schemeClr val="accent1"/>
+            </a:fillRef>
+            <a:effectRef idx="0">
+              <a:schemeClr val="accent1"/>
+            </a:effectRef>
+            <a:fontRef idx="minor">
+              <a:schemeClr val="tx1"/>
+            </a:fontRef>
+          </p:style>
+        </p:cxnSp>
+        <p:sp>
+          <p:nvSpPr>
+            <p:cNvPr id="65" name="文本框 64"/>
+            <p:cNvSpPr txBox="1"/>
+            <p:nvPr/>
+          </p:nvSpPr>
+          <p:spPr>
+            <a:xfrm rot="2056346">
+              <a:off x="1779960" y="2212179"/>
+              <a:ext cx="2190125" cy="276999"/>
+            </a:xfrm>
+            <a:prstGeom prst="rect">
+              <a:avLst/>
+            </a:prstGeom>
+            <a:noFill/>
+          </p:spPr>
+          <p:txBody>
+            <a:bodyPr wrap="square" rtlCol="0">
+              <a:spAutoFit/>
+            </a:bodyPr>
+            <a:lstStyle/>
+            <a:p>
+              <a:pPr algn="ctr"/>
+              <a:r>
+                <a:rPr lang="en-US" altLang="zh-CN" sz="1200" b="1" dirty="0">
+                  <a:latin typeface="微软雅黑" panose="020B0503020204020204" pitchFamily="34" charset="-122"/>
+                  <a:ea typeface="微软雅黑" panose="020B0503020204020204" pitchFamily="34" charset="-122"/>
+                </a:rPr>
+                <a:t>vector&lt;</a:t>
+              </a:r>
+              <a:r>
+                <a:rPr lang="en-US" altLang="zh-CN" sz="1200" b="1" dirty="0" err="1">
+                  <a:latin typeface="微软雅黑" panose="020B0503020204020204" pitchFamily="34" charset="-122"/>
+                  <a:ea typeface="微软雅黑" panose="020B0503020204020204" pitchFamily="34" charset="-122"/>
+                </a:rPr>
+                <a:t>trainID</a:t>
+              </a:r>
+              <a:r>
+                <a:rPr lang="en-US" altLang="zh-CN" sz="1200" b="1" dirty="0">
+                  <a:latin typeface="微软雅黑" panose="020B0503020204020204" pitchFamily="34" charset="-122"/>
+                  <a:ea typeface="微软雅黑" panose="020B0503020204020204" pitchFamily="34" charset="-122"/>
+                </a:rPr>
+                <a:t>&gt;</a:t>
+              </a:r>
+              <a:endParaRPr lang="zh-CN" altLang="en-US" sz="1200" b="1" dirty="0">
+                <a:latin typeface="微软雅黑" panose="020B0503020204020204" pitchFamily="34" charset="-122"/>
+                <a:ea typeface="微软雅黑" panose="020B0503020204020204" pitchFamily="34" charset="-122"/>
+              </a:endParaRPr>
+            </a:p>
+          </p:txBody>
+        </p:sp>
+      </p:grpSp>
+      <p:sp>
+        <p:nvSpPr>
+          <p:cNvPr id="52" name="流程图: 联系 51"/>
+          <p:cNvSpPr>
+            <a:spLocks/>
+          </p:cNvSpPr>
+          <p:nvPr/>
+        </p:nvSpPr>
+        <p:spPr>
+          <a:xfrm>
+            <a:off x="6533964" y="1096173"/>
+            <a:ext cx="1800000" cy="720000"/>
+          </a:xfrm>
+          <a:prstGeom prst="flowChartConnector">
+            <a:avLst/>
+          </a:prstGeom>
+          <a:solidFill>
+            <a:srgbClr val="FFC000"/>
+          </a:solidFill>
+          <a:ln>
+            <a:solidFill>
+              <a:srgbClr val="FFC000"/>
+            </a:solidFill>
+          </a:ln>
+        </p:spPr>
+        <p:style>
+          <a:lnRef idx="2">
+            <a:schemeClr val="accent1">
+              <a:shade val="50000"/>
+            </a:schemeClr>
+          </a:lnRef>
+          <a:fillRef idx="1">
+            <a:schemeClr val="accent1"/>
+          </a:fillRef>
+          <a:effectRef idx="0">
+            <a:schemeClr val="accent1"/>
+          </a:effectRef>
+          <a:fontRef idx="minor">
+            <a:schemeClr val="lt1"/>
+          </a:fontRef>
+        </p:style>
+        <p:txBody>
+          <a:bodyPr rtlCol="0" anchor="ctr"/>
+          <a:lstStyle/>
+          <a:p>
+            <a:pPr algn="ctr"/>
+            <a:r>
+              <a:rPr lang="en-US" altLang="zh-CN" b="1" dirty="0" smtClean="0">
+                <a:latin typeface="微软雅黑" panose="020B0503020204020204" pitchFamily="34" charset="-122"/>
+                <a:ea typeface="微软雅黑" panose="020B0503020204020204" pitchFamily="34" charset="-122"/>
+              </a:rPr>
+              <a:t>Account</a:t>
+            </a:r>
+            <a:endParaRPr lang="zh-CN" altLang="en-US" b="1" dirty="0">
+              <a:latin typeface="微软雅黑" panose="020B0503020204020204" pitchFamily="34" charset="-122"/>
+              <a:ea typeface="微软雅黑" panose="020B0503020204020204" pitchFamily="34" charset="-122"/>
+            </a:endParaRPr>
+          </a:p>
+        </p:txBody>
+      </p:sp>
+      <p:grpSp>
+        <p:nvGrpSpPr>
+          <p:cNvPr id="102" name="组合 101"/>
+          <p:cNvGrpSpPr/>
+          <p:nvPr/>
+        </p:nvGrpSpPr>
+        <p:grpSpPr>
+          <a:xfrm>
+            <a:off x="2862074" y="1323661"/>
+            <a:ext cx="3671890" cy="495191"/>
+            <a:chOff x="2862074" y="1323661"/>
+            <a:chExt cx="3671890" cy="495191"/>
+          </a:xfrm>
+        </p:grpSpPr>
+        <p:cxnSp>
+          <p:nvCxnSpPr>
+            <p:cNvPr id="74" name="直接箭头连接符 73"/>
+            <p:cNvCxnSpPr/>
+            <p:nvPr/>
+          </p:nvCxnSpPr>
+          <p:spPr>
+            <a:xfrm flipH="1" flipV="1">
+              <a:off x="2862074" y="1401325"/>
+              <a:ext cx="3671890" cy="417527"/>
+            </a:xfrm>
+            <a:prstGeom prst="straightConnector1">
+              <a:avLst/>
+            </a:prstGeom>
+            <a:ln>
+              <a:tailEnd type="triangle"/>
+            </a:ln>
+          </p:spPr>
+          <p:style>
+            <a:lnRef idx="1">
+              <a:schemeClr val="accent1"/>
+            </a:lnRef>
+            <a:fillRef idx="0">
+              <a:schemeClr val="accent1"/>
+            </a:fillRef>
+            <a:effectRef idx="0">
+              <a:schemeClr val="accent1"/>
+            </a:effectRef>
+            <a:fontRef idx="minor">
+              <a:schemeClr val="tx1"/>
+            </a:fontRef>
+          </p:style>
+        </p:cxnSp>
+        <p:sp>
+          <p:nvSpPr>
+            <p:cNvPr id="75" name="文本框 74"/>
+            <p:cNvSpPr txBox="1"/>
+            <p:nvPr/>
+          </p:nvSpPr>
+          <p:spPr>
+            <a:xfrm rot="360000">
+              <a:off x="3634814" y="1323661"/>
+              <a:ext cx="2213859" cy="276999"/>
+            </a:xfrm>
+            <a:prstGeom prst="rect">
+              <a:avLst/>
+            </a:prstGeom>
+            <a:noFill/>
+          </p:spPr>
+          <p:txBody>
+            <a:bodyPr wrap="square" rtlCol="0">
+              <a:spAutoFit/>
+            </a:bodyPr>
+            <a:lstStyle/>
+            <a:p>
+              <a:pPr algn="ctr"/>
+              <a:r>
+                <a:rPr lang="en-US" altLang="zh-CN" sz="1200" b="1" dirty="0" err="1">
+                  <a:latin typeface="微软雅黑" panose="020B0503020204020204" pitchFamily="34" charset="-122"/>
+                  <a:ea typeface="微软雅黑" panose="020B0503020204020204" pitchFamily="34" charset="-122"/>
+                </a:rPr>
+                <a:t>trainID</a:t>
+              </a:r>
+              <a:endParaRPr lang="zh-CN" altLang="en-US" sz="1200" b="1" dirty="0">
+                <a:latin typeface="微软雅黑" panose="020B0503020204020204" pitchFamily="34" charset="-122"/>
+                <a:ea typeface="微软雅黑" panose="020B0503020204020204" pitchFamily="34" charset="-122"/>
+              </a:endParaRPr>
+            </a:p>
+          </p:txBody>
+        </p:sp>
+      </p:grpSp>
+      <p:grpSp>
+        <p:nvGrpSpPr>
+          <p:cNvPr id="101" name="组合 100"/>
+          <p:cNvGrpSpPr/>
+          <p:nvPr/>
+        </p:nvGrpSpPr>
+        <p:grpSpPr>
+          <a:xfrm>
+            <a:off x="5400930" y="2139702"/>
+            <a:ext cx="1392878" cy="510445"/>
+            <a:chOff x="5400930" y="2139702"/>
+            <a:chExt cx="1392878" cy="510445"/>
+          </a:xfrm>
+        </p:grpSpPr>
+        <p:cxnSp>
+          <p:nvCxnSpPr>
+            <p:cNvPr id="72" name="直接箭头连接符 71"/>
+            <p:cNvCxnSpPr/>
+            <p:nvPr/>
+          </p:nvCxnSpPr>
+          <p:spPr>
+            <a:xfrm flipH="1">
+              <a:off x="5418813" y="2139702"/>
+              <a:ext cx="1169412" cy="510445"/>
+            </a:xfrm>
+            <a:prstGeom prst="straightConnector1">
+              <a:avLst/>
+            </a:prstGeom>
+            <a:ln>
+              <a:tailEnd type="triangle"/>
+            </a:ln>
+          </p:spPr>
+          <p:style>
+            <a:lnRef idx="1">
+              <a:schemeClr val="accent1"/>
+            </a:lnRef>
+            <a:fillRef idx="0">
+              <a:schemeClr val="accent1"/>
+            </a:fillRef>
+            <a:effectRef idx="0">
+              <a:schemeClr val="accent1"/>
+            </a:effectRef>
+            <a:fontRef idx="minor">
+              <a:schemeClr val="tx1"/>
+            </a:fontRef>
+          </p:style>
+        </p:cxnSp>
+        <p:sp>
+          <p:nvSpPr>
+            <p:cNvPr id="76" name="文本框 75"/>
+            <p:cNvSpPr txBox="1"/>
+            <p:nvPr/>
+          </p:nvSpPr>
+          <p:spPr>
+            <a:xfrm rot="20220000">
+              <a:off x="5400930" y="2357743"/>
+              <a:ext cx="1392878" cy="276999"/>
+            </a:xfrm>
+            <a:prstGeom prst="rect">
+              <a:avLst/>
+            </a:prstGeom>
+            <a:noFill/>
+          </p:spPr>
+          <p:txBody>
+            <a:bodyPr wrap="square" rtlCol="0">
+              <a:spAutoFit/>
+            </a:bodyPr>
+            <a:lstStyle/>
+            <a:p>
+              <a:pPr algn="ctr"/>
+              <a:r>
+                <a:rPr lang="en-US" altLang="zh-CN" sz="1200" b="1" dirty="0" err="1">
+                  <a:latin typeface="微软雅黑" panose="020B0503020204020204" pitchFamily="34" charset="-122"/>
+                  <a:ea typeface="微软雅黑" panose="020B0503020204020204" pitchFamily="34" charset="-122"/>
+                </a:rPr>
+                <a:t>stationName</a:t>
+              </a:r>
+              <a:endParaRPr lang="zh-CN" altLang="en-US" sz="1200" b="1" dirty="0">
+                <a:latin typeface="微软雅黑" panose="020B0503020204020204" pitchFamily="34" charset="-122"/>
+                <a:ea typeface="微软雅黑" panose="020B0503020204020204" pitchFamily="34" charset="-122"/>
+              </a:endParaRPr>
+            </a:p>
+          </p:txBody>
+        </p:sp>
+      </p:grpSp>
+      <p:grpSp>
+        <p:nvGrpSpPr>
+          <p:cNvPr id="103" name="组合 102"/>
+          <p:cNvGrpSpPr/>
+          <p:nvPr/>
+        </p:nvGrpSpPr>
+        <p:grpSpPr>
+          <a:xfrm rot="20248594">
+            <a:off x="7358551" y="2422810"/>
+            <a:ext cx="451269" cy="1104123"/>
+            <a:chOff x="7633588" y="1877174"/>
+            <a:chExt cx="574376" cy="1604257"/>
+          </a:xfrm>
+        </p:grpSpPr>
+        <p:cxnSp>
+          <p:nvCxnSpPr>
+            <p:cNvPr id="86" name="直接箭头连接符 85"/>
+            <p:cNvCxnSpPr/>
+            <p:nvPr/>
+          </p:nvCxnSpPr>
+          <p:spPr>
+            <a:xfrm flipV="1">
+              <a:off x="7644399" y="1877174"/>
+              <a:ext cx="563565" cy="1604257"/>
+            </a:xfrm>
+            <a:prstGeom prst="straightConnector1">
+              <a:avLst/>
+            </a:prstGeom>
+            <a:ln>
+              <a:tailEnd type="triangle"/>
+            </a:ln>
+          </p:spPr>
+          <p:style>
+            <a:lnRef idx="1">
+              <a:schemeClr val="accent1"/>
+            </a:lnRef>
+            <a:fillRef idx="0">
+              <a:schemeClr val="accent1"/>
+            </a:fillRef>
+            <a:effectRef idx="0">
+              <a:schemeClr val="accent1"/>
+            </a:effectRef>
+            <a:fontRef idx="minor">
+              <a:schemeClr val="tx1"/>
+            </a:fontRef>
+          </p:style>
+        </p:cxnSp>
+        <p:sp>
+          <p:nvSpPr>
+            <p:cNvPr id="88" name="文本框 87"/>
+            <p:cNvSpPr txBox="1"/>
+            <p:nvPr/>
+          </p:nvSpPr>
+          <p:spPr>
+            <a:xfrm rot="1351406">
+              <a:off x="7633588" y="2087094"/>
+              <a:ext cx="306460" cy="830997"/>
+            </a:xfrm>
+            <a:prstGeom prst="rect">
+              <a:avLst/>
+            </a:prstGeom>
+            <a:noFill/>
+          </p:spPr>
+          <p:txBody>
+            <a:bodyPr wrap="square" rtlCol="0">
+              <a:spAutoFit/>
+            </a:bodyPr>
+            <a:lstStyle/>
+            <a:p>
+              <a:pPr algn="ctr"/>
+              <a:r>
+                <a:rPr lang="zh-CN" altLang="en-US" sz="1200" b="1" dirty="0">
+                  <a:latin typeface="微软雅黑" panose="020B0503020204020204" pitchFamily="34" charset="-122"/>
+                  <a:ea typeface="微软雅黑" panose="020B0503020204020204" pitchFamily="34" charset="-122"/>
+                </a:rPr>
+                <a:t>权限管理</a:t>
+              </a:r>
+            </a:p>
+          </p:txBody>
+        </p:sp>
+      </p:grpSp>
+      <p:sp>
+        <p:nvSpPr>
+          <p:cNvPr id="90" name="文本框 89"/>
+          <p:cNvSpPr txBox="1"/>
+          <p:nvPr/>
+        </p:nvSpPr>
+        <p:spPr>
+          <a:xfrm>
+            <a:off x="3595107" y="3585000"/>
+            <a:ext cx="1991286" cy="369332"/>
+          </a:xfrm>
+          <a:prstGeom prst="rect">
+            <a:avLst/>
+          </a:prstGeom>
+          <a:noFill/>
+        </p:spPr>
+        <p:txBody>
+          <a:bodyPr wrap="square" rtlCol="0">
+            <a:spAutoFit/>
+          </a:bodyPr>
+          <a:lstStyle/>
+          <a:p>
+            <a:pPr algn="ctr"/>
+            <a:r>
+              <a:rPr lang="en-US" altLang="zh-CN" b="1" dirty="0" err="1" smtClean="0">
+                <a:latin typeface="微软雅黑" panose="020B0503020204020204" pitchFamily="34" charset="-122"/>
+                <a:ea typeface="微软雅黑" panose="020B0503020204020204" pitchFamily="34" charset="-122"/>
+              </a:rPr>
+              <a:t>DataBase_Main</a:t>
+            </a:r>
+            <a:endParaRPr lang="en-US" altLang="zh-CN" b="1" dirty="0">
+              <a:latin typeface="微软雅黑" panose="020B0503020204020204" pitchFamily="34" charset="-122"/>
+              <a:ea typeface="微软雅黑" panose="020B0503020204020204" pitchFamily="34" charset="-122"/>
+            </a:endParaRPr>
+          </a:p>
+        </p:txBody>
+      </p:sp>
+    </p:spTree>
+    <p:extLst>
+      <p:ext uri="{BB962C8B-B14F-4D97-AF65-F5344CB8AC3E}">
+        <p14:creationId xmlns:p14="http://schemas.microsoft.com/office/powerpoint/2010/main" val="954965656"/>
+      </p:ext>
+    </p:extLst>
+  </p:cSld>
+  <p:clrMapOvr>
+    <a:masterClrMapping/>
+  </p:clrMapOvr>
+  <p:timing>
+    <p:tnLst>
+      <p:par>
+        <p:cTn id="1" dur="indefinite" restart="never" nodeType="tmRoot"/>
+      </p:par>
+    </p:tnLst>
+  </p:timing>
+</p:sld>
+</file>
+
+<file path=ppt/slides/slide14.xml><?xml version="1.0" encoding="utf-8"?>
+<p:sld xmlns:a="http://schemas.openxmlformats.org/drawingml/2006/main" xmlns:r="http://schemas.openxmlformats.org/officeDocument/2006/relationships" xmlns:p="http://schemas.openxmlformats.org/presentationml/2006/main">
+  <p:cSld>
+    <p:spTree>
+      <p:nvGrpSpPr>
+        <p:cNvPr id="1" name=""/>
+        <p:cNvGrpSpPr/>
+        <p:nvPr/>
+      </p:nvGrpSpPr>
+      <p:grpSpPr>
+        <a:xfrm>
+          <a:off x="0" y="0"/>
+          <a:ext cx="0" cy="0"/>
+          <a:chOff x="0" y="0"/>
+          <a:chExt cx="0" cy="0"/>
+        </a:xfrm>
+      </p:grpSpPr>
+      <p:sp>
+        <p:nvSpPr>
+          <p:cNvPr id="2" name="矩形 1"/>
+          <p:cNvSpPr/>
+          <p:nvPr/>
+        </p:nvSpPr>
+        <p:spPr>
+          <a:xfrm>
+            <a:off x="0" y="-35630"/>
+            <a:ext cx="9144000" cy="5271676"/>
+          </a:xfrm>
+          <a:prstGeom prst="rect">
+            <a:avLst/>
+          </a:prstGeom>
+          <a:solidFill>
+            <a:schemeClr val="dk1">
+              <a:alpha val="12000"/>
+            </a:schemeClr>
+          </a:solidFill>
+          <a:ln>
+            <a:noFill/>
+          </a:ln>
+        </p:spPr>
+        <p:style>
+          <a:lnRef idx="2">
+            <a:schemeClr val="dk1">
+              <a:shade val="50000"/>
+            </a:schemeClr>
+          </a:lnRef>
+          <a:fillRef idx="1">
+            <a:schemeClr val="dk1"/>
+          </a:fillRef>
+          <a:effectRef idx="0">
+            <a:schemeClr val="dk1"/>
+          </a:effectRef>
+          <a:fontRef idx="minor">
+            <a:schemeClr val="lt1"/>
+          </a:fontRef>
+        </p:style>
+        <p:txBody>
+          <a:bodyPr rtlCol="0" anchor="ctr"/>
+          <a:lstStyle/>
+          <a:p>
+            <a:pPr algn="ctr"/>
+            <a:endParaRPr lang="zh-CN" altLang="en-US"/>
+          </a:p>
+        </p:txBody>
+      </p:sp>
+      <p:cxnSp>
+        <p:nvCxnSpPr>
+          <p:cNvPr id="3" name="直接连接符 2"/>
+          <p:cNvCxnSpPr/>
+          <p:nvPr/>
+        </p:nvCxnSpPr>
+        <p:spPr bwMode="auto">
+          <a:xfrm>
+            <a:off x="179512" y="714067"/>
+            <a:ext cx="8712968" cy="0"/>
+          </a:xfrm>
+          <a:prstGeom prst="line">
+            <a:avLst/>
+          </a:prstGeom>
+          <a:ln>
+            <a:solidFill>
+              <a:schemeClr val="bg1">
+                <a:lumMod val="65000"/>
+              </a:schemeClr>
+            </a:solidFill>
+          </a:ln>
+          <a:effectLst>
+            <a:outerShdw blurRad="12700" dist="12700" dir="5400000" algn="t" rotWithShape="0">
+              <a:schemeClr val="bg1"/>
+            </a:outerShdw>
+          </a:effectLst>
+        </p:spPr>
+        <p:style>
+          <a:lnRef idx="1">
+            <a:schemeClr val="accent1"/>
+          </a:lnRef>
+          <a:fillRef idx="0">
+            <a:schemeClr val="accent1"/>
+          </a:fillRef>
+          <a:effectRef idx="0">
+            <a:schemeClr val="accent1"/>
+          </a:effectRef>
+          <a:fontRef idx="minor">
+            <a:schemeClr val="tx1"/>
+          </a:fontRef>
+        </p:style>
+      </p:cxnSp>
+      <p:sp>
+        <p:nvSpPr>
+          <p:cNvPr id="4" name="TextBox 3"/>
+          <p:cNvSpPr txBox="1"/>
+          <p:nvPr/>
+        </p:nvSpPr>
+        <p:spPr>
+          <a:xfrm>
+            <a:off x="287522" y="225980"/>
+            <a:ext cx="782416" cy="400110"/>
+          </a:xfrm>
+          <a:prstGeom prst="rect">
+            <a:avLst/>
+          </a:prstGeom>
+          <a:noFill/>
+        </p:spPr>
+        <p:txBody>
+          <a:bodyPr wrap="square" rtlCol="0">
+            <a:spAutoFit/>
+          </a:bodyPr>
+          <a:lstStyle/>
+          <a:p>
+            <a:pPr lvl="0" algn="r"/>
+            <a:r>
+              <a:rPr lang="en-US" altLang="zh-CN" sz="2000" b="1" dirty="0" smtClean="0">
+                <a:solidFill>
+                  <a:schemeClr val="tx1">
+                    <a:lumMod val="75000"/>
+                    <a:lumOff val="25000"/>
+                  </a:schemeClr>
+                </a:solidFill>
+                <a:latin typeface="微软雅黑" panose="020B0503020204020204" pitchFamily="34" charset="-122"/>
+                <a:ea typeface="微软雅黑" panose="020B0503020204020204" pitchFamily="34" charset="-122"/>
+              </a:rPr>
+              <a:t>03</a:t>
             </a:r>
             <a:endParaRPr lang="zh-CN" altLang="zh-CN" sz="2000" b="1" dirty="0">
               <a:solidFill>
@@ -8659,7 +10481,7 @@
 </p:sld>
 </file>
 
-<file path=ppt/slides/slide14.xml><?xml version="1.0" encoding="utf-8"?>
+<file path=ppt/slides/slide15.xml><?xml version="1.0" encoding="utf-8"?>
 <p:sld xmlns:a="http://schemas.openxmlformats.org/drawingml/2006/main" xmlns:r="http://schemas.openxmlformats.org/officeDocument/2006/relationships" xmlns:p="http://schemas.openxmlformats.org/presentationml/2006/main">
   <p:cSld>
     <p:spTree>
@@ -9047,7 +10869,7 @@
 </p:sld>
 </file>
 
-<file path=ppt/slides/slide15.xml><?xml version="1.0" encoding="utf-8"?>
+<file path=ppt/slides/slide16.xml><?xml version="1.0" encoding="utf-8"?>
 <p:sld xmlns:a="http://schemas.openxmlformats.org/drawingml/2006/main" xmlns:r="http://schemas.openxmlformats.org/officeDocument/2006/relationships" xmlns:p="http://schemas.openxmlformats.org/presentationml/2006/main">
   <p:cSld>
     <p:spTree>
@@ -9240,7 +11062,6 @@
             </a:bodyPr>
             <a:lstStyle/>
             <a:p>
-              <a:pPr lvl="0"/>
               <a:r>
                 <a:rPr lang="zh-CN" altLang="en-US" b="1" dirty="0" smtClean="0">
                   <a:solidFill>
@@ -9252,7 +11073,7 @@
                   <a:latin typeface="微软雅黑" panose="020B0503020204020204" pitchFamily="34" charset="-122"/>
                   <a:ea typeface="微软雅黑" panose="020B0503020204020204" pitchFamily="34" charset="-122"/>
                 </a:rPr>
-                <a:t>陈竞潇</a:t>
+                <a:t>黑心作坊主</a:t>
               </a:r>
               <a:endParaRPr lang="en-US" altLang="zh-CN" b="1" dirty="0" smtClean="0">
                 <a:solidFill>
@@ -9895,7 +11716,7 @@
           <a:p>
             <a:pPr lvl="0"/>
             <a:r>
-              <a:rPr lang="zh-CN" altLang="en-US" b="1" dirty="0" smtClean="0">
+              <a:rPr lang="zh-CN" altLang="en-US" b="1" dirty="0">
                 <a:solidFill>
                   <a:schemeClr val="tx1">
                     <a:lumMod val="75000"/>
@@ -9905,7 +11726,7 @@
                 <a:latin typeface="微软雅黑" panose="020B0503020204020204" pitchFamily="34" charset="-122"/>
                 <a:ea typeface="微软雅黑" panose="020B0503020204020204" pitchFamily="34" charset="-122"/>
               </a:rPr>
-              <a:t>黑心作坊主</a:t>
+              <a:t>陈竞潇</a:t>
             </a:r>
             <a:endParaRPr lang="zh-CN" altLang="en-US" b="1" dirty="0">
               <a:solidFill>
@@ -10260,7 +12081,7 @@
 </p:sld>
 </file>
 
-<file path=ppt/slides/slide16.xml><?xml version="1.0" encoding="utf-8"?>
+<file path=ppt/slides/slide17.xml><?xml version="1.0" encoding="utf-8"?>
 <p:sld xmlns:a="http://schemas.openxmlformats.org/drawingml/2006/main" xmlns:r="http://schemas.openxmlformats.org/officeDocument/2006/relationships" xmlns:p="http://schemas.openxmlformats.org/presentationml/2006/main">
   <p:cSld>
     <p:spTree>
@@ -10453,7 +12274,19 @@
             </a:bodyPr>
             <a:lstStyle/>
             <a:p>
-              <a:pPr lvl="0"/>
+              <a:r>
+                <a:rPr lang="zh-CN" altLang="en-US" b="1" dirty="0" smtClean="0">
+                  <a:solidFill>
+                    <a:schemeClr val="tx1">
+                      <a:lumMod val="75000"/>
+                      <a:lumOff val="25000"/>
+                    </a:schemeClr>
+                  </a:solidFill>
+                  <a:latin typeface="微软雅黑" panose="020B0503020204020204" pitchFamily="34" charset="-122"/>
+                  <a:ea typeface="微软雅黑" panose="020B0503020204020204" pitchFamily="34" charset="-122"/>
+                </a:rPr>
+                <a:t>黑</a:t>
+              </a:r>
               <a:r>
                 <a:rPr lang="zh-CN" altLang="en-US" b="1" dirty="0">
                   <a:solidFill>
@@ -10465,9 +12298,22 @@
                   <a:latin typeface="微软雅黑" panose="020B0503020204020204" pitchFamily="34" charset="-122"/>
                   <a:ea typeface="微软雅黑" panose="020B0503020204020204" pitchFamily="34" charset="-122"/>
                 </a:rPr>
-                <a:t>吴章昊</a:t>
+                <a:t>作坊</a:t>
               </a:r>
-              <a:endParaRPr lang="en-US" altLang="zh-CN" b="1" dirty="0" smtClean="0">
+              <a:r>
+                <a:rPr lang="zh-CN" altLang="en-US" b="1" dirty="0" smtClean="0">
+                  <a:solidFill>
+                    <a:schemeClr val="tx1">
+                      <a:lumMod val="75000"/>
+                      <a:lumOff val="25000"/>
+                    </a:schemeClr>
+                  </a:solidFill>
+                  <a:latin typeface="微软雅黑" panose="020B0503020204020204" pitchFamily="34" charset="-122"/>
+                  <a:ea typeface="微软雅黑" panose="020B0503020204020204" pitchFamily="34" charset="-122"/>
+                </a:rPr>
+                <a:t>童工</a:t>
+              </a:r>
+              <a:endParaRPr lang="zh-CN" altLang="en-US" b="1" dirty="0">
                 <a:solidFill>
                   <a:schemeClr val="tx1">
                     <a:lumMod val="75000"/>
@@ -11122,7 +12968,7 @@
           <a:p>
             <a:pPr lvl="0"/>
             <a:r>
-              <a:rPr lang="zh-CN" altLang="en-US" b="1" dirty="0" smtClean="0">
+              <a:rPr lang="zh-CN" altLang="en-US" b="1" dirty="0">
                 <a:solidFill>
                   <a:schemeClr val="tx1">
                     <a:lumMod val="75000"/>
@@ -11132,7 +12978,7 @@
                 <a:latin typeface="微软雅黑" panose="020B0503020204020204" pitchFamily="34" charset="-122"/>
                 <a:ea typeface="微软雅黑" panose="020B0503020204020204" pitchFamily="34" charset="-122"/>
               </a:rPr>
-              <a:t>黑作坊童工</a:t>
+              <a:t>吴章昊</a:t>
             </a:r>
             <a:endParaRPr lang="zh-CN" altLang="en-US" b="1" dirty="0">
               <a:solidFill>
@@ -11156,7 +13002,7 @@
         <p:spPr>
           <a:xfrm>
             <a:off x="2195736" y="2116729"/>
-            <a:ext cx="6048672" cy="1938992"/>
+            <a:ext cx="6048672" cy="2308324"/>
           </a:xfrm>
           <a:prstGeom prst="rect">
             <a:avLst/>
@@ -11277,10 +13123,10 @@
                 <a:latin typeface="微软雅黑" panose="020B0503020204020204" pitchFamily="34" charset="-122"/>
                 <a:ea typeface="微软雅黑" panose="020B0503020204020204" pitchFamily="34" charset="-122"/>
               </a:rPr>
-              <a:t>服务器所需结构体</a:t>
-            </a:r>
-            <a:r>
-              <a:rPr lang="zh-CN" altLang="en-US" sz="1600" b="1" smtClean="0">
+              <a:t>服务器所需结构体的</a:t>
+            </a:r>
+            <a:r>
+              <a:rPr lang="zh-CN" altLang="en-US" sz="1600" b="1" dirty="0" smtClean="0">
                 <a:solidFill>
                   <a:schemeClr val="tx1">
                     <a:lumMod val="75000"/>
@@ -11290,7 +13136,7 @@
                 <a:latin typeface="微软雅黑" panose="020B0503020204020204" pitchFamily="34" charset="-122"/>
                 <a:ea typeface="微软雅黑" panose="020B0503020204020204" pitchFamily="34" charset="-122"/>
               </a:rPr>
-              <a:t>的设计和智能指针类实现</a:t>
+              <a:t>设计</a:t>
             </a:r>
             <a:endParaRPr lang="en-US" altLang="zh-CN" sz="1600" b="1" dirty="0" smtClean="0">
               <a:solidFill>
@@ -11312,7 +13158,52 @@
               <a:buChar char="Ø"/>
             </a:pPr>
             <a:r>
-              <a:rPr lang="en-US" altLang="zh-CN" sz="1600" b="1" smtClean="0">
+              <a:rPr lang="zh-CN" altLang="en-US" sz="1600" b="1" dirty="0" smtClean="0">
+                <a:solidFill>
+                  <a:schemeClr val="tx1">
+                    <a:lumMod val="75000"/>
+                    <a:lumOff val="25000"/>
+                  </a:schemeClr>
+                </a:solidFill>
+                <a:latin typeface="微软雅黑" panose="020B0503020204020204" pitchFamily="34" charset="-122"/>
+                <a:ea typeface="微软雅黑" panose="020B0503020204020204" pitchFamily="34" charset="-122"/>
+              </a:rPr>
+              <a:t>智能</a:t>
+            </a:r>
+            <a:r>
+              <a:rPr lang="zh-CN" altLang="en-US" sz="1600" b="1" dirty="0" smtClean="0">
+                <a:solidFill>
+                  <a:schemeClr val="tx1">
+                    <a:lumMod val="75000"/>
+                    <a:lumOff val="25000"/>
+                  </a:schemeClr>
+                </a:solidFill>
+                <a:latin typeface="微软雅黑" panose="020B0503020204020204" pitchFamily="34" charset="-122"/>
+                <a:ea typeface="微软雅黑" panose="020B0503020204020204" pitchFamily="34" charset="-122"/>
+              </a:rPr>
+              <a:t>指针类实现</a:t>
+            </a:r>
+            <a:endParaRPr lang="en-US" altLang="zh-CN" sz="1600" b="1" dirty="0" smtClean="0">
+              <a:solidFill>
+                <a:schemeClr val="tx1">
+                  <a:lumMod val="75000"/>
+                  <a:lumOff val="25000"/>
+                </a:schemeClr>
+              </a:solidFill>
+              <a:latin typeface="微软雅黑" panose="020B0503020204020204" pitchFamily="34" charset="-122"/>
+              <a:ea typeface="微软雅黑" panose="020B0503020204020204" pitchFamily="34" charset="-122"/>
+            </a:endParaRPr>
+          </a:p>
+          <a:p>
+            <a:pPr marL="285750" lvl="0" indent="-285750">
+              <a:lnSpc>
+                <a:spcPct val="150000"/>
+              </a:lnSpc>
+              <a:buFont typeface="Wingdings" panose="05000000000000000000" pitchFamily="2" charset="2"/>
+              <a:buChar char="Ø"/>
+            </a:pPr>
+            <a:r>
+              <a:rPr lang="en-US" altLang="zh-CN" sz="1600" b="1" dirty="0" smtClean="0">
                 <a:solidFill>
                   <a:schemeClr val="tx1">
                     <a:lumMod val="75000"/>
@@ -11513,7 +13404,7 @@
 </p:sld>
 </file>
 
-<file path=ppt/slides/slide17.xml><?xml version="1.0" encoding="utf-8"?>
+<file path=ppt/slides/slide18.xml><?xml version="1.0" encoding="utf-8"?>
 <p:sld xmlns:a="http://schemas.openxmlformats.org/drawingml/2006/main" xmlns:r="http://schemas.openxmlformats.org/officeDocument/2006/relationships" xmlns:p="http://schemas.openxmlformats.org/presentationml/2006/main">
   <p:cSld>
     <p:spTree>
@@ -11706,7 +13597,19 @@
             </a:bodyPr>
             <a:lstStyle/>
             <a:p>
-              <a:pPr lvl="0"/>
+              <a:r>
+                <a:rPr lang="zh-CN" altLang="en-US" b="1" dirty="0" smtClean="0">
+                  <a:solidFill>
+                    <a:schemeClr val="tx1">
+                      <a:lumMod val="75000"/>
+                      <a:lumOff val="25000"/>
+                    </a:schemeClr>
+                  </a:solidFill>
+                  <a:latin typeface="微软雅黑" panose="020B0503020204020204" pitchFamily="34" charset="-122"/>
+                  <a:ea typeface="微软雅黑" panose="020B0503020204020204" pitchFamily="34" charset="-122"/>
+                </a:rPr>
+                <a:t>黑</a:t>
+              </a:r>
               <a:r>
                 <a:rPr lang="zh-CN" altLang="en-US" b="1" dirty="0">
                   <a:solidFill>
@@ -11718,7 +13621,20 @@
                   <a:latin typeface="微软雅黑" panose="020B0503020204020204" pitchFamily="34" charset="-122"/>
                   <a:ea typeface="微软雅黑" panose="020B0503020204020204" pitchFamily="34" charset="-122"/>
                 </a:rPr>
-                <a:t>沈柯达</a:t>
+                <a:t>作坊</a:t>
+              </a:r>
+              <a:r>
+                <a:rPr lang="zh-CN" altLang="en-US" b="1" dirty="0" smtClean="0">
+                  <a:solidFill>
+                    <a:schemeClr val="tx1">
+                      <a:lumMod val="75000"/>
+                      <a:lumOff val="25000"/>
+                    </a:schemeClr>
+                  </a:solidFill>
+                  <a:latin typeface="微软雅黑" panose="020B0503020204020204" pitchFamily="34" charset="-122"/>
+                  <a:ea typeface="微软雅黑" panose="020B0503020204020204" pitchFamily="34" charset="-122"/>
+                </a:rPr>
+                <a:t>苦力</a:t>
               </a:r>
               <a:endParaRPr lang="en-US" altLang="zh-CN" b="1" dirty="0" smtClean="0">
                 <a:solidFill>
@@ -12385,20 +14301,7 @@
                 <a:latin typeface="微软雅黑" panose="020B0503020204020204" pitchFamily="34" charset="-122"/>
                 <a:ea typeface="微软雅黑" panose="020B0503020204020204" pitchFamily="34" charset="-122"/>
               </a:rPr>
-              <a:t>黑</a:t>
-            </a:r>
-            <a:r>
-              <a:rPr lang="zh-CN" altLang="en-US" b="1" dirty="0" smtClean="0">
-                <a:solidFill>
-                  <a:schemeClr val="tx1">
-                    <a:lumMod val="75000"/>
-                    <a:lumOff val="25000"/>
-                  </a:schemeClr>
-                </a:solidFill>
-                <a:latin typeface="微软雅黑" panose="020B0503020204020204" pitchFamily="34" charset="-122"/>
-                <a:ea typeface="微软雅黑" panose="020B0503020204020204" pitchFamily="34" charset="-122"/>
-              </a:rPr>
-              <a:t>作坊苦力</a:t>
+              <a:t>沈柯达</a:t>
             </a:r>
             <a:endParaRPr lang="zh-CN" altLang="en-US" b="1" dirty="0">
               <a:solidFill>
@@ -12422,7 +14325,7 @@
         <p:spPr>
           <a:xfrm>
             <a:off x="2195736" y="2116729"/>
-            <a:ext cx="6048672" cy="1569660"/>
+            <a:ext cx="6048672" cy="1938992"/>
           </a:xfrm>
           <a:prstGeom prst="rect">
             <a:avLst/>
@@ -12453,10 +14356,10 @@
                 <a:latin typeface="微软雅黑" panose="020B0503020204020204" pitchFamily="34" charset="-122"/>
                 <a:ea typeface="微软雅黑" panose="020B0503020204020204" pitchFamily="34" charset="-122"/>
               </a:rPr>
-              <a:t>后端类的实现（包括</a:t>
-            </a:r>
-            <a:r>
-              <a:rPr lang="en-US" altLang="zh-CN" sz="1600" b="1" dirty="0" err="1" smtClean="0">
+              <a:t>后端类的</a:t>
+            </a:r>
+            <a:r>
+              <a:rPr lang="zh-CN" altLang="en-US" sz="1600" b="1" dirty="0" smtClean="0">
                 <a:solidFill>
                   <a:schemeClr val="tx1">
                     <a:lumMod val="75000"/>
@@ -12466,8 +14369,25 @@
                 <a:latin typeface="微软雅黑" panose="020B0503020204020204" pitchFamily="34" charset="-122"/>
                 <a:ea typeface="微软雅黑" panose="020B0503020204020204" pitchFamily="34" charset="-122"/>
               </a:rPr>
-              <a:t>Account,Train,Log,Station</a:t>
-            </a:r>
+              <a:t>实现</a:t>
+            </a:r>
+            <a:endParaRPr lang="en-US" altLang="zh-CN" sz="1600" b="1" dirty="0" smtClean="0">
+              <a:solidFill>
+                <a:schemeClr val="tx1">
+                  <a:lumMod val="75000"/>
+                  <a:lumOff val="25000"/>
+                </a:schemeClr>
+              </a:solidFill>
+              <a:latin typeface="微软雅黑" panose="020B0503020204020204" pitchFamily="34" charset="-122"/>
+              <a:ea typeface="微软雅黑" panose="020B0503020204020204" pitchFamily="34" charset="-122"/>
+            </a:endParaRPr>
+          </a:p>
+          <a:p>
+            <a:pPr lvl="0">
+              <a:lnSpc>
+                <a:spcPct val="150000"/>
+              </a:lnSpc>
+            </a:pPr>
             <a:r>
               <a:rPr lang="zh-CN" altLang="en-US" sz="1600" b="1" dirty="0" smtClean="0">
                 <a:solidFill>
@@ -12479,7 +14399,59 @@
                 <a:latin typeface="微软雅黑" panose="020B0503020204020204" pitchFamily="34" charset="-122"/>
                 <a:ea typeface="微软雅黑" panose="020B0503020204020204" pitchFamily="34" charset="-122"/>
               </a:rPr>
-              <a:t>等）</a:t>
+              <a:t>（</a:t>
+            </a:r>
+            <a:r>
+              <a:rPr lang="zh-CN" altLang="en-US" sz="1600" b="1" dirty="0" smtClean="0">
+                <a:solidFill>
+                  <a:schemeClr val="tx1">
+                    <a:lumMod val="75000"/>
+                    <a:lumOff val="25000"/>
+                  </a:schemeClr>
+                </a:solidFill>
+                <a:latin typeface="微软雅黑" panose="020B0503020204020204" pitchFamily="34" charset="-122"/>
+                <a:ea typeface="微软雅黑" panose="020B0503020204020204" pitchFamily="34" charset="-122"/>
+              </a:rPr>
+              <a:t>包括</a:t>
+            </a:r>
+            <a:r>
+              <a:rPr lang="en-US" altLang="zh-CN" sz="1600" b="1" dirty="0" smtClean="0">
+                <a:solidFill>
+                  <a:schemeClr val="tx1">
+                    <a:lumMod val="75000"/>
+                    <a:lumOff val="25000"/>
+                  </a:schemeClr>
+                </a:solidFill>
+                <a:latin typeface="微软雅黑" panose="020B0503020204020204" pitchFamily="34" charset="-122"/>
+                <a:ea typeface="微软雅黑" panose="020B0503020204020204" pitchFamily="34" charset="-122"/>
+              </a:rPr>
+              <a:t>Account, User, Train, Log, Station</a:t>
+            </a:r>
+            <a:r>
+              <a:rPr lang="zh-CN" altLang="en-US" sz="1600" b="1" dirty="0" smtClean="0">
+                <a:solidFill>
+                  <a:schemeClr val="tx1">
+                    <a:lumMod val="75000"/>
+                    <a:lumOff val="25000"/>
+                  </a:schemeClr>
+                </a:solidFill>
+                <a:latin typeface="微软雅黑" panose="020B0503020204020204" pitchFamily="34" charset="-122"/>
+                <a:ea typeface="微软雅黑" panose="020B0503020204020204" pitchFamily="34" charset="-122"/>
+              </a:rPr>
+              <a:t>等</a:t>
+            </a:r>
+            <a:r>
+              <a:rPr lang="zh-CN" altLang="en-US" sz="1600" b="1" dirty="0" smtClean="0">
+                <a:solidFill>
+                  <a:schemeClr val="tx1">
+                    <a:lumMod val="75000"/>
+                    <a:lumOff val="25000"/>
+                  </a:schemeClr>
+                </a:solidFill>
+                <a:latin typeface="微软雅黑" panose="020B0503020204020204" pitchFamily="34" charset="-122"/>
+                <a:ea typeface="微软雅黑" panose="020B0503020204020204" pitchFamily="34" charset="-122"/>
+              </a:rPr>
+              <a:t>）</a:t>
             </a:r>
             <a:endParaRPr lang="en-US" altLang="zh-CN" sz="1600" b="1" dirty="0" smtClean="0">
               <a:solidFill>
@@ -12682,7 +14654,7 @@
 </p:sld>
 </file>
 
-<file path=ppt/slides/slide18.xml><?xml version="1.0" encoding="utf-8"?>
+<file path=ppt/slides/slide19.xml><?xml version="1.0" encoding="utf-8"?>
 <p:sld xmlns:a="http://schemas.openxmlformats.org/drawingml/2006/main" xmlns:r="http://schemas.openxmlformats.org/officeDocument/2006/relationships" xmlns:p="http://schemas.openxmlformats.org/presentationml/2006/main">
   <p:cSld>
     <p:spTree>
@@ -12756,9 +14728,9 @@
         <p:grpSpPr>
           <a:xfrm>
             <a:off x="107504" y="210010"/>
-            <a:ext cx="3816672" cy="405750"/>
+            <a:ext cx="3816672" cy="646331"/>
             <a:chOff x="251520" y="210010"/>
-            <a:chExt cx="3816672" cy="405750"/>
+            <a:chExt cx="3816672" cy="646331"/>
           </a:xfrm>
         </p:grpSpPr>
         <p:cxnSp>
@@ -12862,7 +14834,7 @@
           <p:spPr>
             <a:xfrm>
               <a:off x="1043856" y="210010"/>
-              <a:ext cx="3024336" cy="369332"/>
+              <a:ext cx="3024336" cy="646331"/>
             </a:xfrm>
             <a:prstGeom prst="rect">
               <a:avLst/>
@@ -12875,7 +14847,6 @@
             </a:bodyPr>
             <a:lstStyle/>
             <a:p>
-              <a:pPr lvl="0"/>
               <a:r>
                 <a:rPr lang="zh-CN" altLang="en-US" b="1" dirty="0" smtClean="0">
                   <a:solidFill>
@@ -12887,8 +14858,24 @@
                   <a:latin typeface="微软雅黑" panose="020B0503020204020204" pitchFamily="34" charset="-122"/>
                   <a:ea typeface="微软雅黑" panose="020B0503020204020204" pitchFamily="34" charset="-122"/>
                 </a:rPr>
-                <a:t>林彦希</a:t>
+                <a:t>黑</a:t>
               </a:r>
+              <a:r>
+                <a:rPr lang="zh-CN" altLang="en-US" b="1" dirty="0">
+                  <a:solidFill>
+                    <a:schemeClr val="tx1">
+                      <a:lumMod val="75000"/>
+                      <a:lumOff val="25000"/>
+                    </a:schemeClr>
+                  </a:solidFill>
+                  <a:latin typeface="微软雅黑" panose="020B0503020204020204" pitchFamily="34" charset="-122"/>
+                  <a:ea typeface="微软雅黑" panose="020B0503020204020204" pitchFamily="34" charset="-122"/>
+                </a:rPr>
+                <a:t>作坊小二</a:t>
+              </a:r>
+            </a:p>
+            <a:p>
+              <a:pPr lvl="0"/>
               <a:endParaRPr lang="en-US" altLang="zh-CN" b="1" dirty="0" smtClean="0">
                 <a:solidFill>
                   <a:schemeClr val="tx1">
@@ -13544,7 +15531,7 @@
           <a:p>
             <a:pPr lvl="0"/>
             <a:r>
-              <a:rPr lang="zh-CN" altLang="en-US" b="1" dirty="0" smtClean="0">
+              <a:rPr lang="zh-CN" altLang="en-US" b="1" dirty="0">
                 <a:solidFill>
                   <a:schemeClr val="tx1">
                     <a:lumMod val="75000"/>
@@ -13554,7 +15541,7 @@
                 <a:latin typeface="微软雅黑" panose="020B0503020204020204" pitchFamily="34" charset="-122"/>
                 <a:ea typeface="微软雅黑" panose="020B0503020204020204" pitchFamily="34" charset="-122"/>
               </a:rPr>
-              <a:t>黑作坊小二</a:t>
+              <a:t>林彦希</a:t>
             </a:r>
             <a:endParaRPr lang="zh-CN" altLang="en-US" b="1" dirty="0">
               <a:solidFill>
@@ -13673,7 +15660,59 @@
                 <a:latin typeface="微软雅黑" panose="020B0503020204020204" pitchFamily="34" charset="-122"/>
                 <a:ea typeface="微软雅黑" panose="020B0503020204020204" pitchFamily="34" charset="-122"/>
               </a:rPr>
-              <a:t>写出哈希表（但由于一些问题后被</a:t>
+              <a:t>写出哈希表（但由于一些</a:t>
+            </a:r>
+            <a:r>
+              <a:rPr lang="zh-CN" altLang="en-US" sz="1600" b="1" dirty="0" smtClean="0">
+                <a:solidFill>
+                  <a:schemeClr val="tx1">
+                    <a:lumMod val="75000"/>
+                    <a:lumOff val="25000"/>
+                  </a:schemeClr>
+                </a:solidFill>
+                <a:latin typeface="微软雅黑" panose="020B0503020204020204" pitchFamily="34" charset="-122"/>
+                <a:ea typeface="微软雅黑" panose="020B0503020204020204" pitchFamily="34" charset="-122"/>
+              </a:rPr>
+              <a:t>问题</a:t>
+            </a:r>
+            <a:r>
+              <a:rPr lang="en-US" altLang="zh-CN" sz="1600" b="1" dirty="0" smtClean="0">
+                <a:solidFill>
+                  <a:schemeClr val="tx1">
+                    <a:lumMod val="75000"/>
+                    <a:lumOff val="25000"/>
+                  </a:schemeClr>
+                </a:solidFill>
+                <a:latin typeface="微软雅黑" panose="020B0503020204020204" pitchFamily="34" charset="-122"/>
+                <a:ea typeface="微软雅黑" panose="020B0503020204020204" pitchFamily="34" charset="-122"/>
+              </a:rPr>
+              <a:t>,</a:t>
+            </a:r>
+            <a:r>
+              <a:rPr lang="zh-CN" altLang="en-US" sz="1600" b="1" dirty="0" smtClean="0">
+                <a:solidFill>
+                  <a:schemeClr val="tx1">
+                    <a:lumMod val="75000"/>
+                    <a:lumOff val="25000"/>
+                  </a:schemeClr>
+                </a:solidFill>
+                <a:latin typeface="微软雅黑" panose="020B0503020204020204" pitchFamily="34" charset="-122"/>
+                <a:ea typeface="微软雅黑" panose="020B0503020204020204" pitchFamily="34" charset="-122"/>
+              </a:rPr>
+              <a:t>后</a:t>
+            </a:r>
+            <a:r>
+              <a:rPr lang="zh-CN" altLang="en-US" sz="1600" b="1" dirty="0" smtClean="0">
+                <a:solidFill>
+                  <a:schemeClr val="tx1">
+                    <a:lumMod val="75000"/>
+                    <a:lumOff val="25000"/>
+                  </a:schemeClr>
+                </a:solidFill>
+                <a:latin typeface="微软雅黑" panose="020B0503020204020204" pitchFamily="34" charset="-122"/>
+                <a:ea typeface="微软雅黑" panose="020B0503020204020204" pitchFamily="34" charset="-122"/>
+              </a:rPr>
+              <a:t>被</a:t>
             </a:r>
             <a:r>
               <a:rPr lang="en-US" altLang="zh-CN" sz="1600" b="1" dirty="0" smtClean="0">
@@ -13832,1131 +15871,6 @@
     <p:extLst>
       <p:ext uri="{BB962C8B-B14F-4D97-AF65-F5344CB8AC3E}">
         <p14:creationId xmlns:p14="http://schemas.microsoft.com/office/powerpoint/2010/main" val="676937909"/>
-      </p:ext>
-    </p:extLst>
-  </p:cSld>
-  <p:clrMapOvr>
-    <a:masterClrMapping/>
-  </p:clrMapOvr>
-  <p:transition spd="slow">
-    <p:push dir="u"/>
-  </p:transition>
-  <p:timing>
-    <p:tnLst>
-      <p:par>
-        <p:cTn id="1" dur="indefinite" restart="never" nodeType="tmRoot"/>
-      </p:par>
-    </p:tnLst>
-  </p:timing>
-</p:sld>
-</file>
-
-<file path=ppt/slides/slide19.xml><?xml version="1.0" encoding="utf-8"?>
-<p:sld xmlns:a="http://schemas.openxmlformats.org/drawingml/2006/main" xmlns:r="http://schemas.openxmlformats.org/officeDocument/2006/relationships" xmlns:p="http://schemas.openxmlformats.org/presentationml/2006/main">
-  <p:cSld>
-    <p:spTree>
-      <p:nvGrpSpPr>
-        <p:cNvPr id="1" name=""/>
-        <p:cNvGrpSpPr/>
-        <p:nvPr/>
-      </p:nvGrpSpPr>
-      <p:grpSpPr>
-        <a:xfrm>
-          <a:off x="0" y="0"/>
-          <a:ext cx="0" cy="0"/>
-          <a:chOff x="0" y="0"/>
-          <a:chExt cx="0" cy="0"/>
-        </a:xfrm>
-      </p:grpSpPr>
-      <p:sp>
-        <p:nvSpPr>
-          <p:cNvPr id="2" name="矩形 1"/>
-          <p:cNvSpPr/>
-          <p:nvPr/>
-        </p:nvSpPr>
-        <p:spPr>
-          <a:xfrm>
-            <a:off x="0" y="-38557"/>
-            <a:ext cx="9144000" cy="5271676"/>
-          </a:xfrm>
-          <a:prstGeom prst="rect">
-            <a:avLst/>
-          </a:prstGeom>
-          <a:solidFill>
-            <a:schemeClr val="dk1">
-              <a:alpha val="12000"/>
-            </a:schemeClr>
-          </a:solidFill>
-          <a:ln>
-            <a:noFill/>
-          </a:ln>
-        </p:spPr>
-        <p:style>
-          <a:lnRef idx="2">
-            <a:schemeClr val="dk1">
-              <a:shade val="50000"/>
-            </a:schemeClr>
-          </a:lnRef>
-          <a:fillRef idx="1">
-            <a:schemeClr val="dk1"/>
-          </a:fillRef>
-          <a:effectRef idx="0">
-            <a:schemeClr val="dk1"/>
-          </a:effectRef>
-          <a:fontRef idx="minor">
-            <a:schemeClr val="lt1"/>
-          </a:fontRef>
-        </p:style>
-        <p:txBody>
-          <a:bodyPr rtlCol="0" anchor="ctr"/>
-          <a:lstStyle/>
-          <a:p>
-            <a:pPr algn="ctr"/>
-            <a:endParaRPr lang="zh-CN" altLang="en-US"/>
-          </a:p>
-        </p:txBody>
-      </p:sp>
-      <p:grpSp>
-        <p:nvGrpSpPr>
-          <p:cNvPr id="3" name="组合 2"/>
-          <p:cNvGrpSpPr/>
-          <p:nvPr/>
-        </p:nvGrpSpPr>
-        <p:grpSpPr>
-          <a:xfrm>
-            <a:off x="107504" y="210010"/>
-            <a:ext cx="3816672" cy="405750"/>
-            <a:chOff x="251520" y="210010"/>
-            <a:chExt cx="3816672" cy="405750"/>
-          </a:xfrm>
-        </p:grpSpPr>
-        <p:cxnSp>
-          <p:nvCxnSpPr>
-            <p:cNvPr id="4" name="直接连接符 3"/>
-            <p:cNvCxnSpPr/>
-            <p:nvPr/>
-          </p:nvCxnSpPr>
-          <p:spPr bwMode="auto">
-            <a:xfrm flipV="1">
-              <a:off x="1033936" y="250660"/>
-              <a:ext cx="0" cy="288032"/>
-            </a:xfrm>
-            <a:prstGeom prst="line">
-              <a:avLst/>
-            </a:prstGeom>
-            <a:ln w="19050">
-              <a:solidFill>
-                <a:schemeClr val="tx1">
-                  <a:lumMod val="65000"/>
-                  <a:lumOff val="35000"/>
-                </a:schemeClr>
-              </a:solidFill>
-            </a:ln>
-            <a:effectLst>
-              <a:outerShdw blurRad="12700" dist="12700" dir="5400000" algn="t" rotWithShape="0">
-                <a:schemeClr val="bg1"/>
-              </a:outerShdw>
-            </a:effectLst>
-          </p:spPr>
-          <p:style>
-            <a:lnRef idx="1">
-              <a:schemeClr val="accent1"/>
-            </a:lnRef>
-            <a:fillRef idx="0">
-              <a:schemeClr val="accent1"/>
-            </a:fillRef>
-            <a:effectRef idx="0">
-              <a:schemeClr val="accent1"/>
-            </a:effectRef>
-            <a:fontRef idx="minor">
-              <a:schemeClr val="tx1"/>
-            </a:fontRef>
-          </p:style>
-        </p:cxnSp>
-        <p:sp>
-          <p:nvSpPr>
-            <p:cNvPr id="5" name="TextBox 3"/>
-            <p:cNvSpPr txBox="1"/>
-            <p:nvPr/>
-          </p:nvSpPr>
-          <p:spPr>
-            <a:xfrm>
-              <a:off x="251520" y="215650"/>
-              <a:ext cx="782416" cy="400110"/>
-            </a:xfrm>
-            <a:prstGeom prst="rect">
-              <a:avLst/>
-            </a:prstGeom>
-            <a:noFill/>
-          </p:spPr>
-          <p:txBody>
-            <a:bodyPr wrap="square" rtlCol="0">
-              <a:spAutoFit/>
-            </a:bodyPr>
-            <a:lstStyle/>
-            <a:p>
-              <a:pPr lvl="0" algn="r"/>
-              <a:r>
-                <a:rPr lang="en-US" altLang="zh-CN" sz="2000" b="1" dirty="0" smtClean="0">
-                  <a:solidFill>
-                    <a:schemeClr val="tx1">
-                      <a:lumMod val="75000"/>
-                      <a:lumOff val="25000"/>
-                    </a:schemeClr>
-                  </a:solidFill>
-                  <a:latin typeface="微软雅黑" panose="020B0503020204020204" pitchFamily="34" charset="-122"/>
-                  <a:ea typeface="微软雅黑" panose="020B0503020204020204" pitchFamily="34" charset="-122"/>
-                </a:rPr>
-                <a:t>05</a:t>
-              </a:r>
-              <a:endParaRPr lang="zh-CN" altLang="zh-CN" sz="2000" b="1" dirty="0">
-                <a:solidFill>
-                  <a:schemeClr val="tx1">
-                    <a:lumMod val="75000"/>
-                    <a:lumOff val="25000"/>
-                  </a:schemeClr>
-                </a:solidFill>
-                <a:latin typeface="微软雅黑" panose="020B0503020204020204" pitchFamily="34" charset="-122"/>
-                <a:ea typeface="微软雅黑" panose="020B0503020204020204" pitchFamily="34" charset="-122"/>
-              </a:endParaRPr>
-            </a:p>
-          </p:txBody>
-        </p:sp>
-        <p:sp>
-          <p:nvSpPr>
-            <p:cNvPr id="6" name="TextBox 4"/>
-            <p:cNvSpPr txBox="1"/>
-            <p:nvPr/>
-          </p:nvSpPr>
-          <p:spPr>
-            <a:xfrm>
-              <a:off x="1043856" y="210010"/>
-              <a:ext cx="3024336" cy="369332"/>
-            </a:xfrm>
-            <a:prstGeom prst="rect">
-              <a:avLst/>
-            </a:prstGeom>
-            <a:noFill/>
-          </p:spPr>
-          <p:txBody>
-            <a:bodyPr wrap="square" rtlCol="0">
-              <a:spAutoFit/>
-            </a:bodyPr>
-            <a:lstStyle/>
-            <a:p>
-              <a:pPr lvl="0"/>
-              <a:r>
-                <a:rPr lang="zh-CN" altLang="en-US" b="1" dirty="0" smtClean="0">
-                  <a:solidFill>
-                    <a:schemeClr val="tx1">
-                      <a:lumMod val="75000"/>
-                      <a:lumOff val="25000"/>
-                    </a:schemeClr>
-                  </a:solidFill>
-                  <a:latin typeface="微软雅黑" panose="020B0503020204020204" pitchFamily="34" charset="-122"/>
-                  <a:ea typeface="微软雅黑" panose="020B0503020204020204" pitchFamily="34" charset="-122"/>
-                </a:rPr>
-                <a:t>王翰竞</a:t>
-              </a:r>
-              <a:endParaRPr lang="en-US" altLang="zh-CN" b="1" dirty="0" smtClean="0">
-                <a:solidFill>
-                  <a:schemeClr val="tx1">
-                    <a:lumMod val="75000"/>
-                    <a:lumOff val="25000"/>
-                  </a:schemeClr>
-                </a:solidFill>
-                <a:latin typeface="微软雅黑" panose="020B0503020204020204" pitchFamily="34" charset="-122"/>
-                <a:ea typeface="微软雅黑" panose="020B0503020204020204" pitchFamily="34" charset="-122"/>
-              </a:endParaRPr>
-            </a:p>
-          </p:txBody>
-        </p:sp>
-      </p:grpSp>
-      <p:sp>
-        <p:nvSpPr>
-          <p:cNvPr id="7" name="TextBox 5"/>
-          <p:cNvSpPr txBox="1"/>
-          <p:nvPr/>
-        </p:nvSpPr>
-        <p:spPr>
-          <a:xfrm>
-            <a:off x="7524328" y="-92547"/>
-            <a:ext cx="1512168" cy="923330"/>
-          </a:xfrm>
-          <a:prstGeom prst="rect">
-            <a:avLst/>
-          </a:prstGeom>
-          <a:noFill/>
-          <a:effectLst>
-            <a:outerShdw blurRad="50800" dist="38100" dir="5400000" algn="t" rotWithShape="0">
-              <a:prstClr val="black">
-                <a:alpha val="40000"/>
-              </a:prstClr>
-            </a:outerShdw>
-          </a:effectLst>
-        </p:spPr>
-        <p:txBody>
-          <a:bodyPr wrap="square" rtlCol="0">
-            <a:spAutoFit/>
-          </a:bodyPr>
-          <a:lstStyle/>
-          <a:p>
-            <a:pPr lvl="0" algn="r"/>
-            <a:r>
-              <a:rPr lang="en-US" altLang="zh-CN" sz="5400" b="1" dirty="0" smtClean="0">
-                <a:solidFill>
-                  <a:srgbClr val="05AFC8"/>
-                </a:solidFill>
-                <a:latin typeface="微软雅黑" panose="020B0503020204020204" pitchFamily="34" charset="-122"/>
-                <a:ea typeface="微软雅黑" panose="020B0503020204020204" pitchFamily="34" charset="-122"/>
-              </a:rPr>
-              <a:t>·</a:t>
-            </a:r>
-            <a:r>
-              <a:rPr lang="en-US" altLang="zh-CN" sz="5400" b="1" dirty="0" smtClean="0">
-                <a:solidFill>
-                  <a:schemeClr val="tx1">
-                    <a:lumMod val="75000"/>
-                    <a:lumOff val="25000"/>
-                  </a:schemeClr>
-                </a:solidFill>
-                <a:latin typeface="微软雅黑" panose="020B0503020204020204" pitchFamily="34" charset="-122"/>
-                <a:ea typeface="微软雅黑" panose="020B0503020204020204" pitchFamily="34" charset="-122"/>
-              </a:rPr>
-              <a:t> </a:t>
-            </a:r>
-            <a:r>
-              <a:rPr lang="en-US" altLang="zh-CN" sz="5400" b="1" dirty="0" smtClean="0">
-                <a:solidFill>
-                  <a:srgbClr val="FFC000"/>
-                </a:solidFill>
-                <a:latin typeface="微软雅黑" panose="020B0503020204020204" pitchFamily="34" charset="-122"/>
-                <a:ea typeface="微软雅黑" panose="020B0503020204020204" pitchFamily="34" charset="-122"/>
-              </a:rPr>
-              <a:t>·</a:t>
-            </a:r>
-            <a:r>
-              <a:rPr lang="en-US" altLang="zh-CN" sz="5400" b="1" dirty="0" smtClean="0">
-                <a:solidFill>
-                  <a:schemeClr val="tx1">
-                    <a:lumMod val="75000"/>
-                    <a:lumOff val="25000"/>
-                  </a:schemeClr>
-                </a:solidFill>
-                <a:latin typeface="微软雅黑" panose="020B0503020204020204" pitchFamily="34" charset="-122"/>
-                <a:ea typeface="微软雅黑" panose="020B0503020204020204" pitchFamily="34" charset="-122"/>
-              </a:rPr>
-              <a:t> </a:t>
-            </a:r>
-            <a:r>
-              <a:rPr lang="en-US" altLang="zh-CN" sz="5400" b="1" dirty="0" smtClean="0">
-                <a:solidFill>
-                  <a:srgbClr val="FA4453"/>
-                </a:solidFill>
-                <a:latin typeface="微软雅黑" panose="020B0503020204020204" pitchFamily="34" charset="-122"/>
-                <a:ea typeface="微软雅黑" panose="020B0503020204020204" pitchFamily="34" charset="-122"/>
-              </a:rPr>
-              <a:t>·</a:t>
-            </a:r>
-            <a:endParaRPr lang="zh-CN" altLang="zh-CN" sz="5400" b="1" dirty="0">
-              <a:solidFill>
-                <a:srgbClr val="FA4453"/>
-              </a:solidFill>
-              <a:latin typeface="微软雅黑" panose="020B0503020204020204" pitchFamily="34" charset="-122"/>
-              <a:ea typeface="微软雅黑" panose="020B0503020204020204" pitchFamily="34" charset="-122"/>
-            </a:endParaRPr>
-          </a:p>
-        </p:txBody>
-      </p:sp>
-      <p:grpSp>
-        <p:nvGrpSpPr>
-          <p:cNvPr id="8" name="组合 7"/>
-          <p:cNvGrpSpPr/>
-          <p:nvPr/>
-        </p:nvGrpSpPr>
-        <p:grpSpPr>
-          <a:xfrm>
-            <a:off x="899840" y="830784"/>
-            <a:ext cx="1943968" cy="1020886"/>
-            <a:chOff x="971600" y="2086838"/>
-            <a:chExt cx="1943968" cy="1020886"/>
-          </a:xfrm>
-        </p:grpSpPr>
-        <p:sp>
-          <p:nvSpPr>
-            <p:cNvPr id="9" name="矩形 8"/>
-            <p:cNvSpPr/>
-            <p:nvPr/>
-          </p:nvSpPr>
-          <p:spPr>
-            <a:xfrm>
-              <a:off x="971600" y="2086838"/>
-              <a:ext cx="1943968" cy="1020886"/>
-            </a:xfrm>
-            <a:prstGeom prst="rect">
-              <a:avLst/>
-            </a:prstGeom>
-            <a:solidFill>
-              <a:schemeClr val="bg1"/>
-            </a:solidFill>
-            <a:ln>
-              <a:noFill/>
-            </a:ln>
-            <a:effectLst>
-              <a:outerShdw blurRad="50800" dist="38100" dir="5400000" algn="t" rotWithShape="0">
-                <a:prstClr val="black">
-                  <a:alpha val="40000"/>
-                </a:prstClr>
-              </a:outerShdw>
-            </a:effectLst>
-          </p:spPr>
-          <p:style>
-            <a:lnRef idx="2">
-              <a:schemeClr val="accent1">
-                <a:shade val="50000"/>
-              </a:schemeClr>
-            </a:lnRef>
-            <a:fillRef idx="1">
-              <a:schemeClr val="accent1"/>
-            </a:fillRef>
-            <a:effectRef idx="0">
-              <a:schemeClr val="accent1"/>
-            </a:effectRef>
-            <a:fontRef idx="minor">
-              <a:schemeClr val="lt1"/>
-            </a:fontRef>
-          </p:style>
-          <p:txBody>
-            <a:bodyPr rtlCol="0" anchor="ctr"/>
-            <a:lstStyle/>
-            <a:p>
-              <a:pPr algn="ctr"/>
-              <a:endParaRPr lang="zh-CN" altLang="en-US"/>
-            </a:p>
-          </p:txBody>
-        </p:sp>
-        <p:sp>
-          <p:nvSpPr>
-            <p:cNvPr id="10" name="矩形 9"/>
-            <p:cNvSpPr/>
-            <p:nvPr/>
-          </p:nvSpPr>
-          <p:spPr>
-            <a:xfrm>
-              <a:off x="1079488" y="2158846"/>
-              <a:ext cx="1728192" cy="876870"/>
-            </a:xfrm>
-            <a:prstGeom prst="rect">
-              <a:avLst/>
-            </a:prstGeom>
-            <a:solidFill>
-              <a:srgbClr val="05AFC8"/>
-            </a:solidFill>
-            <a:ln w="101600">
-              <a:noFill/>
-            </a:ln>
-            <a:effectLst>
-              <a:outerShdw blurRad="50800" dist="38100" dir="5400000" algn="t" rotWithShape="0">
-                <a:prstClr val="black">
-                  <a:alpha val="40000"/>
-                </a:prstClr>
-              </a:outerShdw>
-            </a:effectLst>
-          </p:spPr>
-          <p:style>
-            <a:lnRef idx="2">
-              <a:schemeClr val="accent1">
-                <a:shade val="50000"/>
-              </a:schemeClr>
-            </a:lnRef>
-            <a:fillRef idx="1">
-              <a:schemeClr val="accent1"/>
-            </a:fillRef>
-            <a:effectRef idx="0">
-              <a:schemeClr val="accent1"/>
-            </a:effectRef>
-            <a:fontRef idx="minor">
-              <a:schemeClr val="lt1"/>
-            </a:fontRef>
-          </p:style>
-          <p:txBody>
-            <a:bodyPr rtlCol="0" anchor="ctr"/>
-            <a:lstStyle/>
-            <a:p>
-              <a:pPr algn="ctr"/>
-              <a:endParaRPr lang="zh-CN" altLang="en-US"/>
-            </a:p>
-          </p:txBody>
-        </p:sp>
-      </p:grpSp>
-      <p:grpSp>
-        <p:nvGrpSpPr>
-          <p:cNvPr id="11" name="组合 10"/>
-          <p:cNvGrpSpPr/>
-          <p:nvPr/>
-        </p:nvGrpSpPr>
-        <p:grpSpPr>
-          <a:xfrm>
-            <a:off x="6739427" y="3651871"/>
-            <a:ext cx="2160240" cy="567361"/>
-            <a:chOff x="971600" y="2086838"/>
-            <a:chExt cx="1943968" cy="1020886"/>
-          </a:xfrm>
-        </p:grpSpPr>
-        <p:sp>
-          <p:nvSpPr>
-            <p:cNvPr id="12" name="矩形 11"/>
-            <p:cNvSpPr/>
-            <p:nvPr/>
-          </p:nvSpPr>
-          <p:spPr>
-            <a:xfrm>
-              <a:off x="971600" y="2086838"/>
-              <a:ext cx="1943968" cy="1020886"/>
-            </a:xfrm>
-            <a:prstGeom prst="rect">
-              <a:avLst/>
-            </a:prstGeom>
-            <a:solidFill>
-              <a:schemeClr val="bg1"/>
-            </a:solidFill>
-            <a:ln>
-              <a:noFill/>
-            </a:ln>
-            <a:effectLst>
-              <a:outerShdw blurRad="50800" dist="38100" dir="5400000" algn="t" rotWithShape="0">
-                <a:prstClr val="black">
-                  <a:alpha val="40000"/>
-                </a:prstClr>
-              </a:outerShdw>
-            </a:effectLst>
-          </p:spPr>
-          <p:style>
-            <a:lnRef idx="2">
-              <a:schemeClr val="accent1">
-                <a:shade val="50000"/>
-              </a:schemeClr>
-            </a:lnRef>
-            <a:fillRef idx="1">
-              <a:schemeClr val="accent1"/>
-            </a:fillRef>
-            <a:effectRef idx="0">
-              <a:schemeClr val="accent1"/>
-            </a:effectRef>
-            <a:fontRef idx="minor">
-              <a:schemeClr val="lt1"/>
-            </a:fontRef>
-          </p:style>
-          <p:txBody>
-            <a:bodyPr rtlCol="0" anchor="ctr"/>
-            <a:lstStyle/>
-            <a:p>
-              <a:pPr algn="ctr"/>
-              <a:endParaRPr lang="zh-CN" altLang="en-US"/>
-            </a:p>
-          </p:txBody>
-        </p:sp>
-        <p:sp>
-          <p:nvSpPr>
-            <p:cNvPr id="13" name="矩形 12"/>
-            <p:cNvSpPr/>
-            <p:nvPr/>
-          </p:nvSpPr>
-          <p:spPr>
-            <a:xfrm>
-              <a:off x="1079488" y="2187625"/>
-              <a:ext cx="1728192" cy="819309"/>
-            </a:xfrm>
-            <a:prstGeom prst="rect">
-              <a:avLst/>
-            </a:prstGeom>
-            <a:solidFill>
-              <a:srgbClr val="FFC000"/>
-            </a:solidFill>
-            <a:ln w="101600">
-              <a:noFill/>
-            </a:ln>
-            <a:effectLst>
-              <a:outerShdw blurRad="50800" dist="38100" dir="5400000" algn="t" rotWithShape="0">
-                <a:prstClr val="black">
-                  <a:alpha val="40000"/>
-                </a:prstClr>
-              </a:outerShdw>
-            </a:effectLst>
-          </p:spPr>
-          <p:style>
-            <a:lnRef idx="2">
-              <a:schemeClr val="accent1">
-                <a:shade val="50000"/>
-              </a:schemeClr>
-            </a:lnRef>
-            <a:fillRef idx="1">
-              <a:schemeClr val="accent1"/>
-            </a:fillRef>
-            <a:effectRef idx="0">
-              <a:schemeClr val="accent1"/>
-            </a:effectRef>
-            <a:fontRef idx="minor">
-              <a:schemeClr val="lt1"/>
-            </a:fontRef>
-          </p:style>
-          <p:txBody>
-            <a:bodyPr rtlCol="0" anchor="ctr"/>
-            <a:lstStyle/>
-            <a:p>
-              <a:pPr algn="ctr"/>
-              <a:endParaRPr lang="zh-CN" altLang="en-US"/>
-            </a:p>
-          </p:txBody>
-        </p:sp>
-      </p:grpSp>
-      <p:grpSp>
-        <p:nvGrpSpPr>
-          <p:cNvPr id="14" name="组合 13"/>
-          <p:cNvGrpSpPr/>
-          <p:nvPr/>
-        </p:nvGrpSpPr>
-        <p:grpSpPr>
-          <a:xfrm>
-            <a:off x="2088096" y="1485799"/>
-            <a:ext cx="6156312" cy="2602315"/>
-            <a:chOff x="2088096" y="1485798"/>
-            <a:chExt cx="6156312" cy="2602315"/>
-          </a:xfrm>
-          <a:solidFill>
-            <a:schemeClr val="bg1"/>
-          </a:solidFill>
-        </p:grpSpPr>
-        <p:sp>
-          <p:nvSpPr>
-            <p:cNvPr id="15" name="矩形 14"/>
-            <p:cNvSpPr/>
-            <p:nvPr/>
-          </p:nvSpPr>
-          <p:spPr>
-            <a:xfrm>
-              <a:off x="2088096" y="1995686"/>
-              <a:ext cx="6156312" cy="1584176"/>
-            </a:xfrm>
-            <a:prstGeom prst="rect">
-              <a:avLst/>
-            </a:prstGeom>
-            <a:grpFill/>
-            <a:ln>
-              <a:noFill/>
-            </a:ln>
-            <a:effectLst>
-              <a:outerShdw blurRad="50800" dist="38100" dir="5400000" algn="t" rotWithShape="0">
-                <a:prstClr val="black">
-                  <a:alpha val="40000"/>
-                </a:prstClr>
-              </a:outerShdw>
-            </a:effectLst>
-          </p:spPr>
-          <p:style>
-            <a:lnRef idx="2">
-              <a:schemeClr val="dk1">
-                <a:shade val="50000"/>
-              </a:schemeClr>
-            </a:lnRef>
-            <a:fillRef idx="1">
-              <a:schemeClr val="dk1"/>
-            </a:fillRef>
-            <a:effectRef idx="0">
-              <a:schemeClr val="dk1"/>
-            </a:effectRef>
-            <a:fontRef idx="minor">
-              <a:schemeClr val="lt1"/>
-            </a:fontRef>
-          </p:style>
-          <p:txBody>
-            <a:bodyPr rtlCol="0" anchor="ctr"/>
-            <a:lstStyle/>
-            <a:p>
-              <a:pPr algn="ctr"/>
-              <a:endParaRPr lang="zh-CN" altLang="en-US"/>
-            </a:p>
-          </p:txBody>
-        </p:sp>
-        <p:sp>
-          <p:nvSpPr>
-            <p:cNvPr id="16" name="矩形 15"/>
-            <p:cNvSpPr/>
-            <p:nvPr/>
-          </p:nvSpPr>
-          <p:spPr>
-            <a:xfrm>
-              <a:off x="2915816" y="1485798"/>
-              <a:ext cx="5328592" cy="508251"/>
-            </a:xfrm>
-            <a:prstGeom prst="rect">
-              <a:avLst/>
-            </a:prstGeom>
-            <a:grpFill/>
-            <a:ln>
-              <a:noFill/>
-            </a:ln>
-            <a:effectLst/>
-          </p:spPr>
-          <p:style>
-            <a:lnRef idx="2">
-              <a:schemeClr val="dk1">
-                <a:shade val="50000"/>
-              </a:schemeClr>
-            </a:lnRef>
-            <a:fillRef idx="1">
-              <a:schemeClr val="dk1"/>
-            </a:fillRef>
-            <a:effectRef idx="0">
-              <a:schemeClr val="dk1"/>
-            </a:effectRef>
-            <a:fontRef idx="minor">
-              <a:schemeClr val="lt1"/>
-            </a:fontRef>
-          </p:style>
-          <p:txBody>
-            <a:bodyPr rtlCol="0" anchor="ctr"/>
-            <a:lstStyle/>
-            <a:p>
-              <a:pPr algn="ctr"/>
-              <a:endParaRPr lang="zh-CN" altLang="en-US"/>
-            </a:p>
-          </p:txBody>
-        </p:sp>
-        <p:sp>
-          <p:nvSpPr>
-            <p:cNvPr id="17" name="矩形 16"/>
-            <p:cNvSpPr/>
-            <p:nvPr/>
-          </p:nvSpPr>
-          <p:spPr>
-            <a:xfrm>
-              <a:off x="2088927" y="3579862"/>
-              <a:ext cx="4499297" cy="508251"/>
-            </a:xfrm>
-            <a:prstGeom prst="rect">
-              <a:avLst/>
-            </a:prstGeom>
-            <a:grpFill/>
-            <a:ln>
-              <a:noFill/>
-            </a:ln>
-            <a:effectLst>
-              <a:outerShdw blurRad="50800" dist="38100" dir="5400000" algn="t" rotWithShape="0">
-                <a:prstClr val="black">
-                  <a:alpha val="40000"/>
-                </a:prstClr>
-              </a:outerShdw>
-            </a:effectLst>
-          </p:spPr>
-          <p:style>
-            <a:lnRef idx="2">
-              <a:schemeClr val="dk1">
-                <a:shade val="50000"/>
-              </a:schemeClr>
-            </a:lnRef>
-            <a:fillRef idx="1">
-              <a:schemeClr val="dk1"/>
-            </a:fillRef>
-            <a:effectRef idx="0">
-              <a:schemeClr val="dk1"/>
-            </a:effectRef>
-            <a:fontRef idx="minor">
-              <a:schemeClr val="lt1"/>
-            </a:fontRef>
-          </p:style>
-          <p:txBody>
-            <a:bodyPr rtlCol="0" anchor="ctr"/>
-            <a:lstStyle/>
-            <a:p>
-              <a:pPr algn="ctr"/>
-              <a:endParaRPr lang="zh-CN" altLang="en-US"/>
-            </a:p>
-          </p:txBody>
-        </p:sp>
-      </p:grpSp>
-      <p:sp>
-        <p:nvSpPr>
-          <p:cNvPr id="18" name="TextBox 33"/>
-          <p:cNvSpPr txBox="1"/>
-          <p:nvPr/>
-        </p:nvSpPr>
-        <p:spPr>
-          <a:xfrm>
-            <a:off x="7236296" y="3735495"/>
-            <a:ext cx="1292770" cy="400110"/>
-          </a:xfrm>
-          <a:prstGeom prst="rect">
-            <a:avLst/>
-          </a:prstGeom>
-          <a:noFill/>
-        </p:spPr>
-        <p:txBody>
-          <a:bodyPr wrap="square" rtlCol="0">
-            <a:spAutoFit/>
-          </a:bodyPr>
-          <a:lstStyle/>
-          <a:p>
-            <a:pPr lvl="0" algn="ctr"/>
-            <a:r>
-              <a:rPr lang="en-US" altLang="zh-CN" sz="2000" b="1" dirty="0" err="1" smtClean="0">
-                <a:solidFill>
-                  <a:schemeClr val="bg1"/>
-                </a:solidFill>
-                <a:effectLst>
-                  <a:outerShdw blurRad="38100" dist="38100" dir="2700000" algn="tl">
-                    <a:srgbClr val="000000">
-                      <a:alpha val="43137"/>
-                    </a:srgbClr>
-                  </a:outerShdw>
-                </a:effectLst>
-                <a:latin typeface="微软雅黑" panose="020B0503020204020204" pitchFamily="34" charset="-122"/>
-                <a:ea typeface="微软雅黑" panose="020B0503020204020204" pitchFamily="34" charset="-122"/>
-              </a:rPr>
-              <a:t>Time.h</a:t>
-            </a:r>
-            <a:endParaRPr lang="zh-CN" altLang="en-US" sz="2000" b="1" dirty="0">
-              <a:solidFill>
-                <a:schemeClr val="bg1"/>
-              </a:solidFill>
-              <a:effectLst>
-                <a:outerShdw blurRad="38100" dist="38100" dir="2700000" algn="tl">
-                  <a:srgbClr val="000000">
-                    <a:alpha val="43137"/>
-                  </a:srgbClr>
-                </a:outerShdw>
-              </a:effectLst>
-              <a:latin typeface="微软雅黑" panose="020B0503020204020204" pitchFamily="34" charset="-122"/>
-              <a:ea typeface="微软雅黑" panose="020B0503020204020204" pitchFamily="34" charset="-122"/>
-            </a:endParaRPr>
-          </a:p>
-        </p:txBody>
-      </p:sp>
-      <p:sp>
-        <p:nvSpPr>
-          <p:cNvPr id="19" name="TextBox 35"/>
-          <p:cNvSpPr txBox="1"/>
-          <p:nvPr/>
-        </p:nvSpPr>
-        <p:spPr>
-          <a:xfrm>
-            <a:off x="1007728" y="1110394"/>
-            <a:ext cx="1728192" cy="523220"/>
-          </a:xfrm>
-          <a:prstGeom prst="rect">
-            <a:avLst/>
-          </a:prstGeom>
-          <a:noFill/>
-        </p:spPr>
-        <p:txBody>
-          <a:bodyPr wrap="square" rtlCol="0">
-            <a:spAutoFit/>
-          </a:bodyPr>
-          <a:lstStyle/>
-          <a:p>
-            <a:pPr lvl="0" algn="ctr"/>
-            <a:r>
-              <a:rPr lang="zh-CN" altLang="en-US" sz="2800" b="1" dirty="0" smtClean="0">
-                <a:solidFill>
-                  <a:schemeClr val="bg1"/>
-                </a:solidFill>
-                <a:effectLst>
-                  <a:outerShdw blurRad="38100" dist="38100" dir="2700000" algn="tl">
-                    <a:srgbClr val="000000">
-                      <a:alpha val="43137"/>
-                    </a:srgbClr>
-                  </a:outerShdw>
-                </a:effectLst>
-                <a:latin typeface="微软雅黑" panose="020B0503020204020204" pitchFamily="34" charset="-122"/>
-                <a:ea typeface="微软雅黑" panose="020B0503020204020204" pitchFamily="34" charset="-122"/>
-              </a:rPr>
-              <a:t>后端类</a:t>
-            </a:r>
-            <a:endParaRPr lang="zh-CN" altLang="en-US" sz="2800" b="1" dirty="0">
-              <a:solidFill>
-                <a:schemeClr val="bg1"/>
-              </a:solidFill>
-              <a:effectLst>
-                <a:outerShdw blurRad="38100" dist="38100" dir="2700000" algn="tl">
-                  <a:srgbClr val="000000">
-                    <a:alpha val="43137"/>
-                  </a:srgbClr>
-                </a:outerShdw>
-              </a:effectLst>
-              <a:latin typeface="微软雅黑" panose="020B0503020204020204" pitchFamily="34" charset="-122"/>
-              <a:ea typeface="微软雅黑" panose="020B0503020204020204" pitchFamily="34" charset="-122"/>
-            </a:endParaRPr>
-          </a:p>
-        </p:txBody>
-      </p:sp>
-      <p:sp>
-        <p:nvSpPr>
-          <p:cNvPr id="20" name="TextBox 36"/>
-          <p:cNvSpPr txBox="1"/>
-          <p:nvPr/>
-        </p:nvSpPr>
-        <p:spPr>
-          <a:xfrm>
-            <a:off x="3203848" y="1594996"/>
-            <a:ext cx="3024336" cy="369332"/>
-          </a:xfrm>
-          <a:prstGeom prst="rect">
-            <a:avLst/>
-          </a:prstGeom>
-          <a:noFill/>
-        </p:spPr>
-        <p:txBody>
-          <a:bodyPr wrap="square" rtlCol="0">
-            <a:spAutoFit/>
-          </a:bodyPr>
-          <a:lstStyle/>
-          <a:p>
-            <a:pPr lvl="0"/>
-            <a:r>
-              <a:rPr lang="zh-CN" altLang="en-US" b="1" dirty="0">
-                <a:solidFill>
-                  <a:schemeClr val="tx1">
-                    <a:lumMod val="75000"/>
-                    <a:lumOff val="25000"/>
-                  </a:schemeClr>
-                </a:solidFill>
-                <a:latin typeface="微软雅黑" panose="020B0503020204020204" pitchFamily="34" charset="-122"/>
-                <a:ea typeface="微软雅黑" panose="020B0503020204020204" pitchFamily="34" charset="-122"/>
-              </a:rPr>
-              <a:t>黑</a:t>
-            </a:r>
-            <a:r>
-              <a:rPr lang="zh-CN" altLang="en-US" b="1" dirty="0" smtClean="0">
-                <a:solidFill>
-                  <a:schemeClr val="tx1">
-                    <a:lumMod val="75000"/>
-                    <a:lumOff val="25000"/>
-                  </a:schemeClr>
-                </a:solidFill>
-                <a:latin typeface="微软雅黑" panose="020B0503020204020204" pitchFamily="34" charset="-122"/>
-                <a:ea typeface="微软雅黑" panose="020B0503020204020204" pitchFamily="34" charset="-122"/>
-              </a:rPr>
-              <a:t>作坊小三</a:t>
-            </a:r>
-            <a:endParaRPr lang="zh-CN" altLang="en-US" b="1" dirty="0">
-              <a:solidFill>
-                <a:schemeClr val="tx1">
-                  <a:lumMod val="75000"/>
-                  <a:lumOff val="25000"/>
-                </a:schemeClr>
-              </a:solidFill>
-              <a:latin typeface="微软雅黑" panose="020B0503020204020204" pitchFamily="34" charset="-122"/>
-              <a:ea typeface="微软雅黑" panose="020B0503020204020204" pitchFamily="34" charset="-122"/>
-            </a:endParaRPr>
-          </a:p>
-        </p:txBody>
-      </p:sp>
-      <p:sp>
-        <p:nvSpPr>
-          <p:cNvPr id="21" name="TextBox 37"/>
-          <p:cNvSpPr txBox="1"/>
-          <p:nvPr/>
-        </p:nvSpPr>
-        <p:spPr>
-          <a:xfrm>
-            <a:off x="2195736" y="2116729"/>
-            <a:ext cx="6048672" cy="418191"/>
-          </a:xfrm>
-          <a:prstGeom prst="rect">
-            <a:avLst/>
-          </a:prstGeom>
-          <a:noFill/>
-        </p:spPr>
-        <p:txBody>
-          <a:bodyPr wrap="square" rtlCol="0">
-            <a:spAutoFit/>
-          </a:bodyPr>
-          <a:lstStyle/>
-          <a:p>
-            <a:pPr marL="285750" lvl="0" indent="-285750">
-              <a:lnSpc>
-                <a:spcPct val="150000"/>
-              </a:lnSpc>
-              <a:buFont typeface="Wingdings" panose="05000000000000000000" pitchFamily="2" charset="2"/>
-              <a:buChar char="Ø"/>
-            </a:pPr>
-            <a:r>
-              <a:rPr lang="zh-CN" altLang="en-US" sz="1600" b="1" dirty="0" smtClean="0">
-                <a:solidFill>
-                  <a:schemeClr val="tx1">
-                    <a:lumMod val="75000"/>
-                    <a:lumOff val="25000"/>
-                  </a:schemeClr>
-                </a:solidFill>
-                <a:latin typeface="微软雅黑" panose="020B0503020204020204" pitchFamily="34" charset="-122"/>
-                <a:ea typeface="微软雅黑" panose="020B0503020204020204" pitchFamily="34" charset="-122"/>
-              </a:rPr>
-              <a:t>写出</a:t>
-            </a:r>
-            <a:r>
-              <a:rPr lang="en-US" altLang="zh-CN" sz="1600" b="1" dirty="0" err="1" smtClean="0">
-                <a:solidFill>
-                  <a:schemeClr val="tx1">
-                    <a:lumMod val="75000"/>
-                    <a:lumOff val="25000"/>
-                  </a:schemeClr>
-                </a:solidFill>
-                <a:latin typeface="微软雅黑" panose="020B0503020204020204" pitchFamily="34" charset="-122"/>
-                <a:ea typeface="微软雅黑" panose="020B0503020204020204" pitchFamily="34" charset="-122"/>
-              </a:rPr>
-              <a:t>Time.h</a:t>
-            </a:r>
-            <a:r>
-              <a:rPr lang="zh-CN" altLang="en-US" sz="1600" b="1" dirty="0" smtClean="0">
-                <a:solidFill>
-                  <a:schemeClr val="tx1">
-                    <a:lumMod val="75000"/>
-                    <a:lumOff val="25000"/>
-                  </a:schemeClr>
-                </a:solidFill>
-                <a:latin typeface="微软雅黑" panose="020B0503020204020204" pitchFamily="34" charset="-122"/>
-                <a:ea typeface="微软雅黑" panose="020B0503020204020204" pitchFamily="34" charset="-122"/>
-              </a:rPr>
-              <a:t>类（后被</a:t>
-            </a:r>
-            <a:r>
-              <a:rPr lang="en-US" altLang="zh-CN" sz="1600" b="1" dirty="0" err="1" smtClean="0">
-                <a:solidFill>
-                  <a:schemeClr val="tx1">
-                    <a:lumMod val="75000"/>
-                    <a:lumOff val="25000"/>
-                  </a:schemeClr>
-                </a:solidFill>
-                <a:latin typeface="微软雅黑" panose="020B0503020204020204" pitchFamily="34" charset="-122"/>
-                <a:ea typeface="微软雅黑" panose="020B0503020204020204" pitchFamily="34" charset="-122"/>
-              </a:rPr>
-              <a:t>QTime</a:t>
-            </a:r>
-            <a:r>
-              <a:rPr lang="zh-CN" altLang="en-US" sz="1600" b="1" dirty="0" smtClean="0">
-                <a:solidFill>
-                  <a:schemeClr val="tx1">
-                    <a:lumMod val="75000"/>
-                    <a:lumOff val="25000"/>
-                  </a:schemeClr>
-                </a:solidFill>
-                <a:latin typeface="微软雅黑" panose="020B0503020204020204" pitchFamily="34" charset="-122"/>
-                <a:ea typeface="微软雅黑" panose="020B0503020204020204" pitchFamily="34" charset="-122"/>
-              </a:rPr>
-              <a:t>取代）</a:t>
-            </a:r>
-            <a:endParaRPr lang="en-US" altLang="zh-CN" sz="1600" b="1" dirty="0">
-              <a:solidFill>
-                <a:schemeClr val="tx1">
-                  <a:lumMod val="75000"/>
-                  <a:lumOff val="25000"/>
-                </a:schemeClr>
-              </a:solidFill>
-              <a:latin typeface="微软雅黑" panose="020B0503020204020204" pitchFamily="34" charset="-122"/>
-              <a:ea typeface="微软雅黑" panose="020B0503020204020204" pitchFamily="34" charset="-122"/>
-            </a:endParaRPr>
-          </a:p>
-        </p:txBody>
-      </p:sp>
-      <p:sp>
-        <p:nvSpPr>
-          <p:cNvPr id="22" name="流程图: 合并 21"/>
-          <p:cNvSpPr/>
-          <p:nvPr/>
-        </p:nvSpPr>
-        <p:spPr>
-          <a:xfrm rot="16200000">
-            <a:off x="147158" y="281205"/>
-            <a:ext cx="360039" cy="240025"/>
-          </a:xfrm>
-          <a:prstGeom prst="flowChartMerge">
-            <a:avLst/>
-          </a:prstGeom>
-          <a:noFill/>
-          <a:ln w="6350">
-            <a:solidFill>
-              <a:schemeClr val="bg1">
-                <a:lumMod val="50000"/>
-              </a:schemeClr>
-            </a:solidFill>
-            <a:prstDash val="sysDash"/>
-          </a:ln>
-        </p:spPr>
-        <p:style>
-          <a:lnRef idx="2">
-            <a:schemeClr val="dk1"/>
-          </a:lnRef>
-          <a:fillRef idx="1">
-            <a:schemeClr val="lt1"/>
-          </a:fillRef>
-          <a:effectRef idx="0">
-            <a:schemeClr val="dk1"/>
-          </a:effectRef>
-          <a:fontRef idx="minor">
-            <a:schemeClr val="dk1"/>
-          </a:fontRef>
-        </p:style>
-        <p:txBody>
-          <a:bodyPr rtlCol="0" anchor="ctr"/>
-          <a:lstStyle/>
-          <a:p>
-            <a:pPr algn="ctr"/>
-            <a:endParaRPr lang="zh-CN" altLang="en-US"/>
-          </a:p>
-        </p:txBody>
-      </p:sp>
-      <p:sp>
-        <p:nvSpPr>
-          <p:cNvPr id="23" name="矩形 22"/>
-          <p:cNvSpPr/>
-          <p:nvPr/>
-        </p:nvSpPr>
-        <p:spPr>
-          <a:xfrm>
-            <a:off x="0" y="5020022"/>
-            <a:ext cx="9144000" cy="216024"/>
-          </a:xfrm>
-          <a:prstGeom prst="rect">
-            <a:avLst/>
-          </a:prstGeom>
-          <a:solidFill>
-            <a:srgbClr val="FA4453">
-              <a:alpha val="70000"/>
-            </a:srgbClr>
-          </a:solidFill>
-          <a:ln>
-            <a:noFill/>
-          </a:ln>
-        </p:spPr>
-        <p:style>
-          <a:lnRef idx="2">
-            <a:schemeClr val="accent1">
-              <a:shade val="50000"/>
-            </a:schemeClr>
-          </a:lnRef>
-          <a:fillRef idx="1">
-            <a:schemeClr val="accent1"/>
-          </a:fillRef>
-          <a:effectRef idx="0">
-            <a:schemeClr val="accent1"/>
-          </a:effectRef>
-          <a:fontRef idx="minor">
-            <a:schemeClr val="lt1"/>
-          </a:fontRef>
-        </p:style>
-        <p:txBody>
-          <a:bodyPr rtlCol="0" anchor="ctr"/>
-          <a:lstStyle/>
-          <a:p>
-            <a:pPr algn="ctr"/>
-            <a:endParaRPr lang="zh-CN" altLang="en-US"/>
-          </a:p>
-        </p:txBody>
-      </p:sp>
-    </p:spTree>
-    <p:extLst>
-      <p:ext uri="{BB962C8B-B14F-4D97-AF65-F5344CB8AC3E}">
-        <p14:creationId xmlns:p14="http://schemas.microsoft.com/office/powerpoint/2010/main" val="3729514379"/>
       </p:ext>
     </p:extLst>
   </p:cSld>
@@ -16729,6 +17643,1246 @@
       </p:grpSpPr>
       <p:sp>
         <p:nvSpPr>
+          <p:cNvPr id="2" name="矩形 1"/>
+          <p:cNvSpPr/>
+          <p:nvPr/>
+        </p:nvSpPr>
+        <p:spPr>
+          <a:xfrm>
+            <a:off x="0" y="-38557"/>
+            <a:ext cx="9144000" cy="5271676"/>
+          </a:xfrm>
+          <a:prstGeom prst="rect">
+            <a:avLst/>
+          </a:prstGeom>
+          <a:solidFill>
+            <a:schemeClr val="dk1">
+              <a:alpha val="12000"/>
+            </a:schemeClr>
+          </a:solidFill>
+          <a:ln>
+            <a:noFill/>
+          </a:ln>
+        </p:spPr>
+        <p:style>
+          <a:lnRef idx="2">
+            <a:schemeClr val="dk1">
+              <a:shade val="50000"/>
+            </a:schemeClr>
+          </a:lnRef>
+          <a:fillRef idx="1">
+            <a:schemeClr val="dk1"/>
+          </a:fillRef>
+          <a:effectRef idx="0">
+            <a:schemeClr val="dk1"/>
+          </a:effectRef>
+          <a:fontRef idx="minor">
+            <a:schemeClr val="lt1"/>
+          </a:fontRef>
+        </p:style>
+        <p:txBody>
+          <a:bodyPr rtlCol="0" anchor="ctr"/>
+          <a:lstStyle/>
+          <a:p>
+            <a:pPr algn="ctr"/>
+            <a:endParaRPr lang="zh-CN" altLang="en-US"/>
+          </a:p>
+        </p:txBody>
+      </p:sp>
+      <p:grpSp>
+        <p:nvGrpSpPr>
+          <p:cNvPr id="3" name="组合 2"/>
+          <p:cNvGrpSpPr/>
+          <p:nvPr/>
+        </p:nvGrpSpPr>
+        <p:grpSpPr>
+          <a:xfrm>
+            <a:off x="107504" y="210010"/>
+            <a:ext cx="3816672" cy="405750"/>
+            <a:chOff x="251520" y="210010"/>
+            <a:chExt cx="3816672" cy="405750"/>
+          </a:xfrm>
+        </p:grpSpPr>
+        <p:cxnSp>
+          <p:nvCxnSpPr>
+            <p:cNvPr id="4" name="直接连接符 3"/>
+            <p:cNvCxnSpPr/>
+            <p:nvPr/>
+          </p:nvCxnSpPr>
+          <p:spPr bwMode="auto">
+            <a:xfrm flipV="1">
+              <a:off x="1033936" y="250660"/>
+              <a:ext cx="0" cy="288032"/>
+            </a:xfrm>
+            <a:prstGeom prst="line">
+              <a:avLst/>
+            </a:prstGeom>
+            <a:ln w="19050">
+              <a:solidFill>
+                <a:schemeClr val="tx1">
+                  <a:lumMod val="65000"/>
+                  <a:lumOff val="35000"/>
+                </a:schemeClr>
+              </a:solidFill>
+            </a:ln>
+            <a:effectLst>
+              <a:outerShdw blurRad="12700" dist="12700" dir="5400000" algn="t" rotWithShape="0">
+                <a:schemeClr val="bg1"/>
+              </a:outerShdw>
+            </a:effectLst>
+          </p:spPr>
+          <p:style>
+            <a:lnRef idx="1">
+              <a:schemeClr val="accent1"/>
+            </a:lnRef>
+            <a:fillRef idx="0">
+              <a:schemeClr val="accent1"/>
+            </a:fillRef>
+            <a:effectRef idx="0">
+              <a:schemeClr val="accent1"/>
+            </a:effectRef>
+            <a:fontRef idx="minor">
+              <a:schemeClr val="tx1"/>
+            </a:fontRef>
+          </p:style>
+        </p:cxnSp>
+        <p:sp>
+          <p:nvSpPr>
+            <p:cNvPr id="5" name="TextBox 3"/>
+            <p:cNvSpPr txBox="1"/>
+            <p:nvPr/>
+          </p:nvSpPr>
+          <p:spPr>
+            <a:xfrm>
+              <a:off x="251520" y="215650"/>
+              <a:ext cx="782416" cy="400110"/>
+            </a:xfrm>
+            <a:prstGeom prst="rect">
+              <a:avLst/>
+            </a:prstGeom>
+            <a:noFill/>
+          </p:spPr>
+          <p:txBody>
+            <a:bodyPr wrap="square" rtlCol="0">
+              <a:spAutoFit/>
+            </a:bodyPr>
+            <a:lstStyle/>
+            <a:p>
+              <a:pPr lvl="0" algn="r"/>
+              <a:r>
+                <a:rPr lang="en-US" altLang="zh-CN" sz="2000" b="1" dirty="0" smtClean="0">
+                  <a:solidFill>
+                    <a:schemeClr val="tx1">
+                      <a:lumMod val="75000"/>
+                      <a:lumOff val="25000"/>
+                    </a:schemeClr>
+                  </a:solidFill>
+                  <a:latin typeface="微软雅黑" panose="020B0503020204020204" pitchFamily="34" charset="-122"/>
+                  <a:ea typeface="微软雅黑" panose="020B0503020204020204" pitchFamily="34" charset="-122"/>
+                </a:rPr>
+                <a:t>05</a:t>
+              </a:r>
+              <a:endParaRPr lang="zh-CN" altLang="zh-CN" sz="2000" b="1" dirty="0">
+                <a:solidFill>
+                  <a:schemeClr val="tx1">
+                    <a:lumMod val="75000"/>
+                    <a:lumOff val="25000"/>
+                  </a:schemeClr>
+                </a:solidFill>
+                <a:latin typeface="微软雅黑" panose="020B0503020204020204" pitchFamily="34" charset="-122"/>
+                <a:ea typeface="微软雅黑" panose="020B0503020204020204" pitchFamily="34" charset="-122"/>
+              </a:endParaRPr>
+            </a:p>
+          </p:txBody>
+        </p:sp>
+        <p:sp>
+          <p:nvSpPr>
+            <p:cNvPr id="6" name="TextBox 4"/>
+            <p:cNvSpPr txBox="1"/>
+            <p:nvPr/>
+          </p:nvSpPr>
+          <p:spPr>
+            <a:xfrm>
+              <a:off x="1043856" y="210010"/>
+              <a:ext cx="3024336" cy="369332"/>
+            </a:xfrm>
+            <a:prstGeom prst="rect">
+              <a:avLst/>
+            </a:prstGeom>
+            <a:noFill/>
+          </p:spPr>
+          <p:txBody>
+            <a:bodyPr wrap="square" rtlCol="0">
+              <a:spAutoFit/>
+            </a:bodyPr>
+            <a:lstStyle/>
+            <a:p>
+              <a:r>
+                <a:rPr lang="zh-CN" altLang="en-US" b="1" dirty="0">
+                  <a:solidFill>
+                    <a:schemeClr val="tx1">
+                      <a:lumMod val="75000"/>
+                      <a:lumOff val="25000"/>
+                    </a:schemeClr>
+                  </a:solidFill>
+                  <a:latin typeface="微软雅黑" panose="020B0503020204020204" pitchFamily="34" charset="-122"/>
+                  <a:ea typeface="微软雅黑" panose="020B0503020204020204" pitchFamily="34" charset="-122"/>
+                </a:rPr>
+                <a:t>黑作坊小</a:t>
+              </a:r>
+              <a:r>
+                <a:rPr lang="zh-CN" altLang="en-US" b="1" dirty="0" smtClean="0">
+                  <a:solidFill>
+                    <a:schemeClr val="tx1">
+                      <a:lumMod val="75000"/>
+                      <a:lumOff val="25000"/>
+                    </a:schemeClr>
+                  </a:solidFill>
+                  <a:latin typeface="微软雅黑" panose="020B0503020204020204" pitchFamily="34" charset="-122"/>
+                  <a:ea typeface="微软雅黑" panose="020B0503020204020204" pitchFamily="34" charset="-122"/>
+                </a:rPr>
+                <a:t>三</a:t>
+              </a:r>
+              <a:endParaRPr lang="zh-CN" altLang="en-US" b="1" dirty="0">
+                <a:solidFill>
+                  <a:schemeClr val="tx1">
+                    <a:lumMod val="75000"/>
+                    <a:lumOff val="25000"/>
+                  </a:schemeClr>
+                </a:solidFill>
+                <a:latin typeface="微软雅黑" panose="020B0503020204020204" pitchFamily="34" charset="-122"/>
+                <a:ea typeface="微软雅黑" panose="020B0503020204020204" pitchFamily="34" charset="-122"/>
+              </a:endParaRPr>
+            </a:p>
+          </p:txBody>
+        </p:sp>
+      </p:grpSp>
+      <p:sp>
+        <p:nvSpPr>
+          <p:cNvPr id="7" name="TextBox 5"/>
+          <p:cNvSpPr txBox="1"/>
+          <p:nvPr/>
+        </p:nvSpPr>
+        <p:spPr>
+          <a:xfrm>
+            <a:off x="7524328" y="-92547"/>
+            <a:ext cx="1512168" cy="923330"/>
+          </a:xfrm>
+          <a:prstGeom prst="rect">
+            <a:avLst/>
+          </a:prstGeom>
+          <a:noFill/>
+          <a:effectLst>
+            <a:outerShdw blurRad="50800" dist="38100" dir="5400000" algn="t" rotWithShape="0">
+              <a:prstClr val="black">
+                <a:alpha val="40000"/>
+              </a:prstClr>
+            </a:outerShdw>
+          </a:effectLst>
+        </p:spPr>
+        <p:txBody>
+          <a:bodyPr wrap="square" rtlCol="0">
+            <a:spAutoFit/>
+          </a:bodyPr>
+          <a:lstStyle/>
+          <a:p>
+            <a:pPr lvl="0" algn="r"/>
+            <a:r>
+              <a:rPr lang="en-US" altLang="zh-CN" sz="5400" b="1" dirty="0" smtClean="0">
+                <a:solidFill>
+                  <a:srgbClr val="05AFC8"/>
+                </a:solidFill>
+                <a:latin typeface="微软雅黑" panose="020B0503020204020204" pitchFamily="34" charset="-122"/>
+                <a:ea typeface="微软雅黑" panose="020B0503020204020204" pitchFamily="34" charset="-122"/>
+              </a:rPr>
+              <a:t>·</a:t>
+            </a:r>
+            <a:r>
+              <a:rPr lang="en-US" altLang="zh-CN" sz="5400" b="1" dirty="0" smtClean="0">
+                <a:solidFill>
+                  <a:schemeClr val="tx1">
+                    <a:lumMod val="75000"/>
+                    <a:lumOff val="25000"/>
+                  </a:schemeClr>
+                </a:solidFill>
+                <a:latin typeface="微软雅黑" panose="020B0503020204020204" pitchFamily="34" charset="-122"/>
+                <a:ea typeface="微软雅黑" panose="020B0503020204020204" pitchFamily="34" charset="-122"/>
+              </a:rPr>
+              <a:t> </a:t>
+            </a:r>
+            <a:r>
+              <a:rPr lang="en-US" altLang="zh-CN" sz="5400" b="1" dirty="0" smtClean="0">
+                <a:solidFill>
+                  <a:srgbClr val="FFC000"/>
+                </a:solidFill>
+                <a:latin typeface="微软雅黑" panose="020B0503020204020204" pitchFamily="34" charset="-122"/>
+                <a:ea typeface="微软雅黑" panose="020B0503020204020204" pitchFamily="34" charset="-122"/>
+              </a:rPr>
+              <a:t>·</a:t>
+            </a:r>
+            <a:r>
+              <a:rPr lang="en-US" altLang="zh-CN" sz="5400" b="1" dirty="0" smtClean="0">
+                <a:solidFill>
+                  <a:schemeClr val="tx1">
+                    <a:lumMod val="75000"/>
+                    <a:lumOff val="25000"/>
+                  </a:schemeClr>
+                </a:solidFill>
+                <a:latin typeface="微软雅黑" panose="020B0503020204020204" pitchFamily="34" charset="-122"/>
+                <a:ea typeface="微软雅黑" panose="020B0503020204020204" pitchFamily="34" charset="-122"/>
+              </a:rPr>
+              <a:t> </a:t>
+            </a:r>
+            <a:r>
+              <a:rPr lang="en-US" altLang="zh-CN" sz="5400" b="1" dirty="0" smtClean="0">
+                <a:solidFill>
+                  <a:srgbClr val="FA4453"/>
+                </a:solidFill>
+                <a:latin typeface="微软雅黑" panose="020B0503020204020204" pitchFamily="34" charset="-122"/>
+                <a:ea typeface="微软雅黑" panose="020B0503020204020204" pitchFamily="34" charset="-122"/>
+              </a:rPr>
+              <a:t>·</a:t>
+            </a:r>
+            <a:endParaRPr lang="zh-CN" altLang="zh-CN" sz="5400" b="1" dirty="0">
+              <a:solidFill>
+                <a:srgbClr val="FA4453"/>
+              </a:solidFill>
+              <a:latin typeface="微软雅黑" panose="020B0503020204020204" pitchFamily="34" charset="-122"/>
+              <a:ea typeface="微软雅黑" panose="020B0503020204020204" pitchFamily="34" charset="-122"/>
+            </a:endParaRPr>
+          </a:p>
+        </p:txBody>
+      </p:sp>
+      <p:grpSp>
+        <p:nvGrpSpPr>
+          <p:cNvPr id="8" name="组合 7"/>
+          <p:cNvGrpSpPr/>
+          <p:nvPr/>
+        </p:nvGrpSpPr>
+        <p:grpSpPr>
+          <a:xfrm>
+            <a:off x="899840" y="830784"/>
+            <a:ext cx="1943968" cy="1020886"/>
+            <a:chOff x="971600" y="2086838"/>
+            <a:chExt cx="1943968" cy="1020886"/>
+          </a:xfrm>
+        </p:grpSpPr>
+        <p:sp>
+          <p:nvSpPr>
+            <p:cNvPr id="9" name="矩形 8"/>
+            <p:cNvSpPr/>
+            <p:nvPr/>
+          </p:nvSpPr>
+          <p:spPr>
+            <a:xfrm>
+              <a:off x="971600" y="2086838"/>
+              <a:ext cx="1943968" cy="1020886"/>
+            </a:xfrm>
+            <a:prstGeom prst="rect">
+              <a:avLst/>
+            </a:prstGeom>
+            <a:solidFill>
+              <a:schemeClr val="bg1"/>
+            </a:solidFill>
+            <a:ln>
+              <a:noFill/>
+            </a:ln>
+            <a:effectLst>
+              <a:outerShdw blurRad="50800" dist="38100" dir="5400000" algn="t" rotWithShape="0">
+                <a:prstClr val="black">
+                  <a:alpha val="40000"/>
+                </a:prstClr>
+              </a:outerShdw>
+            </a:effectLst>
+          </p:spPr>
+          <p:style>
+            <a:lnRef idx="2">
+              <a:schemeClr val="accent1">
+                <a:shade val="50000"/>
+              </a:schemeClr>
+            </a:lnRef>
+            <a:fillRef idx="1">
+              <a:schemeClr val="accent1"/>
+            </a:fillRef>
+            <a:effectRef idx="0">
+              <a:schemeClr val="accent1"/>
+            </a:effectRef>
+            <a:fontRef idx="minor">
+              <a:schemeClr val="lt1"/>
+            </a:fontRef>
+          </p:style>
+          <p:txBody>
+            <a:bodyPr rtlCol="0" anchor="ctr"/>
+            <a:lstStyle/>
+            <a:p>
+              <a:pPr algn="ctr"/>
+              <a:endParaRPr lang="zh-CN" altLang="en-US"/>
+            </a:p>
+          </p:txBody>
+        </p:sp>
+        <p:sp>
+          <p:nvSpPr>
+            <p:cNvPr id="10" name="矩形 9"/>
+            <p:cNvSpPr/>
+            <p:nvPr/>
+          </p:nvSpPr>
+          <p:spPr>
+            <a:xfrm>
+              <a:off x="1079488" y="2158846"/>
+              <a:ext cx="1728192" cy="876870"/>
+            </a:xfrm>
+            <a:prstGeom prst="rect">
+              <a:avLst/>
+            </a:prstGeom>
+            <a:solidFill>
+              <a:srgbClr val="05AFC8"/>
+            </a:solidFill>
+            <a:ln w="101600">
+              <a:noFill/>
+            </a:ln>
+            <a:effectLst>
+              <a:outerShdw blurRad="50800" dist="38100" dir="5400000" algn="t" rotWithShape="0">
+                <a:prstClr val="black">
+                  <a:alpha val="40000"/>
+                </a:prstClr>
+              </a:outerShdw>
+            </a:effectLst>
+          </p:spPr>
+          <p:style>
+            <a:lnRef idx="2">
+              <a:schemeClr val="accent1">
+                <a:shade val="50000"/>
+              </a:schemeClr>
+            </a:lnRef>
+            <a:fillRef idx="1">
+              <a:schemeClr val="accent1"/>
+            </a:fillRef>
+            <a:effectRef idx="0">
+              <a:schemeClr val="accent1"/>
+            </a:effectRef>
+            <a:fontRef idx="minor">
+              <a:schemeClr val="lt1"/>
+            </a:fontRef>
+          </p:style>
+          <p:txBody>
+            <a:bodyPr rtlCol="0" anchor="ctr"/>
+            <a:lstStyle/>
+            <a:p>
+              <a:pPr algn="ctr"/>
+              <a:endParaRPr lang="zh-CN" altLang="en-US"/>
+            </a:p>
+          </p:txBody>
+        </p:sp>
+      </p:grpSp>
+      <p:grpSp>
+        <p:nvGrpSpPr>
+          <p:cNvPr id="11" name="组合 10"/>
+          <p:cNvGrpSpPr/>
+          <p:nvPr/>
+        </p:nvGrpSpPr>
+        <p:grpSpPr>
+          <a:xfrm>
+            <a:off x="6739427" y="3651871"/>
+            <a:ext cx="2160240" cy="567361"/>
+            <a:chOff x="971600" y="2086838"/>
+            <a:chExt cx="1943968" cy="1020886"/>
+          </a:xfrm>
+        </p:grpSpPr>
+        <p:sp>
+          <p:nvSpPr>
+            <p:cNvPr id="12" name="矩形 11"/>
+            <p:cNvSpPr/>
+            <p:nvPr/>
+          </p:nvSpPr>
+          <p:spPr>
+            <a:xfrm>
+              <a:off x="971600" y="2086838"/>
+              <a:ext cx="1943968" cy="1020886"/>
+            </a:xfrm>
+            <a:prstGeom prst="rect">
+              <a:avLst/>
+            </a:prstGeom>
+            <a:solidFill>
+              <a:schemeClr val="bg1"/>
+            </a:solidFill>
+            <a:ln>
+              <a:noFill/>
+            </a:ln>
+            <a:effectLst>
+              <a:outerShdw blurRad="50800" dist="38100" dir="5400000" algn="t" rotWithShape="0">
+                <a:prstClr val="black">
+                  <a:alpha val="40000"/>
+                </a:prstClr>
+              </a:outerShdw>
+            </a:effectLst>
+          </p:spPr>
+          <p:style>
+            <a:lnRef idx="2">
+              <a:schemeClr val="accent1">
+                <a:shade val="50000"/>
+              </a:schemeClr>
+            </a:lnRef>
+            <a:fillRef idx="1">
+              <a:schemeClr val="accent1"/>
+            </a:fillRef>
+            <a:effectRef idx="0">
+              <a:schemeClr val="accent1"/>
+            </a:effectRef>
+            <a:fontRef idx="minor">
+              <a:schemeClr val="lt1"/>
+            </a:fontRef>
+          </p:style>
+          <p:txBody>
+            <a:bodyPr rtlCol="0" anchor="ctr"/>
+            <a:lstStyle/>
+            <a:p>
+              <a:pPr algn="ctr"/>
+              <a:endParaRPr lang="zh-CN" altLang="en-US"/>
+            </a:p>
+          </p:txBody>
+        </p:sp>
+        <p:sp>
+          <p:nvSpPr>
+            <p:cNvPr id="13" name="矩形 12"/>
+            <p:cNvSpPr/>
+            <p:nvPr/>
+          </p:nvSpPr>
+          <p:spPr>
+            <a:xfrm>
+              <a:off x="1079488" y="2187625"/>
+              <a:ext cx="1728192" cy="819309"/>
+            </a:xfrm>
+            <a:prstGeom prst="rect">
+              <a:avLst/>
+            </a:prstGeom>
+            <a:solidFill>
+              <a:srgbClr val="FFC000"/>
+            </a:solidFill>
+            <a:ln w="101600">
+              <a:noFill/>
+            </a:ln>
+            <a:effectLst>
+              <a:outerShdw blurRad="50800" dist="38100" dir="5400000" algn="t" rotWithShape="0">
+                <a:prstClr val="black">
+                  <a:alpha val="40000"/>
+                </a:prstClr>
+              </a:outerShdw>
+            </a:effectLst>
+          </p:spPr>
+          <p:style>
+            <a:lnRef idx="2">
+              <a:schemeClr val="accent1">
+                <a:shade val="50000"/>
+              </a:schemeClr>
+            </a:lnRef>
+            <a:fillRef idx="1">
+              <a:schemeClr val="accent1"/>
+            </a:fillRef>
+            <a:effectRef idx="0">
+              <a:schemeClr val="accent1"/>
+            </a:effectRef>
+            <a:fontRef idx="minor">
+              <a:schemeClr val="lt1"/>
+            </a:fontRef>
+          </p:style>
+          <p:txBody>
+            <a:bodyPr rtlCol="0" anchor="ctr"/>
+            <a:lstStyle/>
+            <a:p>
+              <a:pPr algn="ctr"/>
+              <a:endParaRPr lang="zh-CN" altLang="en-US"/>
+            </a:p>
+          </p:txBody>
+        </p:sp>
+      </p:grpSp>
+      <p:grpSp>
+        <p:nvGrpSpPr>
+          <p:cNvPr id="14" name="组合 13"/>
+          <p:cNvGrpSpPr/>
+          <p:nvPr/>
+        </p:nvGrpSpPr>
+        <p:grpSpPr>
+          <a:xfrm>
+            <a:off x="2088096" y="1485799"/>
+            <a:ext cx="6156312" cy="2602315"/>
+            <a:chOff x="2088096" y="1485798"/>
+            <a:chExt cx="6156312" cy="2602315"/>
+          </a:xfrm>
+          <a:solidFill>
+            <a:schemeClr val="bg1"/>
+          </a:solidFill>
+        </p:grpSpPr>
+        <p:sp>
+          <p:nvSpPr>
+            <p:cNvPr id="15" name="矩形 14"/>
+            <p:cNvSpPr/>
+            <p:nvPr/>
+          </p:nvSpPr>
+          <p:spPr>
+            <a:xfrm>
+              <a:off x="2088096" y="1995686"/>
+              <a:ext cx="6156312" cy="1584176"/>
+            </a:xfrm>
+            <a:prstGeom prst="rect">
+              <a:avLst/>
+            </a:prstGeom>
+            <a:grpFill/>
+            <a:ln>
+              <a:noFill/>
+            </a:ln>
+            <a:effectLst>
+              <a:outerShdw blurRad="50800" dist="38100" dir="5400000" algn="t" rotWithShape="0">
+                <a:prstClr val="black">
+                  <a:alpha val="40000"/>
+                </a:prstClr>
+              </a:outerShdw>
+            </a:effectLst>
+          </p:spPr>
+          <p:style>
+            <a:lnRef idx="2">
+              <a:schemeClr val="dk1">
+                <a:shade val="50000"/>
+              </a:schemeClr>
+            </a:lnRef>
+            <a:fillRef idx="1">
+              <a:schemeClr val="dk1"/>
+            </a:fillRef>
+            <a:effectRef idx="0">
+              <a:schemeClr val="dk1"/>
+            </a:effectRef>
+            <a:fontRef idx="minor">
+              <a:schemeClr val="lt1"/>
+            </a:fontRef>
+          </p:style>
+          <p:txBody>
+            <a:bodyPr rtlCol="0" anchor="ctr"/>
+            <a:lstStyle/>
+            <a:p>
+              <a:pPr algn="ctr"/>
+              <a:endParaRPr lang="zh-CN" altLang="en-US"/>
+            </a:p>
+          </p:txBody>
+        </p:sp>
+        <p:sp>
+          <p:nvSpPr>
+            <p:cNvPr id="16" name="矩形 15"/>
+            <p:cNvSpPr/>
+            <p:nvPr/>
+          </p:nvSpPr>
+          <p:spPr>
+            <a:xfrm>
+              <a:off x="2915816" y="1485798"/>
+              <a:ext cx="5328592" cy="508251"/>
+            </a:xfrm>
+            <a:prstGeom prst="rect">
+              <a:avLst/>
+            </a:prstGeom>
+            <a:grpFill/>
+            <a:ln>
+              <a:noFill/>
+            </a:ln>
+            <a:effectLst/>
+          </p:spPr>
+          <p:style>
+            <a:lnRef idx="2">
+              <a:schemeClr val="dk1">
+                <a:shade val="50000"/>
+              </a:schemeClr>
+            </a:lnRef>
+            <a:fillRef idx="1">
+              <a:schemeClr val="dk1"/>
+            </a:fillRef>
+            <a:effectRef idx="0">
+              <a:schemeClr val="dk1"/>
+            </a:effectRef>
+            <a:fontRef idx="minor">
+              <a:schemeClr val="lt1"/>
+            </a:fontRef>
+          </p:style>
+          <p:txBody>
+            <a:bodyPr rtlCol="0" anchor="ctr"/>
+            <a:lstStyle/>
+            <a:p>
+              <a:pPr algn="ctr"/>
+              <a:endParaRPr lang="zh-CN" altLang="en-US"/>
+            </a:p>
+          </p:txBody>
+        </p:sp>
+        <p:sp>
+          <p:nvSpPr>
+            <p:cNvPr id="17" name="矩形 16"/>
+            <p:cNvSpPr/>
+            <p:nvPr/>
+          </p:nvSpPr>
+          <p:spPr>
+            <a:xfrm>
+              <a:off x="2088927" y="3579862"/>
+              <a:ext cx="4499297" cy="508251"/>
+            </a:xfrm>
+            <a:prstGeom prst="rect">
+              <a:avLst/>
+            </a:prstGeom>
+            <a:grpFill/>
+            <a:ln>
+              <a:noFill/>
+            </a:ln>
+            <a:effectLst>
+              <a:outerShdw blurRad="50800" dist="38100" dir="5400000" algn="t" rotWithShape="0">
+                <a:prstClr val="black">
+                  <a:alpha val="40000"/>
+                </a:prstClr>
+              </a:outerShdw>
+            </a:effectLst>
+          </p:spPr>
+          <p:style>
+            <a:lnRef idx="2">
+              <a:schemeClr val="dk1">
+                <a:shade val="50000"/>
+              </a:schemeClr>
+            </a:lnRef>
+            <a:fillRef idx="1">
+              <a:schemeClr val="dk1"/>
+            </a:fillRef>
+            <a:effectRef idx="0">
+              <a:schemeClr val="dk1"/>
+            </a:effectRef>
+            <a:fontRef idx="minor">
+              <a:schemeClr val="lt1"/>
+            </a:fontRef>
+          </p:style>
+          <p:txBody>
+            <a:bodyPr rtlCol="0" anchor="ctr"/>
+            <a:lstStyle/>
+            <a:p>
+              <a:pPr algn="ctr"/>
+              <a:endParaRPr lang="zh-CN" altLang="en-US"/>
+            </a:p>
+          </p:txBody>
+        </p:sp>
+      </p:grpSp>
+      <p:sp>
+        <p:nvSpPr>
+          <p:cNvPr id="18" name="TextBox 33"/>
+          <p:cNvSpPr txBox="1"/>
+          <p:nvPr/>
+        </p:nvSpPr>
+        <p:spPr>
+          <a:xfrm>
+            <a:off x="7236296" y="3735495"/>
+            <a:ext cx="1292770" cy="400110"/>
+          </a:xfrm>
+          <a:prstGeom prst="rect">
+            <a:avLst/>
+          </a:prstGeom>
+          <a:noFill/>
+        </p:spPr>
+        <p:txBody>
+          <a:bodyPr wrap="square" rtlCol="0">
+            <a:spAutoFit/>
+          </a:bodyPr>
+          <a:lstStyle/>
+          <a:p>
+            <a:pPr lvl="0" algn="ctr"/>
+            <a:r>
+              <a:rPr lang="en-US" altLang="zh-CN" sz="2000" b="1" dirty="0" smtClean="0">
+                <a:solidFill>
+                  <a:schemeClr val="bg1"/>
+                </a:solidFill>
+                <a:effectLst>
+                  <a:outerShdw blurRad="38100" dist="38100" dir="2700000" algn="tl">
+                    <a:srgbClr val="000000">
+                      <a:alpha val="43137"/>
+                    </a:srgbClr>
+                  </a:outerShdw>
+                </a:effectLst>
+                <a:latin typeface="微软雅黑" panose="020B0503020204020204" pitchFamily="34" charset="-122"/>
+                <a:ea typeface="微软雅黑" panose="020B0503020204020204" pitchFamily="34" charset="-122"/>
+              </a:rPr>
+              <a:t>Station</a:t>
+            </a:r>
+            <a:endParaRPr lang="zh-CN" altLang="en-US" sz="2000" b="1" dirty="0">
+              <a:solidFill>
+                <a:schemeClr val="bg1"/>
+              </a:solidFill>
+              <a:effectLst>
+                <a:outerShdw blurRad="38100" dist="38100" dir="2700000" algn="tl">
+                  <a:srgbClr val="000000">
+                    <a:alpha val="43137"/>
+                  </a:srgbClr>
+                </a:outerShdw>
+              </a:effectLst>
+              <a:latin typeface="微软雅黑" panose="020B0503020204020204" pitchFamily="34" charset="-122"/>
+              <a:ea typeface="微软雅黑" panose="020B0503020204020204" pitchFamily="34" charset="-122"/>
+            </a:endParaRPr>
+          </a:p>
+        </p:txBody>
+      </p:sp>
+      <p:sp>
+        <p:nvSpPr>
+          <p:cNvPr id="19" name="TextBox 35"/>
+          <p:cNvSpPr txBox="1"/>
+          <p:nvPr/>
+        </p:nvSpPr>
+        <p:spPr>
+          <a:xfrm>
+            <a:off x="1007728" y="1110394"/>
+            <a:ext cx="1728192" cy="523220"/>
+          </a:xfrm>
+          <a:prstGeom prst="rect">
+            <a:avLst/>
+          </a:prstGeom>
+          <a:noFill/>
+        </p:spPr>
+        <p:txBody>
+          <a:bodyPr wrap="square" rtlCol="0">
+            <a:spAutoFit/>
+          </a:bodyPr>
+          <a:lstStyle/>
+          <a:p>
+            <a:pPr lvl="0" algn="ctr"/>
+            <a:r>
+              <a:rPr lang="zh-CN" altLang="en-US" sz="2800" b="1" dirty="0" smtClean="0">
+                <a:solidFill>
+                  <a:schemeClr val="bg1"/>
+                </a:solidFill>
+                <a:effectLst>
+                  <a:outerShdw blurRad="38100" dist="38100" dir="2700000" algn="tl">
+                    <a:srgbClr val="000000">
+                      <a:alpha val="43137"/>
+                    </a:srgbClr>
+                  </a:outerShdw>
+                </a:effectLst>
+                <a:latin typeface="微软雅黑" panose="020B0503020204020204" pitchFamily="34" charset="-122"/>
+                <a:ea typeface="微软雅黑" panose="020B0503020204020204" pitchFamily="34" charset="-122"/>
+              </a:rPr>
+              <a:t>后端类</a:t>
+            </a:r>
+            <a:endParaRPr lang="zh-CN" altLang="en-US" sz="2800" b="1" dirty="0">
+              <a:solidFill>
+                <a:schemeClr val="bg1"/>
+              </a:solidFill>
+              <a:effectLst>
+                <a:outerShdw blurRad="38100" dist="38100" dir="2700000" algn="tl">
+                  <a:srgbClr val="000000">
+                    <a:alpha val="43137"/>
+                  </a:srgbClr>
+                </a:outerShdw>
+              </a:effectLst>
+              <a:latin typeface="微软雅黑" panose="020B0503020204020204" pitchFamily="34" charset="-122"/>
+              <a:ea typeface="微软雅黑" panose="020B0503020204020204" pitchFamily="34" charset="-122"/>
+            </a:endParaRPr>
+          </a:p>
+        </p:txBody>
+      </p:sp>
+      <p:sp>
+        <p:nvSpPr>
+          <p:cNvPr id="20" name="TextBox 36"/>
+          <p:cNvSpPr txBox="1"/>
+          <p:nvPr/>
+        </p:nvSpPr>
+        <p:spPr>
+          <a:xfrm>
+            <a:off x="3203848" y="1594996"/>
+            <a:ext cx="3024336" cy="369332"/>
+          </a:xfrm>
+          <a:prstGeom prst="rect">
+            <a:avLst/>
+          </a:prstGeom>
+          <a:noFill/>
+        </p:spPr>
+        <p:txBody>
+          <a:bodyPr wrap="square" rtlCol="0">
+            <a:spAutoFit/>
+          </a:bodyPr>
+          <a:lstStyle/>
+          <a:p>
+            <a:pPr lvl="0"/>
+            <a:r>
+              <a:rPr lang="zh-CN" altLang="en-US" b="1" dirty="0">
+                <a:solidFill>
+                  <a:schemeClr val="tx1">
+                    <a:lumMod val="75000"/>
+                    <a:lumOff val="25000"/>
+                  </a:schemeClr>
+                </a:solidFill>
+                <a:latin typeface="微软雅黑" panose="020B0503020204020204" pitchFamily="34" charset="-122"/>
+                <a:ea typeface="微软雅黑" panose="020B0503020204020204" pitchFamily="34" charset="-122"/>
+              </a:rPr>
+              <a:t>王翰竞</a:t>
+            </a:r>
+            <a:endParaRPr lang="en-US" altLang="zh-CN" b="1" dirty="0">
+              <a:solidFill>
+                <a:schemeClr val="tx1">
+                  <a:lumMod val="75000"/>
+                  <a:lumOff val="25000"/>
+                </a:schemeClr>
+              </a:solidFill>
+              <a:latin typeface="微软雅黑" panose="020B0503020204020204" pitchFamily="34" charset="-122"/>
+              <a:ea typeface="微软雅黑" panose="020B0503020204020204" pitchFamily="34" charset="-122"/>
+            </a:endParaRPr>
+          </a:p>
+        </p:txBody>
+      </p:sp>
+      <p:sp>
+        <p:nvSpPr>
+          <p:cNvPr id="21" name="TextBox 37"/>
+          <p:cNvSpPr txBox="1"/>
+          <p:nvPr/>
+        </p:nvSpPr>
+        <p:spPr>
+          <a:xfrm>
+            <a:off x="2195736" y="2116729"/>
+            <a:ext cx="6048672" cy="1200329"/>
+          </a:xfrm>
+          <a:prstGeom prst="rect">
+            <a:avLst/>
+          </a:prstGeom>
+          <a:noFill/>
+        </p:spPr>
+        <p:txBody>
+          <a:bodyPr wrap="square" rtlCol="0">
+            <a:spAutoFit/>
+          </a:bodyPr>
+          <a:lstStyle/>
+          <a:p>
+            <a:pPr marL="285750" lvl="0" indent="-285750">
+              <a:lnSpc>
+                <a:spcPct val="150000"/>
+              </a:lnSpc>
+              <a:buFont typeface="Wingdings" panose="05000000000000000000" pitchFamily="2" charset="2"/>
+              <a:buChar char="Ø"/>
+            </a:pPr>
+            <a:r>
+              <a:rPr lang="en-US" altLang="zh-CN" sz="1600" b="1" dirty="0" smtClean="0">
+                <a:solidFill>
+                  <a:schemeClr val="tx1">
+                    <a:lumMod val="75000"/>
+                    <a:lumOff val="25000"/>
+                  </a:schemeClr>
+                </a:solidFill>
+                <a:latin typeface="微软雅黑" panose="020B0503020204020204" pitchFamily="34" charset="-122"/>
+                <a:ea typeface="微软雅黑" panose="020B0503020204020204" pitchFamily="34" charset="-122"/>
+              </a:rPr>
+              <a:t>Log</a:t>
+            </a:r>
+            <a:r>
+              <a:rPr lang="zh-CN" altLang="en-US" sz="1600" b="1" dirty="0" smtClean="0">
+                <a:solidFill>
+                  <a:schemeClr val="tx1">
+                    <a:lumMod val="75000"/>
+                    <a:lumOff val="25000"/>
+                  </a:schemeClr>
+                </a:solidFill>
+                <a:latin typeface="微软雅黑" panose="020B0503020204020204" pitchFamily="34" charset="-122"/>
+                <a:ea typeface="微软雅黑" panose="020B0503020204020204" pitchFamily="34" charset="-122"/>
+              </a:rPr>
+              <a:t>类的雏形</a:t>
+            </a:r>
+            <a:endParaRPr lang="en-US" altLang="zh-CN" sz="1600" b="1" dirty="0" smtClean="0">
+              <a:solidFill>
+                <a:schemeClr val="tx1">
+                  <a:lumMod val="75000"/>
+                  <a:lumOff val="25000"/>
+                </a:schemeClr>
+              </a:solidFill>
+              <a:latin typeface="微软雅黑" panose="020B0503020204020204" pitchFamily="34" charset="-122"/>
+              <a:ea typeface="微软雅黑" panose="020B0503020204020204" pitchFamily="34" charset="-122"/>
+            </a:endParaRPr>
+          </a:p>
+          <a:p>
+            <a:pPr marL="285750" lvl="0" indent="-285750">
+              <a:lnSpc>
+                <a:spcPct val="150000"/>
+              </a:lnSpc>
+              <a:buFont typeface="Wingdings" panose="05000000000000000000" pitchFamily="2" charset="2"/>
+              <a:buChar char="Ø"/>
+            </a:pPr>
+            <a:r>
+              <a:rPr lang="zh-CN" altLang="en-US" sz="1600" b="1" dirty="0" smtClean="0">
+                <a:solidFill>
+                  <a:schemeClr val="tx1">
+                    <a:lumMod val="75000"/>
+                    <a:lumOff val="25000"/>
+                  </a:schemeClr>
+                </a:solidFill>
+                <a:latin typeface="微软雅黑" panose="020B0503020204020204" pitchFamily="34" charset="-122"/>
+                <a:ea typeface="微软雅黑" panose="020B0503020204020204" pitchFamily="34" charset="-122"/>
+              </a:rPr>
+              <a:t>参与后端</a:t>
+            </a:r>
+            <a:r>
+              <a:rPr lang="en-US" altLang="zh-CN" sz="1600" b="1" dirty="0" smtClean="0">
+                <a:solidFill>
+                  <a:schemeClr val="tx1">
+                    <a:lumMod val="75000"/>
+                    <a:lumOff val="25000"/>
+                  </a:schemeClr>
+                </a:solidFill>
+                <a:latin typeface="微软雅黑" panose="020B0503020204020204" pitchFamily="34" charset="-122"/>
+                <a:ea typeface="微软雅黑" panose="020B0503020204020204" pitchFamily="34" charset="-122"/>
+              </a:rPr>
+              <a:t>S</a:t>
+            </a:r>
+            <a:r>
+              <a:rPr lang="en-US" altLang="zh-CN" sz="1600" b="1" dirty="0" smtClean="0">
+                <a:solidFill>
+                  <a:schemeClr val="tx1">
+                    <a:lumMod val="75000"/>
+                    <a:lumOff val="25000"/>
+                  </a:schemeClr>
+                </a:solidFill>
+                <a:latin typeface="微软雅黑" panose="020B0503020204020204" pitchFamily="34" charset="-122"/>
+                <a:ea typeface="微软雅黑" panose="020B0503020204020204" pitchFamily="34" charset="-122"/>
+              </a:rPr>
+              <a:t>tation</a:t>
+            </a:r>
+            <a:r>
+              <a:rPr lang="zh-CN" altLang="en-US" sz="1600" b="1" dirty="0" smtClean="0">
+                <a:solidFill>
+                  <a:schemeClr val="tx1">
+                    <a:lumMod val="75000"/>
+                    <a:lumOff val="25000"/>
+                  </a:schemeClr>
+                </a:solidFill>
+                <a:latin typeface="微软雅黑" panose="020B0503020204020204" pitchFamily="34" charset="-122"/>
+                <a:ea typeface="微软雅黑" panose="020B0503020204020204" pitchFamily="34" charset="-122"/>
+              </a:rPr>
+              <a:t>类的编写</a:t>
+            </a:r>
+            <a:endParaRPr lang="en-US" altLang="zh-CN" sz="1600" b="1" dirty="0" smtClean="0">
+              <a:solidFill>
+                <a:schemeClr val="tx1">
+                  <a:lumMod val="75000"/>
+                  <a:lumOff val="25000"/>
+                </a:schemeClr>
+              </a:solidFill>
+              <a:latin typeface="微软雅黑" panose="020B0503020204020204" pitchFamily="34" charset="-122"/>
+              <a:ea typeface="微软雅黑" panose="020B0503020204020204" pitchFamily="34" charset="-122"/>
+            </a:endParaRPr>
+          </a:p>
+          <a:p>
+            <a:pPr marL="285750" lvl="0" indent="-285750">
+              <a:lnSpc>
+                <a:spcPct val="150000"/>
+              </a:lnSpc>
+              <a:buFont typeface="Wingdings" panose="05000000000000000000" pitchFamily="2" charset="2"/>
+              <a:buChar char="Ø"/>
+            </a:pPr>
+            <a:r>
+              <a:rPr lang="zh-CN" altLang="en-US" sz="1600" b="1" dirty="0" smtClean="0">
+                <a:solidFill>
+                  <a:schemeClr val="tx1">
+                    <a:lumMod val="75000"/>
+                    <a:lumOff val="25000"/>
+                  </a:schemeClr>
+                </a:solidFill>
+                <a:latin typeface="微软雅黑" panose="020B0503020204020204" pitchFamily="34" charset="-122"/>
+                <a:ea typeface="微软雅黑" panose="020B0503020204020204" pitchFamily="34" charset="-122"/>
+              </a:rPr>
+              <a:t>写出</a:t>
+            </a:r>
+            <a:r>
+              <a:rPr lang="en-US" altLang="zh-CN" sz="1600" b="1" dirty="0" err="1" smtClean="0">
+                <a:solidFill>
+                  <a:schemeClr val="tx1">
+                    <a:lumMod val="75000"/>
+                    <a:lumOff val="25000"/>
+                  </a:schemeClr>
+                </a:solidFill>
+                <a:latin typeface="微软雅黑" panose="020B0503020204020204" pitchFamily="34" charset="-122"/>
+                <a:ea typeface="微软雅黑" panose="020B0503020204020204" pitchFamily="34" charset="-122"/>
+              </a:rPr>
+              <a:t>Time.h</a:t>
+            </a:r>
+            <a:r>
+              <a:rPr lang="zh-CN" altLang="en-US" sz="1600" b="1" dirty="0" smtClean="0">
+                <a:solidFill>
+                  <a:schemeClr val="tx1">
+                    <a:lumMod val="75000"/>
+                    <a:lumOff val="25000"/>
+                  </a:schemeClr>
+                </a:solidFill>
+                <a:latin typeface="微软雅黑" panose="020B0503020204020204" pitchFamily="34" charset="-122"/>
+                <a:ea typeface="微软雅黑" panose="020B0503020204020204" pitchFamily="34" charset="-122"/>
+              </a:rPr>
+              <a:t>类（后被</a:t>
+            </a:r>
+            <a:r>
+              <a:rPr lang="en-US" altLang="zh-CN" sz="1600" b="1" dirty="0" err="1" smtClean="0">
+                <a:solidFill>
+                  <a:schemeClr val="tx1">
+                    <a:lumMod val="75000"/>
+                    <a:lumOff val="25000"/>
+                  </a:schemeClr>
+                </a:solidFill>
+                <a:latin typeface="微软雅黑" panose="020B0503020204020204" pitchFamily="34" charset="-122"/>
+                <a:ea typeface="微软雅黑" panose="020B0503020204020204" pitchFamily="34" charset="-122"/>
+              </a:rPr>
+              <a:t>QTime</a:t>
+            </a:r>
+            <a:r>
+              <a:rPr lang="zh-CN" altLang="en-US" sz="1600" b="1" dirty="0" smtClean="0">
+                <a:solidFill>
+                  <a:schemeClr val="tx1">
+                    <a:lumMod val="75000"/>
+                    <a:lumOff val="25000"/>
+                  </a:schemeClr>
+                </a:solidFill>
+                <a:latin typeface="微软雅黑" panose="020B0503020204020204" pitchFamily="34" charset="-122"/>
+                <a:ea typeface="微软雅黑" panose="020B0503020204020204" pitchFamily="34" charset="-122"/>
+              </a:rPr>
+              <a:t>取代）</a:t>
+            </a:r>
+            <a:endParaRPr lang="en-US" altLang="zh-CN" sz="1600" b="1" dirty="0">
+              <a:solidFill>
+                <a:schemeClr val="tx1">
+                  <a:lumMod val="75000"/>
+                  <a:lumOff val="25000"/>
+                </a:schemeClr>
+              </a:solidFill>
+              <a:latin typeface="微软雅黑" panose="020B0503020204020204" pitchFamily="34" charset="-122"/>
+              <a:ea typeface="微软雅黑" panose="020B0503020204020204" pitchFamily="34" charset="-122"/>
+            </a:endParaRPr>
+          </a:p>
+        </p:txBody>
+      </p:sp>
+      <p:sp>
+        <p:nvSpPr>
+          <p:cNvPr id="22" name="流程图: 合并 21"/>
+          <p:cNvSpPr/>
+          <p:nvPr/>
+        </p:nvSpPr>
+        <p:spPr>
+          <a:xfrm rot="16200000">
+            <a:off x="147158" y="281205"/>
+            <a:ext cx="360039" cy="240025"/>
+          </a:xfrm>
+          <a:prstGeom prst="flowChartMerge">
+            <a:avLst/>
+          </a:prstGeom>
+          <a:noFill/>
+          <a:ln w="6350">
+            <a:solidFill>
+              <a:schemeClr val="bg1">
+                <a:lumMod val="50000"/>
+              </a:schemeClr>
+            </a:solidFill>
+            <a:prstDash val="sysDash"/>
+          </a:ln>
+        </p:spPr>
+        <p:style>
+          <a:lnRef idx="2">
+            <a:schemeClr val="dk1"/>
+          </a:lnRef>
+          <a:fillRef idx="1">
+            <a:schemeClr val="lt1"/>
+          </a:fillRef>
+          <a:effectRef idx="0">
+            <a:schemeClr val="dk1"/>
+          </a:effectRef>
+          <a:fontRef idx="minor">
+            <a:schemeClr val="dk1"/>
+          </a:fontRef>
+        </p:style>
+        <p:txBody>
+          <a:bodyPr rtlCol="0" anchor="ctr"/>
+          <a:lstStyle/>
+          <a:p>
+            <a:pPr algn="ctr"/>
+            <a:endParaRPr lang="zh-CN" altLang="en-US"/>
+          </a:p>
+        </p:txBody>
+      </p:sp>
+      <p:sp>
+        <p:nvSpPr>
+          <p:cNvPr id="23" name="矩形 22"/>
+          <p:cNvSpPr/>
+          <p:nvPr/>
+        </p:nvSpPr>
+        <p:spPr>
+          <a:xfrm>
+            <a:off x="0" y="5020022"/>
+            <a:ext cx="9144000" cy="216024"/>
+          </a:xfrm>
+          <a:prstGeom prst="rect">
+            <a:avLst/>
+          </a:prstGeom>
+          <a:solidFill>
+            <a:srgbClr val="FA4453">
+              <a:alpha val="70000"/>
+            </a:srgbClr>
+          </a:solidFill>
+          <a:ln>
+            <a:noFill/>
+          </a:ln>
+        </p:spPr>
+        <p:style>
+          <a:lnRef idx="2">
+            <a:schemeClr val="accent1">
+              <a:shade val="50000"/>
+            </a:schemeClr>
+          </a:lnRef>
+          <a:fillRef idx="1">
+            <a:schemeClr val="accent1"/>
+          </a:fillRef>
+          <a:effectRef idx="0">
+            <a:schemeClr val="accent1"/>
+          </a:effectRef>
+          <a:fontRef idx="minor">
+            <a:schemeClr val="lt1"/>
+          </a:fontRef>
+        </p:style>
+        <p:txBody>
+          <a:bodyPr rtlCol="0" anchor="ctr"/>
+          <a:lstStyle/>
+          <a:p>
+            <a:pPr algn="ctr"/>
+            <a:endParaRPr lang="zh-CN" altLang="en-US"/>
+          </a:p>
+        </p:txBody>
+      </p:sp>
+    </p:spTree>
+    <p:extLst>
+      <p:ext uri="{BB962C8B-B14F-4D97-AF65-F5344CB8AC3E}">
+        <p14:creationId xmlns:p14="http://schemas.microsoft.com/office/powerpoint/2010/main" val="3729514379"/>
+      </p:ext>
+    </p:extLst>
+  </p:cSld>
+  <p:clrMapOvr>
+    <a:masterClrMapping/>
+  </p:clrMapOvr>
+  <p:transition spd="slow">
+    <p:push dir="u"/>
+  </p:transition>
+  <p:timing>
+    <p:tnLst>
+      <p:par>
+        <p:cTn id="1" dur="indefinite" restart="never" nodeType="tmRoot"/>
+      </p:par>
+    </p:tnLst>
+  </p:timing>
+</p:sld>
+</file>
+
+<file path=ppt/slides/slide21.xml><?xml version="1.0" encoding="utf-8"?>
+<p:sld xmlns:a="http://schemas.openxmlformats.org/drawingml/2006/main" xmlns:r="http://schemas.openxmlformats.org/officeDocument/2006/relationships" xmlns:p="http://schemas.openxmlformats.org/presentationml/2006/main">
+  <p:cSld>
+    <p:spTree>
+      <p:nvGrpSpPr>
+        <p:cNvPr id="1" name=""/>
+        <p:cNvGrpSpPr/>
+        <p:nvPr/>
+      </p:nvGrpSpPr>
+      <p:grpSpPr>
+        <a:xfrm>
+          <a:off x="0" y="0"/>
+          <a:ext cx="0" cy="0"/>
+          <a:chOff x="0" y="0"/>
+          <a:chExt cx="0" cy="0"/>
+        </a:xfrm>
+      </p:grpSpPr>
+      <p:sp>
+        <p:nvSpPr>
           <p:cNvPr id="4" name="矩形 3"/>
           <p:cNvSpPr/>
           <p:nvPr/>
@@ -20480,10 +22634,10 @@
                 <a:latin typeface="微软雅黑" panose="020B0503020204020204" pitchFamily="34" charset="-122"/>
                 <a:ea typeface="微软雅黑" panose="020B0503020204020204" pitchFamily="34" charset="-122"/>
               </a:rPr>
-              <a:t>车票查询（</a:t>
-            </a:r>
-            <a:r>
-              <a:rPr lang="en-US" altLang="zh-CN" sz="1600" b="1" dirty="0" smtClean="0">
+              <a:t>车票</a:t>
+            </a:r>
+            <a:r>
+              <a:rPr lang="zh-CN" altLang="en-US" sz="1600" b="1" dirty="0" smtClean="0">
                 <a:solidFill>
                   <a:schemeClr val="tx1">
                     <a:lumMod val="75000"/>
@@ -20493,10 +22647,10 @@
                 <a:latin typeface="微软雅黑" panose="020B0503020204020204" pitchFamily="34" charset="-122"/>
                 <a:ea typeface="微软雅黑" panose="020B0503020204020204" pitchFamily="34" charset="-122"/>
               </a:rPr>
-              <a:t>3</a:t>
-            </a:r>
-            <a:r>
-              <a:rPr lang="zh-CN" altLang="en-US" sz="1600" b="1" dirty="0" smtClean="0">
+              <a:t>查询（</a:t>
+            </a:r>
+            <a:r>
+              <a:rPr lang="en-US" altLang="zh-CN" sz="1600" b="1" dirty="0" smtClean="0">
                 <a:solidFill>
                   <a:schemeClr val="tx1">
                     <a:lumMod val="75000"/>
@@ -20506,7 +22660,33 @@
                 <a:latin typeface="微软雅黑" panose="020B0503020204020204" pitchFamily="34" charset="-122"/>
                 <a:ea typeface="微软雅黑" panose="020B0503020204020204" pitchFamily="34" charset="-122"/>
               </a:rPr>
-              <a:t>种方式）</a:t>
+              <a:t>3</a:t>
+            </a:r>
+            <a:r>
+              <a:rPr lang="zh-CN" altLang="en-US" sz="1600" b="1" dirty="0" smtClean="0">
+                <a:solidFill>
+                  <a:schemeClr val="tx1">
+                    <a:lumMod val="75000"/>
+                    <a:lumOff val="25000"/>
+                  </a:schemeClr>
+                </a:solidFill>
+                <a:latin typeface="微软雅黑" panose="020B0503020204020204" pitchFamily="34" charset="-122"/>
+                <a:ea typeface="微软雅黑" panose="020B0503020204020204" pitchFamily="34" charset="-122"/>
+              </a:rPr>
+              <a:t>种</a:t>
+            </a:r>
+            <a:r>
+              <a:rPr lang="zh-CN" altLang="en-US" sz="1600" b="1" dirty="0" smtClean="0">
+                <a:solidFill>
+                  <a:schemeClr val="tx1">
+                    <a:lumMod val="75000"/>
+                    <a:lumOff val="25000"/>
+                  </a:schemeClr>
+                </a:solidFill>
+                <a:latin typeface="微软雅黑" panose="020B0503020204020204" pitchFamily="34" charset="-122"/>
+                <a:ea typeface="微软雅黑" panose="020B0503020204020204" pitchFamily="34" charset="-122"/>
+              </a:rPr>
+              <a:t>方式）</a:t>
             </a:r>
             <a:endParaRPr lang="en-US" altLang="zh-CN" sz="1600" b="1" dirty="0" smtClean="0">
               <a:solidFill>
@@ -22209,7 +24389,7 @@
         </p:nvSpPr>
         <p:spPr>
           <a:xfrm>
-            <a:off x="-29486" y="1"/>
+            <a:off x="0" y="0"/>
             <a:ext cx="9144000" cy="5081397"/>
           </a:xfrm>
           <a:prstGeom prst="rect">
@@ -24540,6 +26720,321 @@
                 <a:ea typeface="微软雅黑" panose="020B0503020204020204" pitchFamily="34" charset="-122"/>
               </a:rPr>
               <a:t>前后端分离</a:t>
+            </a:r>
+            <a:endParaRPr lang="en-US" altLang="zh-CN" sz="1600" b="1" dirty="0" smtClean="0">
+              <a:solidFill>
+                <a:schemeClr val="tx1">
+                  <a:lumMod val="75000"/>
+                  <a:lumOff val="25000"/>
+                </a:schemeClr>
+              </a:solidFill>
+              <a:latin typeface="微软雅黑" panose="020B0503020204020204" pitchFamily="34" charset="-122"/>
+              <a:ea typeface="微软雅黑" panose="020B0503020204020204" pitchFamily="34" charset="-122"/>
+            </a:endParaRPr>
+          </a:p>
+        </p:txBody>
+      </p:sp>
+      <p:cxnSp>
+        <p:nvCxnSpPr>
+          <p:cNvPr id="54" name="直接连接符 53"/>
+          <p:cNvCxnSpPr/>
+          <p:nvPr/>
+        </p:nvCxnSpPr>
+        <p:spPr>
+          <a:xfrm flipV="1">
+            <a:off x="4584968" y="3555891"/>
+            <a:ext cx="1" cy="506360"/>
+          </a:xfrm>
+          <a:prstGeom prst="line">
+            <a:avLst/>
+          </a:prstGeom>
+          <a:ln w="12700">
+            <a:solidFill>
+              <a:schemeClr val="bg1">
+                <a:lumMod val="50000"/>
+              </a:schemeClr>
+            </a:solidFill>
+            <a:prstDash val="solid"/>
+            <a:headEnd type="none"/>
+            <a:tailEnd type="none"/>
+          </a:ln>
+          <a:effectLst>
+            <a:outerShdw blurRad="50800" dist="38100" dir="8100000" algn="tr" rotWithShape="0">
+              <a:prstClr val="black">
+                <a:alpha val="40000"/>
+              </a:prstClr>
+            </a:outerShdw>
+          </a:effectLst>
+        </p:spPr>
+        <p:style>
+          <a:lnRef idx="1">
+            <a:schemeClr val="accent1"/>
+          </a:lnRef>
+          <a:fillRef idx="0">
+            <a:schemeClr val="accent1"/>
+          </a:fillRef>
+          <a:effectRef idx="0">
+            <a:schemeClr val="accent1"/>
+          </a:effectRef>
+          <a:fontRef idx="minor">
+            <a:schemeClr val="tx1"/>
+          </a:fontRef>
+        </p:style>
+      </p:cxnSp>
+      <p:sp>
+        <p:nvSpPr>
+          <p:cNvPr id="59" name="流程图: 联系 58"/>
+          <p:cNvSpPr/>
+          <p:nvPr/>
+        </p:nvSpPr>
+        <p:spPr>
+          <a:xfrm rot="17581665">
+            <a:off x="4271529" y="3704743"/>
+            <a:ext cx="646595" cy="633602"/>
+          </a:xfrm>
+          <a:prstGeom prst="flowChartConnector">
+            <a:avLst/>
+          </a:prstGeom>
+          <a:solidFill>
+            <a:schemeClr val="bg1">
+              <a:lumMod val="50000"/>
+            </a:schemeClr>
+          </a:solidFill>
+          <a:ln w="57150">
+            <a:solidFill>
+              <a:schemeClr val="bg1">
+                <a:lumMod val="95000"/>
+              </a:schemeClr>
+            </a:solidFill>
+          </a:ln>
+          <a:effectLst>
+            <a:outerShdw blurRad="50800" dist="38100" dir="5400000" algn="t" rotWithShape="0">
+              <a:prstClr val="black">
+                <a:alpha val="40000"/>
+              </a:prstClr>
+            </a:outerShdw>
+          </a:effectLst>
+        </p:spPr>
+        <p:style>
+          <a:lnRef idx="2">
+            <a:schemeClr val="accent1">
+              <a:shade val="50000"/>
+            </a:schemeClr>
+          </a:lnRef>
+          <a:fillRef idx="1">
+            <a:schemeClr val="accent1"/>
+          </a:fillRef>
+          <a:effectRef idx="0">
+            <a:schemeClr val="accent1"/>
+          </a:effectRef>
+          <a:fontRef idx="minor">
+            <a:schemeClr val="lt1"/>
+          </a:fontRef>
+        </p:style>
+        <p:txBody>
+          <a:bodyPr rtlCol="0" anchor="ctr"/>
+          <a:lstStyle/>
+          <a:p>
+            <a:pPr algn="ctr"/>
+            <a:endParaRPr lang="zh-CN" altLang="en-US"/>
+          </a:p>
+        </p:txBody>
+      </p:sp>
+      <p:sp>
+        <p:nvSpPr>
+          <p:cNvPr id="61" name="流程图: 联系 60"/>
+          <p:cNvSpPr/>
+          <p:nvPr/>
+        </p:nvSpPr>
+        <p:spPr>
+          <a:xfrm rot="5580000">
+            <a:off x="4260894" y="3699480"/>
+            <a:ext cx="646595" cy="633602"/>
+          </a:xfrm>
+          <a:prstGeom prst="flowChartConnector">
+            <a:avLst/>
+          </a:prstGeom>
+          <a:solidFill>
+            <a:srgbClr val="05AFC8"/>
+          </a:solidFill>
+          <a:ln w="57150">
+            <a:solidFill>
+              <a:schemeClr val="bg1">
+                <a:lumMod val="95000"/>
+              </a:schemeClr>
+            </a:solidFill>
+          </a:ln>
+          <a:effectLst>
+            <a:outerShdw blurRad="50800" dist="38100" dir="5400000" algn="t" rotWithShape="0">
+              <a:prstClr val="black">
+                <a:alpha val="40000"/>
+              </a:prstClr>
+            </a:outerShdw>
+          </a:effectLst>
+        </p:spPr>
+        <p:style>
+          <a:lnRef idx="2">
+            <a:schemeClr val="accent1">
+              <a:shade val="50000"/>
+            </a:schemeClr>
+          </a:lnRef>
+          <a:fillRef idx="1">
+            <a:schemeClr val="accent1"/>
+          </a:fillRef>
+          <a:effectRef idx="0">
+            <a:schemeClr val="accent1"/>
+          </a:effectRef>
+          <a:fontRef idx="minor">
+            <a:schemeClr val="lt1"/>
+          </a:fontRef>
+        </p:style>
+        <p:txBody>
+          <a:bodyPr rtlCol="0" anchor="ctr"/>
+          <a:lstStyle/>
+          <a:p>
+            <a:pPr algn="ctr"/>
+            <a:endParaRPr lang="zh-CN" altLang="en-US"/>
+          </a:p>
+        </p:txBody>
+      </p:sp>
+      <p:sp>
+        <p:nvSpPr>
+          <p:cNvPr id="63" name="流程图: 摘录 62"/>
+          <p:cNvSpPr/>
+          <p:nvPr/>
+        </p:nvSpPr>
+        <p:spPr>
+          <a:xfrm rot="10800000" flipH="1" flipV="1">
+            <a:off x="4374706" y="3795235"/>
+            <a:ext cx="440234" cy="360690"/>
+          </a:xfrm>
+          <a:prstGeom prst="flowChartExtract">
+            <a:avLst/>
+          </a:prstGeom>
+          <a:noFill/>
+          <a:ln w="12700">
+            <a:solidFill>
+              <a:schemeClr val="bg1"/>
+            </a:solidFill>
+          </a:ln>
+        </p:spPr>
+        <p:style>
+          <a:lnRef idx="2">
+            <a:schemeClr val="accent1">
+              <a:shade val="50000"/>
+            </a:schemeClr>
+          </a:lnRef>
+          <a:fillRef idx="1">
+            <a:schemeClr val="accent1"/>
+          </a:fillRef>
+          <a:effectRef idx="0">
+            <a:schemeClr val="accent1"/>
+          </a:effectRef>
+          <a:fontRef idx="minor">
+            <a:schemeClr val="lt1"/>
+          </a:fontRef>
+        </p:style>
+        <p:txBody>
+          <a:bodyPr rtlCol="0" anchor="ctr"/>
+          <a:lstStyle/>
+          <a:p>
+            <a:pPr algn="ctr"/>
+            <a:endParaRPr lang="zh-CN" altLang="en-US"/>
+          </a:p>
+        </p:txBody>
+      </p:sp>
+      <p:sp>
+        <p:nvSpPr>
+          <p:cNvPr id="64" name="TextBox 94"/>
+          <p:cNvSpPr txBox="1"/>
+          <p:nvPr/>
+        </p:nvSpPr>
+        <p:spPr>
+          <a:xfrm>
+            <a:off x="3969762" y="3867894"/>
+            <a:ext cx="1250122" cy="307777"/>
+          </a:xfrm>
+          <a:prstGeom prst="rect">
+            <a:avLst/>
+          </a:prstGeom>
+          <a:noFill/>
+        </p:spPr>
+        <p:txBody>
+          <a:bodyPr wrap="square" rtlCol="0" anchor="ctr">
+            <a:spAutoFit/>
+          </a:bodyPr>
+          <a:lstStyle/>
+          <a:p>
+            <a:pPr algn="ctr"/>
+            <a:r>
+              <a:rPr lang="en-US" altLang="zh-CN" sz="1400" b="1" dirty="0" smtClean="0">
+                <a:solidFill>
+                  <a:schemeClr val="bg1"/>
+                </a:solidFill>
+                <a:effectLst>
+                  <a:outerShdw blurRad="38100" dist="38100" dir="2700000" algn="tl">
+                    <a:srgbClr val="000000">
+                      <a:alpha val="43137"/>
+                    </a:srgbClr>
+                  </a:outerShdw>
+                </a:effectLst>
+                <a:latin typeface="微软雅黑" panose="020B0503020204020204" pitchFamily="34" charset="-122"/>
+                <a:ea typeface="微软雅黑" panose="020B0503020204020204" pitchFamily="34" charset="-122"/>
+              </a:rPr>
+              <a:t>06</a:t>
+            </a:r>
+            <a:endParaRPr lang="zh-CN" altLang="en-US" sz="1400" b="1" dirty="0">
+              <a:solidFill>
+                <a:schemeClr val="bg1"/>
+              </a:solidFill>
+              <a:effectLst>
+                <a:outerShdw blurRad="38100" dist="38100" dir="2700000" algn="tl">
+                  <a:srgbClr val="000000">
+                    <a:alpha val="43137"/>
+                  </a:srgbClr>
+                </a:outerShdw>
+              </a:effectLst>
+              <a:latin typeface="微软雅黑" panose="020B0503020204020204" pitchFamily="34" charset="-122"/>
+              <a:ea typeface="微软雅黑" panose="020B0503020204020204" pitchFamily="34" charset="-122"/>
+            </a:endParaRPr>
+          </a:p>
+        </p:txBody>
+      </p:sp>
+      <p:sp>
+        <p:nvSpPr>
+          <p:cNvPr id="65" name="TextBox 120"/>
+          <p:cNvSpPr txBox="1"/>
+          <p:nvPr/>
+        </p:nvSpPr>
+        <p:spPr>
+          <a:xfrm>
+            <a:off x="3953474" y="4423647"/>
+            <a:ext cx="1250122" cy="338554"/>
+          </a:xfrm>
+          <a:prstGeom prst="rect">
+            <a:avLst/>
+          </a:prstGeom>
+          <a:noFill/>
+        </p:spPr>
+        <p:txBody>
+          <a:bodyPr wrap="square" rtlCol="0" anchor="ctr">
+            <a:spAutoFit/>
+          </a:bodyPr>
+          <a:lstStyle/>
+          <a:p>
+            <a:pPr algn="ctr"/>
+            <a:r>
+              <a:rPr lang="zh-CN" altLang="en-US" sz="1600" b="1" dirty="0" smtClean="0">
+                <a:solidFill>
+                  <a:schemeClr val="tx1">
+                    <a:lumMod val="75000"/>
+                    <a:lumOff val="25000"/>
+                  </a:schemeClr>
+                </a:solidFill>
+                <a:latin typeface="微软雅黑" panose="020B0503020204020204" pitchFamily="34" charset="-122"/>
+                <a:ea typeface="微软雅黑" panose="020B0503020204020204" pitchFamily="34" charset="-122"/>
+              </a:rPr>
+              <a:t>匿名查票</a:t>
             </a:r>
             <a:endParaRPr lang="en-US" altLang="zh-CN" sz="1600" b="1" dirty="0" smtClean="0">
               <a:solidFill>
@@ -25388,7 +27883,45 @@
       </a:bgFillStyleLst>
     </a:fmtScheme>
   </a:themeElements>
-  <a:objectDefaults/>
+  <a:objectDefaults>
+    <a:spDef>
+      <a:spPr>
+        <a:solidFill>
+          <a:srgbClr val="FFC000"/>
+        </a:solidFill>
+        <a:ln>
+          <a:solidFill>
+            <a:srgbClr val="FFC000"/>
+          </a:solidFill>
+        </a:ln>
+      </a:spPr>
+      <a:bodyPr rtlCol="0" anchor="ctr"/>
+      <a:lstStyle>
+        <a:defPPr algn="ctr">
+          <a:defRPr b="1" dirty="0" smtClean="0">
+            <a:latin typeface="微软雅黑" panose="020B0503020204020204" pitchFamily="34" charset="-122"/>
+            <a:ea typeface="微软雅黑" panose="020B0503020204020204" pitchFamily="34" charset="-122"/>
+          </a:defRPr>
+        </a:defPPr>
+      </a:lstStyle>
+      <a:style>
+        <a:lnRef idx="2">
+          <a:schemeClr val="accent1">
+            <a:shade val="50000"/>
+          </a:schemeClr>
+        </a:lnRef>
+        <a:fillRef idx="1">
+          <a:schemeClr val="accent1"/>
+        </a:fillRef>
+        <a:effectRef idx="0">
+          <a:schemeClr val="accent1"/>
+        </a:effectRef>
+        <a:fontRef idx="minor">
+          <a:schemeClr val="lt1"/>
+        </a:fontRef>
+      </a:style>
+    </a:spDef>
+  </a:objectDefaults>
   <a:extraClrSchemeLst/>
 </a:theme>
 </file>

--- a/Presentation/presentation.pptx
+++ b/Presentation/presentation.pptx
@@ -562,11 +562,7 @@
           <a:p>
             <a:r>
               <a:rPr lang="zh-CN" altLang="en-US" dirty="0" smtClean="0"/>
-              <a:t>左边一列为用户，右边一列是</a:t>
-            </a:r>
-            <a:r>
-              <a:rPr lang="zh-CN" altLang="en-US" dirty="0" smtClean="0"/>
-              <a:t>管理员，右侧的一列是管理员的功能，由于工期的限制，我们在</a:t>
+              <a:t>左边一列为用户，右边一列是管理员，右侧的一列是管理员的功能，由于工期的限制，我们在</a:t>
             </a:r>
             <a:r>
               <a:rPr lang="en-US" altLang="zh-CN" dirty="0" err="1" smtClean="0"/>
@@ -5239,20 +5235,7 @@
                 <a:latin typeface="微软雅黑" panose="020B0503020204020204" pitchFamily="34" charset="-122"/>
                 <a:ea typeface="微软雅黑" panose="020B0503020204020204" pitchFamily="34" charset="-122"/>
               </a:rPr>
-              <a:t>窗口</a:t>
-            </a:r>
-            <a:r>
-              <a:rPr lang="zh-CN" altLang="en-US" sz="1200" b="1" dirty="0" smtClean="0">
-                <a:solidFill>
-                  <a:schemeClr val="tx1">
-                    <a:lumMod val="75000"/>
-                    <a:lumOff val="25000"/>
-                  </a:schemeClr>
-                </a:solidFill>
-                <a:latin typeface="微软雅黑" panose="020B0503020204020204" pitchFamily="34" charset="-122"/>
-                <a:ea typeface="微软雅黑" panose="020B0503020204020204" pitchFamily="34" charset="-122"/>
-              </a:rPr>
-              <a:t>拖拽大小不影响组件相对位置</a:t>
+              <a:t>窗口拖拽大小不影响组件相对位置</a:t>
             </a:r>
             <a:endParaRPr lang="en-US" altLang="zh-CN" sz="1200" b="1" dirty="0" smtClean="0">
               <a:solidFill>
@@ -8212,16 +8195,6 @@
               </a:rPr>
               <a:t>实现映射</a:t>
             </a:r>
-            <a:endParaRPr lang="zh-CN" altLang="en-US" b="1" dirty="0">
-              <a:solidFill>
-                <a:schemeClr val="tx1">
-                  <a:lumMod val="75000"/>
-                  <a:lumOff val="25000"/>
-                </a:schemeClr>
-              </a:solidFill>
-              <a:latin typeface="微软雅黑" panose="020B0503020204020204" pitchFamily="34" charset="-122"/>
-              <a:ea typeface="微软雅黑" panose="020B0503020204020204" pitchFamily="34" charset="-122"/>
-            </a:endParaRPr>
           </a:p>
         </p:txBody>
       </p:sp>
@@ -11728,16 +11701,6 @@
               </a:rPr>
               <a:t>陈竞潇</a:t>
             </a:r>
-            <a:endParaRPr lang="zh-CN" altLang="en-US" b="1" dirty="0">
-              <a:solidFill>
-                <a:schemeClr val="tx1">
-                  <a:lumMod val="75000"/>
-                  <a:lumOff val="25000"/>
-                </a:schemeClr>
-              </a:solidFill>
-              <a:latin typeface="微软雅黑" panose="020B0503020204020204" pitchFamily="34" charset="-122"/>
-              <a:ea typeface="微软雅黑" panose="020B0503020204020204" pitchFamily="34" charset="-122"/>
-            </a:endParaRPr>
           </a:p>
         </p:txBody>
       </p:sp>
@@ -12980,16 +12943,6 @@
               </a:rPr>
               <a:t>吴章昊</a:t>
             </a:r>
-            <a:endParaRPr lang="zh-CN" altLang="en-US" b="1" dirty="0">
-              <a:solidFill>
-                <a:schemeClr val="tx1">
-                  <a:lumMod val="75000"/>
-                  <a:lumOff val="25000"/>
-                </a:schemeClr>
-              </a:solidFill>
-              <a:latin typeface="微软雅黑" panose="020B0503020204020204" pitchFamily="34" charset="-122"/>
-              <a:ea typeface="微软雅黑" panose="020B0503020204020204" pitchFamily="34" charset="-122"/>
-            </a:endParaRPr>
           </a:p>
         </p:txBody>
       </p:sp>
@@ -13123,20 +13076,7 @@
                 <a:latin typeface="微软雅黑" panose="020B0503020204020204" pitchFamily="34" charset="-122"/>
                 <a:ea typeface="微软雅黑" panose="020B0503020204020204" pitchFamily="34" charset="-122"/>
               </a:rPr>
-              <a:t>服务器所需结构体的</a:t>
-            </a:r>
-            <a:r>
-              <a:rPr lang="zh-CN" altLang="en-US" sz="1600" b="1" dirty="0" smtClean="0">
-                <a:solidFill>
-                  <a:schemeClr val="tx1">
-                    <a:lumMod val="75000"/>
-                    <a:lumOff val="25000"/>
-                  </a:schemeClr>
-                </a:solidFill>
-                <a:latin typeface="微软雅黑" panose="020B0503020204020204" pitchFamily="34" charset="-122"/>
-                <a:ea typeface="微软雅黑" panose="020B0503020204020204" pitchFamily="34" charset="-122"/>
-              </a:rPr>
-              <a:t>设计</a:t>
+              <a:t>服务器所需结构体的设计</a:t>
             </a:r>
             <a:endParaRPr lang="en-US" altLang="zh-CN" sz="1600" b="1" dirty="0" smtClean="0">
               <a:solidFill>
@@ -13168,20 +13108,7 @@
                 <a:latin typeface="微软雅黑" panose="020B0503020204020204" pitchFamily="34" charset="-122"/>
                 <a:ea typeface="微软雅黑" panose="020B0503020204020204" pitchFamily="34" charset="-122"/>
               </a:rPr>
-              <a:t>智能</a:t>
-            </a:r>
-            <a:r>
-              <a:rPr lang="zh-CN" altLang="en-US" sz="1600" b="1" dirty="0" smtClean="0">
-                <a:solidFill>
-                  <a:schemeClr val="tx1">
-                    <a:lumMod val="75000"/>
-                    <a:lumOff val="25000"/>
-                  </a:schemeClr>
-                </a:solidFill>
-                <a:latin typeface="微软雅黑" panose="020B0503020204020204" pitchFamily="34" charset="-122"/>
-                <a:ea typeface="微软雅黑" panose="020B0503020204020204" pitchFamily="34" charset="-122"/>
-              </a:rPr>
-              <a:t>指针类实现</a:t>
+              <a:t>智能指针类实现</a:t>
             </a:r>
             <a:endParaRPr lang="en-US" altLang="zh-CN" sz="1600" b="1" dirty="0" smtClean="0">
               <a:solidFill>
@@ -14303,16 +14230,6 @@
               </a:rPr>
               <a:t>沈柯达</a:t>
             </a:r>
-            <a:endParaRPr lang="zh-CN" altLang="en-US" b="1" dirty="0">
-              <a:solidFill>
-                <a:schemeClr val="tx1">
-                  <a:lumMod val="75000"/>
-                  <a:lumOff val="25000"/>
-                </a:schemeClr>
-              </a:solidFill>
-              <a:latin typeface="微软雅黑" panose="020B0503020204020204" pitchFamily="34" charset="-122"/>
-              <a:ea typeface="微软雅黑" panose="020B0503020204020204" pitchFamily="34" charset="-122"/>
-            </a:endParaRPr>
           </a:p>
         </p:txBody>
       </p:sp>
@@ -14325,7 +14242,7 @@
         <p:spPr>
           <a:xfrm>
             <a:off x="2195736" y="2116729"/>
-            <a:ext cx="6048672" cy="1938992"/>
+            <a:ext cx="6048672" cy="2308324"/>
           </a:xfrm>
           <a:prstGeom prst="rect">
             <a:avLst/>
@@ -14356,20 +14273,7 @@
                 <a:latin typeface="微软雅黑" panose="020B0503020204020204" pitchFamily="34" charset="-122"/>
                 <a:ea typeface="微软雅黑" panose="020B0503020204020204" pitchFamily="34" charset="-122"/>
               </a:rPr>
-              <a:t>后端类的</a:t>
-            </a:r>
-            <a:r>
-              <a:rPr lang="zh-CN" altLang="en-US" sz="1600" b="1" dirty="0" smtClean="0">
-                <a:solidFill>
-                  <a:schemeClr val="tx1">
-                    <a:lumMod val="75000"/>
-                    <a:lumOff val="25000"/>
-                  </a:schemeClr>
-                </a:solidFill>
-                <a:latin typeface="微软雅黑" panose="020B0503020204020204" pitchFamily="34" charset="-122"/>
-                <a:ea typeface="微软雅黑" panose="020B0503020204020204" pitchFamily="34" charset="-122"/>
-              </a:rPr>
-              <a:t>实现</a:t>
+              <a:t>后端类的实现</a:t>
             </a:r>
             <a:endParaRPr lang="en-US" altLang="zh-CN" sz="1600" b="1" dirty="0" smtClean="0">
               <a:solidFill>
@@ -14399,20 +14303,7 @@
                 <a:latin typeface="微软雅黑" panose="020B0503020204020204" pitchFamily="34" charset="-122"/>
                 <a:ea typeface="微软雅黑" panose="020B0503020204020204" pitchFamily="34" charset="-122"/>
               </a:rPr>
-              <a:t>（</a:t>
-            </a:r>
-            <a:r>
-              <a:rPr lang="zh-CN" altLang="en-US" sz="1600" b="1" dirty="0" smtClean="0">
-                <a:solidFill>
-                  <a:schemeClr val="tx1">
-                    <a:lumMod val="75000"/>
-                    <a:lumOff val="25000"/>
-                  </a:schemeClr>
-                </a:solidFill>
-                <a:latin typeface="微软雅黑" panose="020B0503020204020204" pitchFamily="34" charset="-122"/>
-                <a:ea typeface="微软雅黑" panose="020B0503020204020204" pitchFamily="34" charset="-122"/>
-              </a:rPr>
-              <a:t>包括</a:t>
+              <a:t>（包括</a:t>
             </a:r>
             <a:r>
               <a:rPr lang="en-US" altLang="zh-CN" sz="1600" b="1" dirty="0" smtClean="0">
@@ -14483,7 +14374,52 @@
                 <a:latin typeface="微软雅黑" panose="020B0503020204020204" pitchFamily="34" charset="-122"/>
                 <a:ea typeface="微软雅黑" panose="020B0503020204020204" pitchFamily="34" charset="-122"/>
               </a:rPr>
-              <a:t>后端初步调试</a:t>
+              <a:t>后端大部分工作</a:t>
+            </a:r>
+            <a:endParaRPr lang="en-US" altLang="zh-CN" sz="1600" b="1" dirty="0" smtClean="0">
+              <a:solidFill>
+                <a:schemeClr val="tx1">
+                  <a:lumMod val="75000"/>
+                  <a:lumOff val="25000"/>
+                </a:schemeClr>
+              </a:solidFill>
+              <a:latin typeface="微软雅黑" panose="020B0503020204020204" pitchFamily="34" charset="-122"/>
+              <a:ea typeface="微软雅黑" panose="020B0503020204020204" pitchFamily="34" charset="-122"/>
+            </a:endParaRPr>
+          </a:p>
+          <a:p>
+            <a:pPr marL="285750" lvl="0" indent="-285750">
+              <a:lnSpc>
+                <a:spcPct val="150000"/>
+              </a:lnSpc>
+              <a:buFont typeface="Wingdings" panose="05000000000000000000" pitchFamily="2" charset="2"/>
+              <a:buChar char="Ø"/>
+            </a:pPr>
+            <a:r>
+              <a:rPr lang="zh-CN" altLang="en-US" sz="1600" b="1" dirty="0" smtClean="0">
+                <a:solidFill>
+                  <a:schemeClr val="tx1">
+                    <a:lumMod val="75000"/>
+                    <a:lumOff val="25000"/>
+                  </a:schemeClr>
+                </a:solidFill>
+                <a:latin typeface="微软雅黑" panose="020B0503020204020204" pitchFamily="34" charset="-122"/>
+                <a:ea typeface="微软雅黑" panose="020B0503020204020204" pitchFamily="34" charset="-122"/>
+              </a:rPr>
+              <a:t>后端</a:t>
+            </a:r>
+            <a:r>
+              <a:rPr lang="zh-CN" altLang="en-US" sz="1600" b="1" dirty="0" smtClean="0">
+                <a:solidFill>
+                  <a:schemeClr val="tx1">
+                    <a:lumMod val="75000"/>
+                    <a:lumOff val="25000"/>
+                  </a:schemeClr>
+                </a:solidFill>
+                <a:latin typeface="微软雅黑" panose="020B0503020204020204" pitchFamily="34" charset="-122"/>
+                <a:ea typeface="微软雅黑" panose="020B0503020204020204" pitchFamily="34" charset="-122"/>
+              </a:rPr>
+              <a:t>初步调试</a:t>
             </a:r>
             <a:endParaRPr lang="en-US" altLang="zh-CN" sz="1600" b="1" dirty="0" smtClean="0">
               <a:solidFill>
@@ -15543,16 +15479,6 @@
               </a:rPr>
               <a:t>林彦希</a:t>
             </a:r>
-            <a:endParaRPr lang="zh-CN" altLang="en-US" b="1" dirty="0">
-              <a:solidFill>
-                <a:schemeClr val="tx1">
-                  <a:lumMod val="75000"/>
-                  <a:lumOff val="25000"/>
-                </a:schemeClr>
-              </a:solidFill>
-              <a:latin typeface="微软雅黑" panose="020B0503020204020204" pitchFamily="34" charset="-122"/>
-              <a:ea typeface="微软雅黑" panose="020B0503020204020204" pitchFamily="34" charset="-122"/>
-            </a:endParaRPr>
           </a:p>
         </p:txBody>
       </p:sp>
@@ -15565,7 +15491,7 @@
         <p:spPr>
           <a:xfrm>
             <a:off x="2195736" y="2116729"/>
-            <a:ext cx="6048672" cy="1569660"/>
+            <a:ext cx="6048672" cy="1938992"/>
           </a:xfrm>
           <a:prstGeom prst="rect">
             <a:avLst/>
@@ -15596,7 +15522,20 @@
                 <a:latin typeface="微软雅黑" panose="020B0503020204020204" pitchFamily="34" charset="-122"/>
                 <a:ea typeface="微软雅黑" panose="020B0503020204020204" pitchFamily="34" charset="-122"/>
               </a:rPr>
-              <a:t>撰写使用手册</a:t>
+              <a:t>撰写使用</a:t>
+            </a:r>
+            <a:r>
+              <a:rPr lang="zh-CN" altLang="en-US" sz="1600" b="1" dirty="0" smtClean="0">
+                <a:solidFill>
+                  <a:schemeClr val="tx1">
+                    <a:lumMod val="75000"/>
+                    <a:lumOff val="25000"/>
+                  </a:schemeClr>
+                </a:solidFill>
+                <a:latin typeface="微软雅黑" panose="020B0503020204020204" pitchFamily="34" charset="-122"/>
+                <a:ea typeface="微软雅黑" panose="020B0503020204020204" pitchFamily="34" charset="-122"/>
+              </a:rPr>
+              <a:t>手册</a:t>
             </a:r>
             <a:endParaRPr lang="en-US" altLang="zh-CN" sz="1600" b="1" dirty="0" smtClean="0">
               <a:solidFill>
@@ -15618,7 +15557,7 @@
               <a:buChar char="Ø"/>
             </a:pPr>
             <a:r>
-              <a:rPr lang="zh-CN" altLang="en-US" sz="1600" b="1" dirty="0" smtClean="0">
+              <a:rPr lang="en-US" altLang="zh-CN" sz="1600" b="1" dirty="0" smtClean="0">
                 <a:solidFill>
                   <a:schemeClr val="tx1">
                     <a:lumMod val="75000"/>
@@ -15628,7 +15567,20 @@
                 <a:latin typeface="微软雅黑" panose="020B0503020204020204" pitchFamily="34" charset="-122"/>
                 <a:ea typeface="微软雅黑" panose="020B0503020204020204" pitchFamily="34" charset="-122"/>
               </a:rPr>
-              <a:t>写出列车相关的头文件（已被整合入数据库）</a:t>
+              <a:t>Ticket</a:t>
+            </a:r>
+            <a:r>
+              <a:rPr lang="zh-CN" altLang="en-US" sz="1600" b="1" dirty="0" smtClean="0">
+                <a:solidFill>
+                  <a:schemeClr val="tx1">
+                    <a:lumMod val="75000"/>
+                    <a:lumOff val="25000"/>
+                  </a:schemeClr>
+                </a:solidFill>
+                <a:latin typeface="微软雅黑" panose="020B0503020204020204" pitchFamily="34" charset="-122"/>
+                <a:ea typeface="微软雅黑" panose="020B0503020204020204" pitchFamily="34" charset="-122"/>
+              </a:rPr>
+              <a:t>类的一部分</a:t>
             </a:r>
             <a:endParaRPr lang="en-US" altLang="zh-CN" sz="1600" b="1" dirty="0" smtClean="0">
               <a:solidFill>
@@ -15660,7 +15612,7 @@
                 <a:latin typeface="微软雅黑" panose="020B0503020204020204" pitchFamily="34" charset="-122"/>
                 <a:ea typeface="微软雅黑" panose="020B0503020204020204" pitchFamily="34" charset="-122"/>
               </a:rPr>
-              <a:t>写出哈希表（但由于一些</a:t>
+              <a:t>写出列车</a:t>
             </a:r>
             <a:r>
               <a:rPr lang="zh-CN" altLang="en-US" sz="1600" b="1" dirty="0" smtClean="0">
@@ -15673,10 +15625,10 @@
                 <a:latin typeface="微软雅黑" panose="020B0503020204020204" pitchFamily="34" charset="-122"/>
                 <a:ea typeface="微软雅黑" panose="020B0503020204020204" pitchFamily="34" charset="-122"/>
               </a:rPr>
-              <a:t>问题</a:t>
-            </a:r>
-            <a:r>
-              <a:rPr lang="en-US" altLang="zh-CN" sz="1600" b="1" dirty="0" smtClean="0">
+              <a:t>相关部分头文件</a:t>
+            </a:r>
+            <a:r>
+              <a:rPr lang="zh-CN" altLang="en-US" sz="1600" b="1" dirty="0" smtClean="0">
                 <a:solidFill>
                   <a:schemeClr val="tx1">
                     <a:lumMod val="75000"/>
@@ -15686,7 +15638,7 @@
                 <a:latin typeface="微软雅黑" panose="020B0503020204020204" pitchFamily="34" charset="-122"/>
                 <a:ea typeface="微软雅黑" panose="020B0503020204020204" pitchFamily="34" charset="-122"/>
               </a:rPr>
-              <a:t>,</a:t>
+              <a:t>（已</a:t>
             </a:r>
             <a:r>
               <a:rPr lang="zh-CN" altLang="en-US" sz="1600" b="1" dirty="0" smtClean="0">
@@ -15699,7 +15651,7 @@
                 <a:latin typeface="微软雅黑" panose="020B0503020204020204" pitchFamily="34" charset="-122"/>
                 <a:ea typeface="微软雅黑" panose="020B0503020204020204" pitchFamily="34" charset="-122"/>
               </a:rPr>
-              <a:t>后</a:t>
+              <a:t>被部分整合</a:t>
             </a:r>
             <a:r>
               <a:rPr lang="zh-CN" altLang="en-US" sz="1600" b="1" dirty="0" smtClean="0">
@@ -15712,7 +15664,65 @@
                 <a:latin typeface="微软雅黑" panose="020B0503020204020204" pitchFamily="34" charset="-122"/>
                 <a:ea typeface="微软雅黑" panose="020B0503020204020204" pitchFamily="34" charset="-122"/>
               </a:rPr>
-              <a:t>被</a:t>
+              <a:t>入数据库）</a:t>
+            </a:r>
+            <a:endParaRPr lang="en-US" altLang="zh-CN" sz="1600" b="1" dirty="0" smtClean="0">
+              <a:solidFill>
+                <a:schemeClr val="tx1">
+                  <a:lumMod val="75000"/>
+                  <a:lumOff val="25000"/>
+                </a:schemeClr>
+              </a:solidFill>
+              <a:latin typeface="微软雅黑" panose="020B0503020204020204" pitchFamily="34" charset="-122"/>
+              <a:ea typeface="微软雅黑" panose="020B0503020204020204" pitchFamily="34" charset="-122"/>
+            </a:endParaRPr>
+          </a:p>
+          <a:p>
+            <a:pPr marL="285750" lvl="0" indent="-285750">
+              <a:lnSpc>
+                <a:spcPct val="150000"/>
+              </a:lnSpc>
+              <a:buFont typeface="Wingdings" panose="05000000000000000000" pitchFamily="2" charset="2"/>
+              <a:buChar char="Ø"/>
+            </a:pPr>
+            <a:r>
+              <a:rPr lang="zh-CN" altLang="en-US" sz="1600" b="1" dirty="0" smtClean="0">
+                <a:solidFill>
+                  <a:schemeClr val="tx1">
+                    <a:lumMod val="75000"/>
+                    <a:lumOff val="25000"/>
+                  </a:schemeClr>
+                </a:solidFill>
+                <a:latin typeface="微软雅黑" panose="020B0503020204020204" pitchFamily="34" charset="-122"/>
+                <a:ea typeface="微软雅黑" panose="020B0503020204020204" pitchFamily="34" charset="-122"/>
+              </a:rPr>
+              <a:t>写出哈希表（但由于一些问题</a:t>
+            </a:r>
+            <a:r>
+              <a:rPr lang="en-US" altLang="zh-CN" sz="1600" b="1" dirty="0" smtClean="0">
+                <a:solidFill>
+                  <a:schemeClr val="tx1">
+                    <a:lumMod val="75000"/>
+                    <a:lumOff val="25000"/>
+                  </a:schemeClr>
+                </a:solidFill>
+                <a:latin typeface="微软雅黑" panose="020B0503020204020204" pitchFamily="34" charset="-122"/>
+                <a:ea typeface="微软雅黑" panose="020B0503020204020204" pitchFamily="34" charset="-122"/>
+              </a:rPr>
+              <a:t>,</a:t>
+            </a:r>
+            <a:r>
+              <a:rPr lang="zh-CN" altLang="en-US" sz="1600" b="1" dirty="0" smtClean="0">
+                <a:solidFill>
+                  <a:schemeClr val="tx1">
+                    <a:lumMod val="75000"/>
+                    <a:lumOff val="25000"/>
+                  </a:schemeClr>
+                </a:solidFill>
+                <a:latin typeface="微软雅黑" panose="020B0503020204020204" pitchFamily="34" charset="-122"/>
+                <a:ea typeface="微软雅黑" panose="020B0503020204020204" pitchFamily="34" charset="-122"/>
+              </a:rPr>
+              <a:t>后被</a:t>
             </a:r>
             <a:r>
               <a:rPr lang="en-US" altLang="zh-CN" sz="1600" b="1" dirty="0" smtClean="0">
@@ -18621,20 +18631,7 @@
                 <a:latin typeface="微软雅黑" panose="020B0503020204020204" pitchFamily="34" charset="-122"/>
                 <a:ea typeface="微软雅黑" panose="020B0503020204020204" pitchFamily="34" charset="-122"/>
               </a:rPr>
-              <a:t>S</a:t>
-            </a:r>
-            <a:r>
-              <a:rPr lang="en-US" altLang="zh-CN" sz="1600" b="1" dirty="0" smtClean="0">
-                <a:solidFill>
-                  <a:schemeClr val="tx1">
-                    <a:lumMod val="75000"/>
-                    <a:lumOff val="25000"/>
-                  </a:schemeClr>
-                </a:solidFill>
-                <a:latin typeface="微软雅黑" panose="020B0503020204020204" pitchFamily="34" charset="-122"/>
-                <a:ea typeface="微软雅黑" panose="020B0503020204020204" pitchFamily="34" charset="-122"/>
-              </a:rPr>
-              <a:t>tation</a:t>
+              <a:t>Station</a:t>
             </a:r>
             <a:r>
               <a:rPr lang="zh-CN" altLang="en-US" sz="1600" b="1" dirty="0" smtClean="0">
@@ -22634,10 +22631,10 @@
                 <a:latin typeface="微软雅黑" panose="020B0503020204020204" pitchFamily="34" charset="-122"/>
                 <a:ea typeface="微软雅黑" panose="020B0503020204020204" pitchFamily="34" charset="-122"/>
               </a:rPr>
-              <a:t>车票</a:t>
-            </a:r>
-            <a:r>
-              <a:rPr lang="zh-CN" altLang="en-US" sz="1600" b="1" dirty="0" smtClean="0">
+              <a:t>车票查询（</a:t>
+            </a:r>
+            <a:r>
+              <a:rPr lang="en-US" altLang="zh-CN" sz="1600" b="1" dirty="0" smtClean="0">
                 <a:solidFill>
                   <a:schemeClr val="tx1">
                     <a:lumMod val="75000"/>
@@ -22647,10 +22644,10 @@
                 <a:latin typeface="微软雅黑" panose="020B0503020204020204" pitchFamily="34" charset="-122"/>
                 <a:ea typeface="微软雅黑" panose="020B0503020204020204" pitchFamily="34" charset="-122"/>
               </a:rPr>
-              <a:t>查询（</a:t>
-            </a:r>
-            <a:r>
-              <a:rPr lang="en-US" altLang="zh-CN" sz="1600" b="1" dirty="0" smtClean="0">
+              <a:t>3</a:t>
+            </a:r>
+            <a:r>
+              <a:rPr lang="zh-CN" altLang="en-US" sz="1600" b="1" dirty="0" smtClean="0">
                 <a:solidFill>
                   <a:schemeClr val="tx1">
                     <a:lumMod val="75000"/>
@@ -22660,33 +22657,7 @@
                 <a:latin typeface="微软雅黑" panose="020B0503020204020204" pitchFamily="34" charset="-122"/>
                 <a:ea typeface="微软雅黑" panose="020B0503020204020204" pitchFamily="34" charset="-122"/>
               </a:rPr>
-              <a:t>3</a:t>
-            </a:r>
-            <a:r>
-              <a:rPr lang="zh-CN" altLang="en-US" sz="1600" b="1" dirty="0" smtClean="0">
-                <a:solidFill>
-                  <a:schemeClr val="tx1">
-                    <a:lumMod val="75000"/>
-                    <a:lumOff val="25000"/>
-                  </a:schemeClr>
-                </a:solidFill>
-                <a:latin typeface="微软雅黑" panose="020B0503020204020204" pitchFamily="34" charset="-122"/>
-                <a:ea typeface="微软雅黑" panose="020B0503020204020204" pitchFamily="34" charset="-122"/>
-              </a:rPr>
-              <a:t>种</a:t>
-            </a:r>
-            <a:r>
-              <a:rPr lang="zh-CN" altLang="en-US" sz="1600" b="1" dirty="0" smtClean="0">
-                <a:solidFill>
-                  <a:schemeClr val="tx1">
-                    <a:lumMod val="75000"/>
-                    <a:lumOff val="25000"/>
-                  </a:schemeClr>
-                </a:solidFill>
-                <a:latin typeface="微软雅黑" panose="020B0503020204020204" pitchFamily="34" charset="-122"/>
-                <a:ea typeface="微软雅黑" panose="020B0503020204020204" pitchFamily="34" charset="-122"/>
-              </a:rPr>
-              <a:t>方式）</a:t>
+              <a:t>种方式）</a:t>
             </a:r>
             <a:endParaRPr lang="en-US" altLang="zh-CN" sz="1600" b="1" dirty="0" smtClean="0">
               <a:solidFill>

--- a/Presentation/presentation.pptx
+++ b/Presentation/presentation.pptx
@@ -248,7 +248,7 @@
           <a:p>
             <a:fld id="{9DCBE0DC-59D1-4492-A759-9B7E7B780E9C}" type="datetimeFigureOut">
               <a:rPr lang="zh-CN" altLang="en-US" smtClean="0"/>
-              <a:t>2017/5/16</a:t>
+              <a:t>2017/5/23</a:t>
             </a:fld>
             <a:endParaRPr lang="zh-CN" altLang="en-US"/>
           </a:p>
@@ -1120,7 +1120,7 @@
           <a:p>
             <a:fld id="{530820CF-B880-4189-942D-D702A7CBA730}" type="datetimeFigureOut">
               <a:rPr lang="zh-CN" altLang="en-US" smtClean="0"/>
-              <a:t>2017/5/16</a:t>
+              <a:t>2017/5/23</a:t>
             </a:fld>
             <a:endParaRPr lang="zh-CN" altLang="en-US"/>
           </a:p>
@@ -1285,7 +1285,7 @@
           <a:p>
             <a:fld id="{530820CF-B880-4189-942D-D702A7CBA730}" type="datetimeFigureOut">
               <a:rPr lang="zh-CN" altLang="en-US" smtClean="0"/>
-              <a:t>2017/5/16</a:t>
+              <a:t>2017/5/23</a:t>
             </a:fld>
             <a:endParaRPr lang="zh-CN" altLang="en-US"/>
           </a:p>
@@ -1460,7 +1460,7 @@
           <a:p>
             <a:fld id="{530820CF-B880-4189-942D-D702A7CBA730}" type="datetimeFigureOut">
               <a:rPr lang="zh-CN" altLang="en-US" smtClean="0"/>
-              <a:t>2017/5/16</a:t>
+              <a:t>2017/5/23</a:t>
             </a:fld>
             <a:endParaRPr lang="zh-CN" altLang="en-US"/>
           </a:p>
@@ -1625,7 +1625,7 @@
           <a:p>
             <a:fld id="{530820CF-B880-4189-942D-D702A7CBA730}" type="datetimeFigureOut">
               <a:rPr lang="zh-CN" altLang="en-US" smtClean="0"/>
-              <a:t>2017/5/16</a:t>
+              <a:t>2017/5/23</a:t>
             </a:fld>
             <a:endParaRPr lang="zh-CN" altLang="en-US"/>
           </a:p>
@@ -1866,7 +1866,7 @@
           <a:p>
             <a:fld id="{530820CF-B880-4189-942D-D702A7CBA730}" type="datetimeFigureOut">
               <a:rPr lang="zh-CN" altLang="en-US" smtClean="0"/>
-              <a:t>2017/5/16</a:t>
+              <a:t>2017/5/23</a:t>
             </a:fld>
             <a:endParaRPr lang="zh-CN" altLang="en-US"/>
           </a:p>
@@ -2149,7 +2149,7 @@
           <a:p>
             <a:fld id="{530820CF-B880-4189-942D-D702A7CBA730}" type="datetimeFigureOut">
               <a:rPr lang="zh-CN" altLang="en-US" smtClean="0"/>
-              <a:t>2017/5/16</a:t>
+              <a:t>2017/5/23</a:t>
             </a:fld>
             <a:endParaRPr lang="zh-CN" altLang="en-US"/>
           </a:p>
@@ -2566,7 +2566,7 @@
           <a:p>
             <a:fld id="{530820CF-B880-4189-942D-D702A7CBA730}" type="datetimeFigureOut">
               <a:rPr lang="zh-CN" altLang="en-US" smtClean="0"/>
-              <a:t>2017/5/16</a:t>
+              <a:t>2017/5/23</a:t>
             </a:fld>
             <a:endParaRPr lang="zh-CN" altLang="en-US"/>
           </a:p>
@@ -2679,7 +2679,7 @@
           <a:p>
             <a:fld id="{530820CF-B880-4189-942D-D702A7CBA730}" type="datetimeFigureOut">
               <a:rPr lang="zh-CN" altLang="en-US" smtClean="0"/>
-              <a:t>2017/5/16</a:t>
+              <a:t>2017/5/23</a:t>
             </a:fld>
             <a:endParaRPr lang="zh-CN" altLang="en-US"/>
           </a:p>
@@ -2769,7 +2769,7 @@
           <a:p>
             <a:fld id="{530820CF-B880-4189-942D-D702A7CBA730}" type="datetimeFigureOut">
               <a:rPr lang="zh-CN" altLang="en-US" smtClean="0"/>
-              <a:t>2017/5/16</a:t>
+              <a:t>2017/5/23</a:t>
             </a:fld>
             <a:endParaRPr lang="zh-CN" altLang="en-US"/>
           </a:p>
@@ -3041,7 +3041,7 @@
           <a:p>
             <a:fld id="{530820CF-B880-4189-942D-D702A7CBA730}" type="datetimeFigureOut">
               <a:rPr lang="zh-CN" altLang="en-US" smtClean="0"/>
-              <a:t>2017/5/16</a:t>
+              <a:t>2017/5/23</a:t>
             </a:fld>
             <a:endParaRPr lang="zh-CN" altLang="en-US"/>
           </a:p>
@@ -3289,7 +3289,7 @@
           <a:p>
             <a:fld id="{530820CF-B880-4189-942D-D702A7CBA730}" type="datetimeFigureOut">
               <a:rPr lang="zh-CN" altLang="en-US" smtClean="0"/>
-              <a:t>2017/5/16</a:t>
+              <a:t>2017/5/23</a:t>
             </a:fld>
             <a:endParaRPr lang="zh-CN" altLang="en-US"/>
           </a:p>
@@ -3497,7 +3497,7 @@
           <a:p>
             <a:fld id="{530820CF-B880-4189-942D-D702A7CBA730}" type="datetimeFigureOut">
               <a:rPr lang="zh-CN" altLang="en-US" smtClean="0"/>
-              <a:t>2017/5/16</a:t>
+              <a:t>2017/5/23</a:t>
             </a:fld>
             <a:endParaRPr lang="zh-CN" altLang="en-US"/>
           </a:p>
@@ -14329,20 +14329,7 @@
                 <a:latin typeface="微软雅黑" panose="020B0503020204020204" pitchFamily="34" charset="-122"/>
                 <a:ea typeface="微软雅黑" panose="020B0503020204020204" pitchFamily="34" charset="-122"/>
               </a:rPr>
-              <a:t>等</a:t>
-            </a:r>
-            <a:r>
-              <a:rPr lang="zh-CN" altLang="en-US" sz="1600" b="1" dirty="0" smtClean="0">
-                <a:solidFill>
-                  <a:schemeClr val="tx1">
-                    <a:lumMod val="75000"/>
-                    <a:lumOff val="25000"/>
-                  </a:schemeClr>
-                </a:solidFill>
-                <a:latin typeface="微软雅黑" panose="020B0503020204020204" pitchFamily="34" charset="-122"/>
-                <a:ea typeface="微软雅黑" panose="020B0503020204020204" pitchFamily="34" charset="-122"/>
-              </a:rPr>
-              <a:t>）</a:t>
+              <a:t>等）</a:t>
             </a:r>
             <a:endParaRPr lang="en-US" altLang="zh-CN" sz="1600" b="1" dirty="0" smtClean="0">
               <a:solidFill>
@@ -14406,20 +14393,7 @@
                 <a:latin typeface="微软雅黑" panose="020B0503020204020204" pitchFamily="34" charset="-122"/>
                 <a:ea typeface="微软雅黑" panose="020B0503020204020204" pitchFamily="34" charset="-122"/>
               </a:rPr>
-              <a:t>后端</a:t>
-            </a:r>
-            <a:r>
-              <a:rPr lang="zh-CN" altLang="en-US" sz="1600" b="1" dirty="0" smtClean="0">
-                <a:solidFill>
-                  <a:schemeClr val="tx1">
-                    <a:lumMod val="75000"/>
-                    <a:lumOff val="25000"/>
-                  </a:schemeClr>
-                </a:solidFill>
-                <a:latin typeface="微软雅黑" panose="020B0503020204020204" pitchFamily="34" charset="-122"/>
-                <a:ea typeface="微软雅黑" panose="020B0503020204020204" pitchFamily="34" charset="-122"/>
-              </a:rPr>
-              <a:t>初步调试</a:t>
+              <a:t>后端初步调试</a:t>
             </a:r>
             <a:endParaRPr lang="en-US" altLang="zh-CN" sz="1600" b="1" dirty="0" smtClean="0">
               <a:solidFill>
@@ -15522,20 +15496,7 @@
                 <a:latin typeface="微软雅黑" panose="020B0503020204020204" pitchFamily="34" charset="-122"/>
                 <a:ea typeface="微软雅黑" panose="020B0503020204020204" pitchFamily="34" charset="-122"/>
               </a:rPr>
-              <a:t>撰写使用</a:t>
-            </a:r>
-            <a:r>
-              <a:rPr lang="zh-CN" altLang="en-US" sz="1600" b="1" dirty="0" smtClean="0">
-                <a:solidFill>
-                  <a:schemeClr val="tx1">
-                    <a:lumMod val="75000"/>
-                    <a:lumOff val="25000"/>
-                  </a:schemeClr>
-                </a:solidFill>
-                <a:latin typeface="微软雅黑" panose="020B0503020204020204" pitchFamily="34" charset="-122"/>
-                <a:ea typeface="微软雅黑" panose="020B0503020204020204" pitchFamily="34" charset="-122"/>
-              </a:rPr>
-              <a:t>手册</a:t>
+              <a:t>撰写使用手册</a:t>
             </a:r>
             <a:endParaRPr lang="en-US" altLang="zh-CN" sz="1600" b="1" dirty="0" smtClean="0">
               <a:solidFill>
@@ -15612,59 +15573,7 @@
                 <a:latin typeface="微软雅黑" panose="020B0503020204020204" pitchFamily="34" charset="-122"/>
                 <a:ea typeface="微软雅黑" panose="020B0503020204020204" pitchFamily="34" charset="-122"/>
               </a:rPr>
-              <a:t>写出列车</a:t>
-            </a:r>
-            <a:r>
-              <a:rPr lang="zh-CN" altLang="en-US" sz="1600" b="1" dirty="0" smtClean="0">
-                <a:solidFill>
-                  <a:schemeClr val="tx1">
-                    <a:lumMod val="75000"/>
-                    <a:lumOff val="25000"/>
-                  </a:schemeClr>
-                </a:solidFill>
-                <a:latin typeface="微软雅黑" panose="020B0503020204020204" pitchFamily="34" charset="-122"/>
-                <a:ea typeface="微软雅黑" panose="020B0503020204020204" pitchFamily="34" charset="-122"/>
-              </a:rPr>
-              <a:t>相关部分头文件</a:t>
-            </a:r>
-            <a:r>
-              <a:rPr lang="zh-CN" altLang="en-US" sz="1600" b="1" dirty="0" smtClean="0">
-                <a:solidFill>
-                  <a:schemeClr val="tx1">
-                    <a:lumMod val="75000"/>
-                    <a:lumOff val="25000"/>
-                  </a:schemeClr>
-                </a:solidFill>
-                <a:latin typeface="微软雅黑" panose="020B0503020204020204" pitchFamily="34" charset="-122"/>
-                <a:ea typeface="微软雅黑" panose="020B0503020204020204" pitchFamily="34" charset="-122"/>
-              </a:rPr>
-              <a:t>（已</a:t>
-            </a:r>
-            <a:r>
-              <a:rPr lang="zh-CN" altLang="en-US" sz="1600" b="1" dirty="0" smtClean="0">
-                <a:solidFill>
-                  <a:schemeClr val="tx1">
-                    <a:lumMod val="75000"/>
-                    <a:lumOff val="25000"/>
-                  </a:schemeClr>
-                </a:solidFill>
-                <a:latin typeface="微软雅黑" panose="020B0503020204020204" pitchFamily="34" charset="-122"/>
-                <a:ea typeface="微软雅黑" panose="020B0503020204020204" pitchFamily="34" charset="-122"/>
-              </a:rPr>
-              <a:t>被部分整合</a:t>
-            </a:r>
-            <a:r>
-              <a:rPr lang="zh-CN" altLang="en-US" sz="1600" b="1" dirty="0" smtClean="0">
-                <a:solidFill>
-                  <a:schemeClr val="tx1">
-                    <a:lumMod val="75000"/>
-                    <a:lumOff val="25000"/>
-                  </a:schemeClr>
-                </a:solidFill>
-                <a:latin typeface="微软雅黑" panose="020B0503020204020204" pitchFamily="34" charset="-122"/>
-                <a:ea typeface="微软雅黑" panose="020B0503020204020204" pitchFamily="34" charset="-122"/>
-              </a:rPr>
-              <a:t>入数据库）</a:t>
+              <a:t>写出列车相关部分头文件（已被部分整合入数据库）</a:t>
             </a:r>
             <a:endParaRPr lang="en-US" altLang="zh-CN" sz="1600" b="1" dirty="0" smtClean="0">
               <a:solidFill>
@@ -18542,7 +18451,7 @@
         <p:spPr>
           <a:xfrm>
             <a:off x="2195736" y="2116729"/>
-            <a:ext cx="6048672" cy="1200329"/>
+            <a:ext cx="6048672" cy="1569660"/>
           </a:xfrm>
           <a:prstGeom prst="rect">
             <a:avLst/>
@@ -18554,6 +18463,38 @@
             <a:spAutoFit/>
           </a:bodyPr>
           <a:lstStyle/>
+          <a:p>
+            <a:pPr marL="285750" lvl="0" indent="-285750">
+              <a:lnSpc>
+                <a:spcPct val="150000"/>
+              </a:lnSpc>
+              <a:buFont typeface="Wingdings" panose="05000000000000000000" pitchFamily="2" charset="2"/>
+              <a:buChar char="Ø"/>
+            </a:pPr>
+            <a:r>
+              <a:rPr lang="zh-CN" altLang="en-US" sz="1600" b="1" smtClean="0">
+                <a:solidFill>
+                  <a:schemeClr val="tx1">
+                    <a:lumMod val="75000"/>
+                    <a:lumOff val="25000"/>
+                  </a:schemeClr>
+                </a:solidFill>
+                <a:latin typeface="微软雅黑" panose="020B0503020204020204" pitchFamily="34" charset="-122"/>
+                <a:ea typeface="微软雅黑" panose="020B0503020204020204" pitchFamily="34" charset="-122"/>
+              </a:rPr>
+              <a:t>各种手册的撰写</a:t>
+            </a:r>
+            <a:endParaRPr lang="en-US" altLang="zh-CN" sz="1600" b="1" dirty="0" smtClean="0">
+              <a:solidFill>
+                <a:schemeClr val="tx1">
+                  <a:lumMod val="75000"/>
+                  <a:lumOff val="25000"/>
+                </a:schemeClr>
+              </a:solidFill>
+              <a:latin typeface="微软雅黑" panose="020B0503020204020204" pitchFamily="34" charset="-122"/>
+              <a:ea typeface="微软雅黑" panose="020B0503020204020204" pitchFamily="34" charset="-122"/>
+            </a:endParaRPr>
+          </a:p>
           <a:p>
             <a:pPr marL="285750" lvl="0" indent="-285750">
               <a:lnSpc>
@@ -22373,8 +22314,8 @@
         </p:nvSpPr>
         <p:spPr>
           <a:xfrm>
-            <a:off x="6782220" y="1649470"/>
-            <a:ext cx="1911027" cy="338554"/>
+            <a:off x="6782220" y="1526360"/>
+            <a:ext cx="1911027" cy="584775"/>
           </a:xfrm>
           <a:prstGeom prst="rect">
             <a:avLst/>
@@ -22387,19 +22328,6 @@
           </a:bodyPr>
           <a:lstStyle/>
           <a:p>
-            <a:r>
-              <a:rPr lang="en-US" altLang="zh-CN" sz="1600" b="1" dirty="0" smtClean="0">
-                <a:solidFill>
-                  <a:schemeClr val="tx1">
-                    <a:lumMod val="75000"/>
-                    <a:lumOff val="25000"/>
-                  </a:schemeClr>
-                </a:solidFill>
-                <a:latin typeface="微软雅黑" panose="020B0503020204020204" pitchFamily="34" charset="-122"/>
-                <a:ea typeface="微软雅黑" panose="020B0503020204020204" pitchFamily="34" charset="-122"/>
-              </a:rPr>
-              <a:t>//</a:t>
-            </a:r>
             <a:r>
               <a:rPr lang="zh-CN" altLang="en-US" sz="1600" b="1" dirty="0" smtClean="0">
                 <a:solidFill>
@@ -22411,7 +22339,7 @@
                 <a:latin typeface="微软雅黑" panose="020B0503020204020204" pitchFamily="34" charset="-122"/>
                 <a:ea typeface="微软雅黑" panose="020B0503020204020204" pitchFamily="34" charset="-122"/>
               </a:rPr>
-              <a:t>管理员登录</a:t>
+              <a:t>管理员登录（提升权限）</a:t>
             </a:r>
             <a:endParaRPr lang="en-US" altLang="zh-CN" sz="1600" b="1" dirty="0">
               <a:solidFill>
@@ -22449,19 +22377,6 @@
           <a:lstStyle/>
           <a:p>
             <a:r>
-              <a:rPr lang="en-US" altLang="zh-CN" sz="1600" b="1" dirty="0" smtClean="0">
-                <a:solidFill>
-                  <a:schemeClr val="tx1">
-                    <a:lumMod val="75000"/>
-                    <a:lumOff val="25000"/>
-                  </a:schemeClr>
-                </a:solidFill>
-                <a:latin typeface="微软雅黑" panose="020B0503020204020204" pitchFamily="34" charset="-122"/>
-                <a:ea typeface="微软雅黑" panose="020B0503020204020204" pitchFamily="34" charset="-122"/>
-              </a:rPr>
-              <a:t>//</a:t>
-            </a:r>
-            <a:r>
               <a:rPr lang="zh-CN" altLang="en-US" sz="1600" b="1" dirty="0" smtClean="0">
                 <a:solidFill>
                   <a:schemeClr val="tx1">
@@ -22472,7 +22387,20 @@
                 <a:latin typeface="微软雅黑" panose="020B0503020204020204" pitchFamily="34" charset="-122"/>
                 <a:ea typeface="微软雅黑" panose="020B0503020204020204" pitchFamily="34" charset="-122"/>
               </a:rPr>
-              <a:t>查询修改用户</a:t>
+              <a:t>查询</a:t>
+            </a:r>
+            <a:r>
+              <a:rPr lang="zh-CN" altLang="en-US" sz="1600" b="1" dirty="0" smtClean="0">
+                <a:solidFill>
+                  <a:schemeClr val="tx1">
+                    <a:lumMod val="75000"/>
+                    <a:lumOff val="25000"/>
+                  </a:schemeClr>
+                </a:solidFill>
+                <a:latin typeface="微软雅黑" panose="020B0503020204020204" pitchFamily="34" charset="-122"/>
+                <a:ea typeface="微软雅黑" panose="020B0503020204020204" pitchFamily="34" charset="-122"/>
+              </a:rPr>
+              <a:t>修改用户</a:t>
             </a:r>
             <a:endParaRPr lang="en-US" altLang="zh-CN" sz="1600" b="1" dirty="0">
               <a:solidFill>
@@ -22510,19 +22438,6 @@
           <a:lstStyle/>
           <a:p>
             <a:r>
-              <a:rPr lang="en-US" altLang="zh-CN" sz="1600" b="1" dirty="0" smtClean="0">
-                <a:solidFill>
-                  <a:schemeClr val="tx1">
-                    <a:lumMod val="75000"/>
-                    <a:lumOff val="25000"/>
-                  </a:schemeClr>
-                </a:solidFill>
-                <a:latin typeface="微软雅黑" panose="020B0503020204020204" pitchFamily="34" charset="-122"/>
-                <a:ea typeface="微软雅黑" panose="020B0503020204020204" pitchFamily="34" charset="-122"/>
-              </a:rPr>
-              <a:t>//</a:t>
-            </a:r>
-            <a:r>
               <a:rPr lang="zh-CN" altLang="en-US" sz="1600" b="1" dirty="0" smtClean="0">
                 <a:solidFill>
                   <a:schemeClr val="tx1">
@@ -22533,7 +22448,20 @@
                 <a:latin typeface="微软雅黑" panose="020B0503020204020204" pitchFamily="34" charset="-122"/>
                 <a:ea typeface="微软雅黑" panose="020B0503020204020204" pitchFamily="34" charset="-122"/>
               </a:rPr>
-              <a:t>增删改运行计划</a:t>
+              <a:t>增删</a:t>
+            </a:r>
+            <a:r>
+              <a:rPr lang="zh-CN" altLang="en-US" sz="1600" b="1" dirty="0" smtClean="0">
+                <a:solidFill>
+                  <a:schemeClr val="tx1">
+                    <a:lumMod val="75000"/>
+                    <a:lumOff val="25000"/>
+                  </a:schemeClr>
+                </a:solidFill>
+                <a:latin typeface="微软雅黑" panose="020B0503020204020204" pitchFamily="34" charset="-122"/>
+                <a:ea typeface="微软雅黑" panose="020B0503020204020204" pitchFamily="34" charset="-122"/>
+              </a:rPr>
+              <a:t>改运行计划</a:t>
             </a:r>
             <a:endParaRPr lang="en-US" altLang="zh-CN" sz="1600" b="1" dirty="0">
               <a:solidFill>
@@ -27008,6 +26936,526 @@
               <a:t>匿名查票</a:t>
             </a:r>
             <a:endParaRPr lang="en-US" altLang="zh-CN" sz="1600" b="1" dirty="0" smtClean="0">
+              <a:solidFill>
+                <a:schemeClr val="tx1">
+                  <a:lumMod val="75000"/>
+                  <a:lumOff val="25000"/>
+                </a:schemeClr>
+              </a:solidFill>
+              <a:latin typeface="微软雅黑" panose="020B0503020204020204" pitchFamily="34" charset="-122"/>
+              <a:ea typeface="微软雅黑" panose="020B0503020204020204" pitchFamily="34" charset="-122"/>
+            </a:endParaRPr>
+          </a:p>
+        </p:txBody>
+      </p:sp>
+      <p:cxnSp>
+        <p:nvCxnSpPr>
+          <p:cNvPr id="66" name="直接连接符 65"/>
+          <p:cNvCxnSpPr/>
+          <p:nvPr/>
+        </p:nvCxnSpPr>
+        <p:spPr>
+          <a:xfrm flipH="1">
+            <a:off x="5340937" y="2807379"/>
+            <a:ext cx="2138537" cy="4266"/>
+          </a:xfrm>
+          <a:prstGeom prst="line">
+            <a:avLst/>
+          </a:prstGeom>
+          <a:ln w="6350">
+            <a:solidFill>
+              <a:schemeClr val="bg1"/>
+            </a:solidFill>
+            <a:prstDash val="sysDot"/>
+            <a:headEnd type="none"/>
+            <a:tailEnd type="none"/>
+          </a:ln>
+          <a:effectLst>
+            <a:outerShdw blurRad="50800" dist="38100" dir="8100000" algn="tr" rotWithShape="0">
+              <a:prstClr val="black">
+                <a:alpha val="40000"/>
+              </a:prstClr>
+            </a:outerShdw>
+          </a:effectLst>
+        </p:spPr>
+        <p:style>
+          <a:lnRef idx="1">
+            <a:schemeClr val="accent1"/>
+          </a:lnRef>
+          <a:fillRef idx="0">
+            <a:schemeClr val="accent1"/>
+          </a:fillRef>
+          <a:effectRef idx="0">
+            <a:schemeClr val="accent1"/>
+          </a:effectRef>
+          <a:fontRef idx="minor">
+            <a:schemeClr val="tx1"/>
+          </a:fontRef>
+        </p:style>
+      </p:cxnSp>
+      <p:sp>
+        <p:nvSpPr>
+          <p:cNvPr id="67" name="流程图: 联系 66"/>
+          <p:cNvSpPr/>
+          <p:nvPr/>
+        </p:nvSpPr>
+        <p:spPr>
+          <a:xfrm>
+            <a:off x="6139237" y="2488834"/>
+            <a:ext cx="646595" cy="633602"/>
+          </a:xfrm>
+          <a:prstGeom prst="flowChartConnector">
+            <a:avLst/>
+          </a:prstGeom>
+          <a:solidFill>
+            <a:srgbClr val="05AFC8"/>
+          </a:solidFill>
+          <a:ln w="57150">
+            <a:solidFill>
+              <a:schemeClr val="bg1">
+                <a:lumMod val="95000"/>
+              </a:schemeClr>
+            </a:solidFill>
+          </a:ln>
+          <a:effectLst>
+            <a:outerShdw blurRad="50800" dist="38100" dir="5400000" algn="t" rotWithShape="0">
+              <a:prstClr val="black">
+                <a:alpha val="40000"/>
+              </a:prstClr>
+            </a:outerShdw>
+          </a:effectLst>
+        </p:spPr>
+        <p:style>
+          <a:lnRef idx="2">
+            <a:schemeClr val="accent1">
+              <a:shade val="50000"/>
+            </a:schemeClr>
+          </a:lnRef>
+          <a:fillRef idx="1">
+            <a:schemeClr val="accent1"/>
+          </a:fillRef>
+          <a:effectRef idx="0">
+            <a:schemeClr val="accent1"/>
+          </a:effectRef>
+          <a:fontRef idx="minor">
+            <a:schemeClr val="lt1"/>
+          </a:fontRef>
+        </p:style>
+        <p:txBody>
+          <a:bodyPr rtlCol="0" anchor="ctr"/>
+          <a:lstStyle/>
+          <a:p>
+            <a:pPr algn="ctr"/>
+            <a:endParaRPr lang="zh-CN" altLang="en-US"/>
+          </a:p>
+        </p:txBody>
+      </p:sp>
+      <p:sp>
+        <p:nvSpPr>
+          <p:cNvPr id="68" name="流程图: 摘录 67"/>
+          <p:cNvSpPr/>
+          <p:nvPr/>
+        </p:nvSpPr>
+        <p:spPr>
+          <a:xfrm rot="5400000" flipH="1" flipV="1">
+            <a:off x="6172950" y="2625289"/>
+            <a:ext cx="440234" cy="360690"/>
+          </a:xfrm>
+          <a:prstGeom prst="flowChartExtract">
+            <a:avLst/>
+          </a:prstGeom>
+          <a:noFill/>
+          <a:ln w="12700">
+            <a:solidFill>
+              <a:schemeClr val="bg1"/>
+            </a:solidFill>
+          </a:ln>
+        </p:spPr>
+        <p:style>
+          <a:lnRef idx="2">
+            <a:schemeClr val="accent1">
+              <a:shade val="50000"/>
+            </a:schemeClr>
+          </a:lnRef>
+          <a:fillRef idx="1">
+            <a:schemeClr val="accent1"/>
+          </a:fillRef>
+          <a:effectRef idx="0">
+            <a:schemeClr val="accent1"/>
+          </a:effectRef>
+          <a:fontRef idx="minor">
+            <a:schemeClr val="lt1"/>
+          </a:fontRef>
+        </p:style>
+        <p:txBody>
+          <a:bodyPr rtlCol="0" anchor="ctr"/>
+          <a:lstStyle/>
+          <a:p>
+            <a:pPr algn="ctr"/>
+            <a:endParaRPr lang="zh-CN" altLang="en-US"/>
+          </a:p>
+        </p:txBody>
+      </p:sp>
+      <p:sp>
+        <p:nvSpPr>
+          <p:cNvPr id="69" name="TextBox 96"/>
+          <p:cNvSpPr txBox="1"/>
+          <p:nvPr/>
+        </p:nvSpPr>
+        <p:spPr>
+          <a:xfrm>
+            <a:off x="5837471" y="2651745"/>
+            <a:ext cx="1250122" cy="307777"/>
+          </a:xfrm>
+          <a:prstGeom prst="rect">
+            <a:avLst/>
+          </a:prstGeom>
+          <a:noFill/>
+        </p:spPr>
+        <p:txBody>
+          <a:bodyPr wrap="square" rtlCol="0" anchor="ctr">
+            <a:spAutoFit/>
+          </a:bodyPr>
+          <a:lstStyle/>
+          <a:p>
+            <a:pPr algn="ctr"/>
+            <a:r>
+              <a:rPr lang="en-US" altLang="zh-CN" sz="1400" b="1" dirty="0" smtClean="0">
+                <a:solidFill>
+                  <a:schemeClr val="bg1"/>
+                </a:solidFill>
+                <a:effectLst>
+                  <a:outerShdw blurRad="38100" dist="38100" dir="2700000" algn="tl">
+                    <a:srgbClr val="000000">
+                      <a:alpha val="43137"/>
+                    </a:srgbClr>
+                  </a:outerShdw>
+                </a:effectLst>
+                <a:latin typeface="微软雅黑" panose="020B0503020204020204" pitchFamily="34" charset="-122"/>
+                <a:ea typeface="微软雅黑" panose="020B0503020204020204" pitchFamily="34" charset="-122"/>
+              </a:rPr>
+              <a:t>06</a:t>
+            </a:r>
+            <a:endParaRPr lang="zh-CN" altLang="en-US" sz="1400" b="1" dirty="0">
+              <a:solidFill>
+                <a:schemeClr val="bg1"/>
+              </a:solidFill>
+              <a:effectLst>
+                <a:outerShdw blurRad="38100" dist="38100" dir="2700000" algn="tl">
+                  <a:srgbClr val="000000">
+                    <a:alpha val="43137"/>
+                  </a:srgbClr>
+                </a:outerShdw>
+              </a:effectLst>
+              <a:latin typeface="微软雅黑" panose="020B0503020204020204" pitchFamily="34" charset="-122"/>
+              <a:ea typeface="微软雅黑" panose="020B0503020204020204" pitchFamily="34" charset="-122"/>
+            </a:endParaRPr>
+          </a:p>
+        </p:txBody>
+      </p:sp>
+      <p:sp>
+        <p:nvSpPr>
+          <p:cNvPr id="70" name="TextBox 103"/>
+          <p:cNvSpPr txBox="1"/>
+          <p:nvPr/>
+        </p:nvSpPr>
+        <p:spPr>
+          <a:xfrm>
+            <a:off x="6822761" y="2696044"/>
+            <a:ext cx="1911027" cy="338554"/>
+          </a:xfrm>
+          <a:prstGeom prst="rect">
+            <a:avLst/>
+          </a:prstGeom>
+          <a:noFill/>
+        </p:spPr>
+        <p:txBody>
+          <a:bodyPr wrap="square" rtlCol="0" anchor="ctr">
+            <a:spAutoFit/>
+          </a:bodyPr>
+          <a:lstStyle/>
+          <a:p>
+            <a:r>
+              <a:rPr lang="zh-CN" altLang="en-US" sz="1600" b="1" dirty="0">
+                <a:solidFill>
+                  <a:schemeClr val="tx1">
+                    <a:lumMod val="75000"/>
+                    <a:lumOff val="25000"/>
+                  </a:schemeClr>
+                </a:solidFill>
+                <a:latin typeface="微软雅黑" panose="020B0503020204020204" pitchFamily="34" charset="-122"/>
+                <a:ea typeface="微软雅黑" panose="020B0503020204020204" pitchFamily="34" charset="-122"/>
+              </a:rPr>
+              <a:t>靓</a:t>
+            </a:r>
+            <a:r>
+              <a:rPr lang="zh-CN" altLang="en-US" sz="1600" b="1" dirty="0" smtClean="0">
+                <a:solidFill>
+                  <a:schemeClr val="tx1">
+                    <a:lumMod val="75000"/>
+                    <a:lumOff val="25000"/>
+                  </a:schemeClr>
+                </a:solidFill>
+                <a:latin typeface="微软雅黑" panose="020B0503020204020204" pitchFamily="34" charset="-122"/>
+                <a:ea typeface="微软雅黑" panose="020B0503020204020204" pitchFamily="34" charset="-122"/>
+              </a:rPr>
+              <a:t>号申请</a:t>
+            </a:r>
+            <a:endParaRPr lang="en-US" altLang="zh-CN" sz="1600" b="1" dirty="0">
+              <a:solidFill>
+                <a:schemeClr val="tx1">
+                  <a:lumMod val="75000"/>
+                  <a:lumOff val="25000"/>
+                </a:schemeClr>
+              </a:solidFill>
+              <a:latin typeface="微软雅黑" panose="020B0503020204020204" pitchFamily="34" charset="-122"/>
+              <a:ea typeface="微软雅黑" panose="020B0503020204020204" pitchFamily="34" charset="-122"/>
+            </a:endParaRPr>
+          </a:p>
+        </p:txBody>
+      </p:sp>
+      <p:cxnSp>
+        <p:nvCxnSpPr>
+          <p:cNvPr id="71" name="直接连接符 70"/>
+          <p:cNvCxnSpPr/>
+          <p:nvPr/>
+        </p:nvCxnSpPr>
+        <p:spPr>
+          <a:xfrm flipH="1">
+            <a:off x="2898890" y="2821915"/>
+            <a:ext cx="847170" cy="16568"/>
+          </a:xfrm>
+          <a:prstGeom prst="line">
+            <a:avLst/>
+          </a:prstGeom>
+          <a:ln w="6350">
+            <a:solidFill>
+              <a:schemeClr val="bg1"/>
+            </a:solidFill>
+            <a:prstDash val="sysDot"/>
+            <a:headEnd type="none"/>
+            <a:tailEnd type="none"/>
+          </a:ln>
+          <a:effectLst>
+            <a:outerShdw blurRad="50800" dist="38100" dir="8100000" algn="tr" rotWithShape="0">
+              <a:prstClr val="black">
+                <a:alpha val="40000"/>
+              </a:prstClr>
+            </a:outerShdw>
+          </a:effectLst>
+        </p:spPr>
+        <p:style>
+          <a:lnRef idx="1">
+            <a:schemeClr val="accent1"/>
+          </a:lnRef>
+          <a:fillRef idx="0">
+            <a:schemeClr val="accent1"/>
+          </a:fillRef>
+          <a:effectRef idx="0">
+            <a:schemeClr val="accent1"/>
+          </a:effectRef>
+          <a:fontRef idx="minor">
+            <a:schemeClr val="tx1"/>
+          </a:fontRef>
+        </p:style>
+      </p:cxnSp>
+      <p:sp>
+        <p:nvSpPr>
+          <p:cNvPr id="72" name="流程图: 联系 71"/>
+          <p:cNvSpPr/>
+          <p:nvPr/>
+        </p:nvSpPr>
+        <p:spPr>
+          <a:xfrm>
+            <a:off x="2255492" y="2553444"/>
+            <a:ext cx="646595" cy="633602"/>
+          </a:xfrm>
+          <a:prstGeom prst="flowChartConnector">
+            <a:avLst/>
+          </a:prstGeom>
+          <a:solidFill>
+            <a:srgbClr val="05AFC8"/>
+          </a:solidFill>
+          <a:ln w="57150">
+            <a:solidFill>
+              <a:schemeClr val="bg1">
+                <a:lumMod val="95000"/>
+              </a:schemeClr>
+            </a:solidFill>
+          </a:ln>
+          <a:effectLst>
+            <a:outerShdw blurRad="50800" dist="38100" dir="5400000" algn="t" rotWithShape="0">
+              <a:prstClr val="black">
+                <a:alpha val="40000"/>
+              </a:prstClr>
+            </a:outerShdw>
+          </a:effectLst>
+        </p:spPr>
+        <p:style>
+          <a:lnRef idx="2">
+            <a:schemeClr val="accent1">
+              <a:shade val="50000"/>
+            </a:schemeClr>
+          </a:lnRef>
+          <a:fillRef idx="1">
+            <a:schemeClr val="accent1"/>
+          </a:fillRef>
+          <a:effectRef idx="0">
+            <a:schemeClr val="accent1"/>
+          </a:effectRef>
+          <a:fontRef idx="minor">
+            <a:schemeClr val="lt1"/>
+          </a:fontRef>
+        </p:style>
+        <p:txBody>
+          <a:bodyPr rtlCol="0" anchor="ctr"/>
+          <a:lstStyle/>
+          <a:p>
+            <a:pPr algn="ctr"/>
+            <a:endParaRPr lang="zh-CN" altLang="en-US"/>
+          </a:p>
+        </p:txBody>
+      </p:sp>
+      <p:sp>
+        <p:nvSpPr>
+          <p:cNvPr id="73" name="流程图: 摘录 72"/>
+          <p:cNvSpPr/>
+          <p:nvPr/>
+        </p:nvSpPr>
+        <p:spPr>
+          <a:xfrm rot="16200000" flipH="1" flipV="1">
+            <a:off x="2411707" y="2675700"/>
+            <a:ext cx="440234" cy="360690"/>
+          </a:xfrm>
+          <a:prstGeom prst="flowChartExtract">
+            <a:avLst/>
+          </a:prstGeom>
+          <a:noFill/>
+          <a:ln w="12700">
+            <a:solidFill>
+              <a:schemeClr val="bg1"/>
+            </a:solidFill>
+          </a:ln>
+        </p:spPr>
+        <p:style>
+          <a:lnRef idx="2">
+            <a:schemeClr val="accent1">
+              <a:shade val="50000"/>
+            </a:schemeClr>
+          </a:lnRef>
+          <a:fillRef idx="1">
+            <a:schemeClr val="accent1"/>
+          </a:fillRef>
+          <a:effectRef idx="0">
+            <a:schemeClr val="accent1"/>
+          </a:effectRef>
+          <a:fontRef idx="minor">
+            <a:schemeClr val="lt1"/>
+          </a:fontRef>
+        </p:style>
+        <p:txBody>
+          <a:bodyPr rtlCol="0" anchor="ctr"/>
+          <a:lstStyle/>
+          <a:p>
+            <a:pPr algn="ctr"/>
+            <a:endParaRPr lang="zh-CN" altLang="en-US"/>
+          </a:p>
+        </p:txBody>
+      </p:sp>
+      <p:sp>
+        <p:nvSpPr>
+          <p:cNvPr id="74" name="TextBox 92"/>
+          <p:cNvSpPr txBox="1"/>
+          <p:nvPr/>
+        </p:nvSpPr>
+        <p:spPr>
+          <a:xfrm>
+            <a:off x="1952657" y="2702156"/>
+            <a:ext cx="1250122" cy="307777"/>
+          </a:xfrm>
+          <a:prstGeom prst="rect">
+            <a:avLst/>
+          </a:prstGeom>
+          <a:noFill/>
+        </p:spPr>
+        <p:txBody>
+          <a:bodyPr wrap="square" rtlCol="0" anchor="ctr">
+            <a:spAutoFit/>
+          </a:bodyPr>
+          <a:lstStyle/>
+          <a:p>
+            <a:pPr algn="ctr"/>
+            <a:r>
+              <a:rPr lang="en-US" altLang="zh-CN" sz="1400" b="1" dirty="0" smtClean="0">
+                <a:solidFill>
+                  <a:schemeClr val="bg1"/>
+                </a:solidFill>
+                <a:effectLst>
+                  <a:outerShdw blurRad="38100" dist="38100" dir="2700000" algn="tl">
+                    <a:srgbClr val="000000">
+                      <a:alpha val="43137"/>
+                    </a:srgbClr>
+                  </a:outerShdw>
+                </a:effectLst>
+                <a:latin typeface="微软雅黑" panose="020B0503020204020204" pitchFamily="34" charset="-122"/>
+                <a:ea typeface="微软雅黑" panose="020B0503020204020204" pitchFamily="34" charset="-122"/>
+              </a:rPr>
+              <a:t>07</a:t>
+            </a:r>
+            <a:endParaRPr lang="zh-CN" altLang="en-US" sz="1400" b="1" dirty="0">
+              <a:solidFill>
+                <a:schemeClr val="bg1"/>
+              </a:solidFill>
+              <a:effectLst>
+                <a:outerShdw blurRad="38100" dist="38100" dir="2700000" algn="tl">
+                  <a:srgbClr val="000000">
+                    <a:alpha val="43137"/>
+                  </a:srgbClr>
+                </a:outerShdw>
+              </a:effectLst>
+              <a:latin typeface="微软雅黑" panose="020B0503020204020204" pitchFamily="34" charset="-122"/>
+              <a:ea typeface="微软雅黑" panose="020B0503020204020204" pitchFamily="34" charset="-122"/>
+            </a:endParaRPr>
+          </a:p>
+        </p:txBody>
+      </p:sp>
+      <p:sp>
+        <p:nvSpPr>
+          <p:cNvPr id="75" name="TextBox 119"/>
+          <p:cNvSpPr txBox="1"/>
+          <p:nvPr/>
+        </p:nvSpPr>
+        <p:spPr>
+          <a:xfrm>
+            <a:off x="356719" y="2717238"/>
+            <a:ext cx="1911027" cy="338554"/>
+          </a:xfrm>
+          <a:prstGeom prst="rect">
+            <a:avLst/>
+          </a:prstGeom>
+          <a:noFill/>
+        </p:spPr>
+        <p:txBody>
+          <a:bodyPr wrap="square" rtlCol="0" anchor="ctr">
+            <a:spAutoFit/>
+          </a:bodyPr>
+          <a:lstStyle/>
+          <a:p>
+            <a:pPr algn="r"/>
+            <a:r>
+              <a:rPr lang="zh-CN" altLang="en-US" sz="1600" b="1" dirty="0" smtClean="0">
+                <a:solidFill>
+                  <a:schemeClr val="tx1">
+                    <a:lumMod val="75000"/>
+                    <a:lumOff val="25000"/>
+                  </a:schemeClr>
+                </a:solidFill>
+                <a:latin typeface="微软雅黑" panose="020B0503020204020204" pitchFamily="34" charset="-122"/>
+                <a:ea typeface="微软雅黑" panose="020B0503020204020204" pitchFamily="34" charset="-122"/>
+              </a:rPr>
+              <a:t>试试手气</a:t>
+            </a:r>
+            <a:endParaRPr lang="en-US" altLang="zh-CN" sz="1600" b="1" dirty="0">
               <a:solidFill>
                 <a:schemeClr val="tx1">
                   <a:lumMod val="75000"/>
